--- a/pre/slides.pptx
+++ b/pre/slides.pptx
@@ -10,11 +10,12 @@
     <p:sldId id="257" r:id="rId5"/>
     <p:sldId id="259" r:id="rId6"/>
     <p:sldId id="260" r:id="rId7"/>
+    <p:sldId id="262" r:id="rId8"/>
   </p:sldIdLst>
   <p:sldSz cx="12192000" cy="6858000"/>
   <p:notesSz cx="6858000" cy="9144000"/>
   <p:custDataLst>
-    <p:tags r:id="rId11"/>
+    <p:tags r:id="rId12"/>
   </p:custDataLst>
   <p:defaultTextStyle>
     <a:defPPr>
@@ -3713,11 +3714,263 @@
             </a:r>
             <a:endParaRPr lang="en-US" altLang="zh-CN"/>
           </a:p>
-        </p:txBody>
-      </p:sp>
+          <a:p>
+            <a:pPr marL="0" indent="0">
+              <a:buNone/>
+            </a:pPr>
+            <a:endParaRPr lang="en-US" altLang="zh-CN"/>
+          </a:p>
+          <a:p>
+            <a:r>
+              <a:rPr lang="en-US" altLang="zh-CN"/>
+              <a:t>provide EEG, </a:t>
+            </a:r>
+            <a:r>
+              <a:rPr lang="en-US" altLang="zh-CN">
+                <a:sym typeface="+mn-ea"/>
+              </a:rPr>
+              <a:t>EOG</a:t>
+            </a:r>
+            <a:r>
+              <a:rPr lang="en-US" altLang="zh-CN"/>
+              <a:t> and EMG signals during patients’ sleeping</a:t>
+            </a:r>
+            <a:endParaRPr lang="en-US" altLang="zh-CN"/>
+          </a:p>
+          <a:p>
+            <a:r>
+              <a:rPr lang="en-US" altLang="zh-CN"/>
+              <a:t>provide sleep stages at each time</a:t>
+            </a:r>
+            <a:endParaRPr lang="en-US" altLang="zh-CN"/>
+          </a:p>
+        </p:txBody>
+      </p:sp>
+      <p:pic>
+        <p:nvPicPr>
+          <p:cNvPr id="4" name="图片 3" descr="sleep-stage-figure-in-database"/>
+          <p:cNvPicPr>
+            <a:picLocks noChangeAspect="1"/>
+          </p:cNvPicPr>
+          <p:nvPr/>
+        </p:nvPicPr>
+        <p:blipFill>
+          <a:blip r:embed="rId1"/>
+          <a:stretch>
+            <a:fillRect/>
+          </a:stretch>
+        </p:blipFill>
+        <p:spPr>
+          <a:xfrm>
+            <a:off x="1095375" y="4780915"/>
+            <a:ext cx="9144000" cy="1828800"/>
+          </a:xfrm>
+          <a:prstGeom prst="rect">
+            <a:avLst/>
+          </a:prstGeom>
+        </p:spPr>
+      </p:pic>
+      <p:pic>
+        <p:nvPicPr>
+          <p:cNvPr id="6" name="图片 5" descr="EEG horizontal"/>
+          <p:cNvPicPr>
+            <a:picLocks noChangeAspect="1"/>
+          </p:cNvPicPr>
+          <p:nvPr>
+            <p:custDataLst>
+              <p:tags r:id="rId2"/>
+            </p:custDataLst>
+          </p:nvPr>
+        </p:nvPicPr>
+        <p:blipFill>
+          <a:blip r:embed="rId3"/>
+          <a:stretch>
+            <a:fillRect/>
+          </a:stretch>
+        </p:blipFill>
+        <p:spPr>
+          <a:xfrm>
+            <a:off x="966470" y="3831590"/>
+            <a:ext cx="4509135" cy="788670"/>
+          </a:xfrm>
+          <a:prstGeom prst="rect">
+            <a:avLst/>
+          </a:prstGeom>
+        </p:spPr>
+      </p:pic>
+      <p:pic>
+        <p:nvPicPr>
+          <p:cNvPr id="7" name="图片 6" descr="EEG Pz-Oz"/>
+          <p:cNvPicPr>
+            <a:picLocks noChangeAspect="1"/>
+          </p:cNvPicPr>
+          <p:nvPr>
+            <p:custDataLst>
+              <p:tags r:id="rId4"/>
+            </p:custDataLst>
+          </p:nvPr>
+        </p:nvPicPr>
+        <p:blipFill>
+          <a:blip r:embed="rId5"/>
+          <a:stretch>
+            <a:fillRect/>
+          </a:stretch>
+        </p:blipFill>
+        <p:spPr>
+          <a:xfrm>
+            <a:off x="6409690" y="3971290"/>
+            <a:ext cx="5276215" cy="1028065"/>
+          </a:xfrm>
+          <a:prstGeom prst="rect">
+            <a:avLst/>
+          </a:prstGeom>
+        </p:spPr>
+      </p:pic>
+      <p:pic>
+        <p:nvPicPr>
+          <p:cNvPr id="8" name="图片 7" descr="EEG-Fpz-Cz"/>
+          <p:cNvPicPr>
+            <a:picLocks noChangeAspect="1"/>
+          </p:cNvPicPr>
+          <p:nvPr>
+            <p:custDataLst>
+              <p:tags r:id="rId6"/>
+            </p:custDataLst>
+          </p:nvPr>
+        </p:nvPicPr>
+        <p:blipFill>
+          <a:blip r:embed="rId7"/>
+          <a:stretch>
+            <a:fillRect/>
+          </a:stretch>
+        </p:blipFill>
+        <p:spPr>
+          <a:xfrm>
+            <a:off x="6771005" y="3058160"/>
+            <a:ext cx="4377055" cy="913130"/>
+          </a:xfrm>
+          <a:prstGeom prst="rect">
+            <a:avLst/>
+          </a:prstGeom>
+        </p:spPr>
+      </p:pic>
     </p:spTree>
     <p:custDataLst>
-      <p:tags r:id="rId1"/>
+      <p:tags r:id="rId8"/>
+    </p:custDataLst>
+  </p:cSld>
+  <p:clrMapOvr>
+    <a:masterClrMapping/>
+  </p:clrMapOvr>
+</p:sld>
+</file>
+
+<file path=ppt/slides/slide6.xml><?xml version="1.0" encoding="utf-8"?>
+<p:sld xmlns:a="http://schemas.openxmlformats.org/drawingml/2006/main" xmlns:r="http://schemas.openxmlformats.org/officeDocument/2006/relationships" xmlns:p="http://schemas.openxmlformats.org/presentationml/2006/main">
+  <p:cSld>
+    <p:spTree>
+      <p:nvGrpSpPr>
+        <p:cNvPr id="1" name=""/>
+        <p:cNvGrpSpPr/>
+        <p:nvPr/>
+      </p:nvGrpSpPr>
+      <p:grpSpPr/>
+      <p:sp>
+        <p:nvSpPr>
+          <p:cNvPr id="2" name="标题 1"/>
+          <p:cNvSpPr>
+            <a:spLocks noGrp="1"/>
+          </p:cNvSpPr>
+          <p:nvPr>
+            <p:ph type="title"/>
+          </p:nvPr>
+        </p:nvSpPr>
+        <p:spPr/>
+        <p:txBody>
+          <a:bodyPr>
+            <a:normAutofit fontScale="90000"/>
+          </a:bodyPr>
+          <a:p>
+            <a:r>
+              <a:rPr lang="en-US" altLang="zh-CN">
+                <a:sym typeface="+mn-ea"/>
+              </a:rPr>
+              <a:t>Analysis Method by ML - feature extraction</a:t>
+            </a:r>
+            <a:endParaRPr lang="en-US" altLang="zh-CN">
+              <a:sym typeface="+mn-ea"/>
+            </a:endParaRPr>
+          </a:p>
+        </p:txBody>
+      </p:sp>
+      <p:pic>
+        <p:nvPicPr>
+          <p:cNvPr id="4" name="内容占位符 3"/>
+          <p:cNvPicPr>
+            <a:picLocks noChangeAspect="1"/>
+          </p:cNvPicPr>
+          <p:nvPr>
+            <p:ph idx="1"/>
+            <p:custDataLst>
+              <p:tags r:id="rId1"/>
+            </p:custDataLst>
+          </p:nvPr>
+        </p:nvPicPr>
+        <p:blipFill>
+          <a:blip r:embed="rId2"/>
+          <a:stretch>
+            <a:fillRect/>
+          </a:stretch>
+        </p:blipFill>
+        <p:spPr>
+          <a:xfrm>
+            <a:off x="5330825" y="2175510"/>
+            <a:ext cx="5771515" cy="3346450"/>
+          </a:xfrm>
+          <a:prstGeom prst="rect">
+            <a:avLst/>
+          </a:prstGeom>
+        </p:spPr>
+      </p:pic>
+      <p:sp>
+        <p:nvSpPr>
+          <p:cNvPr id="5" name="文本框 4"/>
+          <p:cNvSpPr txBox="1"/>
+          <p:nvPr/>
+        </p:nvSpPr>
+        <p:spPr>
+          <a:xfrm>
+            <a:off x="958215" y="1843405"/>
+            <a:ext cx="4064000" cy="1753235"/>
+          </a:xfrm>
+          <a:prstGeom prst="rect">
+            <a:avLst/>
+          </a:prstGeom>
+          <a:noFill/>
+        </p:spPr>
+        <p:txBody>
+          <a:bodyPr wrap="square" rtlCol="0">
+            <a:spAutoFit/>
+          </a:bodyPr>
+          <a:p>
+            <a:r>
+              <a:rPr lang="en-US" altLang="zh-CN"/>
+              <a:t>We calculate a set of 131 features per window, these features are</a:t>
+            </a:r>
+            <a:endParaRPr lang="en-US" altLang="zh-CN"/>
+          </a:p>
+          <a:p>
+            <a:r>
+              <a:rPr lang="en-US" altLang="zh-CN"/>
+              <a:t>multi-domain (extracted from time and frequency domain) and multi-resolution (calculated on multiple window sizes).</a:t>
+            </a:r>
+            <a:endParaRPr lang="en-US" altLang="zh-CN"/>
+          </a:p>
+        </p:txBody>
+      </p:sp>
+    </p:spTree>
+    <p:custDataLst>
+      <p:tags r:id="rId3"/>
     </p:custDataLst>
   </p:cSld>
   <p:clrMapOvr>
@@ -4589,26 +4842,58 @@
 
 <file path=ppt/tags/tag69.xml><?xml version="1.0" encoding="utf-8"?>
 <p:tagLst xmlns:p="http://schemas.openxmlformats.org/presentationml/2006/main">
+  <p:tag name="KSO_WM_BEAUTIFY_FLAG" val=""/>
+</p:tagLst>
+</file>
+
+<file path=ppt/tags/tag7.xml><?xml version="1.0" encoding="utf-8"?>
+<p:tagLst xmlns:p="http://schemas.openxmlformats.org/presentationml/2006/main">
+  <p:tag name="KSO_WM_UNIT_HIGHLIGHT" val="0"/>
+  <p:tag name="KSO_WM_UNIT_COMPATIBLE" val="0"/>
+  <p:tag name="KSO_WM_UNIT_DIAGRAM_ISNUMVISUAL" val="0"/>
+  <p:tag name="KSO_WM_UNIT_DIAGRAM_ISREFERUNIT" val="0"/>
+  <p:tag name="KSO_WM_UNIT_ID" val="_2**"/>
+  <p:tag name="KSO_WM_UNIT_LAYERLEVEL" val="1"/>
+  <p:tag name="KSO_WM_TAG_VERSION" val="1.0"/>
+  <p:tag name="KSO_WM_BEAUTIFY_FLAG" val="#wm#"/>
+</p:tagLst>
+</file>
+
+<file path=ppt/tags/tag70.xml><?xml version="1.0" encoding="utf-8"?>
+<p:tagLst xmlns:p="http://schemas.openxmlformats.org/presentationml/2006/main">
+  <p:tag name="KSO_WM_BEAUTIFY_FLAG" val=""/>
+</p:tagLst>
+</file>
+
+<file path=ppt/tags/tag71.xml><?xml version="1.0" encoding="utf-8"?>
+<p:tagLst xmlns:p="http://schemas.openxmlformats.org/presentationml/2006/main">
+  <p:tag name="KSO_WM_BEAUTIFY_FLAG" val=""/>
+</p:tagLst>
+</file>
+
+<file path=ppt/tags/tag72.xml><?xml version="1.0" encoding="utf-8"?>
+<p:tagLst xmlns:p="http://schemas.openxmlformats.org/presentationml/2006/main">
   <p:tag name="KSO_WM_BEAUTIFY_FLAG" val="#wm#"/>
   <p:tag name="KSO_WM_TEMPLATE_CATEGORY" val="custom"/>
   <p:tag name="KSO_WM_TEMPLATE_INDEX" val="20205081"/>
 </p:tagLst>
 </file>
 
-<file path=ppt/tags/tag7.xml><?xml version="1.0" encoding="utf-8"?>
-<p:tagLst xmlns:p="http://schemas.openxmlformats.org/presentationml/2006/main">
-  <p:tag name="KSO_WM_UNIT_HIGHLIGHT" val="0"/>
-  <p:tag name="KSO_WM_UNIT_COMPATIBLE" val="0"/>
-  <p:tag name="KSO_WM_UNIT_DIAGRAM_ISNUMVISUAL" val="0"/>
-  <p:tag name="KSO_WM_UNIT_DIAGRAM_ISREFERUNIT" val="0"/>
-  <p:tag name="KSO_WM_UNIT_ID" val="_2**"/>
-  <p:tag name="KSO_WM_UNIT_LAYERLEVEL" val="1"/>
-  <p:tag name="KSO_WM_TAG_VERSION" val="1.0"/>
-  <p:tag name="KSO_WM_BEAUTIFY_FLAG" val="#wm#"/>
-</p:tagLst>
-</file>
-
-<file path=ppt/tags/tag70.xml><?xml version="1.0" encoding="utf-8"?>
+<file path=ppt/tags/tag73.xml><?xml version="1.0" encoding="utf-8"?>
+<p:tagLst xmlns:p="http://schemas.openxmlformats.org/presentationml/2006/main">
+  <p:tag name="KSO_WM_BEAUTIFY_FLAG" val=""/>
+</p:tagLst>
+</file>
+
+<file path=ppt/tags/tag74.xml><?xml version="1.0" encoding="utf-8"?>
+<p:tagLst xmlns:p="http://schemas.openxmlformats.org/presentationml/2006/main">
+  <p:tag name="KSO_WM_BEAUTIFY_FLAG" val="#wm#"/>
+  <p:tag name="KSO_WM_TEMPLATE_CATEGORY" val="custom"/>
+  <p:tag name="KSO_WM_TEMPLATE_INDEX" val="20205081"/>
+</p:tagLst>
+</file>
+
+<file path=ppt/tags/tag75.xml><?xml version="1.0" encoding="utf-8"?>
 <p:tagLst xmlns:p="http://schemas.openxmlformats.org/presentationml/2006/main">
   <p:tag name="commondata" val="eyJoZGlkIjoiZjlhZjllYWIwZmY2OTBlODY4YmNmOWU0MThlMTUxODEifQ=="/>
 </p:tagLst>

--- a/pre/slides.pptx
+++ b/pre/slides.pptx
@@ -11,11 +11,12 @@
     <p:sldId id="259" r:id="rId6"/>
     <p:sldId id="260" r:id="rId7"/>
     <p:sldId id="262" r:id="rId8"/>
+    <p:sldId id="263" r:id="rId9"/>
   </p:sldIdLst>
   <p:sldSz cx="12192000" cy="6858000"/>
   <p:notesSz cx="6858000" cy="9144000"/>
   <p:custDataLst>
-    <p:tags r:id="rId12"/>
+    <p:tags r:id="rId13"/>
   </p:custDataLst>
   <p:defaultTextStyle>
     <a:defPPr>
@@ -3941,7 +3942,7 @@
         <p:spPr>
           <a:xfrm>
             <a:off x="958215" y="1843405"/>
-            <a:ext cx="4064000" cy="1753235"/>
+            <a:ext cx="4064000" cy="2030095"/>
           </a:xfrm>
           <a:prstGeom prst="rect">
             <a:avLst/>
@@ -3955,7 +3956,7 @@
           <a:p>
             <a:r>
               <a:rPr lang="en-US" altLang="zh-CN"/>
-              <a:t>We calculate a set of 131 features per window, these features are</a:t>
+              <a:t>In the paper, they calculated a set of 131 features per window, these features are</a:t>
             </a:r>
             <a:endParaRPr lang="en-US" altLang="zh-CN"/>
           </a:p>
@@ -3979,6 +3980,71 @@
 </p:sld>
 </file>
 
+<file path=ppt/slides/slide7.xml><?xml version="1.0" encoding="utf-8"?>
+<p:sld xmlns:a="http://schemas.openxmlformats.org/drawingml/2006/main" xmlns:r="http://schemas.openxmlformats.org/officeDocument/2006/relationships" xmlns:p="http://schemas.openxmlformats.org/presentationml/2006/main">
+  <p:cSld>
+    <p:spTree>
+      <p:nvGrpSpPr>
+        <p:cNvPr id="1" name=""/>
+        <p:cNvGrpSpPr/>
+        <p:nvPr/>
+      </p:nvGrpSpPr>
+      <p:grpSpPr/>
+      <p:sp>
+        <p:nvSpPr>
+          <p:cNvPr id="2" name="标题 1"/>
+          <p:cNvSpPr>
+            <a:spLocks noGrp="1"/>
+          </p:cNvSpPr>
+          <p:nvPr>
+            <p:ph type="title"/>
+          </p:nvPr>
+        </p:nvSpPr>
+        <p:spPr/>
+        <p:txBody>
+          <a:bodyPr>
+            <a:normAutofit fontScale="90000"/>
+          </a:bodyPr>
+          <a:p>
+            <a:r>
+              <a:rPr lang="en-US" altLang="zh-CN">
+                <a:sym typeface="+mn-ea"/>
+              </a:rPr>
+              <a:t>Analysis Method by ML - feature extraction</a:t>
+            </a:r>
+            <a:endParaRPr lang="zh-CN" altLang="en-US"/>
+          </a:p>
+        </p:txBody>
+      </p:sp>
+      <p:sp>
+        <p:nvSpPr>
+          <p:cNvPr id="3" name="内容占位符 2"/>
+          <p:cNvSpPr>
+            <a:spLocks noGrp="1"/>
+          </p:cNvSpPr>
+          <p:nvPr>
+            <p:ph idx="1"/>
+          </p:nvPr>
+        </p:nvSpPr>
+        <p:spPr/>
+        <p:txBody>
+          <a:bodyPr/>
+          <a:p>
+            <a:endParaRPr lang="zh-CN" altLang="en-US"/>
+          </a:p>
+        </p:txBody>
+      </p:sp>
+    </p:spTree>
+    <p:custDataLst>
+      <p:tags r:id="rId1"/>
+    </p:custDataLst>
+  </p:cSld>
+  <p:clrMapOvr>
+    <a:masterClrMapping/>
+  </p:clrMapOvr>
+</p:sld>
+</file>
+
 <file path=ppt/tags/tag1.xml><?xml version="1.0" encoding="utf-8"?>
 <p:tagLst xmlns:p="http://schemas.openxmlformats.org/presentationml/2006/main">
   <p:tag name="KSO_WM_UNIT_HIGHLIGHT" val="0"/>
@@ -4894,6 +4960,14 @@
 </file>
 
 <file path=ppt/tags/tag75.xml><?xml version="1.0" encoding="utf-8"?>
+<p:tagLst xmlns:p="http://schemas.openxmlformats.org/presentationml/2006/main">
+  <p:tag name="KSO_WM_BEAUTIFY_FLAG" val="#wm#"/>
+  <p:tag name="KSO_WM_TEMPLATE_CATEGORY" val="custom"/>
+  <p:tag name="KSO_WM_TEMPLATE_INDEX" val="20205081"/>
+</p:tagLst>
+</file>
+
+<file path=ppt/tags/tag76.xml><?xml version="1.0" encoding="utf-8"?>
 <p:tagLst xmlns:p="http://schemas.openxmlformats.org/presentationml/2006/main">
   <p:tag name="commondata" val="eyJoZGlkIjoiZjlhZjllYWIwZmY2OTBlODY4YmNmOWU0MThlMTUxODEifQ=="/>
 </p:tagLst>

--- a/pre/slides.pptx
+++ b/pre/slides.pptx
@@ -10,13 +10,16 @@
     <p:sldId id="257" r:id="rId5"/>
     <p:sldId id="259" r:id="rId6"/>
     <p:sldId id="260" r:id="rId7"/>
-    <p:sldId id="262" r:id="rId8"/>
-    <p:sldId id="263" r:id="rId9"/>
+    <p:sldId id="265" r:id="rId8"/>
+    <p:sldId id="264" r:id="rId9"/>
+    <p:sldId id="266" r:id="rId10"/>
+    <p:sldId id="262" r:id="rId11"/>
+    <p:sldId id="263" r:id="rId12"/>
   </p:sldIdLst>
   <p:sldSz cx="12192000" cy="6858000"/>
   <p:notesSz cx="6858000" cy="9144000"/>
   <p:custDataLst>
-    <p:tags r:id="rId13"/>
+    <p:tags r:id="rId16"/>
   </p:custDataLst>
   <p:defaultTextStyle>
     <a:defPPr>
@@ -116,12 +119,12 @@
   <p:extLst>
     <p:ext uri="{EFAFB233-063F-42B5-8137-9DF3F51BA10A}">
       <p15:sldGuideLst xmlns:p15="http://schemas.microsoft.com/office/powerpoint/2012/main">
-        <p15:guide id="1" orient="horz" pos="2159" userDrawn="1">
+        <p15:guide id="1" orient="horz" pos="2137" userDrawn="1">
           <p15:clr>
             <a:srgbClr val="A4A3A4"/>
           </p15:clr>
         </p15:guide>
-        <p15:guide id="2" pos="3840" userDrawn="1">
+        <p15:guide id="2" pos="3848" userDrawn="1">
           <p15:clr>
             <a:srgbClr val="A4A3A4"/>
           </p15:clr>
@@ -3107,7 +3110,23 @@
           <a:p>
             <a:r>
               <a:rPr lang="zh-CN" altLang="zh-CN"/>
-              <a:t>EEG-based Sleep Stage Analysis by ML</a:t>
+              <a:t>EEG</a:t>
+            </a:r>
+            <a:r>
+              <a:rPr lang="en-US" altLang="zh-CN"/>
+              <a:t>&amp;EOG</a:t>
+            </a:r>
+            <a:r>
+              <a:rPr lang="zh-CN" altLang="zh-CN"/>
+              <a:t>-based Sleep Stag</a:t>
+            </a:r>
+            <a:r>
+              <a:rPr lang="en-US" altLang="zh-CN"/>
+              <a:t>ing</a:t>
+            </a:r>
+            <a:r>
+              <a:rPr lang="zh-CN" altLang="zh-CN"/>
+              <a:t> by ML</a:t>
             </a:r>
             <a:endParaRPr lang="zh-CN" altLang="zh-CN"/>
           </a:p>
@@ -3134,7 +3153,7 @@
         </p:spPr>
         <p:txBody>
           <a:bodyPr>
-            <a:normAutofit fontScale="80000"/>
+            <a:normAutofit lnSpcReduction="20000"/>
           </a:bodyPr>
           <a:p>
             <a:r>
@@ -3145,6 +3164,15 @@
           </a:p>
           <a:p>
             <a:r>
+              <a:rPr lang="en-US" altLang="zh-CN">
+                <a:sym typeface="+mn-ea"/>
+              </a:rPr>
+              <a:t>Hu Gangfeng</a:t>
+            </a:r>
+            <a:endParaRPr lang="en-US" altLang="zh-CN"/>
+          </a:p>
+          <a:p>
+            <a:r>
               <a:rPr lang="en-US" altLang="zh-CN"/>
               <a:t>Teng Zhihao</a:t>
             </a:r>
@@ -3158,10 +3186,6 @@
             <a:endParaRPr lang="en-US" altLang="zh-CN"/>
           </a:p>
           <a:p>
-            <a:r>
-              <a:rPr lang="en-US" altLang="zh-CN"/>
-              <a:t>Hu Gangfeng</a:t>
-            </a:r>
             <a:endParaRPr lang="en-US" altLang="zh-CN"/>
           </a:p>
         </p:txBody>
@@ -3169,6 +3193,71 @@
     </p:spTree>
     <p:custDataLst>
       <p:tags r:id="rId3"/>
+    </p:custDataLst>
+  </p:cSld>
+  <p:clrMapOvr>
+    <a:masterClrMapping/>
+  </p:clrMapOvr>
+</p:sld>
+</file>
+
+<file path=ppt/slides/slide10.xml><?xml version="1.0" encoding="utf-8"?>
+<p:sld xmlns:a="http://schemas.openxmlformats.org/drawingml/2006/main" xmlns:r="http://schemas.openxmlformats.org/officeDocument/2006/relationships" xmlns:p="http://schemas.openxmlformats.org/presentationml/2006/main">
+  <p:cSld>
+    <p:spTree>
+      <p:nvGrpSpPr>
+        <p:cNvPr id="1" name=""/>
+        <p:cNvGrpSpPr/>
+        <p:nvPr/>
+      </p:nvGrpSpPr>
+      <p:grpSpPr/>
+      <p:sp>
+        <p:nvSpPr>
+          <p:cNvPr id="2" name="标题 1"/>
+          <p:cNvSpPr>
+            <a:spLocks noGrp="1"/>
+          </p:cNvSpPr>
+          <p:nvPr>
+            <p:ph type="title"/>
+          </p:nvPr>
+        </p:nvSpPr>
+        <p:spPr/>
+        <p:txBody>
+          <a:bodyPr>
+            <a:normAutofit fontScale="90000"/>
+          </a:bodyPr>
+          <a:p>
+            <a:r>
+              <a:rPr lang="en-US" altLang="zh-CN">
+                <a:sym typeface="+mn-ea"/>
+              </a:rPr>
+              <a:t>Analysis Method by ML - feature extraction</a:t>
+            </a:r>
+            <a:endParaRPr lang="zh-CN" altLang="en-US"/>
+          </a:p>
+        </p:txBody>
+      </p:sp>
+      <p:sp>
+        <p:nvSpPr>
+          <p:cNvPr id="3" name="内容占位符 2"/>
+          <p:cNvSpPr>
+            <a:spLocks noGrp="1"/>
+          </p:cNvSpPr>
+          <p:nvPr>
+            <p:ph idx="1"/>
+          </p:nvPr>
+        </p:nvSpPr>
+        <p:spPr/>
+        <p:txBody>
+          <a:bodyPr/>
+          <a:p>
+            <a:endParaRPr lang="zh-CN" altLang="en-US"/>
+          </a:p>
+        </p:txBody>
+      </p:sp>
+    </p:spTree>
+    <p:custDataLst>
+      <p:tags r:id="rId1"/>
     </p:custDataLst>
   </p:cSld>
   <p:clrMapOvr>
@@ -3244,14 +3333,6 @@
           <a:p>
             <a:r>
               <a:rPr lang="en-US" altLang="zh-CN"/>
-              <a:t>R</a:t>
-            </a:r>
-            <a:r>
-              <a:rPr lang="zh-CN" altLang="en-US"/>
-              <a:t>esearch </a:t>
-            </a:r>
-            <a:r>
-              <a:rPr lang="en-US" altLang="zh-CN"/>
               <a:t>S</a:t>
             </a:r>
             <a:r>
@@ -3260,28 +3341,28 @@
             </a:r>
             <a:r>
               <a:rPr lang="en-US" altLang="zh-CN"/>
-              <a:t> about Sleep-stage Analysis</a:t>
+              <a:t>-of-art about Sleep-stage Analysis</a:t>
             </a:r>
             <a:endParaRPr lang="zh-CN" altLang="en-US"/>
           </a:p>
           <a:p>
             <a:r>
               <a:rPr lang="en-US" altLang="zh-CN"/>
-              <a:t>Analysis Method by Machine Learning</a:t>
+              <a:t>Classification Method by Machine Learning</a:t>
             </a:r>
             <a:endParaRPr lang="en-US" altLang="zh-CN"/>
           </a:p>
           <a:p>
             <a:r>
               <a:rPr lang="en-US" altLang="zh-CN"/>
-              <a:t>Research Procedure</a:t>
+              <a:t>Research Pipeline</a:t>
             </a:r>
             <a:endParaRPr lang="en-US" altLang="zh-CN"/>
           </a:p>
           <a:p>
             <a:r>
               <a:rPr lang="en-US" altLang="zh-CN"/>
-              <a:t>Estimation</a:t>
+              <a:t>Evaluation</a:t>
             </a:r>
             <a:endParaRPr lang="en-US" altLang="zh-CN"/>
           </a:p>
@@ -3405,7 +3486,7 @@
       </p:sp>
       <p:pic>
         <p:nvPicPr>
-          <p:cNvPr id="4" name="图片 3" descr="sleeping"/>
+          <p:cNvPr id="5" name="图片 4" descr="sleep-stages"/>
           <p:cNvPicPr>
             <a:picLocks noChangeAspect="1"/>
           </p:cNvPicPr>
@@ -3413,30 +3494,6 @@
         </p:nvPicPr>
         <p:blipFill>
           <a:blip r:embed="rId1"/>
-          <a:stretch>
-            <a:fillRect/>
-          </a:stretch>
-        </p:blipFill>
-        <p:spPr>
-          <a:xfrm>
-            <a:off x="9885045" y="3625215"/>
-            <a:ext cx="2064385" cy="1474470"/>
-          </a:xfrm>
-          <a:prstGeom prst="rect">
-            <a:avLst/>
-          </a:prstGeom>
-        </p:spPr>
-      </p:pic>
-      <p:pic>
-        <p:nvPicPr>
-          <p:cNvPr id="5" name="图片 4" descr="sleep-stages"/>
-          <p:cNvPicPr>
-            <a:picLocks noChangeAspect="1"/>
-          </p:cNvPicPr>
-          <p:nvPr/>
-        </p:nvPicPr>
-        <p:blipFill>
-          <a:blip r:embed="rId2"/>
           <a:stretch>
             <a:fillRect/>
           </a:stretch>
@@ -3460,7 +3517,7 @@
           <p:nvPr/>
         </p:nvPicPr>
         <p:blipFill>
-          <a:blip r:embed="rId3"/>
+          <a:blip r:embed="rId2"/>
           <a:stretch>
             <a:fillRect/>
           </a:stretch>
@@ -3484,7 +3541,7 @@
           <p:nvPr/>
         </p:nvPicPr>
         <p:blipFill>
-          <a:blip r:embed="rId4"/>
+          <a:blip r:embed="rId3"/>
           <a:stretch>
             <a:fillRect/>
           </a:stretch>
@@ -3508,7 +3565,7 @@
           <p:nvPr/>
         </p:nvPicPr>
         <p:blipFill>
-          <a:blip r:embed="rId5"/>
+          <a:blip r:embed="rId4"/>
           <a:stretch>
             <a:fillRect/>
           </a:stretch>
@@ -3525,7 +3582,7 @@
       </p:pic>
     </p:spTree>
     <p:custDataLst>
-      <p:tags r:id="rId6"/>
+      <p:tags r:id="rId5"/>
     </p:custDataLst>
   </p:cSld>
   <p:clrMapOvr>
@@ -3686,7 +3743,7 @@
               <a:rPr lang="en-US" altLang="zh-CN">
                 <a:sym typeface="+mn-ea"/>
               </a:rPr>
-              <a:t>Analysis Method by ML - Database</a:t>
+              <a:t>Database</a:t>
             </a:r>
             <a:endParaRPr lang="zh-CN" altLang="en-US"/>
           </a:p>
@@ -3888,61 +3945,273 @@
         </p:nvSpPr>
         <p:spPr/>
         <p:txBody>
-          <a:bodyPr>
-            <a:normAutofit fontScale="90000"/>
-          </a:bodyPr>
+          <a:bodyPr/>
           <a:p>
             <a:r>
               <a:rPr lang="en-US" altLang="zh-CN">
                 <a:sym typeface="+mn-ea"/>
               </a:rPr>
-              <a:t>Analysis Method by ML - feature extraction</a:t>
-            </a:r>
-            <a:endParaRPr lang="en-US" altLang="zh-CN">
-              <a:sym typeface="+mn-ea"/>
-            </a:endParaRPr>
+              <a:t>Database</a:t>
+            </a:r>
+            <a:endParaRPr lang="zh-CN" altLang="en-US"/>
           </a:p>
         </p:txBody>
       </p:sp>
       <p:pic>
         <p:nvPicPr>
-          <p:cNvPr id="4" name="内容占位符 3"/>
+          <p:cNvPr id="4" name="图片 3" descr="EEG-Fpz-Cz"/>
           <p:cNvPicPr>
             <a:picLocks noChangeAspect="1"/>
           </p:cNvPicPr>
-          <p:nvPr>
-            <p:ph idx="1"/>
-            <p:custDataLst>
-              <p:tags r:id="rId1"/>
-            </p:custDataLst>
-          </p:nvPr>
+          <p:nvPr/>
         </p:nvPicPr>
         <p:blipFill>
-          <a:blip r:embed="rId2"/>
+          <a:blip r:embed="rId1"/>
           <a:stretch>
             <a:fillRect/>
           </a:stretch>
         </p:blipFill>
         <p:spPr>
           <a:xfrm>
-            <a:off x="5330825" y="2175510"/>
-            <a:ext cx="5771515" cy="3346450"/>
+            <a:off x="762635" y="1421130"/>
+            <a:ext cx="6826250" cy="1423670"/>
           </a:xfrm>
           <a:prstGeom prst="rect">
             <a:avLst/>
           </a:prstGeom>
         </p:spPr>
       </p:pic>
-      <p:sp>
-        <p:nvSpPr>
-          <p:cNvPr id="5" name="文本框 4"/>
+      <p:pic>
+        <p:nvPicPr>
+          <p:cNvPr id="5" name="图片 4" descr="Sleep stage W EEG Fpz-Cz"/>
+          <p:cNvPicPr>
+            <a:picLocks noChangeAspect="1"/>
+          </p:cNvPicPr>
+          <p:nvPr/>
+        </p:nvPicPr>
+        <p:blipFill>
+          <a:blip r:embed="rId2"/>
+          <a:srcRect l="13517" t="14345" r="11580" b="12993"/>
+          <a:stretch>
+            <a:fillRect/>
+          </a:stretch>
+        </p:blipFill>
+        <p:spPr>
+          <a:xfrm>
+            <a:off x="1228090" y="4045585"/>
+            <a:ext cx="2579370" cy="1228725"/>
+          </a:xfrm>
+          <a:prstGeom prst="rect">
+            <a:avLst/>
+          </a:prstGeom>
+        </p:spPr>
+      </p:pic>
+      <p:pic>
+        <p:nvPicPr>
+          <p:cNvPr id="6" name="图片 5" descr="Sleep stage 2 EEG Fpz-Cz"/>
+          <p:cNvPicPr>
+            <a:picLocks noChangeAspect="1"/>
+          </p:cNvPicPr>
+          <p:nvPr/>
+        </p:nvPicPr>
+        <p:blipFill>
+          <a:blip r:embed="rId3"/>
+          <a:srcRect l="13128" t="16720" r="10749" b="11788"/>
+          <a:stretch>
+            <a:fillRect/>
+          </a:stretch>
+        </p:blipFill>
+        <p:spPr>
+          <a:xfrm>
+            <a:off x="6104890" y="4090035"/>
+            <a:ext cx="1807845" cy="1132205"/>
+          </a:xfrm>
+          <a:prstGeom prst="rect">
+            <a:avLst/>
+          </a:prstGeom>
+        </p:spPr>
+      </p:pic>
+      <p:pic>
+        <p:nvPicPr>
+          <p:cNvPr id="7" name="图片 6" descr="Sleep stage 1 EEG Fpz-Cz"/>
+          <p:cNvPicPr>
+            <a:picLocks noChangeAspect="1"/>
+          </p:cNvPicPr>
+          <p:nvPr/>
+        </p:nvPicPr>
+        <p:blipFill>
+          <a:blip r:embed="rId4"/>
+          <a:srcRect l="14033" t="13669" r="10994" b="11132"/>
+          <a:stretch>
+            <a:fillRect/>
+          </a:stretch>
+        </p:blipFill>
+        <p:spPr>
+          <a:xfrm>
+            <a:off x="4105275" y="3961130"/>
+            <a:ext cx="861695" cy="1261110"/>
+          </a:xfrm>
+          <a:prstGeom prst="rect">
+            <a:avLst/>
+          </a:prstGeom>
+        </p:spPr>
+      </p:pic>
+      <p:pic>
+        <p:nvPicPr>
+          <p:cNvPr id="8" name="图片 7" descr="sleep-stage-figure-in-database"/>
+          <p:cNvPicPr>
+            <a:picLocks noChangeAspect="1"/>
+          </p:cNvPicPr>
+          <p:nvPr>
+            <p:custDataLst>
+              <p:tags r:id="rId5"/>
+            </p:custDataLst>
+          </p:nvPr>
+        </p:nvPicPr>
+        <p:blipFill>
+          <a:blip r:embed="rId6"/>
+          <a:srcRect r="110" b="16210"/>
+          <a:stretch>
+            <a:fillRect/>
+          </a:stretch>
+        </p:blipFill>
+        <p:spPr>
+          <a:xfrm>
+            <a:off x="6726555" y="2649220"/>
+            <a:ext cx="5418455" cy="908685"/>
+          </a:xfrm>
+          <a:prstGeom prst="rect">
+            <a:avLst/>
+          </a:prstGeom>
+        </p:spPr>
+      </p:pic>
+      <p:sp>
+        <p:nvSpPr>
+          <p:cNvPr id="9" name="右箭头 8"/>
+          <p:cNvSpPr/>
+          <p:nvPr/>
+        </p:nvSpPr>
+        <p:spPr>
+          <a:xfrm rot="7920000" flipV="1">
+            <a:off x="1873250" y="3223895"/>
+            <a:ext cx="1586230" cy="88265"/>
+          </a:xfrm>
+          <a:prstGeom prst="rightArrow">
+            <a:avLst/>
+          </a:prstGeom>
+        </p:spPr>
+        <p:style>
+          <a:lnRef idx="2">
+            <a:schemeClr val="accent1">
+              <a:lumMod val="75000"/>
+            </a:schemeClr>
+          </a:lnRef>
+          <a:fillRef idx="1">
+            <a:schemeClr val="accent1"/>
+          </a:fillRef>
+          <a:effectRef idx="0">
+            <a:srgbClr val="FFFFFF"/>
+          </a:effectRef>
+          <a:fontRef idx="minor">
+            <a:schemeClr val="lt1"/>
+          </a:fontRef>
+        </p:style>
+        <p:txBody>
+          <a:bodyPr rtlCol="0" anchor="ctr"/>
+          <a:p>
+            <a:pPr algn="ctr"/>
+            <a:endParaRPr lang="zh-CN" altLang="en-US"/>
+          </a:p>
+        </p:txBody>
+      </p:sp>
+      <p:sp>
+        <p:nvSpPr>
+          <p:cNvPr id="10" name="右箭头 9"/>
+          <p:cNvSpPr/>
+          <p:nvPr/>
+        </p:nvSpPr>
+        <p:spPr>
+          <a:xfrm rot="4440000">
+            <a:off x="3780790" y="3242945"/>
+            <a:ext cx="996950" cy="76200"/>
+          </a:xfrm>
+          <a:prstGeom prst="rightArrow">
+            <a:avLst/>
+          </a:prstGeom>
+        </p:spPr>
+        <p:style>
+          <a:lnRef idx="2">
+            <a:schemeClr val="accent1">
+              <a:lumMod val="75000"/>
+            </a:schemeClr>
+          </a:lnRef>
+          <a:fillRef idx="1">
+            <a:schemeClr val="accent1"/>
+          </a:fillRef>
+          <a:effectRef idx="0">
+            <a:srgbClr val="FFFFFF"/>
+          </a:effectRef>
+          <a:fontRef idx="minor">
+            <a:schemeClr val="lt1"/>
+          </a:fontRef>
+        </p:style>
+        <p:txBody>
+          <a:bodyPr rtlCol="0" anchor="ctr"/>
+          <a:p>
+            <a:pPr algn="ctr"/>
+            <a:endParaRPr lang="zh-CN" altLang="en-US"/>
+          </a:p>
+        </p:txBody>
+      </p:sp>
+      <p:sp>
+        <p:nvSpPr>
+          <p:cNvPr id="11" name="右箭头 10"/>
+          <p:cNvSpPr/>
+          <p:nvPr/>
+        </p:nvSpPr>
+        <p:spPr>
+          <a:xfrm rot="1620000" flipV="1">
+            <a:off x="4558665" y="3335655"/>
+            <a:ext cx="2437765" cy="76200"/>
+          </a:xfrm>
+          <a:prstGeom prst="rightArrow">
+            <a:avLst/>
+          </a:prstGeom>
+        </p:spPr>
+        <p:style>
+          <a:lnRef idx="2">
+            <a:schemeClr val="accent1">
+              <a:lumMod val="75000"/>
+            </a:schemeClr>
+          </a:lnRef>
+          <a:fillRef idx="1">
+            <a:schemeClr val="accent1"/>
+          </a:fillRef>
+          <a:effectRef idx="0">
+            <a:srgbClr val="FFFFFF"/>
+          </a:effectRef>
+          <a:fontRef idx="minor">
+            <a:schemeClr val="lt1"/>
+          </a:fontRef>
+        </p:style>
+        <p:txBody>
+          <a:bodyPr rtlCol="0" anchor="ctr"/>
+          <a:p>
+            <a:pPr algn="ctr"/>
+            <a:endParaRPr lang="zh-CN" altLang="en-US"/>
+          </a:p>
+        </p:txBody>
+      </p:sp>
+      <p:sp>
+        <p:nvSpPr>
+          <p:cNvPr id="12" name="文本框 11"/>
           <p:cNvSpPr txBox="1"/>
           <p:nvPr/>
         </p:nvSpPr>
         <p:spPr>
           <a:xfrm>
-            <a:off x="958215" y="1843405"/>
-            <a:ext cx="4064000" cy="2030095"/>
+            <a:off x="8527415" y="4295140"/>
+            <a:ext cx="4064000" cy="706755"/>
           </a:xfrm>
           <a:prstGeom prst="rect">
             <a:avLst/>
@@ -3955,23 +4224,174 @@
           </a:bodyPr>
           <a:p>
             <a:r>
-              <a:rPr lang="en-US" altLang="zh-CN"/>
-              <a:t>In the paper, they calculated a set of 131 features per window, these features are</a:t>
-            </a:r>
-            <a:endParaRPr lang="en-US" altLang="zh-CN"/>
-          </a:p>
-          <a:p>
-            <a:r>
-              <a:rPr lang="en-US" altLang="zh-CN"/>
-              <a:t>multi-domain (extracted from time and frequency domain) and multi-resolution (calculated on multiple window sizes).</a:t>
-            </a:r>
-            <a:endParaRPr lang="en-US" altLang="zh-CN"/>
+              <a:rPr lang="en-US" altLang="zh-CN" sz="4000">
+                <a:ln/>
+                <a:solidFill>
+                  <a:schemeClr val="accent1"/>
+                </a:solidFill>
+                <a:effectLst>
+                  <a:outerShdw blurRad="38100" dist="25400" dir="5400000" algn="ctr" rotWithShape="0">
+                    <a:srgbClr val="6E747A">
+                      <a:alpha val="43000"/>
+                    </a:srgbClr>
+                  </a:outerShdw>
+                </a:effectLst>
+              </a:rPr>
+              <a:t>...</a:t>
+            </a:r>
+            <a:endParaRPr lang="en-US" altLang="zh-CN" sz="4000">
+              <a:ln/>
+              <a:solidFill>
+                <a:schemeClr val="accent1"/>
+              </a:solidFill>
+              <a:effectLst>
+                <a:outerShdw blurRad="38100" dist="25400" dir="5400000" algn="ctr" rotWithShape="0">
+                  <a:srgbClr val="6E747A">
+                    <a:alpha val="43000"/>
+                  </a:srgbClr>
+                </a:outerShdw>
+              </a:effectLst>
+            </a:endParaRPr>
+          </a:p>
+        </p:txBody>
+      </p:sp>
+      <p:sp>
+        <p:nvSpPr>
+          <p:cNvPr id="13" name="矩形 12"/>
+          <p:cNvSpPr/>
+          <p:nvPr/>
+        </p:nvSpPr>
+        <p:spPr>
+          <a:xfrm>
+            <a:off x="1401445" y="1421130"/>
+            <a:ext cx="2489835" cy="1299845"/>
+          </a:xfrm>
+          <a:prstGeom prst="rect">
+            <a:avLst/>
+          </a:prstGeom>
+          <a:ln w="38100">
+            <a:solidFill>
+              <a:srgbClr val="FF0000"/>
+            </a:solidFill>
+          </a:ln>
+        </p:spPr>
+        <p:style>
+          <a:lnRef idx="2">
+            <a:schemeClr val="accent1"/>
+          </a:lnRef>
+          <a:fillRef idx="0">
+            <a:srgbClr val="FFFFFF"/>
+          </a:fillRef>
+          <a:effectRef idx="0">
+            <a:srgbClr val="FFFFFF"/>
+          </a:effectRef>
+          <a:fontRef idx="minor">
+            <a:schemeClr val="tx1"/>
+          </a:fontRef>
+        </p:style>
+        <p:txBody>
+          <a:bodyPr rtlCol="0" anchor="ctr"/>
+          <a:p>
+            <a:pPr algn="ctr"/>
+            <a:endParaRPr lang="zh-CN" altLang="en-US"/>
+          </a:p>
+        </p:txBody>
+      </p:sp>
+      <p:sp>
+        <p:nvSpPr>
+          <p:cNvPr id="14" name="矩形 13"/>
+          <p:cNvSpPr/>
+          <p:nvPr>
+            <p:custDataLst>
+              <p:tags r:id="rId7"/>
+            </p:custDataLst>
+          </p:nvPr>
+        </p:nvSpPr>
+        <p:spPr>
+          <a:xfrm>
+            <a:off x="3910330" y="1421130"/>
+            <a:ext cx="360680" cy="1299845"/>
+          </a:xfrm>
+          <a:prstGeom prst="rect">
+            <a:avLst/>
+          </a:prstGeom>
+          <a:ln w="38100">
+            <a:solidFill>
+              <a:schemeClr val="accent1"/>
+            </a:solidFill>
+          </a:ln>
+        </p:spPr>
+        <p:style>
+          <a:lnRef idx="2">
+            <a:schemeClr val="accent1"/>
+          </a:lnRef>
+          <a:fillRef idx="0">
+            <a:srgbClr val="FFFFFF"/>
+          </a:fillRef>
+          <a:effectRef idx="0">
+            <a:srgbClr val="FFFFFF"/>
+          </a:effectRef>
+          <a:fontRef idx="minor">
+            <a:schemeClr val="tx1"/>
+          </a:fontRef>
+        </p:style>
+        <p:txBody>
+          <a:bodyPr rtlCol="0" anchor="ctr"/>
+          <a:p>
+            <a:pPr algn="ctr"/>
+            <a:endParaRPr lang="zh-CN" altLang="en-US"/>
+          </a:p>
+        </p:txBody>
+      </p:sp>
+      <p:sp>
+        <p:nvSpPr>
+          <p:cNvPr id="15" name="矩形 14"/>
+          <p:cNvSpPr/>
+          <p:nvPr>
+            <p:custDataLst>
+              <p:tags r:id="rId8"/>
+            </p:custDataLst>
+          </p:nvPr>
+        </p:nvSpPr>
+        <p:spPr>
+          <a:xfrm>
+            <a:off x="4300855" y="1421130"/>
+            <a:ext cx="360680" cy="1299845"/>
+          </a:xfrm>
+          <a:prstGeom prst="rect">
+            <a:avLst/>
+          </a:prstGeom>
+          <a:ln w="38100">
+            <a:solidFill>
+              <a:srgbClr val="00B050"/>
+            </a:solidFill>
+          </a:ln>
+        </p:spPr>
+        <p:style>
+          <a:lnRef idx="2">
+            <a:schemeClr val="accent1"/>
+          </a:lnRef>
+          <a:fillRef idx="0">
+            <a:srgbClr val="FFFFFF"/>
+          </a:fillRef>
+          <a:effectRef idx="0">
+            <a:srgbClr val="FFFFFF"/>
+          </a:effectRef>
+          <a:fontRef idx="minor">
+            <a:schemeClr val="tx1"/>
+          </a:fontRef>
+        </p:style>
+        <p:txBody>
+          <a:bodyPr rtlCol="0" anchor="ctr"/>
+          <a:p>
+            <a:pPr algn="ctr"/>
+            <a:endParaRPr lang="zh-CN" altLang="en-US"/>
           </a:p>
         </p:txBody>
       </p:sp>
     </p:spTree>
     <p:custDataLst>
-      <p:tags r:id="rId3"/>
+      <p:tags r:id="rId9"/>
     </p:custDataLst>
   </p:cSld>
   <p:clrMapOvr>
@@ -4002,15 +4422,13 @@
         </p:nvSpPr>
         <p:spPr/>
         <p:txBody>
-          <a:bodyPr>
-            <a:normAutofit fontScale="90000"/>
-          </a:bodyPr>
+          <a:bodyPr/>
           <a:p>
             <a:r>
               <a:rPr lang="en-US" altLang="zh-CN">
                 <a:sym typeface="+mn-ea"/>
               </a:rPr>
-              <a:t>Analysis Method by ML - feature extraction</a:t>
+              <a:t>Analysis Method by ML - flow chart </a:t>
             </a:r>
             <a:endParaRPr lang="zh-CN" altLang="en-US"/>
           </a:p>
@@ -4018,25 +4436,1034 @@
       </p:sp>
       <p:sp>
         <p:nvSpPr>
-          <p:cNvPr id="3" name="内容占位符 2"/>
-          <p:cNvSpPr>
-            <a:spLocks noGrp="1"/>
-          </p:cNvSpPr>
-          <p:nvPr>
-            <p:ph idx="1"/>
-          </p:nvPr>
-        </p:nvSpPr>
-        <p:spPr/>
-        <p:txBody>
-          <a:bodyPr/>
-          <a:p>
+          <p:cNvPr id="4" name="圆角矩形 3"/>
+          <p:cNvSpPr/>
+          <p:nvPr/>
+        </p:nvSpPr>
+        <p:spPr>
+          <a:xfrm>
+            <a:off x="1242695" y="2367280"/>
+            <a:ext cx="1889125" cy="941705"/>
+          </a:xfrm>
+          <a:prstGeom prst="roundRect">
+            <a:avLst/>
+          </a:prstGeom>
+        </p:spPr>
+        <p:style>
+          <a:lnRef idx="2">
+            <a:schemeClr val="accent1"/>
+          </a:lnRef>
+          <a:fillRef idx="0">
+            <a:srgbClr val="FFFFFF"/>
+          </a:fillRef>
+          <a:effectRef idx="0">
+            <a:srgbClr val="FFFFFF"/>
+          </a:effectRef>
+          <a:fontRef idx="minor">
+            <a:schemeClr val="tx1"/>
+          </a:fontRef>
+        </p:style>
+        <p:txBody>
+          <a:bodyPr rtlCol="0" anchor="ctr"/>
+          <a:p>
+            <a:pPr algn="ctr"/>
+            <a:r>
+              <a:rPr lang="en-US" altLang="zh-CN"/>
+              <a:t>preprocessing</a:t>
+            </a:r>
+            <a:r>
+              <a:rPr lang="zh-CN" altLang="en-US"/>
+              <a:t>（滤波器）</a:t>
+            </a:r>
+            <a:endParaRPr lang="zh-CN" altLang="en-US"/>
+          </a:p>
+        </p:txBody>
+      </p:sp>
+      <p:sp>
+        <p:nvSpPr>
+          <p:cNvPr id="5" name="圆角矩形 4"/>
+          <p:cNvSpPr/>
+          <p:nvPr>
+            <p:custDataLst>
+              <p:tags r:id="rId1"/>
+            </p:custDataLst>
+          </p:nvPr>
+        </p:nvSpPr>
+        <p:spPr>
+          <a:xfrm>
+            <a:off x="3958590" y="2367280"/>
+            <a:ext cx="1889125" cy="941705"/>
+          </a:xfrm>
+          <a:prstGeom prst="roundRect">
+            <a:avLst/>
+          </a:prstGeom>
+        </p:spPr>
+        <p:style>
+          <a:lnRef idx="2">
+            <a:schemeClr val="accent1"/>
+          </a:lnRef>
+          <a:fillRef idx="0">
+            <a:srgbClr val="FFFFFF"/>
+          </a:fillRef>
+          <a:effectRef idx="0">
+            <a:srgbClr val="FFFFFF"/>
+          </a:effectRef>
+          <a:fontRef idx="minor">
+            <a:schemeClr val="tx1"/>
+          </a:fontRef>
+        </p:style>
+        <p:txBody>
+          <a:bodyPr rtlCol="0" anchor="ctr"/>
+          <a:p>
+            <a:pPr algn="ctr"/>
+            <a:r>
+              <a:rPr lang="en-US" altLang="zh-CN"/>
+              <a:t>signal-spliting</a:t>
+            </a:r>
+            <a:endParaRPr lang="en-US" altLang="zh-CN"/>
+          </a:p>
+        </p:txBody>
+      </p:sp>
+      <p:sp>
+        <p:nvSpPr>
+          <p:cNvPr id="6" name="圆角矩形 5"/>
+          <p:cNvSpPr/>
+          <p:nvPr>
+            <p:custDataLst>
+              <p:tags r:id="rId2"/>
+            </p:custDataLst>
+          </p:nvPr>
+        </p:nvSpPr>
+        <p:spPr>
+          <a:xfrm>
+            <a:off x="6674485" y="2367280"/>
+            <a:ext cx="1889125" cy="941705"/>
+          </a:xfrm>
+          <a:prstGeom prst="roundRect">
+            <a:avLst/>
+          </a:prstGeom>
+        </p:spPr>
+        <p:style>
+          <a:lnRef idx="2">
+            <a:schemeClr val="accent1"/>
+          </a:lnRef>
+          <a:fillRef idx="0">
+            <a:srgbClr val="FFFFFF"/>
+          </a:fillRef>
+          <a:effectRef idx="0">
+            <a:srgbClr val="FFFFFF"/>
+          </a:effectRef>
+          <a:fontRef idx="minor">
+            <a:schemeClr val="tx1"/>
+          </a:fontRef>
+        </p:style>
+        <p:txBody>
+          <a:bodyPr rtlCol="0" anchor="ctr"/>
+          <a:p>
+            <a:pPr algn="ctr"/>
+            <a:r>
+              <a:rPr lang="en-US" altLang="zh-CN"/>
+              <a:t>feature extraction</a:t>
+            </a:r>
+            <a:endParaRPr lang="en-US" altLang="zh-CN"/>
+          </a:p>
+        </p:txBody>
+      </p:sp>
+      <p:sp>
+        <p:nvSpPr>
+          <p:cNvPr id="7" name="圆角矩形 6"/>
+          <p:cNvSpPr/>
+          <p:nvPr>
+            <p:custDataLst>
+              <p:tags r:id="rId3"/>
+            </p:custDataLst>
+          </p:nvPr>
+        </p:nvSpPr>
+        <p:spPr>
+          <a:xfrm>
+            <a:off x="1242695" y="4104640"/>
+            <a:ext cx="1889125" cy="941705"/>
+          </a:xfrm>
+          <a:prstGeom prst="roundRect">
+            <a:avLst/>
+          </a:prstGeom>
+        </p:spPr>
+        <p:style>
+          <a:lnRef idx="2">
+            <a:schemeClr val="accent1"/>
+          </a:lnRef>
+          <a:fillRef idx="0">
+            <a:srgbClr val="FFFFFF"/>
+          </a:fillRef>
+          <a:effectRef idx="0">
+            <a:srgbClr val="FFFFFF"/>
+          </a:effectRef>
+          <a:fontRef idx="minor">
+            <a:schemeClr val="tx1"/>
+          </a:fontRef>
+        </p:style>
+        <p:txBody>
+          <a:bodyPr rtlCol="0" anchor="ctr"/>
+          <a:p>
+            <a:pPr algn="ctr"/>
+            <a:r>
+              <a:rPr lang="en-US" altLang="zh-CN"/>
+              <a:t>Classification based on ML/DL</a:t>
+            </a:r>
+            <a:endParaRPr lang="en-US" altLang="zh-CN"/>
+          </a:p>
+        </p:txBody>
+      </p:sp>
+      <p:sp>
+        <p:nvSpPr>
+          <p:cNvPr id="8" name="圆角矩形 7"/>
+          <p:cNvSpPr/>
+          <p:nvPr>
+            <p:custDataLst>
+              <p:tags r:id="rId4"/>
+            </p:custDataLst>
+          </p:nvPr>
+        </p:nvSpPr>
+        <p:spPr>
+          <a:xfrm>
+            <a:off x="3920490" y="4104640"/>
+            <a:ext cx="1889125" cy="941705"/>
+          </a:xfrm>
+          <a:prstGeom prst="roundRect">
+            <a:avLst/>
+          </a:prstGeom>
+        </p:spPr>
+        <p:style>
+          <a:lnRef idx="2">
+            <a:schemeClr val="accent1"/>
+          </a:lnRef>
+          <a:fillRef idx="0">
+            <a:srgbClr val="FFFFFF"/>
+          </a:fillRef>
+          <a:effectRef idx="0">
+            <a:srgbClr val="FFFFFF"/>
+          </a:effectRef>
+          <a:fontRef idx="minor">
+            <a:schemeClr val="tx1"/>
+          </a:fontRef>
+        </p:style>
+        <p:txBody>
+          <a:bodyPr rtlCol="0" anchor="ctr"/>
+          <a:p>
+            <a:pPr algn="ctr"/>
+            <a:r>
+              <a:rPr lang="en-US" altLang="zh-CN"/>
+              <a:t>Model Evaluation</a:t>
+            </a:r>
+            <a:endParaRPr lang="en-US" altLang="zh-CN"/>
+          </a:p>
+        </p:txBody>
+      </p:sp>
+      <p:sp>
+        <p:nvSpPr>
+          <p:cNvPr id="9" name="文本框 8"/>
+          <p:cNvSpPr txBox="1"/>
+          <p:nvPr/>
+        </p:nvSpPr>
+        <p:spPr>
+          <a:xfrm>
+            <a:off x="7828915" y="4084955"/>
+            <a:ext cx="4064000" cy="368300"/>
+          </a:xfrm>
+          <a:prstGeom prst="rect">
+            <a:avLst/>
+          </a:prstGeom>
+          <a:noFill/>
+        </p:spPr>
+        <p:txBody>
+          <a:bodyPr wrap="square" rtlCol="0">
+            <a:spAutoFit/>
+          </a:bodyPr>
+          <a:p>
+            <a:r>
+              <a:rPr lang="zh-CN" altLang="en-US"/>
+              <a:t>每个框框画点图</a:t>
+            </a:r>
             <a:endParaRPr lang="zh-CN" altLang="en-US"/>
           </a:p>
         </p:txBody>
       </p:sp>
     </p:spTree>
     <p:custDataLst>
-      <p:tags r:id="rId1"/>
+      <p:tags r:id="rId5"/>
+    </p:custDataLst>
+  </p:cSld>
+  <p:clrMapOvr>
+    <a:masterClrMapping/>
+  </p:clrMapOvr>
+</p:sld>
+</file>
+
+<file path=ppt/slides/slide8.xml><?xml version="1.0" encoding="utf-8"?>
+<p:sld xmlns:a="http://schemas.openxmlformats.org/drawingml/2006/main" xmlns:r="http://schemas.openxmlformats.org/officeDocument/2006/relationships" xmlns:p="http://schemas.openxmlformats.org/presentationml/2006/main">
+  <p:cSld>
+    <p:spTree>
+      <p:nvGrpSpPr>
+        <p:cNvPr id="1" name=""/>
+        <p:cNvGrpSpPr/>
+        <p:nvPr/>
+      </p:nvGrpSpPr>
+      <p:grpSpPr/>
+      <p:sp>
+        <p:nvSpPr>
+          <p:cNvPr id="2" name="标题 1"/>
+          <p:cNvSpPr>
+            <a:spLocks noGrp="1"/>
+          </p:cNvSpPr>
+          <p:nvPr>
+            <p:ph type="title"/>
+          </p:nvPr>
+        </p:nvSpPr>
+        <p:spPr/>
+        <p:txBody>
+          <a:bodyPr/>
+          <a:p>
+            <a:r>
+              <a:rPr lang="en-US" altLang="zh-CN">
+                <a:sym typeface="+mn-ea"/>
+              </a:rPr>
+              <a:t>Analysis Method by ML - </a:t>
+            </a:r>
+            <a:r>
+              <a:rPr lang="en-US" altLang="zh-CN">
+                <a:sym typeface="+mn-ea"/>
+              </a:rPr>
+              <a:t>signal spliting</a:t>
+            </a:r>
+            <a:endParaRPr lang="zh-CN" altLang="en-US"/>
+          </a:p>
+        </p:txBody>
+      </p:sp>
+      <p:sp>
+        <p:nvSpPr>
+          <p:cNvPr id="3" name="内容占位符 2"/>
+          <p:cNvSpPr>
+            <a:spLocks noGrp="1"/>
+          </p:cNvSpPr>
+          <p:nvPr>
+            <p:ph idx="1"/>
+          </p:nvPr>
+        </p:nvSpPr>
+        <p:spPr/>
+        <p:txBody>
+          <a:bodyPr/>
+          <a:p>
+            <a:pPr marL="0" indent="0">
+              <a:buNone/>
+            </a:pPr>
+            <a:r>
+              <a:rPr lang="en-US" altLang="zh-CN"/>
+              <a:t>We prefer to identify signals with same length</a:t>
+            </a:r>
+            <a:endParaRPr lang="en-US" altLang="zh-CN"/>
+          </a:p>
+          <a:p>
+            <a:pPr marL="0" indent="0">
+              <a:buNone/>
+            </a:pPr>
+            <a:endParaRPr lang="en-US" altLang="zh-CN"/>
+          </a:p>
+          <a:p>
+            <a:pPr marL="0" indent="0">
+              <a:buNone/>
+            </a:pPr>
+            <a:endParaRPr lang="en-US" altLang="zh-CN"/>
+          </a:p>
+          <a:p>
+            <a:pPr marL="0" indent="0">
+              <a:buNone/>
+            </a:pPr>
+            <a:r>
+              <a:rPr lang="en-US" altLang="zh-CN"/>
+              <a:t> splited the raw signal by 30s.</a:t>
+            </a:r>
+            <a:endParaRPr lang="en-US" altLang="zh-CN"/>
+          </a:p>
+        </p:txBody>
+      </p:sp>
+      <p:sp>
+        <p:nvSpPr>
+          <p:cNvPr id="4" name="下箭头 3"/>
+          <p:cNvSpPr/>
+          <p:nvPr/>
+        </p:nvSpPr>
+        <p:spPr>
+          <a:xfrm>
+            <a:off x="2606675" y="2001520"/>
+            <a:ext cx="208280" cy="928370"/>
+          </a:xfrm>
+          <a:prstGeom prst="downArrow">
+            <a:avLst/>
+          </a:prstGeom>
+        </p:spPr>
+        <p:style>
+          <a:lnRef idx="2">
+            <a:schemeClr val="accent1">
+              <a:lumMod val="75000"/>
+            </a:schemeClr>
+          </a:lnRef>
+          <a:fillRef idx="1">
+            <a:schemeClr val="accent1"/>
+          </a:fillRef>
+          <a:effectRef idx="0">
+            <a:srgbClr val="FFFFFF"/>
+          </a:effectRef>
+          <a:fontRef idx="minor">
+            <a:schemeClr val="lt1"/>
+          </a:fontRef>
+        </p:style>
+        <p:txBody>
+          <a:bodyPr rtlCol="0" anchor="ctr"/>
+          <a:p>
+            <a:pPr algn="ctr"/>
+            <a:endParaRPr lang="zh-CN" altLang="en-US"/>
+          </a:p>
+        </p:txBody>
+      </p:sp>
+      <p:pic>
+        <p:nvPicPr>
+          <p:cNvPr id="5" name="图片 4" descr="30s_W_1"/>
+          <p:cNvPicPr>
+            <a:picLocks noChangeAspect="1"/>
+          </p:cNvPicPr>
+          <p:nvPr/>
+        </p:nvPicPr>
+        <p:blipFill>
+          <a:blip r:embed="rId1"/>
+          <a:stretch>
+            <a:fillRect/>
+          </a:stretch>
+        </p:blipFill>
+        <p:spPr>
+          <a:xfrm>
+            <a:off x="8223250" y="1490345"/>
+            <a:ext cx="3354070" cy="2236470"/>
+          </a:xfrm>
+          <a:prstGeom prst="rect">
+            <a:avLst/>
+          </a:prstGeom>
+        </p:spPr>
+      </p:pic>
+      <p:pic>
+        <p:nvPicPr>
+          <p:cNvPr id="6" name="图片 5" descr="30s_W_2"/>
+          <p:cNvPicPr>
+            <a:picLocks noChangeAspect="1"/>
+          </p:cNvPicPr>
+          <p:nvPr/>
+        </p:nvPicPr>
+        <p:blipFill>
+          <a:blip r:embed="rId2"/>
+          <a:stretch>
+            <a:fillRect/>
+          </a:stretch>
+        </p:blipFill>
+        <p:spPr>
+          <a:xfrm>
+            <a:off x="8223250" y="3726815"/>
+            <a:ext cx="3497580" cy="2331720"/>
+          </a:xfrm>
+          <a:prstGeom prst="rect">
+            <a:avLst/>
+          </a:prstGeom>
+        </p:spPr>
+      </p:pic>
+      <p:sp>
+        <p:nvSpPr>
+          <p:cNvPr id="7" name="文本框 6"/>
+          <p:cNvSpPr txBox="1"/>
+          <p:nvPr/>
+        </p:nvSpPr>
+        <p:spPr>
+          <a:xfrm>
+            <a:off x="9363710" y="6058535"/>
+            <a:ext cx="4064000" cy="368300"/>
+          </a:xfrm>
+          <a:prstGeom prst="rect">
+            <a:avLst/>
+          </a:prstGeom>
+          <a:noFill/>
+        </p:spPr>
+        <p:txBody>
+          <a:bodyPr wrap="square" rtlCol="0">
+            <a:spAutoFit/>
+          </a:bodyPr>
+          <a:p>
+            <a:r>
+              <a:rPr lang="en-US" altLang="zh-CN"/>
+              <a:t>Fs=100 Hz</a:t>
+            </a:r>
+            <a:endParaRPr lang="en-US" altLang="zh-CN"/>
+          </a:p>
+        </p:txBody>
+      </p:sp>
+      <p:sp>
+        <p:nvSpPr>
+          <p:cNvPr id="8" name="文本框 7"/>
+          <p:cNvSpPr txBox="1"/>
+          <p:nvPr/>
+        </p:nvSpPr>
+        <p:spPr>
+          <a:xfrm>
+            <a:off x="2907030" y="5029835"/>
+            <a:ext cx="4064000" cy="368300"/>
+          </a:xfrm>
+          <a:prstGeom prst="rect">
+            <a:avLst/>
+          </a:prstGeom>
+          <a:noFill/>
+        </p:spPr>
+        <p:txBody>
+          <a:bodyPr wrap="square" rtlCol="0">
+            <a:spAutoFit/>
+          </a:bodyPr>
+          <a:p>
+            <a:r>
+              <a:rPr lang="zh-CN" altLang="en-US"/>
+              <a:t>示意图，转换的过程</a:t>
+            </a:r>
+            <a:endParaRPr lang="zh-CN" altLang="en-US"/>
+          </a:p>
+        </p:txBody>
+      </p:sp>
+    </p:spTree>
+    <p:custDataLst>
+      <p:tags r:id="rId3"/>
+    </p:custDataLst>
+  </p:cSld>
+  <p:clrMapOvr>
+    <a:masterClrMapping/>
+  </p:clrMapOvr>
+</p:sld>
+</file>
+
+<file path=ppt/slides/slide9.xml><?xml version="1.0" encoding="utf-8"?>
+<p:sld xmlns:a="http://schemas.openxmlformats.org/drawingml/2006/main" xmlns:r="http://schemas.openxmlformats.org/officeDocument/2006/relationships" xmlns:p="http://schemas.openxmlformats.org/presentationml/2006/main">
+  <p:cSld>
+    <p:spTree>
+      <p:nvGrpSpPr>
+        <p:cNvPr id="1" name=""/>
+        <p:cNvGrpSpPr/>
+        <p:nvPr/>
+      </p:nvGrpSpPr>
+      <p:grpSpPr/>
+      <p:sp>
+        <p:nvSpPr>
+          <p:cNvPr id="2" name="标题 1"/>
+          <p:cNvSpPr>
+            <a:spLocks noGrp="1"/>
+          </p:cNvSpPr>
+          <p:nvPr>
+            <p:ph type="title"/>
+          </p:nvPr>
+        </p:nvSpPr>
+        <p:spPr/>
+        <p:txBody>
+          <a:bodyPr>
+            <a:normAutofit/>
+          </a:bodyPr>
+          <a:p>
+            <a:r>
+              <a:rPr lang="en-US" altLang="zh-CN">
+                <a:sym typeface="+mn-ea"/>
+              </a:rPr>
+              <a:t>feature extraction</a:t>
+            </a:r>
+            <a:endParaRPr lang="en-US" altLang="zh-CN">
+              <a:sym typeface="+mn-ea"/>
+            </a:endParaRPr>
+          </a:p>
+        </p:txBody>
+      </p:sp>
+      <p:sp>
+        <p:nvSpPr>
+          <p:cNvPr id="5" name="文本框 4"/>
+          <p:cNvSpPr txBox="1"/>
+          <p:nvPr/>
+        </p:nvSpPr>
+        <p:spPr>
+          <a:xfrm>
+            <a:off x="668020" y="1559560"/>
+            <a:ext cx="4959985" cy="2030095"/>
+          </a:xfrm>
+          <a:prstGeom prst="rect">
+            <a:avLst/>
+          </a:prstGeom>
+          <a:noFill/>
+        </p:spPr>
+        <p:txBody>
+          <a:bodyPr wrap="square" rtlCol="0">
+            <a:spAutoFit/>
+          </a:bodyPr>
+          <a:p>
+            <a:r>
+              <a:rPr lang="en-US" altLang="zh-CN"/>
+              <a:t>131 features</a:t>
+            </a:r>
+            <a:endParaRPr lang="en-US" altLang="zh-CN"/>
+          </a:p>
+          <a:p>
+            <a:r>
+              <a:rPr lang="zh-CN" altLang="en-US"/>
+              <a:t>频域多少个</a:t>
+            </a:r>
+            <a:endParaRPr lang="zh-CN" altLang="en-US"/>
+          </a:p>
+          <a:p>
+            <a:r>
+              <a:rPr lang="zh-CN" altLang="en-US"/>
+              <a:t>时域多少个</a:t>
+            </a:r>
+            <a:endParaRPr lang="en-US" altLang="zh-CN"/>
+          </a:p>
+          <a:p>
+            <a:r>
+              <a:rPr lang="en-US" altLang="zh-CN"/>
+              <a:t>these features are</a:t>
+            </a:r>
+            <a:endParaRPr lang="en-US" altLang="zh-CN"/>
+          </a:p>
+          <a:p>
+            <a:r>
+              <a:rPr lang="en-US" altLang="zh-CN"/>
+              <a:t>multi-domain (extracted from time and frequency domain) and multi-resolution (calculated on multiple window sizes).</a:t>
+            </a:r>
+            <a:endParaRPr lang="en-US" altLang="zh-CN"/>
+          </a:p>
+        </p:txBody>
+      </p:sp>
+      <p:pic>
+        <p:nvPicPr>
+          <p:cNvPr id="6" name="内容占位符 5" descr="Feature Table"/>
+          <p:cNvPicPr>
+            <a:picLocks noChangeAspect="1"/>
+          </p:cNvPicPr>
+          <p:nvPr>
+            <p:ph idx="1"/>
+          </p:nvPr>
+        </p:nvPicPr>
+        <p:blipFill>
+          <a:blip r:embed="rId1"/>
+          <a:stretch>
+            <a:fillRect/>
+          </a:stretch>
+        </p:blipFill>
+        <p:spPr>
+          <a:xfrm>
+            <a:off x="5851525" y="1244600"/>
+            <a:ext cx="5915025" cy="3503295"/>
+          </a:xfrm>
+          <a:prstGeom prst="rect">
+            <a:avLst/>
+          </a:prstGeom>
+        </p:spPr>
+      </p:pic>
+      <mc:AlternateContent xmlns:mc="http://schemas.openxmlformats.org/markup-compatibility/2006">
+        <mc:Choice xmlns:a14="http://schemas.microsoft.com/office/drawing/2010/main" Requires="a14">
+          <p:sp>
+            <p:nvSpPr>
+              <p:cNvPr id="7" name="文本框 6"/>
+              <p:cNvSpPr txBox="1"/>
+              <p:nvPr/>
+            </p:nvSpPr>
+            <p:spPr>
+              <a:xfrm>
+                <a:off x="5709920" y="4791710"/>
+                <a:ext cx="6096000" cy="1881505"/>
+              </a:xfrm>
+              <a:prstGeom prst="rect">
+                <a:avLst/>
+              </a:prstGeom>
+              <a:noFill/>
+            </p:spPr>
+            <p:txBody>
+              <a:bodyPr wrap="square" rtlCol="0" anchor="t">
+                <a:spAutoFit/>
+              </a:bodyPr>
+              <a:p>
+                <a:r>
+                  <a:rPr lang="zh-CN" altLang="en-US"/>
+                  <a:t>Hjorth Mobility</a:t>
+                </a:r>
+                <a:r>
+                  <a:rPr lang="en-US" altLang="zh-CN"/>
+                  <a:t>: </a:t>
+                </a:r>
+                <a14:m>
+                  <m:oMath xmlns:m="http://schemas.openxmlformats.org/officeDocument/2006/math">
+                    <m:f>
+                      <m:fPr>
+                        <m:ctrlPr>
+                          <a:rPr lang="en-US" altLang="zh-CN" i="1">
+                            <a:latin typeface="Cambria Math" panose="02040503050406030204" charset="0"/>
+                            <a:cs typeface="Cambria Math" panose="02040503050406030204" charset="0"/>
+                          </a:rPr>
+                        </m:ctrlPr>
+                      </m:fPr>
+                      <m:num>
+                        <m:r>
+                          <a:rPr lang="en-US" altLang="zh-CN" i="1">
+                            <a:latin typeface="Cambria Math" panose="02040503050406030204" charset="0"/>
+                            <a:cs typeface="Cambria Math" panose="02040503050406030204" charset="0"/>
+                          </a:rPr>
+                          <m:t>𝑠𝑖𝑔𝑛𝑎𝑙</m:t>
+                        </m:r>
+                        <m:r>
+                          <a:rPr lang="en-US" altLang="zh-CN" i="1">
+                            <a:latin typeface="Cambria Math" panose="02040503050406030204" charset="0"/>
+                            <a:cs typeface="Cambria Math" panose="02040503050406030204" charset="0"/>
+                          </a:rPr>
+                          <m:t>'</m:t>
+                        </m:r>
+                        <m:r>
+                          <a:rPr lang="en-US" altLang="zh-CN" i="1">
+                            <a:latin typeface="Cambria Math" panose="02040503050406030204" charset="0"/>
+                            <a:cs typeface="Cambria Math" panose="02040503050406030204" charset="0"/>
+                          </a:rPr>
+                          <m:t>𝑠</m:t>
+                        </m:r>
+                        <m:r>
+                          <a:rPr lang="en-US" altLang="zh-CN" i="1">
+                            <a:latin typeface="Cambria Math" panose="02040503050406030204" charset="0"/>
+                            <a:cs typeface="Cambria Math" panose="02040503050406030204" charset="0"/>
+                          </a:rPr>
+                          <m:t> </m:t>
+                        </m:r>
+                        <m:r>
+                          <a:rPr lang="en-US" altLang="zh-CN" i="1">
+                            <a:latin typeface="Cambria Math" panose="02040503050406030204" charset="0"/>
+                            <a:cs typeface="Cambria Math" panose="02040503050406030204" charset="0"/>
+                          </a:rPr>
+                          <m:t>𝑠𝑡𝑎𝑛𝑑𝑎𝑟𝑑</m:t>
+                        </m:r>
+                        <m:r>
+                          <a:rPr lang="en-US" altLang="zh-CN" i="1">
+                            <a:latin typeface="Cambria Math" panose="02040503050406030204" charset="0"/>
+                            <a:cs typeface="Cambria Math" panose="02040503050406030204" charset="0"/>
+                          </a:rPr>
+                          <m:t> </m:t>
+                        </m:r>
+                        <m:r>
+                          <a:rPr lang="en-US" altLang="zh-CN" i="1">
+                            <a:latin typeface="Cambria Math" panose="02040503050406030204" charset="0"/>
+                            <a:cs typeface="Cambria Math" panose="02040503050406030204" charset="0"/>
+                          </a:rPr>
+                          <m:t>𝑑𝑒𝑣𝑖𝑎𝑡𝑖𝑜𝑛</m:t>
+                        </m:r>
+                      </m:num>
+                      <m:den>
+                        <m:r>
+                          <a:rPr lang="en-US" altLang="zh-CN" i="1">
+                            <a:latin typeface="Cambria Math" panose="02040503050406030204" charset="0"/>
+                            <a:cs typeface="Cambria Math" panose="02040503050406030204" charset="0"/>
+                          </a:rPr>
+                          <m:t>𝑓𝑖𝑟𝑠𝑡</m:t>
+                        </m:r>
+                        <m:r>
+                          <a:rPr lang="en-US" altLang="zh-CN" i="1">
+                            <a:latin typeface="Cambria Math" panose="02040503050406030204" charset="0"/>
+                            <a:cs typeface="Cambria Math" panose="02040503050406030204" charset="0"/>
+                          </a:rPr>
+                          <m:t> </m:t>
+                        </m:r>
+                        <m:r>
+                          <a:rPr lang="en-US" altLang="zh-CN" i="1">
+                            <a:latin typeface="Cambria Math" panose="02040503050406030204" charset="0"/>
+                            <a:cs typeface="Cambria Math" panose="02040503050406030204" charset="0"/>
+                          </a:rPr>
+                          <m:t>𝑑𝑒𝑟𝑖𝑣𝑎𝑡𝑖𝑣𝑒</m:t>
+                        </m:r>
+                        <m:r>
+                          <a:rPr lang="en-US" altLang="zh-CN" i="1">
+                            <a:latin typeface="Cambria Math" panose="02040503050406030204" charset="0"/>
+                            <a:cs typeface="Cambria Math" panose="02040503050406030204" charset="0"/>
+                          </a:rPr>
+                          <m:t>'</m:t>
+                        </m:r>
+                        <m:r>
+                          <a:rPr lang="en-US" altLang="zh-CN" i="1">
+                            <a:latin typeface="Cambria Math" panose="02040503050406030204" charset="0"/>
+                            <a:cs typeface="Cambria Math" panose="02040503050406030204" charset="0"/>
+                          </a:rPr>
+                          <m:t>𝑠</m:t>
+                        </m:r>
+                        <m:r>
+                          <a:rPr lang="en-US" altLang="zh-CN" i="1">
+                            <a:latin typeface="Cambria Math" panose="02040503050406030204" charset="0"/>
+                            <a:cs typeface="Cambria Math" panose="02040503050406030204" charset="0"/>
+                          </a:rPr>
+                          <m:t> </m:t>
+                        </m:r>
+                        <m:r>
+                          <a:rPr lang="en-US" altLang="zh-CN" i="1">
+                            <a:latin typeface="Cambria Math" panose="02040503050406030204" charset="0"/>
+                            <a:cs typeface="Cambria Math" panose="02040503050406030204" charset="0"/>
+                          </a:rPr>
+                          <m:t>𝑠𝑡𝑎𝑛𝑑𝑎𝑟𝑑</m:t>
+                        </m:r>
+                        <m:r>
+                          <a:rPr lang="en-US" altLang="zh-CN" i="1">
+                            <a:latin typeface="Cambria Math" panose="02040503050406030204" charset="0"/>
+                            <a:cs typeface="Cambria Math" panose="02040503050406030204" charset="0"/>
+                          </a:rPr>
+                          <m:t> </m:t>
+                        </m:r>
+                        <m:r>
+                          <a:rPr lang="en-US" altLang="zh-CN" i="1">
+                            <a:latin typeface="Cambria Math" panose="02040503050406030204" charset="0"/>
+                            <a:cs typeface="Cambria Math" panose="02040503050406030204" charset="0"/>
+                          </a:rPr>
+                          <m:t>𝑑𝑒𝑣𝑖𝑎𝑡𝑖𝑜𝑛</m:t>
+                        </m:r>
+                      </m:den>
+                    </m:f>
+                  </m:oMath>
+                </a14:m>
+                <a:endParaRPr lang="en-US" altLang="zh-CN" i="1">
+                  <a:latin typeface="Cambria Math" panose="02040503050406030204" charset="0"/>
+                  <a:cs typeface="Cambria Math" panose="02040503050406030204" charset="0"/>
+                </a:endParaRPr>
+              </a:p>
+              <a:p>
+                <a:r>
+                  <a:rPr lang="en-US" altLang="zh-CN"/>
+                  <a:t>Hjorth Complexity: </a:t>
+                </a:r>
+                <a14:m>
+                  <m:oMath xmlns:m="http://schemas.openxmlformats.org/officeDocument/2006/math">
+                    <m:f>
+                      <m:fPr>
+                        <m:ctrlPr>
+                          <a:rPr lang="en-US" altLang="zh-CN" i="1">
+                            <a:latin typeface="Cambria Math" panose="02040503050406030204" charset="0"/>
+                            <a:cs typeface="Cambria Math" panose="02040503050406030204" charset="0"/>
+                          </a:rPr>
+                        </m:ctrlPr>
+                      </m:fPr>
+                      <m:num>
+                        <m:r>
+                          <a:rPr lang="en-US" altLang="zh-CN" i="1">
+                            <a:latin typeface="Cambria Math" panose="02040503050406030204" charset="0"/>
+                            <a:cs typeface="Cambria Math" panose="02040503050406030204" charset="0"/>
+                          </a:rPr>
+                          <m:t>𝑠𝑖𝑔𝑛𝑎𝑙</m:t>
+                        </m:r>
+                        <m:r>
+                          <a:rPr lang="en-US" altLang="zh-CN" i="1">
+                            <a:latin typeface="Cambria Math" panose="02040503050406030204" charset="0"/>
+                            <a:cs typeface="Cambria Math" panose="02040503050406030204" charset="0"/>
+                          </a:rPr>
+                          <m:t>'</m:t>
+                        </m:r>
+                        <m:r>
+                          <a:rPr lang="en-US" altLang="zh-CN" i="1">
+                            <a:latin typeface="Cambria Math" panose="02040503050406030204" charset="0"/>
+                            <a:cs typeface="Cambria Math" panose="02040503050406030204" charset="0"/>
+                          </a:rPr>
+                          <m:t>𝑠</m:t>
+                        </m:r>
+                        <m:r>
+                          <a:rPr lang="en-US" altLang="zh-CN" i="1">
+                            <a:latin typeface="Cambria Math" panose="02040503050406030204" charset="0"/>
+                            <a:cs typeface="Cambria Math" panose="02040503050406030204" charset="0"/>
+                          </a:rPr>
+                          <m:t> </m:t>
+                        </m:r>
+                        <m:r>
+                          <a:rPr lang="en-US" altLang="zh-CN" i="1">
+                            <a:latin typeface="Cambria Math" panose="02040503050406030204" charset="0"/>
+                            <a:cs typeface="Cambria Math" panose="02040503050406030204" charset="0"/>
+                          </a:rPr>
+                          <m:t>𝑚𝑜𝑏𝑖𝑙𝑖𝑡𝑦</m:t>
+                        </m:r>
+                      </m:num>
+                      <m:den>
+                        <m:r>
+                          <a:rPr lang="en-US" altLang="zh-CN" i="1">
+                            <a:latin typeface="Cambria Math" panose="02040503050406030204" charset="0"/>
+                            <a:cs typeface="Cambria Math" panose="02040503050406030204" charset="0"/>
+                          </a:rPr>
+                          <m:t>𝑓𝑖𝑟𝑠𝑡</m:t>
+                        </m:r>
+                        <m:r>
+                          <a:rPr lang="en-US" altLang="zh-CN" i="1">
+                            <a:latin typeface="Cambria Math" panose="02040503050406030204" charset="0"/>
+                            <a:cs typeface="Cambria Math" panose="02040503050406030204" charset="0"/>
+                          </a:rPr>
+                          <m:t> </m:t>
+                        </m:r>
+                        <m:r>
+                          <a:rPr lang="en-US" altLang="zh-CN" i="1">
+                            <a:latin typeface="Cambria Math" panose="02040503050406030204" charset="0"/>
+                            <a:cs typeface="Cambria Math" panose="02040503050406030204" charset="0"/>
+                          </a:rPr>
+                          <m:t>𝑑𝑒𝑟𝑖𝑣𝑎𝑡𝑖𝑣𝑒</m:t>
+                        </m:r>
+                        <m:r>
+                          <a:rPr lang="en-US" altLang="zh-CN" i="1">
+                            <a:latin typeface="Cambria Math" panose="02040503050406030204" charset="0"/>
+                            <a:cs typeface="Cambria Math" panose="02040503050406030204" charset="0"/>
+                          </a:rPr>
+                          <m:t>'</m:t>
+                        </m:r>
+                        <m:r>
+                          <a:rPr lang="en-US" altLang="zh-CN" i="1">
+                            <a:latin typeface="Cambria Math" panose="02040503050406030204" charset="0"/>
+                            <a:cs typeface="Cambria Math" panose="02040503050406030204" charset="0"/>
+                          </a:rPr>
+                          <m:t>𝑠</m:t>
+                        </m:r>
+                        <m:r>
+                          <a:rPr lang="en-US" altLang="zh-CN" i="1">
+                            <a:latin typeface="Cambria Math" panose="02040503050406030204" charset="0"/>
+                            <a:cs typeface="Cambria Math" panose="02040503050406030204" charset="0"/>
+                          </a:rPr>
+                          <m:t> </m:t>
+                        </m:r>
+                        <m:r>
+                          <a:rPr lang="en-US" altLang="zh-CN" i="1">
+                            <a:latin typeface="Cambria Math" panose="02040503050406030204" charset="0"/>
+                            <a:cs typeface="Cambria Math" panose="02040503050406030204" charset="0"/>
+                          </a:rPr>
+                          <m:t>𝑚𝑜𝑏𝑖𝑙𝑖𝑡𝑦</m:t>
+                        </m:r>
+                      </m:den>
+                    </m:f>
+                  </m:oMath>
+                </a14:m>
+                <a:endParaRPr lang="en-US" altLang="zh-CN" i="1">
+                  <a:latin typeface="Cambria Math" panose="02040503050406030204" charset="0"/>
+                  <a:cs typeface="Cambria Math" panose="02040503050406030204" charset="0"/>
+                </a:endParaRPr>
+              </a:p>
+              <a:p>
+                <a:r>
+                  <a:rPr lang="en-US" altLang="zh-CN"/>
+                  <a:t>HFD: </a:t>
+                </a:r>
+                <a:r>
+                  <a:rPr lang="en-US" altLang="zh-CN" sz="1400"/>
+                  <a:t>a technique for measuring the fractal dimension of a time series, quantifying its complexity and self-similarity by reconstructing it into multiple scales and analyzing the lengths of these scales.</a:t>
+                </a:r>
+                <a:endParaRPr lang="en-US" altLang="zh-CN" sz="1400"/>
+              </a:p>
+              <a:p>
+                <a:endParaRPr lang="en-US" altLang="zh-CN" sz="1400"/>
+              </a:p>
+            </p:txBody>
+          </p:sp>
+        </mc:Choice>
+        <mc:Fallback>
+          <p:sp>
+            <p:nvSpPr>
+              <p:cNvPr id="7" name="文本框 6"/>
+              <p:cNvSpPr txBox="1">
+                <a:spLocks noRot="1" noChangeAspect="1" noMove="1" noResize="1" noEditPoints="1" noAdjustHandles="1" noChangeArrowheads="1" noChangeShapeType="1" noTextEdit="1"/>
+              </p:cNvSpPr>
+              <p:nvPr/>
+            </p:nvSpPr>
+            <p:spPr>
+              <a:xfrm>
+                <a:off x="5709920" y="4791710"/>
+                <a:ext cx="6096000" cy="1881505"/>
+              </a:xfrm>
+              <a:prstGeom prst="rect">
+                <a:avLst/>
+              </a:prstGeom>
+              <a:blipFill rotWithShape="1">
+                <a:blip r:embed="rId2"/>
+                <a:stretch>
+                  <a:fillRect/>
+                </a:stretch>
+              </a:blipFill>
+            </p:spPr>
+            <p:txBody>
+              <a:bodyPr/>
+              <a:lstStyle/>
+              <a:p>
+                <a:r>
+                  <a:rPr lang="zh-CN" altLang="en-US">
+                    <a:noFill/>
+                  </a:rPr>
+                  <a:t> </a:t>
+                </a:r>
+              </a:p>
+            </p:txBody>
+          </p:sp>
+        </mc:Fallback>
+      </mc:AlternateContent>
+      <p:pic>
+        <p:nvPicPr>
+          <p:cNvPr id="8" name="图片 7"/>
+          <p:cNvPicPr>
+            <a:picLocks noChangeAspect="1"/>
+          </p:cNvPicPr>
+          <p:nvPr>
+            <p:custDataLst>
+              <p:tags r:id="rId3"/>
+            </p:custDataLst>
+          </p:nvPr>
+        </p:nvPicPr>
+        <p:blipFill>
+          <a:blip r:embed="rId4">
+            <a:extLst>
+              <a:ext uri="{28A0092B-C50C-407E-A947-70E740481C1C}">
+                <a14:useLocalDpi xmlns:a14="http://schemas.microsoft.com/office/drawing/2010/main" val="0"/>
+              </a:ext>
+            </a:extLst>
+          </a:blip>
+          <a:stretch>
+            <a:fillRect/>
+          </a:stretch>
+        </p:blipFill>
+        <p:spPr>
+          <a:xfrm>
+            <a:off x="962660" y="3911600"/>
+            <a:ext cx="4371340" cy="2464435"/>
+          </a:xfrm>
+          <a:prstGeom prst="rect">
+            <a:avLst/>
+          </a:prstGeom>
+        </p:spPr>
+      </p:pic>
+      <p:cxnSp>
+        <p:nvCxnSpPr>
+          <p:cNvPr id="9" name="直接连接符 8"/>
+          <p:cNvCxnSpPr/>
+          <p:nvPr/>
+        </p:nvCxnSpPr>
+        <p:spPr>
+          <a:xfrm flipV="1">
+            <a:off x="5970270" y="3725545"/>
+            <a:ext cx="5677535" cy="31750"/>
+          </a:xfrm>
+          <a:prstGeom prst="line">
+            <a:avLst/>
+          </a:prstGeom>
+        </p:spPr>
+        <p:style>
+          <a:lnRef idx="2">
+            <a:schemeClr val="accent1"/>
+          </a:lnRef>
+          <a:fillRef idx="0">
+            <a:srgbClr val="FFFFFF"/>
+          </a:fillRef>
+          <a:effectRef idx="0">
+            <a:srgbClr val="FFFFFF"/>
+          </a:effectRef>
+          <a:fontRef idx="minor">
+            <a:schemeClr val="tx1"/>
+          </a:fontRef>
+        </p:style>
+      </p:cxnSp>
+    </p:spTree>
+    <p:custDataLst>
+      <p:tags r:id="rId5"/>
     </p:custDataLst>
   </p:cSld>
   <p:clrMapOvr>
@@ -4953,23 +6380,39 @@
 
 <file path=ppt/tags/tag74.xml><?xml version="1.0" encoding="utf-8"?>
 <p:tagLst xmlns:p="http://schemas.openxmlformats.org/presentationml/2006/main">
+  <p:tag name="KSO_WM_BEAUTIFY_FLAG" val=""/>
+</p:tagLst>
+</file>
+
+<file path=ppt/tags/tag75.xml><?xml version="1.0" encoding="utf-8"?>
+<p:tagLst xmlns:p="http://schemas.openxmlformats.org/presentationml/2006/main">
+  <p:tag name="KSO_WM_BEAUTIFY_FLAG" val=""/>
+</p:tagLst>
+</file>
+
+<file path=ppt/tags/tag76.xml><?xml version="1.0" encoding="utf-8"?>
+<p:tagLst xmlns:p="http://schemas.openxmlformats.org/presentationml/2006/main">
   <p:tag name="KSO_WM_BEAUTIFY_FLAG" val="#wm#"/>
   <p:tag name="KSO_WM_TEMPLATE_CATEGORY" val="custom"/>
   <p:tag name="KSO_WM_TEMPLATE_INDEX" val="20205081"/>
 </p:tagLst>
 </file>
 
-<file path=ppt/tags/tag75.xml><?xml version="1.0" encoding="utf-8"?>
-<p:tagLst xmlns:p="http://schemas.openxmlformats.org/presentationml/2006/main">
-  <p:tag name="KSO_WM_BEAUTIFY_FLAG" val="#wm#"/>
-  <p:tag name="KSO_WM_TEMPLATE_CATEGORY" val="custom"/>
-  <p:tag name="KSO_WM_TEMPLATE_INDEX" val="20205081"/>
-</p:tagLst>
-</file>
-
-<file path=ppt/tags/tag76.xml><?xml version="1.0" encoding="utf-8"?>
-<p:tagLst xmlns:p="http://schemas.openxmlformats.org/presentationml/2006/main">
-  <p:tag name="commondata" val="eyJoZGlkIjoiZjlhZjllYWIwZmY2OTBlODY4YmNmOWU0MThlMTUxODEifQ=="/>
+<file path=ppt/tags/tag77.xml><?xml version="1.0" encoding="utf-8"?>
+<p:tagLst xmlns:p="http://schemas.openxmlformats.org/presentationml/2006/main">
+  <p:tag name="KSO_WM_BEAUTIFY_FLAG" val=""/>
+</p:tagLst>
+</file>
+
+<file path=ppt/tags/tag78.xml><?xml version="1.0" encoding="utf-8"?>
+<p:tagLst xmlns:p="http://schemas.openxmlformats.org/presentationml/2006/main">
+  <p:tag name="KSO_WM_BEAUTIFY_FLAG" val=""/>
+</p:tagLst>
+</file>
+
+<file path=ppt/tags/tag79.xml><?xml version="1.0" encoding="utf-8"?>
+<p:tagLst xmlns:p="http://schemas.openxmlformats.org/presentationml/2006/main">
+  <p:tag name="KSO_WM_BEAUTIFY_FLAG" val=""/>
 </p:tagLst>
 </file>
 
@@ -4983,6 +6426,56 @@
   <p:tag name="KSO_WM_UNIT_LAYERLEVEL" val="1"/>
   <p:tag name="KSO_WM_TAG_VERSION" val="1.0"/>
   <p:tag name="KSO_WM_BEAUTIFY_FLAG" val="#wm#"/>
+</p:tagLst>
+</file>
+
+<file path=ppt/tags/tag80.xml><?xml version="1.0" encoding="utf-8"?>
+<p:tagLst xmlns:p="http://schemas.openxmlformats.org/presentationml/2006/main">
+  <p:tag name="KSO_WM_BEAUTIFY_FLAG" val=""/>
+</p:tagLst>
+</file>
+
+<file path=ppt/tags/tag81.xml><?xml version="1.0" encoding="utf-8"?>
+<p:tagLst xmlns:p="http://schemas.openxmlformats.org/presentationml/2006/main">
+  <p:tag name="KSO_WM_BEAUTIFY_FLAG" val="#wm#"/>
+  <p:tag name="KSO_WM_TEMPLATE_CATEGORY" val="custom"/>
+  <p:tag name="KSO_WM_TEMPLATE_INDEX" val="20205081"/>
+</p:tagLst>
+</file>
+
+<file path=ppt/tags/tag82.xml><?xml version="1.0" encoding="utf-8"?>
+<p:tagLst xmlns:p="http://schemas.openxmlformats.org/presentationml/2006/main">
+  <p:tag name="KSO_WM_BEAUTIFY_FLAG" val="#wm#"/>
+  <p:tag name="KSO_WM_TEMPLATE_CATEGORY" val="custom"/>
+  <p:tag name="KSO_WM_TEMPLATE_INDEX" val="20205081"/>
+</p:tagLst>
+</file>
+
+<file path=ppt/tags/tag83.xml><?xml version="1.0" encoding="utf-8"?>
+<p:tagLst xmlns:p="http://schemas.openxmlformats.org/presentationml/2006/main">
+  <p:tag name="KSO_WM_BEAUTIFY_FLAG" val=""/>
+</p:tagLst>
+</file>
+
+<file path=ppt/tags/tag84.xml><?xml version="1.0" encoding="utf-8"?>
+<p:tagLst xmlns:p="http://schemas.openxmlformats.org/presentationml/2006/main">
+  <p:tag name="KSO_WM_BEAUTIFY_FLAG" val="#wm#"/>
+  <p:tag name="KSO_WM_TEMPLATE_CATEGORY" val="custom"/>
+  <p:tag name="KSO_WM_TEMPLATE_INDEX" val="20205081"/>
+</p:tagLst>
+</file>
+
+<file path=ppt/tags/tag85.xml><?xml version="1.0" encoding="utf-8"?>
+<p:tagLst xmlns:p="http://schemas.openxmlformats.org/presentationml/2006/main">
+  <p:tag name="KSO_WM_BEAUTIFY_FLAG" val="#wm#"/>
+  <p:tag name="KSO_WM_TEMPLATE_CATEGORY" val="custom"/>
+  <p:tag name="KSO_WM_TEMPLATE_INDEX" val="20205081"/>
+</p:tagLst>
+</file>
+
+<file path=ppt/tags/tag86.xml><?xml version="1.0" encoding="utf-8"?>
+<p:tagLst xmlns:p="http://schemas.openxmlformats.org/presentationml/2006/main">
+  <p:tag name="commondata" val="eyJoZGlkIjoiZjlhZjllYWIwZmY2OTBlODY4YmNmOWU0MThlMTUxODEifQ=="/>
 </p:tagLst>
 </file>
 

--- a/pre/slides.pptx
+++ b/pre/slides.pptx
@@ -8,18 +8,19 @@
     <p:sldId id="256" r:id="rId3"/>
     <p:sldId id="258" r:id="rId4"/>
     <p:sldId id="257" r:id="rId5"/>
-    <p:sldId id="259" r:id="rId6"/>
-    <p:sldId id="260" r:id="rId7"/>
-    <p:sldId id="265" r:id="rId8"/>
-    <p:sldId id="264" r:id="rId9"/>
-    <p:sldId id="266" r:id="rId10"/>
-    <p:sldId id="262" r:id="rId11"/>
-    <p:sldId id="263" r:id="rId12"/>
+    <p:sldId id="270" r:id="rId6"/>
+    <p:sldId id="259" r:id="rId7"/>
+    <p:sldId id="260" r:id="rId8"/>
+    <p:sldId id="265" r:id="rId9"/>
+    <p:sldId id="264" r:id="rId10"/>
+    <p:sldId id="266" r:id="rId11"/>
+    <p:sldId id="262" r:id="rId12"/>
+    <p:sldId id="263" r:id="rId13"/>
   </p:sldIdLst>
   <p:sldSz cx="12192000" cy="6858000"/>
   <p:notesSz cx="6858000" cy="9144000"/>
   <p:custDataLst>
-    <p:tags r:id="rId16"/>
+    <p:tags r:id="rId17"/>
   </p:custDataLst>
   <p:defaultTextStyle>
     <a:defPPr>
@@ -119,12 +120,12 @@
   <p:extLst>
     <p:ext uri="{EFAFB233-063F-42B5-8137-9DF3F51BA10A}">
       <p15:sldGuideLst xmlns:p15="http://schemas.microsoft.com/office/powerpoint/2012/main">
-        <p15:guide id="1" orient="horz" pos="2137" userDrawn="1">
+        <p15:guide id="1" orient="horz" pos="2156" userDrawn="1">
           <p15:clr>
             <a:srgbClr val="A4A3A4"/>
           </p15:clr>
         </p15:guide>
-        <p15:guide id="2" pos="3848" userDrawn="1">
+        <p15:guide id="2" pos="3838" userDrawn="1">
           <p15:clr>
             <a:srgbClr val="A4A3A4"/>
           </p15:clr>
@@ -3224,1839 +3225,107 @@
         <p:spPr/>
         <p:txBody>
           <a:bodyPr>
-            <a:normAutofit fontScale="90000"/>
+            <a:normAutofit/>
           </a:bodyPr>
           <a:p>
             <a:r>
               <a:rPr lang="en-US" altLang="zh-CN">
                 <a:sym typeface="+mn-ea"/>
               </a:rPr>
-              <a:t>Analysis Method by ML - feature extraction</a:t>
-            </a:r>
-            <a:endParaRPr lang="zh-CN" altLang="en-US"/>
-          </a:p>
-        </p:txBody>
-      </p:sp>
-      <p:sp>
-        <p:nvSpPr>
-          <p:cNvPr id="3" name="内容占位符 2"/>
-          <p:cNvSpPr>
-            <a:spLocks noGrp="1"/>
-          </p:cNvSpPr>
-          <p:nvPr>
-            <p:ph idx="1"/>
-          </p:nvPr>
-        </p:nvSpPr>
-        <p:spPr/>
-        <p:txBody>
-          <a:bodyPr/>
-          <a:p>
-            <a:endParaRPr lang="zh-CN" altLang="en-US"/>
-          </a:p>
-        </p:txBody>
-      </p:sp>
-    </p:spTree>
-    <p:custDataLst>
-      <p:tags r:id="rId1"/>
-    </p:custDataLst>
-  </p:cSld>
-  <p:clrMapOvr>
-    <a:masterClrMapping/>
-  </p:clrMapOvr>
-</p:sld>
-</file>
-
-<file path=ppt/slides/slide2.xml><?xml version="1.0" encoding="utf-8"?>
-<p:sld xmlns:a="http://schemas.openxmlformats.org/drawingml/2006/main" xmlns:r="http://schemas.openxmlformats.org/officeDocument/2006/relationships" xmlns:p="http://schemas.openxmlformats.org/presentationml/2006/main">
-  <p:cSld>
-    <p:spTree>
-      <p:nvGrpSpPr>
-        <p:cNvPr id="1" name=""/>
-        <p:cNvGrpSpPr/>
-        <p:nvPr/>
-      </p:nvGrpSpPr>
-      <p:grpSpPr/>
-      <p:sp>
-        <p:nvSpPr>
-          <p:cNvPr id="2" name="标题 1"/>
-          <p:cNvSpPr>
-            <a:spLocks noGrp="1"/>
-          </p:cNvSpPr>
-          <p:nvPr>
-            <p:ph type="title"/>
-          </p:nvPr>
-        </p:nvSpPr>
-        <p:spPr/>
-        <p:txBody>
-          <a:bodyPr/>
+              <a:t>feature extraction</a:t>
+            </a:r>
+            <a:endParaRPr lang="en-US" altLang="zh-CN">
+              <a:sym typeface="+mn-ea"/>
+            </a:endParaRPr>
+          </a:p>
+        </p:txBody>
+      </p:sp>
+      <p:sp>
+        <p:nvSpPr>
+          <p:cNvPr id="5" name="文本框 4"/>
+          <p:cNvSpPr txBox="1"/>
+          <p:nvPr/>
+        </p:nvSpPr>
+        <p:spPr>
+          <a:xfrm>
+            <a:off x="668020" y="1559560"/>
+            <a:ext cx="4959985" cy="1476375"/>
+          </a:xfrm>
+          <a:prstGeom prst="rect">
+            <a:avLst/>
+          </a:prstGeom>
+          <a:noFill/>
+        </p:spPr>
+        <p:txBody>
+          <a:bodyPr wrap="square" rtlCol="0">
+            <a:spAutoFit/>
+          </a:bodyPr>
           <a:p>
             <a:r>
               <a:rPr lang="en-US" altLang="zh-CN"/>
-              <a:t>Content</a:t>
+              <a:t>131 features:</a:t>
             </a:r>
             <a:endParaRPr lang="en-US" altLang="zh-CN"/>
           </a:p>
-        </p:txBody>
-      </p:sp>
-      <p:sp>
-        <p:nvSpPr>
-          <p:cNvPr id="3" name="内容占位符 2"/>
-          <p:cNvSpPr>
-            <a:spLocks noGrp="1"/>
-          </p:cNvSpPr>
-          <p:nvPr>
-            <p:ph idx="1"/>
-          </p:nvPr>
-        </p:nvSpPr>
-        <p:spPr/>
-        <p:txBody>
-          <a:bodyPr/>
-          <a:p>
+          <a:p>
+            <a:pPr marL="285750" indent="-285750">
+              <a:buFont typeface="Arial" panose="020B0604020202020204" pitchFamily="34" charset="0"/>
+              <a:buChar char="•"/>
+            </a:pPr>
             <a:r>
               <a:rPr lang="en-US" altLang="zh-CN"/>
-              <a:t>R</a:t>
-            </a:r>
-            <a:r>
-              <a:rPr lang="zh-CN" altLang="en-US"/>
-              <a:t>esearch </a:t>
-            </a:r>
+              <a:t>Time-domain features</a:t>
+            </a:r>
+            <a:endParaRPr lang="en-US" altLang="zh-CN"/>
+          </a:p>
+          <a:p>
+            <a:pPr marL="285750" indent="-285750">
+              <a:buFont typeface="Arial" panose="020B0604020202020204" pitchFamily="34" charset="0"/>
+              <a:buChar char="•"/>
+            </a:pPr>
             <a:r>
               <a:rPr lang="en-US" altLang="zh-CN"/>
-              <a:t>B</a:t>
-            </a:r>
-            <a:r>
-              <a:rPr lang="zh-CN" altLang="en-US"/>
-              <a:t>ackground</a:t>
-            </a:r>
-            <a:endParaRPr lang="zh-CN" altLang="en-US"/>
-          </a:p>
-          <a:p>
+              <a:t>Frequency-domain features</a:t>
+            </a:r>
+            <a:endParaRPr lang="en-US" altLang="zh-CN"/>
+          </a:p>
+          <a:p>
+            <a:pPr marL="285750" indent="-285750">
+              <a:buFont typeface="Arial" panose="020B0604020202020204" pitchFamily="34" charset="0"/>
+              <a:buChar char="•"/>
+            </a:pPr>
             <a:r>
               <a:rPr lang="en-US" altLang="zh-CN"/>
-              <a:t>S</a:t>
-            </a:r>
-            <a:r>
-              <a:rPr lang="zh-CN" altLang="en-US"/>
-              <a:t>tatus</a:t>
-            </a:r>
-            <a:r>
-              <a:rPr lang="en-US" altLang="zh-CN"/>
-              <a:t>-of-art about Sleep-stage Analysis</a:t>
-            </a:r>
-            <a:endParaRPr lang="zh-CN" altLang="en-US"/>
-          </a:p>
-          <a:p>
-            <a:r>
-              <a:rPr lang="en-US" altLang="zh-CN"/>
-              <a:t>Classification Method by Machine Learning</a:t>
+              <a:t>EEG Charateristic</a:t>
             </a:r>
             <a:endParaRPr lang="en-US" altLang="zh-CN"/>
           </a:p>
           <a:p>
-            <a:r>
-              <a:rPr lang="en-US" altLang="zh-CN"/>
-              <a:t>Research Pipeline</a:t>
-            </a:r>
-            <a:endParaRPr lang="en-US" altLang="zh-CN"/>
-          </a:p>
-          <a:p>
-            <a:r>
-              <a:rPr lang="en-US" altLang="zh-CN"/>
-              <a:t>Evaluation</a:t>
-            </a:r>
-            <a:endParaRPr lang="en-US" altLang="zh-CN"/>
-          </a:p>
-          <a:p>
-            <a:r>
-              <a:rPr lang="en-US" altLang="zh-CN"/>
-              <a:t>Current Progress</a:t>
-            </a:r>
-            <a:endParaRPr lang="en-US" altLang="zh-CN"/>
-          </a:p>
-          <a:p>
-            <a:endParaRPr lang="en-US" altLang="zh-CN"/>
-          </a:p>
-        </p:txBody>
-      </p:sp>
-    </p:spTree>
-    <p:custDataLst>
-      <p:tags r:id="rId1"/>
-    </p:custDataLst>
-  </p:cSld>
-  <p:clrMapOvr>
-    <a:masterClrMapping/>
-  </p:clrMapOvr>
-</p:sld>
-</file>
-
-<file path=ppt/slides/slide3.xml><?xml version="1.0" encoding="utf-8"?>
-<p:sld xmlns:a="http://schemas.openxmlformats.org/drawingml/2006/main" xmlns:r="http://schemas.openxmlformats.org/officeDocument/2006/relationships" xmlns:p="http://schemas.openxmlformats.org/presentationml/2006/main">
-  <p:cSld>
-    <p:spTree>
-      <p:nvGrpSpPr>
-        <p:cNvPr id="1" name=""/>
-        <p:cNvGrpSpPr/>
-        <p:nvPr/>
-      </p:nvGrpSpPr>
-      <p:grpSpPr/>
-      <p:sp>
-        <p:nvSpPr>
-          <p:cNvPr id="2" name="标题 1"/>
-          <p:cNvSpPr>
-            <a:spLocks noGrp="1"/>
-          </p:cNvSpPr>
-          <p:nvPr>
-            <p:ph type="title"/>
-          </p:nvPr>
-        </p:nvSpPr>
-        <p:spPr/>
-        <p:txBody>
-          <a:bodyPr/>
-          <a:p>
-            <a:r>
-              <a:rPr lang="en-US" altLang="zh-CN">
-                <a:sym typeface="+mn-ea"/>
-              </a:rPr>
-              <a:t>R</a:t>
-            </a:r>
-            <a:r>
-              <a:rPr lang="zh-CN" altLang="en-US">
-                <a:sym typeface="+mn-ea"/>
-              </a:rPr>
-              <a:t>esearch </a:t>
-            </a:r>
-            <a:r>
-              <a:rPr lang="en-US" altLang="zh-CN">
-                <a:sym typeface="+mn-ea"/>
-              </a:rPr>
-              <a:t>B</a:t>
-            </a:r>
-            <a:r>
-              <a:rPr lang="zh-CN" altLang="en-US">
-                <a:sym typeface="+mn-ea"/>
-              </a:rPr>
-              <a:t>ackground</a:t>
-            </a:r>
-            <a:endParaRPr lang="zh-CN" altLang="en-US"/>
-          </a:p>
-        </p:txBody>
-      </p:sp>
-      <p:sp>
-        <p:nvSpPr>
-          <p:cNvPr id="3" name="内容占位符 2"/>
-          <p:cNvSpPr>
-            <a:spLocks noGrp="1"/>
-          </p:cNvSpPr>
-          <p:nvPr>
-            <p:ph idx="1"/>
-          </p:nvPr>
-        </p:nvSpPr>
-        <p:spPr/>
-        <p:txBody>
-          <a:bodyPr/>
-          <a:p>
-            <a:r>
-              <a:rPr lang="zh-CN" altLang="en-US"/>
-              <a:t>Sleep stage analysis is crucial for understanding sleep patterns and overall health. </a:t>
-            </a:r>
-            <a:endParaRPr lang="zh-CN" altLang="en-US"/>
-          </a:p>
-          <a:p>
-            <a:r>
-              <a:rPr lang="en-US" altLang="zh-CN"/>
-              <a:t>Sleep Stages: non-rapid eye movement (NREM) sleep, divided into three stages (N1, N2, N3), and rapid eye movement (REM) sleep</a:t>
-            </a:r>
-            <a:endParaRPr lang="en-US" altLang="zh-CN"/>
-          </a:p>
-          <a:p>
-            <a:r>
-              <a:rPr lang="en-US" altLang="zh-CN"/>
-              <a:t>Electroencephalogram (EEG) is a medical test used to measure and record the electrical activity in the brain.</a:t>
-            </a:r>
-            <a:endParaRPr lang="en-US" altLang="zh-CN"/>
-          </a:p>
-          <a:p>
-            <a:r>
-              <a:rPr lang="en-US" altLang="zh-CN"/>
-              <a:t>Sleep stage can be classified by EEG signals.</a:t>
-            </a:r>
             <a:endParaRPr lang="en-US" altLang="zh-CN"/>
           </a:p>
         </p:txBody>
       </p:sp>
       <p:pic>
         <p:nvPicPr>
-          <p:cNvPr id="5" name="图片 4" descr="sleep-stages"/>
+          <p:cNvPr id="6" name="内容占位符 5" descr="Feature Table"/>
           <p:cNvPicPr>
             <a:picLocks noChangeAspect="1"/>
           </p:cNvPicPr>
-          <p:nvPr/>
+          <p:nvPr>
+            <p:ph idx="1"/>
+          </p:nvPr>
         </p:nvPicPr>
         <p:blipFill>
           <a:blip r:embed="rId1"/>
+          <a:srcRect b="29183"/>
           <a:stretch>
             <a:fillRect/>
           </a:stretch>
         </p:blipFill>
         <p:spPr>
           <a:xfrm>
-            <a:off x="7792085" y="3531235"/>
-            <a:ext cx="1758950" cy="2009140"/>
-          </a:xfrm>
-          <a:prstGeom prst="rect">
-            <a:avLst/>
-          </a:prstGeom>
-        </p:spPr>
-      </p:pic>
-      <p:pic>
-        <p:nvPicPr>
-          <p:cNvPr id="6" name="图片 5" descr="EEG horizontal"/>
-          <p:cNvPicPr>
-            <a:picLocks noChangeAspect="1"/>
-          </p:cNvPicPr>
-          <p:nvPr/>
-        </p:nvPicPr>
-        <p:blipFill>
-          <a:blip r:embed="rId2"/>
-          <a:stretch>
-            <a:fillRect/>
-          </a:stretch>
-        </p:blipFill>
-        <p:spPr>
-          <a:xfrm>
-            <a:off x="360045" y="5189220"/>
-            <a:ext cx="4509135" cy="788670"/>
-          </a:xfrm>
-          <a:prstGeom prst="rect">
-            <a:avLst/>
-          </a:prstGeom>
-        </p:spPr>
-      </p:pic>
-      <p:pic>
-        <p:nvPicPr>
-          <p:cNvPr id="7" name="图片 6" descr="EEG Pz-Oz"/>
-          <p:cNvPicPr>
-            <a:picLocks noChangeAspect="1"/>
-          </p:cNvPicPr>
-          <p:nvPr/>
-        </p:nvPicPr>
-        <p:blipFill>
-          <a:blip r:embed="rId3"/>
-          <a:stretch>
-            <a:fillRect/>
-          </a:stretch>
-        </p:blipFill>
-        <p:spPr>
-          <a:xfrm>
-            <a:off x="5144770" y="5657850"/>
-            <a:ext cx="5276215" cy="1028065"/>
-          </a:xfrm>
-          <a:prstGeom prst="rect">
-            <a:avLst/>
-          </a:prstGeom>
-        </p:spPr>
-      </p:pic>
-      <p:pic>
-        <p:nvPicPr>
-          <p:cNvPr id="8" name="图片 7" descr="EEG-Fpz-Cz"/>
-          <p:cNvPicPr>
-            <a:picLocks noChangeAspect="1"/>
-          </p:cNvPicPr>
-          <p:nvPr/>
-        </p:nvPicPr>
-        <p:blipFill>
-          <a:blip r:embed="rId4"/>
-          <a:stretch>
-            <a:fillRect/>
-          </a:stretch>
-        </p:blipFill>
-        <p:spPr>
-          <a:xfrm>
-            <a:off x="1455420" y="4186555"/>
-            <a:ext cx="4377055" cy="913130"/>
-          </a:xfrm>
-          <a:prstGeom prst="rect">
-            <a:avLst/>
-          </a:prstGeom>
-        </p:spPr>
-      </p:pic>
-    </p:spTree>
-    <p:custDataLst>
-      <p:tags r:id="rId5"/>
-    </p:custDataLst>
-  </p:cSld>
-  <p:clrMapOvr>
-    <a:masterClrMapping/>
-  </p:clrMapOvr>
-</p:sld>
-</file>
-
-<file path=ppt/slides/slide4.xml><?xml version="1.0" encoding="utf-8"?>
-<p:sld xmlns:a="http://schemas.openxmlformats.org/drawingml/2006/main" xmlns:r="http://schemas.openxmlformats.org/officeDocument/2006/relationships" xmlns:p="http://schemas.openxmlformats.org/presentationml/2006/main">
-  <p:cSld>
-    <p:spTree>
-      <p:nvGrpSpPr>
-        <p:cNvPr id="1" name=""/>
-        <p:cNvGrpSpPr/>
-        <p:nvPr/>
-      </p:nvGrpSpPr>
-      <p:grpSpPr/>
-      <p:sp>
-        <p:nvSpPr>
-          <p:cNvPr id="2" name="标题 1"/>
-          <p:cNvSpPr>
-            <a:spLocks noGrp="1"/>
-          </p:cNvSpPr>
-          <p:nvPr>
-            <p:ph type="title"/>
-          </p:nvPr>
-        </p:nvSpPr>
-        <p:spPr/>
-        <p:txBody>
-          <a:bodyPr>
-            <a:normAutofit fontScale="90000"/>
-          </a:bodyPr>
-          <a:p>
-            <a:r>
-              <a:rPr lang="en-US" altLang="zh-CN">
-                <a:sym typeface="+mn-ea"/>
-              </a:rPr>
-              <a:t>R</a:t>
-            </a:r>
-            <a:r>
-              <a:rPr lang="zh-CN" altLang="en-US">
-                <a:sym typeface="+mn-ea"/>
-              </a:rPr>
-              <a:t>esearch </a:t>
-            </a:r>
-            <a:r>
-              <a:rPr lang="en-US" altLang="zh-CN">
-                <a:sym typeface="+mn-ea"/>
-              </a:rPr>
-              <a:t>S</a:t>
-            </a:r>
-            <a:r>
-              <a:rPr lang="zh-CN" altLang="en-US">
-                <a:sym typeface="+mn-ea"/>
-              </a:rPr>
-              <a:t>tatus</a:t>
-            </a:r>
-            <a:r>
-              <a:rPr lang="en-US" altLang="zh-CN">
-                <a:sym typeface="+mn-ea"/>
-              </a:rPr>
-              <a:t> about Sleep-stage Analysis</a:t>
-            </a:r>
-            <a:endParaRPr lang="zh-CN" altLang="en-US"/>
-          </a:p>
-        </p:txBody>
-      </p:sp>
-      <p:sp>
-        <p:nvSpPr>
-          <p:cNvPr id="3" name="内容占位符 2"/>
-          <p:cNvSpPr>
-            <a:spLocks noGrp="1"/>
-          </p:cNvSpPr>
-          <p:nvPr>
-            <p:ph idx="1"/>
-          </p:nvPr>
-        </p:nvSpPr>
-        <p:spPr/>
-        <p:txBody>
-          <a:bodyPr/>
-          <a:p>
-            <a:pPr marL="0" indent="0">
-              <a:buNone/>
-            </a:pPr>
-            <a:r>
-              <a:rPr lang="en-US" altLang="zh-CN"/>
-              <a:t>Current research status:</a:t>
-            </a:r>
-            <a:endParaRPr lang="en-US" altLang="zh-CN"/>
-          </a:p>
-          <a:p>
-            <a:r>
-              <a:rPr lang="en-US" altLang="zh-CN"/>
-              <a:t>mainly focused on developing increasingly complex deep learning architectures</a:t>
-            </a:r>
-            <a:endParaRPr lang="en-US" altLang="zh-CN"/>
-          </a:p>
-          <a:p>
-            <a:r>
-              <a:rPr lang="en-US" altLang="zh-CN"/>
-              <a:t>automatic sleep staging solutions are not widely adopted in a clinical context yet</a:t>
-            </a:r>
-            <a:endParaRPr lang="en-US" altLang="zh-CN"/>
-          </a:p>
-          <a:p>
-            <a:r>
-              <a:rPr lang="en-US" altLang="zh-CN"/>
-              <a:t>most deep learning solutions for sleep scoring are limited in their real-world applicability as they are hard to train, deploy, and reproduce.</a:t>
-            </a:r>
-            <a:endParaRPr lang="en-US" altLang="zh-CN"/>
-          </a:p>
-          <a:p>
-            <a:r>
-              <a:rPr lang="en-US" altLang="zh-CN"/>
-              <a:t>lack interpretability and transparency</a:t>
-            </a:r>
-            <a:endParaRPr lang="en-US" altLang="zh-CN"/>
-          </a:p>
-        </p:txBody>
-      </p:sp>
-    </p:spTree>
-    <p:custDataLst>
-      <p:tags r:id="rId1"/>
-    </p:custDataLst>
-  </p:cSld>
-  <p:clrMapOvr>
-    <a:masterClrMapping/>
-  </p:clrMapOvr>
-</p:sld>
-</file>
-
-<file path=ppt/slides/slide5.xml><?xml version="1.0" encoding="utf-8"?>
-<p:sld xmlns:a="http://schemas.openxmlformats.org/drawingml/2006/main" xmlns:r="http://schemas.openxmlformats.org/officeDocument/2006/relationships" xmlns:p="http://schemas.openxmlformats.org/presentationml/2006/main">
-  <p:cSld>
-    <p:spTree>
-      <p:nvGrpSpPr>
-        <p:cNvPr id="1" name=""/>
-        <p:cNvGrpSpPr/>
-        <p:nvPr/>
-      </p:nvGrpSpPr>
-      <p:grpSpPr/>
-      <p:sp>
-        <p:nvSpPr>
-          <p:cNvPr id="2" name="标题 1"/>
-          <p:cNvSpPr>
-            <a:spLocks noGrp="1"/>
-          </p:cNvSpPr>
-          <p:nvPr>
-            <p:ph type="title"/>
-          </p:nvPr>
-        </p:nvSpPr>
-        <p:spPr/>
-        <p:txBody>
-          <a:bodyPr/>
-          <a:p>
-            <a:r>
-              <a:rPr lang="en-US" altLang="zh-CN">
-                <a:sym typeface="+mn-ea"/>
-              </a:rPr>
-              <a:t>Database</a:t>
-            </a:r>
-            <a:endParaRPr lang="zh-CN" altLang="en-US"/>
-          </a:p>
-        </p:txBody>
-      </p:sp>
-      <p:sp>
-        <p:nvSpPr>
-          <p:cNvPr id="3" name="内容占位符 2"/>
-          <p:cNvSpPr>
-            <a:spLocks noGrp="1"/>
-          </p:cNvSpPr>
-          <p:nvPr>
-            <p:ph idx="1"/>
-          </p:nvPr>
-        </p:nvSpPr>
-        <p:spPr/>
-        <p:txBody>
-          <a:bodyPr/>
-          <a:p>
-            <a:pPr marL="0" indent="0">
-              <a:buNone/>
-            </a:pPr>
-            <a:r>
-              <a:rPr lang="en-US" altLang="zh-CN"/>
-              <a:t>Public Data Set: https://www.physionet.org/content/sleep-edfx/1.0.0/</a:t>
-            </a:r>
-            <a:endParaRPr lang="en-US" altLang="zh-CN"/>
-          </a:p>
-          <a:p>
-            <a:pPr marL="0" indent="0">
-              <a:buNone/>
-            </a:pPr>
-            <a:endParaRPr lang="en-US" altLang="zh-CN"/>
-          </a:p>
-          <a:p>
-            <a:r>
-              <a:rPr lang="en-US" altLang="zh-CN"/>
-              <a:t>provide EEG, </a:t>
-            </a:r>
-            <a:r>
-              <a:rPr lang="en-US" altLang="zh-CN">
-                <a:sym typeface="+mn-ea"/>
-              </a:rPr>
-              <a:t>EOG</a:t>
-            </a:r>
-            <a:r>
-              <a:rPr lang="en-US" altLang="zh-CN"/>
-              <a:t> and EMG signals during patients’ sleeping</a:t>
-            </a:r>
-            <a:endParaRPr lang="en-US" altLang="zh-CN"/>
-          </a:p>
-          <a:p>
-            <a:r>
-              <a:rPr lang="en-US" altLang="zh-CN"/>
-              <a:t>provide sleep stages at each time</a:t>
-            </a:r>
-            <a:endParaRPr lang="en-US" altLang="zh-CN"/>
-          </a:p>
-        </p:txBody>
-      </p:sp>
-      <p:pic>
-        <p:nvPicPr>
-          <p:cNvPr id="4" name="图片 3" descr="sleep-stage-figure-in-database"/>
-          <p:cNvPicPr>
-            <a:picLocks noChangeAspect="1"/>
-          </p:cNvPicPr>
-          <p:nvPr/>
-        </p:nvPicPr>
-        <p:blipFill>
-          <a:blip r:embed="rId1"/>
-          <a:stretch>
-            <a:fillRect/>
-          </a:stretch>
-        </p:blipFill>
-        <p:spPr>
-          <a:xfrm>
-            <a:off x="1095375" y="4780915"/>
-            <a:ext cx="9144000" cy="1828800"/>
-          </a:xfrm>
-          <a:prstGeom prst="rect">
-            <a:avLst/>
-          </a:prstGeom>
-        </p:spPr>
-      </p:pic>
-      <p:pic>
-        <p:nvPicPr>
-          <p:cNvPr id="6" name="图片 5" descr="EEG horizontal"/>
-          <p:cNvPicPr>
-            <a:picLocks noChangeAspect="1"/>
-          </p:cNvPicPr>
-          <p:nvPr>
-            <p:custDataLst>
-              <p:tags r:id="rId2"/>
-            </p:custDataLst>
-          </p:nvPr>
-        </p:nvPicPr>
-        <p:blipFill>
-          <a:blip r:embed="rId3"/>
-          <a:stretch>
-            <a:fillRect/>
-          </a:stretch>
-        </p:blipFill>
-        <p:spPr>
-          <a:xfrm>
-            <a:off x="966470" y="3831590"/>
-            <a:ext cx="4509135" cy="788670"/>
-          </a:xfrm>
-          <a:prstGeom prst="rect">
-            <a:avLst/>
-          </a:prstGeom>
-        </p:spPr>
-      </p:pic>
-      <p:pic>
-        <p:nvPicPr>
-          <p:cNvPr id="7" name="图片 6" descr="EEG Pz-Oz"/>
-          <p:cNvPicPr>
-            <a:picLocks noChangeAspect="1"/>
-          </p:cNvPicPr>
-          <p:nvPr>
-            <p:custDataLst>
-              <p:tags r:id="rId4"/>
-            </p:custDataLst>
-          </p:nvPr>
-        </p:nvPicPr>
-        <p:blipFill>
-          <a:blip r:embed="rId5"/>
-          <a:stretch>
-            <a:fillRect/>
-          </a:stretch>
-        </p:blipFill>
-        <p:spPr>
-          <a:xfrm>
-            <a:off x="6409690" y="3971290"/>
-            <a:ext cx="5276215" cy="1028065"/>
-          </a:xfrm>
-          <a:prstGeom prst="rect">
-            <a:avLst/>
-          </a:prstGeom>
-        </p:spPr>
-      </p:pic>
-      <p:pic>
-        <p:nvPicPr>
-          <p:cNvPr id="8" name="图片 7" descr="EEG-Fpz-Cz"/>
-          <p:cNvPicPr>
-            <a:picLocks noChangeAspect="1"/>
-          </p:cNvPicPr>
-          <p:nvPr>
-            <p:custDataLst>
-              <p:tags r:id="rId6"/>
-            </p:custDataLst>
-          </p:nvPr>
-        </p:nvPicPr>
-        <p:blipFill>
-          <a:blip r:embed="rId7"/>
-          <a:stretch>
-            <a:fillRect/>
-          </a:stretch>
-        </p:blipFill>
-        <p:spPr>
-          <a:xfrm>
-            <a:off x="6771005" y="3058160"/>
-            <a:ext cx="4377055" cy="913130"/>
-          </a:xfrm>
-          <a:prstGeom prst="rect">
-            <a:avLst/>
-          </a:prstGeom>
-        </p:spPr>
-      </p:pic>
-    </p:spTree>
-    <p:custDataLst>
-      <p:tags r:id="rId8"/>
-    </p:custDataLst>
-  </p:cSld>
-  <p:clrMapOvr>
-    <a:masterClrMapping/>
-  </p:clrMapOvr>
-</p:sld>
-</file>
-
-<file path=ppt/slides/slide6.xml><?xml version="1.0" encoding="utf-8"?>
-<p:sld xmlns:a="http://schemas.openxmlformats.org/drawingml/2006/main" xmlns:r="http://schemas.openxmlformats.org/officeDocument/2006/relationships" xmlns:p="http://schemas.openxmlformats.org/presentationml/2006/main">
-  <p:cSld>
-    <p:spTree>
-      <p:nvGrpSpPr>
-        <p:cNvPr id="1" name=""/>
-        <p:cNvGrpSpPr/>
-        <p:nvPr/>
-      </p:nvGrpSpPr>
-      <p:grpSpPr/>
-      <p:sp>
-        <p:nvSpPr>
-          <p:cNvPr id="2" name="标题 1"/>
-          <p:cNvSpPr>
-            <a:spLocks noGrp="1"/>
-          </p:cNvSpPr>
-          <p:nvPr>
-            <p:ph type="title"/>
-          </p:nvPr>
-        </p:nvSpPr>
-        <p:spPr/>
-        <p:txBody>
-          <a:bodyPr/>
-          <a:p>
-            <a:r>
-              <a:rPr lang="en-US" altLang="zh-CN">
-                <a:sym typeface="+mn-ea"/>
-              </a:rPr>
-              <a:t>Database</a:t>
-            </a:r>
-            <a:endParaRPr lang="zh-CN" altLang="en-US"/>
-          </a:p>
-        </p:txBody>
-      </p:sp>
-      <p:pic>
-        <p:nvPicPr>
-          <p:cNvPr id="4" name="图片 3" descr="EEG-Fpz-Cz"/>
-          <p:cNvPicPr>
-            <a:picLocks noChangeAspect="1"/>
-          </p:cNvPicPr>
-          <p:nvPr/>
-        </p:nvPicPr>
-        <p:blipFill>
-          <a:blip r:embed="rId1"/>
-          <a:stretch>
-            <a:fillRect/>
-          </a:stretch>
-        </p:blipFill>
-        <p:spPr>
-          <a:xfrm>
-            <a:off x="762635" y="1421130"/>
-            <a:ext cx="6826250" cy="1423670"/>
-          </a:xfrm>
-          <a:prstGeom prst="rect">
-            <a:avLst/>
-          </a:prstGeom>
-        </p:spPr>
-      </p:pic>
-      <p:pic>
-        <p:nvPicPr>
-          <p:cNvPr id="5" name="图片 4" descr="Sleep stage W EEG Fpz-Cz"/>
-          <p:cNvPicPr>
-            <a:picLocks noChangeAspect="1"/>
-          </p:cNvPicPr>
-          <p:nvPr/>
-        </p:nvPicPr>
-        <p:blipFill>
-          <a:blip r:embed="rId2"/>
-          <a:srcRect l="13517" t="14345" r="11580" b="12993"/>
-          <a:stretch>
-            <a:fillRect/>
-          </a:stretch>
-        </p:blipFill>
-        <p:spPr>
-          <a:xfrm>
-            <a:off x="1228090" y="4045585"/>
-            <a:ext cx="2579370" cy="1228725"/>
-          </a:xfrm>
-          <a:prstGeom prst="rect">
-            <a:avLst/>
-          </a:prstGeom>
-        </p:spPr>
-      </p:pic>
-      <p:pic>
-        <p:nvPicPr>
-          <p:cNvPr id="6" name="图片 5" descr="Sleep stage 2 EEG Fpz-Cz"/>
-          <p:cNvPicPr>
-            <a:picLocks noChangeAspect="1"/>
-          </p:cNvPicPr>
-          <p:nvPr/>
-        </p:nvPicPr>
-        <p:blipFill>
-          <a:blip r:embed="rId3"/>
-          <a:srcRect l="13128" t="16720" r="10749" b="11788"/>
-          <a:stretch>
-            <a:fillRect/>
-          </a:stretch>
-        </p:blipFill>
-        <p:spPr>
-          <a:xfrm>
-            <a:off x="6104890" y="4090035"/>
-            <a:ext cx="1807845" cy="1132205"/>
-          </a:xfrm>
-          <a:prstGeom prst="rect">
-            <a:avLst/>
-          </a:prstGeom>
-        </p:spPr>
-      </p:pic>
-      <p:pic>
-        <p:nvPicPr>
-          <p:cNvPr id="7" name="图片 6" descr="Sleep stage 1 EEG Fpz-Cz"/>
-          <p:cNvPicPr>
-            <a:picLocks noChangeAspect="1"/>
-          </p:cNvPicPr>
-          <p:nvPr/>
-        </p:nvPicPr>
-        <p:blipFill>
-          <a:blip r:embed="rId4"/>
-          <a:srcRect l="14033" t="13669" r="10994" b="11132"/>
-          <a:stretch>
-            <a:fillRect/>
-          </a:stretch>
-        </p:blipFill>
-        <p:spPr>
-          <a:xfrm>
-            <a:off x="4105275" y="3961130"/>
-            <a:ext cx="861695" cy="1261110"/>
-          </a:xfrm>
-          <a:prstGeom prst="rect">
-            <a:avLst/>
-          </a:prstGeom>
-        </p:spPr>
-      </p:pic>
-      <p:pic>
-        <p:nvPicPr>
-          <p:cNvPr id="8" name="图片 7" descr="sleep-stage-figure-in-database"/>
-          <p:cNvPicPr>
-            <a:picLocks noChangeAspect="1"/>
-          </p:cNvPicPr>
-          <p:nvPr>
-            <p:custDataLst>
-              <p:tags r:id="rId5"/>
-            </p:custDataLst>
-          </p:nvPr>
-        </p:nvPicPr>
-        <p:blipFill>
-          <a:blip r:embed="rId6"/>
-          <a:srcRect r="110" b="16210"/>
-          <a:stretch>
-            <a:fillRect/>
-          </a:stretch>
-        </p:blipFill>
-        <p:spPr>
-          <a:xfrm>
-            <a:off x="6726555" y="2649220"/>
-            <a:ext cx="5418455" cy="908685"/>
-          </a:xfrm>
-          <a:prstGeom prst="rect">
-            <a:avLst/>
-          </a:prstGeom>
-        </p:spPr>
-      </p:pic>
-      <p:sp>
-        <p:nvSpPr>
-          <p:cNvPr id="9" name="右箭头 8"/>
-          <p:cNvSpPr/>
-          <p:nvPr/>
-        </p:nvSpPr>
-        <p:spPr>
-          <a:xfrm rot="7920000" flipV="1">
-            <a:off x="1873250" y="3223895"/>
-            <a:ext cx="1586230" cy="88265"/>
-          </a:xfrm>
-          <a:prstGeom prst="rightArrow">
-            <a:avLst/>
-          </a:prstGeom>
-        </p:spPr>
-        <p:style>
-          <a:lnRef idx="2">
-            <a:schemeClr val="accent1">
-              <a:lumMod val="75000"/>
-            </a:schemeClr>
-          </a:lnRef>
-          <a:fillRef idx="1">
-            <a:schemeClr val="accent1"/>
-          </a:fillRef>
-          <a:effectRef idx="0">
-            <a:srgbClr val="FFFFFF"/>
-          </a:effectRef>
-          <a:fontRef idx="minor">
-            <a:schemeClr val="lt1"/>
-          </a:fontRef>
-        </p:style>
-        <p:txBody>
-          <a:bodyPr rtlCol="0" anchor="ctr"/>
-          <a:p>
-            <a:pPr algn="ctr"/>
-            <a:endParaRPr lang="zh-CN" altLang="en-US"/>
-          </a:p>
-        </p:txBody>
-      </p:sp>
-      <p:sp>
-        <p:nvSpPr>
-          <p:cNvPr id="10" name="右箭头 9"/>
-          <p:cNvSpPr/>
-          <p:nvPr/>
-        </p:nvSpPr>
-        <p:spPr>
-          <a:xfrm rot="4440000">
-            <a:off x="3780790" y="3242945"/>
-            <a:ext cx="996950" cy="76200"/>
-          </a:xfrm>
-          <a:prstGeom prst="rightArrow">
-            <a:avLst/>
-          </a:prstGeom>
-        </p:spPr>
-        <p:style>
-          <a:lnRef idx="2">
-            <a:schemeClr val="accent1">
-              <a:lumMod val="75000"/>
-            </a:schemeClr>
-          </a:lnRef>
-          <a:fillRef idx="1">
-            <a:schemeClr val="accent1"/>
-          </a:fillRef>
-          <a:effectRef idx="0">
-            <a:srgbClr val="FFFFFF"/>
-          </a:effectRef>
-          <a:fontRef idx="minor">
-            <a:schemeClr val="lt1"/>
-          </a:fontRef>
-        </p:style>
-        <p:txBody>
-          <a:bodyPr rtlCol="0" anchor="ctr"/>
-          <a:p>
-            <a:pPr algn="ctr"/>
-            <a:endParaRPr lang="zh-CN" altLang="en-US"/>
-          </a:p>
-        </p:txBody>
-      </p:sp>
-      <p:sp>
-        <p:nvSpPr>
-          <p:cNvPr id="11" name="右箭头 10"/>
-          <p:cNvSpPr/>
-          <p:nvPr/>
-        </p:nvSpPr>
-        <p:spPr>
-          <a:xfrm rot="1620000" flipV="1">
-            <a:off x="4558665" y="3335655"/>
-            <a:ext cx="2437765" cy="76200"/>
-          </a:xfrm>
-          <a:prstGeom prst="rightArrow">
-            <a:avLst/>
-          </a:prstGeom>
-        </p:spPr>
-        <p:style>
-          <a:lnRef idx="2">
-            <a:schemeClr val="accent1">
-              <a:lumMod val="75000"/>
-            </a:schemeClr>
-          </a:lnRef>
-          <a:fillRef idx="1">
-            <a:schemeClr val="accent1"/>
-          </a:fillRef>
-          <a:effectRef idx="0">
-            <a:srgbClr val="FFFFFF"/>
-          </a:effectRef>
-          <a:fontRef idx="minor">
-            <a:schemeClr val="lt1"/>
-          </a:fontRef>
-        </p:style>
-        <p:txBody>
-          <a:bodyPr rtlCol="0" anchor="ctr"/>
-          <a:p>
-            <a:pPr algn="ctr"/>
-            <a:endParaRPr lang="zh-CN" altLang="en-US"/>
-          </a:p>
-        </p:txBody>
-      </p:sp>
-      <p:sp>
-        <p:nvSpPr>
-          <p:cNvPr id="12" name="文本框 11"/>
-          <p:cNvSpPr txBox="1"/>
-          <p:nvPr/>
-        </p:nvSpPr>
-        <p:spPr>
-          <a:xfrm>
-            <a:off x="8527415" y="4295140"/>
-            <a:ext cx="4064000" cy="706755"/>
-          </a:xfrm>
-          <a:prstGeom prst="rect">
-            <a:avLst/>
-          </a:prstGeom>
-          <a:noFill/>
-        </p:spPr>
-        <p:txBody>
-          <a:bodyPr wrap="square" rtlCol="0">
-            <a:spAutoFit/>
-          </a:bodyPr>
-          <a:p>
-            <a:r>
-              <a:rPr lang="en-US" altLang="zh-CN" sz="4000">
-                <a:ln/>
-                <a:solidFill>
-                  <a:schemeClr val="accent1"/>
-                </a:solidFill>
-                <a:effectLst>
-                  <a:outerShdw blurRad="38100" dist="25400" dir="5400000" algn="ctr" rotWithShape="0">
-                    <a:srgbClr val="6E747A">
-                      <a:alpha val="43000"/>
-                    </a:srgbClr>
-                  </a:outerShdw>
-                </a:effectLst>
-              </a:rPr>
-              <a:t>...</a:t>
-            </a:r>
-            <a:endParaRPr lang="en-US" altLang="zh-CN" sz="4000">
-              <a:ln/>
-              <a:solidFill>
-                <a:schemeClr val="accent1"/>
-              </a:solidFill>
-              <a:effectLst>
-                <a:outerShdw blurRad="38100" dist="25400" dir="5400000" algn="ctr" rotWithShape="0">
-                  <a:srgbClr val="6E747A">
-                    <a:alpha val="43000"/>
-                  </a:srgbClr>
-                </a:outerShdw>
-              </a:effectLst>
-            </a:endParaRPr>
-          </a:p>
-        </p:txBody>
-      </p:sp>
-      <p:sp>
-        <p:nvSpPr>
-          <p:cNvPr id="13" name="矩形 12"/>
-          <p:cNvSpPr/>
-          <p:nvPr/>
-        </p:nvSpPr>
-        <p:spPr>
-          <a:xfrm>
-            <a:off x="1401445" y="1421130"/>
-            <a:ext cx="2489835" cy="1299845"/>
-          </a:xfrm>
-          <a:prstGeom prst="rect">
-            <a:avLst/>
-          </a:prstGeom>
-          <a:ln w="38100">
-            <a:solidFill>
-              <a:srgbClr val="FF0000"/>
-            </a:solidFill>
-          </a:ln>
-        </p:spPr>
-        <p:style>
-          <a:lnRef idx="2">
-            <a:schemeClr val="accent1"/>
-          </a:lnRef>
-          <a:fillRef idx="0">
-            <a:srgbClr val="FFFFFF"/>
-          </a:fillRef>
-          <a:effectRef idx="0">
-            <a:srgbClr val="FFFFFF"/>
-          </a:effectRef>
-          <a:fontRef idx="minor">
-            <a:schemeClr val="tx1"/>
-          </a:fontRef>
-        </p:style>
-        <p:txBody>
-          <a:bodyPr rtlCol="0" anchor="ctr"/>
-          <a:p>
-            <a:pPr algn="ctr"/>
-            <a:endParaRPr lang="zh-CN" altLang="en-US"/>
-          </a:p>
-        </p:txBody>
-      </p:sp>
-      <p:sp>
-        <p:nvSpPr>
-          <p:cNvPr id="14" name="矩形 13"/>
-          <p:cNvSpPr/>
-          <p:nvPr>
-            <p:custDataLst>
-              <p:tags r:id="rId7"/>
-            </p:custDataLst>
-          </p:nvPr>
-        </p:nvSpPr>
-        <p:spPr>
-          <a:xfrm>
-            <a:off x="3910330" y="1421130"/>
-            <a:ext cx="360680" cy="1299845"/>
-          </a:xfrm>
-          <a:prstGeom prst="rect">
-            <a:avLst/>
-          </a:prstGeom>
-          <a:ln w="38100">
-            <a:solidFill>
-              <a:schemeClr val="accent1"/>
-            </a:solidFill>
-          </a:ln>
-        </p:spPr>
-        <p:style>
-          <a:lnRef idx="2">
-            <a:schemeClr val="accent1"/>
-          </a:lnRef>
-          <a:fillRef idx="0">
-            <a:srgbClr val="FFFFFF"/>
-          </a:fillRef>
-          <a:effectRef idx="0">
-            <a:srgbClr val="FFFFFF"/>
-          </a:effectRef>
-          <a:fontRef idx="minor">
-            <a:schemeClr val="tx1"/>
-          </a:fontRef>
-        </p:style>
-        <p:txBody>
-          <a:bodyPr rtlCol="0" anchor="ctr"/>
-          <a:p>
-            <a:pPr algn="ctr"/>
-            <a:endParaRPr lang="zh-CN" altLang="en-US"/>
-          </a:p>
-        </p:txBody>
-      </p:sp>
-      <p:sp>
-        <p:nvSpPr>
-          <p:cNvPr id="15" name="矩形 14"/>
-          <p:cNvSpPr/>
-          <p:nvPr>
-            <p:custDataLst>
-              <p:tags r:id="rId8"/>
-            </p:custDataLst>
-          </p:nvPr>
-        </p:nvSpPr>
-        <p:spPr>
-          <a:xfrm>
-            <a:off x="4300855" y="1421130"/>
-            <a:ext cx="360680" cy="1299845"/>
-          </a:xfrm>
-          <a:prstGeom prst="rect">
-            <a:avLst/>
-          </a:prstGeom>
-          <a:ln w="38100">
-            <a:solidFill>
-              <a:srgbClr val="00B050"/>
-            </a:solidFill>
-          </a:ln>
-        </p:spPr>
-        <p:style>
-          <a:lnRef idx="2">
-            <a:schemeClr val="accent1"/>
-          </a:lnRef>
-          <a:fillRef idx="0">
-            <a:srgbClr val="FFFFFF"/>
-          </a:fillRef>
-          <a:effectRef idx="0">
-            <a:srgbClr val="FFFFFF"/>
-          </a:effectRef>
-          <a:fontRef idx="minor">
-            <a:schemeClr val="tx1"/>
-          </a:fontRef>
-        </p:style>
-        <p:txBody>
-          <a:bodyPr rtlCol="0" anchor="ctr"/>
-          <a:p>
-            <a:pPr algn="ctr"/>
-            <a:endParaRPr lang="zh-CN" altLang="en-US"/>
-          </a:p>
-        </p:txBody>
-      </p:sp>
-    </p:spTree>
-    <p:custDataLst>
-      <p:tags r:id="rId9"/>
-    </p:custDataLst>
-  </p:cSld>
-  <p:clrMapOvr>
-    <a:masterClrMapping/>
-  </p:clrMapOvr>
-</p:sld>
-</file>
-
-<file path=ppt/slides/slide7.xml><?xml version="1.0" encoding="utf-8"?>
-<p:sld xmlns:a="http://schemas.openxmlformats.org/drawingml/2006/main" xmlns:r="http://schemas.openxmlformats.org/officeDocument/2006/relationships" xmlns:p="http://schemas.openxmlformats.org/presentationml/2006/main">
-  <p:cSld>
-    <p:spTree>
-      <p:nvGrpSpPr>
-        <p:cNvPr id="1" name=""/>
-        <p:cNvGrpSpPr/>
-        <p:nvPr/>
-      </p:nvGrpSpPr>
-      <p:grpSpPr/>
-      <p:sp>
-        <p:nvSpPr>
-          <p:cNvPr id="2" name="标题 1"/>
-          <p:cNvSpPr>
-            <a:spLocks noGrp="1"/>
-          </p:cNvSpPr>
-          <p:nvPr>
-            <p:ph type="title"/>
-          </p:nvPr>
-        </p:nvSpPr>
-        <p:spPr/>
-        <p:txBody>
-          <a:bodyPr/>
-          <a:p>
-            <a:r>
-              <a:rPr lang="en-US" altLang="zh-CN">
-                <a:sym typeface="+mn-ea"/>
-              </a:rPr>
-              <a:t>Analysis Method by ML - flow chart </a:t>
-            </a:r>
-            <a:endParaRPr lang="zh-CN" altLang="en-US"/>
-          </a:p>
-        </p:txBody>
-      </p:sp>
-      <p:sp>
-        <p:nvSpPr>
-          <p:cNvPr id="4" name="圆角矩形 3"/>
-          <p:cNvSpPr/>
-          <p:nvPr/>
-        </p:nvSpPr>
-        <p:spPr>
-          <a:xfrm>
-            <a:off x="1242695" y="2367280"/>
-            <a:ext cx="1889125" cy="941705"/>
-          </a:xfrm>
-          <a:prstGeom prst="roundRect">
-            <a:avLst/>
-          </a:prstGeom>
-        </p:spPr>
-        <p:style>
-          <a:lnRef idx="2">
-            <a:schemeClr val="accent1"/>
-          </a:lnRef>
-          <a:fillRef idx="0">
-            <a:srgbClr val="FFFFFF"/>
-          </a:fillRef>
-          <a:effectRef idx="0">
-            <a:srgbClr val="FFFFFF"/>
-          </a:effectRef>
-          <a:fontRef idx="minor">
-            <a:schemeClr val="tx1"/>
-          </a:fontRef>
-        </p:style>
-        <p:txBody>
-          <a:bodyPr rtlCol="0" anchor="ctr"/>
-          <a:p>
-            <a:pPr algn="ctr"/>
-            <a:r>
-              <a:rPr lang="en-US" altLang="zh-CN"/>
-              <a:t>preprocessing</a:t>
-            </a:r>
-            <a:r>
-              <a:rPr lang="zh-CN" altLang="en-US"/>
-              <a:t>（滤波器）</a:t>
-            </a:r>
-            <a:endParaRPr lang="zh-CN" altLang="en-US"/>
-          </a:p>
-        </p:txBody>
-      </p:sp>
-      <p:sp>
-        <p:nvSpPr>
-          <p:cNvPr id="5" name="圆角矩形 4"/>
-          <p:cNvSpPr/>
-          <p:nvPr>
-            <p:custDataLst>
-              <p:tags r:id="rId1"/>
-            </p:custDataLst>
-          </p:nvPr>
-        </p:nvSpPr>
-        <p:spPr>
-          <a:xfrm>
-            <a:off x="3958590" y="2367280"/>
-            <a:ext cx="1889125" cy="941705"/>
-          </a:xfrm>
-          <a:prstGeom prst="roundRect">
-            <a:avLst/>
-          </a:prstGeom>
-        </p:spPr>
-        <p:style>
-          <a:lnRef idx="2">
-            <a:schemeClr val="accent1"/>
-          </a:lnRef>
-          <a:fillRef idx="0">
-            <a:srgbClr val="FFFFFF"/>
-          </a:fillRef>
-          <a:effectRef idx="0">
-            <a:srgbClr val="FFFFFF"/>
-          </a:effectRef>
-          <a:fontRef idx="minor">
-            <a:schemeClr val="tx1"/>
-          </a:fontRef>
-        </p:style>
-        <p:txBody>
-          <a:bodyPr rtlCol="0" anchor="ctr"/>
-          <a:p>
-            <a:pPr algn="ctr"/>
-            <a:r>
-              <a:rPr lang="en-US" altLang="zh-CN"/>
-              <a:t>signal-spliting</a:t>
-            </a:r>
-            <a:endParaRPr lang="en-US" altLang="zh-CN"/>
-          </a:p>
-        </p:txBody>
-      </p:sp>
-      <p:sp>
-        <p:nvSpPr>
-          <p:cNvPr id="6" name="圆角矩形 5"/>
-          <p:cNvSpPr/>
-          <p:nvPr>
-            <p:custDataLst>
-              <p:tags r:id="rId2"/>
-            </p:custDataLst>
-          </p:nvPr>
-        </p:nvSpPr>
-        <p:spPr>
-          <a:xfrm>
-            <a:off x="6674485" y="2367280"/>
-            <a:ext cx="1889125" cy="941705"/>
-          </a:xfrm>
-          <a:prstGeom prst="roundRect">
-            <a:avLst/>
-          </a:prstGeom>
-        </p:spPr>
-        <p:style>
-          <a:lnRef idx="2">
-            <a:schemeClr val="accent1"/>
-          </a:lnRef>
-          <a:fillRef idx="0">
-            <a:srgbClr val="FFFFFF"/>
-          </a:fillRef>
-          <a:effectRef idx="0">
-            <a:srgbClr val="FFFFFF"/>
-          </a:effectRef>
-          <a:fontRef idx="minor">
-            <a:schemeClr val="tx1"/>
-          </a:fontRef>
-        </p:style>
-        <p:txBody>
-          <a:bodyPr rtlCol="0" anchor="ctr"/>
-          <a:p>
-            <a:pPr algn="ctr"/>
-            <a:r>
-              <a:rPr lang="en-US" altLang="zh-CN"/>
-              <a:t>feature extraction</a:t>
-            </a:r>
-            <a:endParaRPr lang="en-US" altLang="zh-CN"/>
-          </a:p>
-        </p:txBody>
-      </p:sp>
-      <p:sp>
-        <p:nvSpPr>
-          <p:cNvPr id="7" name="圆角矩形 6"/>
-          <p:cNvSpPr/>
-          <p:nvPr>
-            <p:custDataLst>
-              <p:tags r:id="rId3"/>
-            </p:custDataLst>
-          </p:nvPr>
-        </p:nvSpPr>
-        <p:spPr>
-          <a:xfrm>
-            <a:off x="1242695" y="4104640"/>
-            <a:ext cx="1889125" cy="941705"/>
-          </a:xfrm>
-          <a:prstGeom prst="roundRect">
-            <a:avLst/>
-          </a:prstGeom>
-        </p:spPr>
-        <p:style>
-          <a:lnRef idx="2">
-            <a:schemeClr val="accent1"/>
-          </a:lnRef>
-          <a:fillRef idx="0">
-            <a:srgbClr val="FFFFFF"/>
-          </a:fillRef>
-          <a:effectRef idx="0">
-            <a:srgbClr val="FFFFFF"/>
-          </a:effectRef>
-          <a:fontRef idx="minor">
-            <a:schemeClr val="tx1"/>
-          </a:fontRef>
-        </p:style>
-        <p:txBody>
-          <a:bodyPr rtlCol="0" anchor="ctr"/>
-          <a:p>
-            <a:pPr algn="ctr"/>
-            <a:r>
-              <a:rPr lang="en-US" altLang="zh-CN"/>
-              <a:t>Classification based on ML/DL</a:t>
-            </a:r>
-            <a:endParaRPr lang="en-US" altLang="zh-CN"/>
-          </a:p>
-        </p:txBody>
-      </p:sp>
-      <p:sp>
-        <p:nvSpPr>
-          <p:cNvPr id="8" name="圆角矩形 7"/>
-          <p:cNvSpPr/>
-          <p:nvPr>
-            <p:custDataLst>
-              <p:tags r:id="rId4"/>
-            </p:custDataLst>
-          </p:nvPr>
-        </p:nvSpPr>
-        <p:spPr>
-          <a:xfrm>
-            <a:off x="3920490" y="4104640"/>
-            <a:ext cx="1889125" cy="941705"/>
-          </a:xfrm>
-          <a:prstGeom prst="roundRect">
-            <a:avLst/>
-          </a:prstGeom>
-        </p:spPr>
-        <p:style>
-          <a:lnRef idx="2">
-            <a:schemeClr val="accent1"/>
-          </a:lnRef>
-          <a:fillRef idx="0">
-            <a:srgbClr val="FFFFFF"/>
-          </a:fillRef>
-          <a:effectRef idx="0">
-            <a:srgbClr val="FFFFFF"/>
-          </a:effectRef>
-          <a:fontRef idx="minor">
-            <a:schemeClr val="tx1"/>
-          </a:fontRef>
-        </p:style>
-        <p:txBody>
-          <a:bodyPr rtlCol="0" anchor="ctr"/>
-          <a:p>
-            <a:pPr algn="ctr"/>
-            <a:r>
-              <a:rPr lang="en-US" altLang="zh-CN"/>
-              <a:t>Model Evaluation</a:t>
-            </a:r>
-            <a:endParaRPr lang="en-US" altLang="zh-CN"/>
-          </a:p>
-        </p:txBody>
-      </p:sp>
-      <p:sp>
-        <p:nvSpPr>
-          <p:cNvPr id="9" name="文本框 8"/>
-          <p:cNvSpPr txBox="1"/>
-          <p:nvPr/>
-        </p:nvSpPr>
-        <p:spPr>
-          <a:xfrm>
-            <a:off x="7828915" y="4084955"/>
-            <a:ext cx="4064000" cy="368300"/>
-          </a:xfrm>
-          <a:prstGeom prst="rect">
-            <a:avLst/>
-          </a:prstGeom>
-          <a:noFill/>
-        </p:spPr>
-        <p:txBody>
-          <a:bodyPr wrap="square" rtlCol="0">
-            <a:spAutoFit/>
-          </a:bodyPr>
-          <a:p>
-            <a:r>
-              <a:rPr lang="zh-CN" altLang="en-US"/>
-              <a:t>每个框框画点图</a:t>
-            </a:r>
-            <a:endParaRPr lang="zh-CN" altLang="en-US"/>
-          </a:p>
-        </p:txBody>
-      </p:sp>
-    </p:spTree>
-    <p:custDataLst>
-      <p:tags r:id="rId5"/>
-    </p:custDataLst>
-  </p:cSld>
-  <p:clrMapOvr>
-    <a:masterClrMapping/>
-  </p:clrMapOvr>
-</p:sld>
-</file>
-
-<file path=ppt/slides/slide8.xml><?xml version="1.0" encoding="utf-8"?>
-<p:sld xmlns:a="http://schemas.openxmlformats.org/drawingml/2006/main" xmlns:r="http://schemas.openxmlformats.org/officeDocument/2006/relationships" xmlns:p="http://schemas.openxmlformats.org/presentationml/2006/main">
-  <p:cSld>
-    <p:spTree>
-      <p:nvGrpSpPr>
-        <p:cNvPr id="1" name=""/>
-        <p:cNvGrpSpPr/>
-        <p:nvPr/>
-      </p:nvGrpSpPr>
-      <p:grpSpPr/>
-      <p:sp>
-        <p:nvSpPr>
-          <p:cNvPr id="2" name="标题 1"/>
-          <p:cNvSpPr>
-            <a:spLocks noGrp="1"/>
-          </p:cNvSpPr>
-          <p:nvPr>
-            <p:ph type="title"/>
-          </p:nvPr>
-        </p:nvSpPr>
-        <p:spPr/>
-        <p:txBody>
-          <a:bodyPr/>
-          <a:p>
-            <a:r>
-              <a:rPr lang="en-US" altLang="zh-CN">
-                <a:sym typeface="+mn-ea"/>
-              </a:rPr>
-              <a:t>Analysis Method by ML - </a:t>
-            </a:r>
-            <a:r>
-              <a:rPr lang="en-US" altLang="zh-CN">
-                <a:sym typeface="+mn-ea"/>
-              </a:rPr>
-              <a:t>signal spliting</a:t>
-            </a:r>
-            <a:endParaRPr lang="zh-CN" altLang="en-US"/>
-          </a:p>
-        </p:txBody>
-      </p:sp>
-      <p:sp>
-        <p:nvSpPr>
-          <p:cNvPr id="3" name="内容占位符 2"/>
-          <p:cNvSpPr>
-            <a:spLocks noGrp="1"/>
-          </p:cNvSpPr>
-          <p:nvPr>
-            <p:ph idx="1"/>
-          </p:nvPr>
-        </p:nvSpPr>
-        <p:spPr/>
-        <p:txBody>
-          <a:bodyPr/>
-          <a:p>
-            <a:pPr marL="0" indent="0">
-              <a:buNone/>
-            </a:pPr>
-            <a:r>
-              <a:rPr lang="en-US" altLang="zh-CN"/>
-              <a:t>We prefer to identify signals with same length</a:t>
-            </a:r>
-            <a:endParaRPr lang="en-US" altLang="zh-CN"/>
-          </a:p>
-          <a:p>
-            <a:pPr marL="0" indent="0">
-              <a:buNone/>
-            </a:pPr>
-            <a:endParaRPr lang="en-US" altLang="zh-CN"/>
-          </a:p>
-          <a:p>
-            <a:pPr marL="0" indent="0">
-              <a:buNone/>
-            </a:pPr>
-            <a:endParaRPr lang="en-US" altLang="zh-CN"/>
-          </a:p>
-          <a:p>
-            <a:pPr marL="0" indent="0">
-              <a:buNone/>
-            </a:pPr>
-            <a:r>
-              <a:rPr lang="en-US" altLang="zh-CN"/>
-              <a:t> splited the raw signal by 30s.</a:t>
-            </a:r>
-            <a:endParaRPr lang="en-US" altLang="zh-CN"/>
-          </a:p>
-        </p:txBody>
-      </p:sp>
-      <p:sp>
-        <p:nvSpPr>
-          <p:cNvPr id="4" name="下箭头 3"/>
-          <p:cNvSpPr/>
-          <p:nvPr/>
-        </p:nvSpPr>
-        <p:spPr>
-          <a:xfrm>
-            <a:off x="2606675" y="2001520"/>
-            <a:ext cx="208280" cy="928370"/>
-          </a:xfrm>
-          <a:prstGeom prst="downArrow">
-            <a:avLst/>
-          </a:prstGeom>
-        </p:spPr>
-        <p:style>
-          <a:lnRef idx="2">
-            <a:schemeClr val="accent1">
-              <a:lumMod val="75000"/>
-            </a:schemeClr>
-          </a:lnRef>
-          <a:fillRef idx="1">
-            <a:schemeClr val="accent1"/>
-          </a:fillRef>
-          <a:effectRef idx="0">
-            <a:srgbClr val="FFFFFF"/>
-          </a:effectRef>
-          <a:fontRef idx="minor">
-            <a:schemeClr val="lt1"/>
-          </a:fontRef>
-        </p:style>
-        <p:txBody>
-          <a:bodyPr rtlCol="0" anchor="ctr"/>
-          <a:p>
-            <a:pPr algn="ctr"/>
-            <a:endParaRPr lang="zh-CN" altLang="en-US"/>
-          </a:p>
-        </p:txBody>
-      </p:sp>
-      <p:pic>
-        <p:nvPicPr>
-          <p:cNvPr id="5" name="图片 4" descr="30s_W_1"/>
-          <p:cNvPicPr>
-            <a:picLocks noChangeAspect="1"/>
-          </p:cNvPicPr>
-          <p:nvPr/>
-        </p:nvPicPr>
-        <p:blipFill>
-          <a:blip r:embed="rId1"/>
-          <a:stretch>
-            <a:fillRect/>
-          </a:stretch>
-        </p:blipFill>
-        <p:spPr>
-          <a:xfrm>
-            <a:off x="8223250" y="1490345"/>
-            <a:ext cx="3354070" cy="2236470"/>
-          </a:xfrm>
-          <a:prstGeom prst="rect">
-            <a:avLst/>
-          </a:prstGeom>
-        </p:spPr>
-      </p:pic>
-      <p:pic>
-        <p:nvPicPr>
-          <p:cNvPr id="6" name="图片 5" descr="30s_W_2"/>
-          <p:cNvPicPr>
-            <a:picLocks noChangeAspect="1"/>
-          </p:cNvPicPr>
-          <p:nvPr/>
-        </p:nvPicPr>
-        <p:blipFill>
-          <a:blip r:embed="rId2"/>
-          <a:stretch>
-            <a:fillRect/>
-          </a:stretch>
-        </p:blipFill>
-        <p:spPr>
-          <a:xfrm>
-            <a:off x="8223250" y="3726815"/>
-            <a:ext cx="3497580" cy="2331720"/>
-          </a:xfrm>
-          <a:prstGeom prst="rect">
-            <a:avLst/>
-          </a:prstGeom>
-        </p:spPr>
-      </p:pic>
-      <p:sp>
-        <p:nvSpPr>
-          <p:cNvPr id="7" name="文本框 6"/>
-          <p:cNvSpPr txBox="1"/>
-          <p:nvPr/>
-        </p:nvSpPr>
-        <p:spPr>
-          <a:xfrm>
-            <a:off x="9363710" y="6058535"/>
-            <a:ext cx="4064000" cy="368300"/>
-          </a:xfrm>
-          <a:prstGeom prst="rect">
-            <a:avLst/>
-          </a:prstGeom>
-          <a:noFill/>
-        </p:spPr>
-        <p:txBody>
-          <a:bodyPr wrap="square" rtlCol="0">
-            <a:spAutoFit/>
-          </a:bodyPr>
-          <a:p>
-            <a:r>
-              <a:rPr lang="en-US" altLang="zh-CN"/>
-              <a:t>Fs=100 Hz</a:t>
-            </a:r>
-            <a:endParaRPr lang="en-US" altLang="zh-CN"/>
-          </a:p>
-        </p:txBody>
-      </p:sp>
-      <p:sp>
-        <p:nvSpPr>
-          <p:cNvPr id="8" name="文本框 7"/>
-          <p:cNvSpPr txBox="1"/>
-          <p:nvPr/>
-        </p:nvSpPr>
-        <p:spPr>
-          <a:xfrm>
-            <a:off x="2907030" y="5029835"/>
-            <a:ext cx="4064000" cy="368300"/>
-          </a:xfrm>
-          <a:prstGeom prst="rect">
-            <a:avLst/>
-          </a:prstGeom>
-          <a:noFill/>
-        </p:spPr>
-        <p:txBody>
-          <a:bodyPr wrap="square" rtlCol="0">
-            <a:spAutoFit/>
-          </a:bodyPr>
-          <a:p>
-            <a:r>
-              <a:rPr lang="zh-CN" altLang="en-US"/>
-              <a:t>示意图，转换的过程</a:t>
-            </a:r>
-            <a:endParaRPr lang="zh-CN" altLang="en-US"/>
-          </a:p>
-        </p:txBody>
-      </p:sp>
-    </p:spTree>
-    <p:custDataLst>
-      <p:tags r:id="rId3"/>
-    </p:custDataLst>
-  </p:cSld>
-  <p:clrMapOvr>
-    <a:masterClrMapping/>
-  </p:clrMapOvr>
-</p:sld>
-</file>
-
-<file path=ppt/slides/slide9.xml><?xml version="1.0" encoding="utf-8"?>
-<p:sld xmlns:a="http://schemas.openxmlformats.org/drawingml/2006/main" xmlns:r="http://schemas.openxmlformats.org/officeDocument/2006/relationships" xmlns:p="http://schemas.openxmlformats.org/presentationml/2006/main">
-  <p:cSld>
-    <p:spTree>
-      <p:nvGrpSpPr>
-        <p:cNvPr id="1" name=""/>
-        <p:cNvGrpSpPr/>
-        <p:nvPr/>
-      </p:nvGrpSpPr>
-      <p:grpSpPr/>
-      <p:sp>
-        <p:nvSpPr>
-          <p:cNvPr id="2" name="标题 1"/>
-          <p:cNvSpPr>
-            <a:spLocks noGrp="1"/>
-          </p:cNvSpPr>
-          <p:nvPr>
-            <p:ph type="title"/>
-          </p:nvPr>
-        </p:nvSpPr>
-        <p:spPr/>
-        <p:txBody>
-          <a:bodyPr>
-            <a:normAutofit/>
-          </a:bodyPr>
-          <a:p>
-            <a:r>
-              <a:rPr lang="en-US" altLang="zh-CN">
-                <a:sym typeface="+mn-ea"/>
-              </a:rPr>
-              <a:t>feature extraction</a:t>
-            </a:r>
-            <a:endParaRPr lang="en-US" altLang="zh-CN">
-              <a:sym typeface="+mn-ea"/>
-            </a:endParaRPr>
-          </a:p>
-        </p:txBody>
-      </p:sp>
-      <p:sp>
-        <p:nvSpPr>
-          <p:cNvPr id="5" name="文本框 4"/>
-          <p:cNvSpPr txBox="1"/>
-          <p:nvPr/>
-        </p:nvSpPr>
-        <p:spPr>
-          <a:xfrm>
-            <a:off x="668020" y="1559560"/>
-            <a:ext cx="4959985" cy="2030095"/>
-          </a:xfrm>
-          <a:prstGeom prst="rect">
-            <a:avLst/>
-          </a:prstGeom>
-          <a:noFill/>
-        </p:spPr>
-        <p:txBody>
-          <a:bodyPr wrap="square" rtlCol="0">
-            <a:spAutoFit/>
-          </a:bodyPr>
-          <a:p>
-            <a:r>
-              <a:rPr lang="en-US" altLang="zh-CN"/>
-              <a:t>131 features</a:t>
-            </a:r>
-            <a:endParaRPr lang="en-US" altLang="zh-CN"/>
-          </a:p>
-          <a:p>
-            <a:r>
-              <a:rPr lang="zh-CN" altLang="en-US"/>
-              <a:t>频域多少个</a:t>
-            </a:r>
-            <a:endParaRPr lang="zh-CN" altLang="en-US"/>
-          </a:p>
-          <a:p>
-            <a:r>
-              <a:rPr lang="zh-CN" altLang="en-US"/>
-              <a:t>时域多少个</a:t>
-            </a:r>
-            <a:endParaRPr lang="en-US" altLang="zh-CN"/>
-          </a:p>
-          <a:p>
-            <a:r>
-              <a:rPr lang="en-US" altLang="zh-CN"/>
-              <a:t>these features are</a:t>
-            </a:r>
-            <a:endParaRPr lang="en-US" altLang="zh-CN"/>
-          </a:p>
-          <a:p>
-            <a:r>
-              <a:rPr lang="en-US" altLang="zh-CN"/>
-              <a:t>multi-domain (extracted from time and frequency domain) and multi-resolution (calculated on multiple window sizes).</a:t>
-            </a:r>
-            <a:endParaRPr lang="en-US" altLang="zh-CN"/>
-          </a:p>
-        </p:txBody>
-      </p:sp>
-      <p:pic>
-        <p:nvPicPr>
-          <p:cNvPr id="6" name="内容占位符 5" descr="Feature Table"/>
-          <p:cNvPicPr>
-            <a:picLocks noChangeAspect="1"/>
-          </p:cNvPicPr>
-          <p:nvPr>
-            <p:ph idx="1"/>
-          </p:nvPr>
-        </p:nvPicPr>
-        <p:blipFill>
-          <a:blip r:embed="rId1"/>
-          <a:stretch>
-            <a:fillRect/>
-          </a:stretch>
-        </p:blipFill>
-        <p:spPr>
-          <a:xfrm>
-            <a:off x="5851525" y="1244600"/>
-            <a:ext cx="5915025" cy="3503295"/>
+            <a:off x="5800090" y="859155"/>
+            <a:ext cx="5915025" cy="2480945"/>
           </a:xfrm>
           <a:prstGeom prst="rect">
             <a:avLst/>
@@ -5431,18 +3700,1479 @@
           </a:prstGeom>
         </p:spPr>
       </p:pic>
-      <p:cxnSp>
-        <p:nvCxnSpPr>
-          <p:cNvPr id="9" name="直接连接符 8"/>
-          <p:cNvCxnSpPr/>
+      <p:grpSp>
+        <p:nvGrpSpPr>
+          <p:cNvPr id="11" name="组合 10"/>
+          <p:cNvGrpSpPr/>
           <p:nvPr/>
-        </p:nvCxnSpPr>
+        </p:nvGrpSpPr>
+        <p:grpSpPr>
+          <a:xfrm>
+            <a:off x="5800090" y="3340100"/>
+            <a:ext cx="5914390" cy="1260475"/>
+            <a:chOff x="9134" y="5260"/>
+            <a:chExt cx="9314" cy="1985"/>
+          </a:xfrm>
+        </p:grpSpPr>
+        <p:pic>
+          <p:nvPicPr>
+            <p:cNvPr id="3" name="内容占位符 5" descr="Feature Table"/>
+            <p:cNvPicPr>
+              <a:picLocks noChangeAspect="1"/>
+            </p:cNvPicPr>
+            <p:nvPr>
+              <p:custDataLst>
+                <p:tags r:id="rId5"/>
+              </p:custDataLst>
+            </p:nvPr>
+          </p:nvPicPr>
+          <p:blipFill>
+            <a:blip r:embed="rId1"/>
+            <a:srcRect t="71144"/>
+            <a:stretch>
+              <a:fillRect/>
+            </a:stretch>
+          </p:blipFill>
+          <p:spPr>
+            <a:xfrm>
+              <a:off x="9134" y="5653"/>
+              <a:ext cx="9315" cy="1592"/>
+            </a:xfrm>
+            <a:prstGeom prst="rect">
+              <a:avLst/>
+            </a:prstGeom>
+          </p:spPr>
+        </p:pic>
+        <p:sp>
+          <p:nvSpPr>
+            <p:cNvPr id="4" name="文本框 3"/>
+            <p:cNvSpPr txBox="1"/>
+            <p:nvPr/>
+          </p:nvSpPr>
+          <p:spPr>
+            <a:xfrm>
+              <a:off x="9345" y="5260"/>
+              <a:ext cx="5874" cy="431"/>
+            </a:xfrm>
+            <a:prstGeom prst="rect">
+              <a:avLst/>
+            </a:prstGeom>
+            <a:noFill/>
+          </p:spPr>
+          <p:txBody>
+            <a:bodyPr wrap="square" rtlCol="0">
+              <a:noAutofit/>
+            </a:bodyPr>
+            <a:p>
+              <a:r>
+                <a:rPr lang="en-US" altLang="zh-CN" sz="1200" b="1">
+                  <a:latin typeface="Times New Roman" panose="02020603050405020304" charset="0"/>
+                  <a:cs typeface="Times New Roman" panose="02020603050405020304" charset="0"/>
+                </a:rPr>
+                <a:t>EEG Charateristic</a:t>
+              </a:r>
+              <a:endParaRPr lang="en-US" altLang="zh-CN" sz="1200" b="1">
+                <a:latin typeface="Times New Roman" panose="02020603050405020304" charset="0"/>
+                <a:cs typeface="Times New Roman" panose="02020603050405020304" charset="0"/>
+              </a:endParaRPr>
+            </a:p>
+          </p:txBody>
+        </p:sp>
+        <p:cxnSp>
+          <p:nvCxnSpPr>
+            <p:cNvPr id="10" name="直接连接符 9"/>
+            <p:cNvCxnSpPr/>
+            <p:nvPr/>
+          </p:nvCxnSpPr>
+          <p:spPr>
+            <a:xfrm flipV="1">
+              <a:off x="9472" y="5297"/>
+              <a:ext cx="8811" cy="10"/>
+            </a:xfrm>
+            <a:prstGeom prst="line">
+              <a:avLst/>
+            </a:prstGeom>
+            <a:ln>
+              <a:solidFill>
+                <a:schemeClr val="tx1"/>
+              </a:solidFill>
+            </a:ln>
+          </p:spPr>
+          <p:style>
+            <a:lnRef idx="2">
+              <a:schemeClr val="accent1"/>
+            </a:lnRef>
+            <a:fillRef idx="0">
+              <a:srgbClr val="FFFFFF"/>
+            </a:fillRef>
+            <a:effectRef idx="0">
+              <a:srgbClr val="FFFFFF"/>
+            </a:effectRef>
+            <a:fontRef idx="minor">
+              <a:schemeClr val="tx1"/>
+            </a:fontRef>
+          </p:style>
+        </p:cxnSp>
+      </p:grpSp>
+    </p:spTree>
+    <p:custDataLst>
+      <p:tags r:id="rId6"/>
+    </p:custDataLst>
+  </p:cSld>
+  <p:clrMapOvr>
+    <a:masterClrMapping/>
+  </p:clrMapOvr>
+</p:sld>
+</file>
+
+<file path=ppt/slides/slide11.xml><?xml version="1.0" encoding="utf-8"?>
+<p:sld xmlns:a="http://schemas.openxmlformats.org/drawingml/2006/main" xmlns:r="http://schemas.openxmlformats.org/officeDocument/2006/relationships" xmlns:p="http://schemas.openxmlformats.org/presentationml/2006/main">
+  <p:cSld>
+    <p:spTree>
+      <p:nvGrpSpPr>
+        <p:cNvPr id="1" name=""/>
+        <p:cNvGrpSpPr/>
+        <p:nvPr/>
+      </p:nvGrpSpPr>
+      <p:grpSpPr/>
+      <p:sp>
+        <p:nvSpPr>
+          <p:cNvPr id="2" name="标题 1"/>
+          <p:cNvSpPr>
+            <a:spLocks noGrp="1"/>
+          </p:cNvSpPr>
+          <p:nvPr>
+            <p:ph type="title"/>
+          </p:nvPr>
+        </p:nvSpPr>
+        <p:spPr/>
+        <p:txBody>
+          <a:bodyPr>
+            <a:normAutofit fontScale="90000"/>
+          </a:bodyPr>
+          <a:p>
+            <a:r>
+              <a:rPr lang="en-US" altLang="zh-CN">
+                <a:sym typeface="+mn-ea"/>
+              </a:rPr>
+              <a:t>Analysis Method by ML - feature extraction</a:t>
+            </a:r>
+            <a:endParaRPr lang="zh-CN" altLang="en-US"/>
+          </a:p>
+        </p:txBody>
+      </p:sp>
+      <p:sp>
+        <p:nvSpPr>
+          <p:cNvPr id="3" name="内容占位符 2"/>
+          <p:cNvSpPr>
+            <a:spLocks noGrp="1"/>
+          </p:cNvSpPr>
+          <p:nvPr>
+            <p:ph idx="1"/>
+          </p:nvPr>
+        </p:nvSpPr>
+        <p:spPr/>
+        <p:txBody>
+          <a:bodyPr/>
+          <a:p>
+            <a:endParaRPr lang="zh-CN" altLang="en-US"/>
+          </a:p>
+        </p:txBody>
+      </p:sp>
+    </p:spTree>
+    <p:custDataLst>
+      <p:tags r:id="rId1"/>
+    </p:custDataLst>
+  </p:cSld>
+  <p:clrMapOvr>
+    <a:masterClrMapping/>
+  </p:clrMapOvr>
+</p:sld>
+</file>
+
+<file path=ppt/slides/slide2.xml><?xml version="1.0" encoding="utf-8"?>
+<p:sld xmlns:a="http://schemas.openxmlformats.org/drawingml/2006/main" xmlns:r="http://schemas.openxmlformats.org/officeDocument/2006/relationships" xmlns:p="http://schemas.openxmlformats.org/presentationml/2006/main">
+  <p:cSld>
+    <p:spTree>
+      <p:nvGrpSpPr>
+        <p:cNvPr id="1" name=""/>
+        <p:cNvGrpSpPr/>
+        <p:nvPr/>
+      </p:nvGrpSpPr>
+      <p:grpSpPr/>
+      <p:sp>
+        <p:nvSpPr>
+          <p:cNvPr id="2" name="标题 1"/>
+          <p:cNvSpPr>
+            <a:spLocks noGrp="1"/>
+          </p:cNvSpPr>
+          <p:nvPr>
+            <p:ph type="title"/>
+          </p:nvPr>
+        </p:nvSpPr>
+        <p:spPr/>
+        <p:txBody>
+          <a:bodyPr/>
+          <a:p>
+            <a:r>
+              <a:rPr lang="en-US" altLang="zh-CN"/>
+              <a:t>Content</a:t>
+            </a:r>
+            <a:endParaRPr lang="en-US" altLang="zh-CN"/>
+          </a:p>
+        </p:txBody>
+      </p:sp>
+      <p:sp>
+        <p:nvSpPr>
+          <p:cNvPr id="3" name="内容占位符 2"/>
+          <p:cNvSpPr>
+            <a:spLocks noGrp="1"/>
+          </p:cNvSpPr>
+          <p:nvPr>
+            <p:ph idx="1"/>
+          </p:nvPr>
+        </p:nvSpPr>
+        <p:spPr/>
+        <p:txBody>
+          <a:bodyPr/>
+          <a:p>
+            <a:r>
+              <a:rPr lang="en-US" altLang="zh-CN"/>
+              <a:t>R</a:t>
+            </a:r>
+            <a:r>
+              <a:rPr lang="zh-CN" altLang="en-US"/>
+              <a:t>esearch </a:t>
+            </a:r>
+            <a:r>
+              <a:rPr lang="en-US" altLang="zh-CN"/>
+              <a:t>B</a:t>
+            </a:r>
+            <a:r>
+              <a:rPr lang="zh-CN" altLang="en-US"/>
+              <a:t>ackground</a:t>
+            </a:r>
+            <a:endParaRPr lang="zh-CN" altLang="en-US"/>
+          </a:p>
+          <a:p>
+            <a:r>
+              <a:rPr lang="en-US" altLang="zh-CN"/>
+              <a:t>S</a:t>
+            </a:r>
+            <a:r>
+              <a:rPr lang="zh-CN" altLang="en-US"/>
+              <a:t>tatus</a:t>
+            </a:r>
+            <a:r>
+              <a:rPr lang="en-US" altLang="zh-CN"/>
+              <a:t>-of-art about Sleep-staging</a:t>
+            </a:r>
+            <a:endParaRPr lang="zh-CN" altLang="en-US"/>
+          </a:p>
+          <a:p>
+            <a:r>
+              <a:rPr lang="en-US" altLang="zh-CN"/>
+              <a:t>Classification Method by Machine Learning</a:t>
+            </a:r>
+            <a:endParaRPr lang="en-US" altLang="zh-CN"/>
+          </a:p>
+          <a:p>
+            <a:r>
+              <a:rPr lang="en-US" altLang="zh-CN"/>
+              <a:t>Research Pipeline</a:t>
+            </a:r>
+            <a:endParaRPr lang="en-US" altLang="zh-CN"/>
+          </a:p>
+          <a:p>
+            <a:r>
+              <a:rPr lang="en-US" altLang="zh-CN"/>
+              <a:t>Evaluation</a:t>
+            </a:r>
+            <a:endParaRPr lang="en-US" altLang="zh-CN"/>
+          </a:p>
+          <a:p>
+            <a:r>
+              <a:rPr lang="en-US" altLang="zh-CN"/>
+              <a:t>Current Progress</a:t>
+            </a:r>
+            <a:endParaRPr lang="en-US" altLang="zh-CN"/>
+          </a:p>
+          <a:p>
+            <a:endParaRPr lang="en-US" altLang="zh-CN"/>
+          </a:p>
+        </p:txBody>
+      </p:sp>
+    </p:spTree>
+    <p:custDataLst>
+      <p:tags r:id="rId1"/>
+    </p:custDataLst>
+  </p:cSld>
+  <p:clrMapOvr>
+    <a:masterClrMapping/>
+  </p:clrMapOvr>
+</p:sld>
+</file>
+
+<file path=ppt/slides/slide3.xml><?xml version="1.0" encoding="utf-8"?>
+<p:sld xmlns:a="http://schemas.openxmlformats.org/drawingml/2006/main" xmlns:r="http://schemas.openxmlformats.org/officeDocument/2006/relationships" xmlns:p="http://schemas.openxmlformats.org/presentationml/2006/main">
+  <p:cSld>
+    <p:spTree>
+      <p:nvGrpSpPr>
+        <p:cNvPr id="1" name=""/>
+        <p:cNvGrpSpPr/>
+        <p:nvPr/>
+      </p:nvGrpSpPr>
+      <p:grpSpPr/>
+      <p:sp>
+        <p:nvSpPr>
+          <p:cNvPr id="2" name="标题 1"/>
+          <p:cNvSpPr>
+            <a:spLocks noGrp="1"/>
+          </p:cNvSpPr>
+          <p:nvPr>
+            <p:ph type="title"/>
+          </p:nvPr>
+        </p:nvSpPr>
+        <p:spPr/>
+        <p:txBody>
+          <a:bodyPr/>
+          <a:p>
+            <a:r>
+              <a:rPr lang="en-US" altLang="zh-CN">
+                <a:sym typeface="+mn-ea"/>
+              </a:rPr>
+              <a:t>R</a:t>
+            </a:r>
+            <a:r>
+              <a:rPr lang="zh-CN" altLang="en-US">
+                <a:sym typeface="+mn-ea"/>
+              </a:rPr>
+              <a:t>esearch </a:t>
+            </a:r>
+            <a:r>
+              <a:rPr lang="en-US" altLang="zh-CN">
+                <a:sym typeface="+mn-ea"/>
+              </a:rPr>
+              <a:t>B</a:t>
+            </a:r>
+            <a:r>
+              <a:rPr lang="zh-CN" altLang="en-US">
+                <a:sym typeface="+mn-ea"/>
+              </a:rPr>
+              <a:t>ackground</a:t>
+            </a:r>
+            <a:endParaRPr lang="zh-CN" altLang="en-US"/>
+          </a:p>
+        </p:txBody>
+      </p:sp>
+      <p:sp>
+        <p:nvSpPr>
+          <p:cNvPr id="3" name="内容占位符 2"/>
+          <p:cNvSpPr>
+            <a:spLocks noGrp="1"/>
+          </p:cNvSpPr>
+          <p:nvPr>
+            <p:ph idx="1"/>
+          </p:nvPr>
+        </p:nvSpPr>
+        <p:spPr/>
+        <p:txBody>
+          <a:bodyPr/>
+          <a:p>
+            <a:r>
+              <a:rPr lang="zh-CN" altLang="en-US"/>
+              <a:t>Sleep stage analysis is crucial for understanding sleep patterns and overall health. </a:t>
+            </a:r>
+            <a:endParaRPr lang="zh-CN" altLang="en-US"/>
+          </a:p>
+          <a:p>
+            <a:r>
+              <a:rPr lang="en-US" altLang="zh-CN"/>
+              <a:t>Sleep Stages: non-rapid eye movement (NREM) sleep, divided into four stages (N1, N2, N3, N4), and rapid eye movement (REM) sleep</a:t>
+            </a:r>
+            <a:endParaRPr lang="en-US" altLang="zh-CN"/>
+          </a:p>
+          <a:p>
+            <a:endParaRPr lang="en-US" altLang="zh-CN"/>
+          </a:p>
+        </p:txBody>
+      </p:sp>
+      <p:pic>
+        <p:nvPicPr>
+          <p:cNvPr id="4" name="图片 3" descr="sleep-stages"/>
+          <p:cNvPicPr>
+            <a:picLocks noChangeAspect="1"/>
+          </p:cNvPicPr>
+          <p:nvPr/>
+        </p:nvPicPr>
+        <p:blipFill>
+          <a:blip r:embed="rId1"/>
+          <a:stretch>
+            <a:fillRect/>
+          </a:stretch>
+        </p:blipFill>
         <p:spPr>
-          <a:xfrm flipV="1">
-            <a:off x="5970270" y="3725545"/>
-            <a:ext cx="5677535" cy="31750"/>
+          <a:xfrm>
+            <a:off x="7291705" y="3296920"/>
+            <a:ext cx="2440940" cy="2343785"/>
           </a:xfrm>
-          <a:prstGeom prst="line">
+          <a:prstGeom prst="rect">
+            <a:avLst/>
+          </a:prstGeom>
+        </p:spPr>
+      </p:pic>
+    </p:spTree>
+    <p:custDataLst>
+      <p:tags r:id="rId2"/>
+    </p:custDataLst>
+  </p:cSld>
+  <p:clrMapOvr>
+    <a:masterClrMapping/>
+  </p:clrMapOvr>
+</p:sld>
+</file>
+
+<file path=ppt/slides/slide4.xml><?xml version="1.0" encoding="utf-8"?>
+<p:sld xmlns:a="http://schemas.openxmlformats.org/drawingml/2006/main" xmlns:r="http://schemas.openxmlformats.org/officeDocument/2006/relationships" xmlns:p="http://schemas.openxmlformats.org/presentationml/2006/main">
+  <p:cSld>
+    <p:spTree>
+      <p:nvGrpSpPr>
+        <p:cNvPr id="1" name=""/>
+        <p:cNvGrpSpPr/>
+        <p:nvPr/>
+      </p:nvGrpSpPr>
+      <p:grpSpPr/>
+      <p:sp>
+        <p:nvSpPr>
+          <p:cNvPr id="2" name="标题 1"/>
+          <p:cNvSpPr>
+            <a:spLocks noGrp="1"/>
+          </p:cNvSpPr>
+          <p:nvPr>
+            <p:ph type="title"/>
+          </p:nvPr>
+        </p:nvSpPr>
+        <p:spPr/>
+        <p:txBody>
+          <a:bodyPr/>
+          <a:p>
+            <a:r>
+              <a:rPr lang="en-US" altLang="zh-CN">
+                <a:sym typeface="+mn-ea"/>
+              </a:rPr>
+              <a:t>R</a:t>
+            </a:r>
+            <a:r>
+              <a:rPr lang="zh-CN" altLang="en-US">
+                <a:sym typeface="+mn-ea"/>
+              </a:rPr>
+              <a:t>esearch </a:t>
+            </a:r>
+            <a:r>
+              <a:rPr lang="en-US" altLang="zh-CN">
+                <a:sym typeface="+mn-ea"/>
+              </a:rPr>
+              <a:t>B</a:t>
+            </a:r>
+            <a:r>
+              <a:rPr lang="zh-CN" altLang="en-US">
+                <a:sym typeface="+mn-ea"/>
+              </a:rPr>
+              <a:t>ackground</a:t>
+            </a:r>
+            <a:endParaRPr lang="zh-CN" altLang="en-US"/>
+          </a:p>
+        </p:txBody>
+      </p:sp>
+      <p:sp>
+        <p:nvSpPr>
+          <p:cNvPr id="3" name="内容占位符 2"/>
+          <p:cNvSpPr>
+            <a:spLocks noGrp="1"/>
+          </p:cNvSpPr>
+          <p:nvPr>
+            <p:ph idx="1"/>
+          </p:nvPr>
+        </p:nvSpPr>
+        <p:spPr/>
+        <p:txBody>
+          <a:bodyPr/>
+          <a:p>
+            <a:r>
+              <a:rPr lang="en-US" altLang="zh-CN"/>
+              <a:t>Electroencephalogram (EEG) is a medical test used to measure and record the electrical activity in the brain.</a:t>
+            </a:r>
+            <a:endParaRPr lang="en-US" altLang="zh-CN"/>
+          </a:p>
+          <a:p>
+            <a:r>
+              <a:rPr lang="en-US" altLang="zh-CN"/>
+              <a:t>Sleep stage can be classified by EEG signals.</a:t>
+            </a:r>
+            <a:endParaRPr lang="en-US" altLang="zh-CN"/>
+          </a:p>
+        </p:txBody>
+      </p:sp>
+      <p:pic>
+        <p:nvPicPr>
+          <p:cNvPr id="6" name="图片 5" descr="EEG horizontal"/>
+          <p:cNvPicPr>
+            <a:picLocks noChangeAspect="1"/>
+          </p:cNvPicPr>
+          <p:nvPr/>
+        </p:nvPicPr>
+        <p:blipFill>
+          <a:blip r:embed="rId1"/>
+          <a:stretch>
+            <a:fillRect/>
+          </a:stretch>
+        </p:blipFill>
+        <p:spPr>
+          <a:xfrm>
+            <a:off x="360045" y="5189220"/>
+            <a:ext cx="4509135" cy="788670"/>
+          </a:xfrm>
+          <a:prstGeom prst="rect">
+            <a:avLst/>
+          </a:prstGeom>
+        </p:spPr>
+      </p:pic>
+      <p:pic>
+        <p:nvPicPr>
+          <p:cNvPr id="7" name="图片 6" descr="EEG Pz-Oz"/>
+          <p:cNvPicPr>
+            <a:picLocks noChangeAspect="1"/>
+          </p:cNvPicPr>
+          <p:nvPr/>
+        </p:nvPicPr>
+        <p:blipFill>
+          <a:blip r:embed="rId2"/>
+          <a:stretch>
+            <a:fillRect/>
+          </a:stretch>
+        </p:blipFill>
+        <p:spPr>
+          <a:xfrm>
+            <a:off x="5144770" y="5657850"/>
+            <a:ext cx="5276215" cy="1028065"/>
+          </a:xfrm>
+          <a:prstGeom prst="rect">
+            <a:avLst/>
+          </a:prstGeom>
+        </p:spPr>
+      </p:pic>
+      <p:pic>
+        <p:nvPicPr>
+          <p:cNvPr id="8" name="图片 7" descr="EEG-Fpz-Cz"/>
+          <p:cNvPicPr>
+            <a:picLocks noChangeAspect="1"/>
+          </p:cNvPicPr>
+          <p:nvPr/>
+        </p:nvPicPr>
+        <p:blipFill>
+          <a:blip r:embed="rId3"/>
+          <a:stretch>
+            <a:fillRect/>
+          </a:stretch>
+        </p:blipFill>
+        <p:spPr>
+          <a:xfrm>
+            <a:off x="1455420" y="4186555"/>
+            <a:ext cx="4377055" cy="913130"/>
+          </a:xfrm>
+          <a:prstGeom prst="rect">
+            <a:avLst/>
+          </a:prstGeom>
+        </p:spPr>
+      </p:pic>
+      <p:pic>
+        <p:nvPicPr>
+          <p:cNvPr id="5" name="图片 4" descr="OIP-C"/>
+          <p:cNvPicPr>
+            <a:picLocks noChangeAspect="1"/>
+          </p:cNvPicPr>
+          <p:nvPr/>
+        </p:nvPicPr>
+        <p:blipFill>
+          <a:blip r:embed="rId4"/>
+          <a:stretch>
+            <a:fillRect/>
+          </a:stretch>
+        </p:blipFill>
+        <p:spPr>
+          <a:xfrm>
+            <a:off x="7659370" y="2604135"/>
+            <a:ext cx="3693795" cy="2072640"/>
+          </a:xfrm>
+          <a:prstGeom prst="rect">
+            <a:avLst/>
+          </a:prstGeom>
+        </p:spPr>
+      </p:pic>
+    </p:spTree>
+    <p:custDataLst>
+      <p:tags r:id="rId5"/>
+    </p:custDataLst>
+  </p:cSld>
+  <p:clrMapOvr>
+    <a:masterClrMapping/>
+  </p:clrMapOvr>
+</p:sld>
+</file>
+
+<file path=ppt/slides/slide5.xml><?xml version="1.0" encoding="utf-8"?>
+<p:sld xmlns:a="http://schemas.openxmlformats.org/drawingml/2006/main" xmlns:r="http://schemas.openxmlformats.org/officeDocument/2006/relationships" xmlns:p="http://schemas.openxmlformats.org/presentationml/2006/main">
+  <p:cSld>
+    <p:spTree>
+      <p:nvGrpSpPr>
+        <p:cNvPr id="1" name=""/>
+        <p:cNvGrpSpPr/>
+        <p:nvPr/>
+      </p:nvGrpSpPr>
+      <p:grpSpPr/>
+      <p:sp>
+        <p:nvSpPr>
+          <p:cNvPr id="2" name="标题 1"/>
+          <p:cNvSpPr>
+            <a:spLocks noGrp="1"/>
+          </p:cNvSpPr>
+          <p:nvPr>
+            <p:ph type="title"/>
+          </p:nvPr>
+        </p:nvSpPr>
+        <p:spPr/>
+        <p:txBody>
+          <a:bodyPr>
+            <a:normAutofit fontScale="90000"/>
+          </a:bodyPr>
+          <a:p>
+            <a:r>
+              <a:rPr lang="en-US" altLang="zh-CN">
+                <a:sym typeface="+mn-ea"/>
+              </a:rPr>
+              <a:t>R</a:t>
+            </a:r>
+            <a:r>
+              <a:rPr lang="zh-CN" altLang="en-US">
+                <a:sym typeface="+mn-ea"/>
+              </a:rPr>
+              <a:t>esearch </a:t>
+            </a:r>
+            <a:r>
+              <a:rPr lang="en-US" altLang="zh-CN">
+                <a:sym typeface="+mn-ea"/>
+              </a:rPr>
+              <a:t>S</a:t>
+            </a:r>
+            <a:r>
+              <a:rPr lang="zh-CN" altLang="en-US">
+                <a:sym typeface="+mn-ea"/>
+              </a:rPr>
+              <a:t>tatus</a:t>
+            </a:r>
+            <a:r>
+              <a:rPr lang="en-US" altLang="zh-CN">
+                <a:sym typeface="+mn-ea"/>
+              </a:rPr>
+              <a:t> about Sleep-stage Analysis</a:t>
+            </a:r>
+            <a:endParaRPr lang="zh-CN" altLang="en-US"/>
+          </a:p>
+        </p:txBody>
+      </p:sp>
+      <p:sp>
+        <p:nvSpPr>
+          <p:cNvPr id="3" name="内容占位符 2"/>
+          <p:cNvSpPr>
+            <a:spLocks noGrp="1"/>
+          </p:cNvSpPr>
+          <p:nvPr>
+            <p:ph idx="1"/>
+          </p:nvPr>
+        </p:nvSpPr>
+        <p:spPr/>
+        <p:txBody>
+          <a:bodyPr/>
+          <a:p>
+            <a:pPr marL="0" indent="0">
+              <a:buNone/>
+            </a:pPr>
+            <a:r>
+              <a:rPr lang="en-US" altLang="zh-CN"/>
+              <a:t>Current research status:</a:t>
+            </a:r>
+            <a:endParaRPr lang="en-US" altLang="zh-CN"/>
+          </a:p>
+          <a:p>
+            <a:r>
+              <a:rPr lang="en-US" altLang="zh-CN"/>
+              <a:t>mainly focused on developing increasingly complex deep learning architectures</a:t>
+            </a:r>
+            <a:endParaRPr lang="en-US" altLang="zh-CN"/>
+          </a:p>
+          <a:p>
+            <a:r>
+              <a:rPr lang="en-US" altLang="zh-CN"/>
+              <a:t>automatic sleep staging solutions are not widely adopted in a clinical context yet</a:t>
+            </a:r>
+            <a:endParaRPr lang="en-US" altLang="zh-CN"/>
+          </a:p>
+          <a:p>
+            <a:r>
+              <a:rPr lang="en-US" altLang="zh-CN"/>
+              <a:t>most deep learning solutions for sleep scoring are limited in their real-world applicability as they are hard to train, deploy, and reproduce.</a:t>
+            </a:r>
+            <a:endParaRPr lang="en-US" altLang="zh-CN"/>
+          </a:p>
+          <a:p>
+            <a:r>
+              <a:rPr lang="en-US" altLang="zh-CN"/>
+              <a:t>lack interpretability and transparency</a:t>
+            </a:r>
+            <a:endParaRPr lang="en-US" altLang="zh-CN"/>
+          </a:p>
+        </p:txBody>
+      </p:sp>
+    </p:spTree>
+    <p:custDataLst>
+      <p:tags r:id="rId1"/>
+    </p:custDataLst>
+  </p:cSld>
+  <p:clrMapOvr>
+    <a:masterClrMapping/>
+  </p:clrMapOvr>
+</p:sld>
+</file>
+
+<file path=ppt/slides/slide6.xml><?xml version="1.0" encoding="utf-8"?>
+<p:sld xmlns:a="http://schemas.openxmlformats.org/drawingml/2006/main" xmlns:r="http://schemas.openxmlformats.org/officeDocument/2006/relationships" xmlns:p="http://schemas.openxmlformats.org/presentationml/2006/main">
+  <p:cSld>
+    <p:spTree>
+      <p:nvGrpSpPr>
+        <p:cNvPr id="1" name=""/>
+        <p:cNvGrpSpPr/>
+        <p:nvPr/>
+      </p:nvGrpSpPr>
+      <p:grpSpPr/>
+      <p:sp>
+        <p:nvSpPr>
+          <p:cNvPr id="2" name="标题 1"/>
+          <p:cNvSpPr>
+            <a:spLocks noGrp="1"/>
+          </p:cNvSpPr>
+          <p:nvPr>
+            <p:ph type="title"/>
+          </p:nvPr>
+        </p:nvSpPr>
+        <p:spPr/>
+        <p:txBody>
+          <a:bodyPr/>
+          <a:p>
+            <a:r>
+              <a:rPr lang="en-US" altLang="zh-CN">
+                <a:sym typeface="+mn-ea"/>
+              </a:rPr>
+              <a:t>Database</a:t>
+            </a:r>
+            <a:endParaRPr lang="zh-CN" altLang="en-US"/>
+          </a:p>
+        </p:txBody>
+      </p:sp>
+      <p:sp>
+        <p:nvSpPr>
+          <p:cNvPr id="3" name="内容占位符 2"/>
+          <p:cNvSpPr>
+            <a:spLocks noGrp="1"/>
+          </p:cNvSpPr>
+          <p:nvPr>
+            <p:ph idx="1"/>
+          </p:nvPr>
+        </p:nvSpPr>
+        <p:spPr/>
+        <p:txBody>
+          <a:bodyPr/>
+          <a:p>
+            <a:pPr marL="0" indent="0">
+              <a:buNone/>
+            </a:pPr>
+            <a:r>
+              <a:rPr lang="en-US" altLang="zh-CN"/>
+              <a:t>Public Data Set: https://www.physionet.org/content/sleep-edfx/1.0.0/</a:t>
+            </a:r>
+            <a:endParaRPr lang="en-US" altLang="zh-CN"/>
+          </a:p>
+          <a:p>
+            <a:pPr marL="0" indent="0">
+              <a:buNone/>
+            </a:pPr>
+            <a:endParaRPr lang="en-US" altLang="zh-CN"/>
+          </a:p>
+          <a:p>
+            <a:r>
+              <a:rPr lang="en-US" altLang="zh-CN"/>
+              <a:t>provide EEG, </a:t>
+            </a:r>
+            <a:r>
+              <a:rPr lang="en-US" altLang="zh-CN">
+                <a:sym typeface="+mn-ea"/>
+              </a:rPr>
+              <a:t>EOG</a:t>
+            </a:r>
+            <a:r>
+              <a:rPr lang="en-US" altLang="zh-CN"/>
+              <a:t> and EMG signals during patients’ sleeping</a:t>
+            </a:r>
+            <a:endParaRPr lang="en-US" altLang="zh-CN"/>
+          </a:p>
+          <a:p>
+            <a:r>
+              <a:rPr lang="en-US" altLang="zh-CN"/>
+              <a:t>provide sleep stages at each time</a:t>
+            </a:r>
+            <a:endParaRPr lang="en-US" altLang="zh-CN"/>
+          </a:p>
+        </p:txBody>
+      </p:sp>
+      <p:pic>
+        <p:nvPicPr>
+          <p:cNvPr id="4" name="图片 3" descr="sleep-stage-figure-in-database"/>
+          <p:cNvPicPr>
+            <a:picLocks noChangeAspect="1"/>
+          </p:cNvPicPr>
+          <p:nvPr/>
+        </p:nvPicPr>
+        <p:blipFill>
+          <a:blip r:embed="rId1"/>
+          <a:stretch>
+            <a:fillRect/>
+          </a:stretch>
+        </p:blipFill>
+        <p:spPr>
+          <a:xfrm>
+            <a:off x="1095375" y="4780915"/>
+            <a:ext cx="9144000" cy="1828800"/>
+          </a:xfrm>
+          <a:prstGeom prst="rect">
+            <a:avLst/>
+          </a:prstGeom>
+        </p:spPr>
+      </p:pic>
+      <p:pic>
+        <p:nvPicPr>
+          <p:cNvPr id="6" name="图片 5" descr="EEG horizontal"/>
+          <p:cNvPicPr>
+            <a:picLocks noChangeAspect="1"/>
+          </p:cNvPicPr>
+          <p:nvPr>
+            <p:custDataLst>
+              <p:tags r:id="rId2"/>
+            </p:custDataLst>
+          </p:nvPr>
+        </p:nvPicPr>
+        <p:blipFill>
+          <a:blip r:embed="rId3"/>
+          <a:stretch>
+            <a:fillRect/>
+          </a:stretch>
+        </p:blipFill>
+        <p:spPr>
+          <a:xfrm>
+            <a:off x="966470" y="3831590"/>
+            <a:ext cx="4509135" cy="788670"/>
+          </a:xfrm>
+          <a:prstGeom prst="rect">
+            <a:avLst/>
+          </a:prstGeom>
+        </p:spPr>
+      </p:pic>
+      <p:pic>
+        <p:nvPicPr>
+          <p:cNvPr id="7" name="图片 6" descr="EEG Pz-Oz"/>
+          <p:cNvPicPr>
+            <a:picLocks noChangeAspect="1"/>
+          </p:cNvPicPr>
+          <p:nvPr>
+            <p:custDataLst>
+              <p:tags r:id="rId4"/>
+            </p:custDataLst>
+          </p:nvPr>
+        </p:nvPicPr>
+        <p:blipFill>
+          <a:blip r:embed="rId5"/>
+          <a:stretch>
+            <a:fillRect/>
+          </a:stretch>
+        </p:blipFill>
+        <p:spPr>
+          <a:xfrm>
+            <a:off x="6409690" y="3971290"/>
+            <a:ext cx="5276215" cy="1028065"/>
+          </a:xfrm>
+          <a:prstGeom prst="rect">
+            <a:avLst/>
+          </a:prstGeom>
+        </p:spPr>
+      </p:pic>
+      <p:pic>
+        <p:nvPicPr>
+          <p:cNvPr id="8" name="图片 7" descr="EEG-Fpz-Cz"/>
+          <p:cNvPicPr>
+            <a:picLocks noChangeAspect="1"/>
+          </p:cNvPicPr>
+          <p:nvPr>
+            <p:custDataLst>
+              <p:tags r:id="rId6"/>
+            </p:custDataLst>
+          </p:nvPr>
+        </p:nvPicPr>
+        <p:blipFill>
+          <a:blip r:embed="rId7"/>
+          <a:stretch>
+            <a:fillRect/>
+          </a:stretch>
+        </p:blipFill>
+        <p:spPr>
+          <a:xfrm>
+            <a:off x="6771005" y="3058160"/>
+            <a:ext cx="4377055" cy="913130"/>
+          </a:xfrm>
+          <a:prstGeom prst="rect">
+            <a:avLst/>
+          </a:prstGeom>
+        </p:spPr>
+      </p:pic>
+    </p:spTree>
+    <p:custDataLst>
+      <p:tags r:id="rId8"/>
+    </p:custDataLst>
+  </p:cSld>
+  <p:clrMapOvr>
+    <a:masterClrMapping/>
+  </p:clrMapOvr>
+</p:sld>
+</file>
+
+<file path=ppt/slides/slide7.xml><?xml version="1.0" encoding="utf-8"?>
+<p:sld xmlns:a="http://schemas.openxmlformats.org/drawingml/2006/main" xmlns:r="http://schemas.openxmlformats.org/officeDocument/2006/relationships" xmlns:p="http://schemas.openxmlformats.org/presentationml/2006/main">
+  <p:cSld>
+    <p:spTree>
+      <p:nvGrpSpPr>
+        <p:cNvPr id="1" name=""/>
+        <p:cNvGrpSpPr/>
+        <p:nvPr/>
+      </p:nvGrpSpPr>
+      <p:grpSpPr/>
+      <p:sp>
+        <p:nvSpPr>
+          <p:cNvPr id="2" name="标题 1"/>
+          <p:cNvSpPr>
+            <a:spLocks noGrp="1"/>
+          </p:cNvSpPr>
+          <p:nvPr>
+            <p:ph type="title"/>
+          </p:nvPr>
+        </p:nvSpPr>
+        <p:spPr/>
+        <p:txBody>
+          <a:bodyPr/>
+          <a:p>
+            <a:r>
+              <a:rPr lang="en-US" altLang="zh-CN">
+                <a:sym typeface="+mn-ea"/>
+              </a:rPr>
+              <a:t>Database</a:t>
+            </a:r>
+            <a:endParaRPr lang="zh-CN" altLang="en-US"/>
+          </a:p>
+        </p:txBody>
+      </p:sp>
+      <p:pic>
+        <p:nvPicPr>
+          <p:cNvPr id="4" name="图片 3" descr="EEG-Fpz-Cz"/>
+          <p:cNvPicPr>
+            <a:picLocks noChangeAspect="1"/>
+          </p:cNvPicPr>
+          <p:nvPr/>
+        </p:nvPicPr>
+        <p:blipFill>
+          <a:blip r:embed="rId1"/>
+          <a:stretch>
+            <a:fillRect/>
+          </a:stretch>
+        </p:blipFill>
+        <p:spPr>
+          <a:xfrm>
+            <a:off x="762635" y="1421130"/>
+            <a:ext cx="6826250" cy="1423670"/>
+          </a:xfrm>
+          <a:prstGeom prst="rect">
+            <a:avLst/>
+          </a:prstGeom>
+        </p:spPr>
+      </p:pic>
+      <p:pic>
+        <p:nvPicPr>
+          <p:cNvPr id="5" name="图片 4" descr="Sleep stage W EEG Fpz-Cz"/>
+          <p:cNvPicPr>
+            <a:picLocks noChangeAspect="1"/>
+          </p:cNvPicPr>
+          <p:nvPr/>
+        </p:nvPicPr>
+        <p:blipFill>
+          <a:blip r:embed="rId2"/>
+          <a:srcRect l="13517" t="14345" r="11580" b="12993"/>
+          <a:stretch>
+            <a:fillRect/>
+          </a:stretch>
+        </p:blipFill>
+        <p:spPr>
+          <a:xfrm>
+            <a:off x="1228090" y="4045585"/>
+            <a:ext cx="2579370" cy="1228725"/>
+          </a:xfrm>
+          <a:prstGeom prst="rect">
+            <a:avLst/>
+          </a:prstGeom>
+        </p:spPr>
+      </p:pic>
+      <p:pic>
+        <p:nvPicPr>
+          <p:cNvPr id="6" name="图片 5" descr="Sleep stage 2 EEG Fpz-Cz"/>
+          <p:cNvPicPr>
+            <a:picLocks noChangeAspect="1"/>
+          </p:cNvPicPr>
+          <p:nvPr/>
+        </p:nvPicPr>
+        <p:blipFill>
+          <a:blip r:embed="rId3"/>
+          <a:srcRect l="13128" t="16720" r="10749" b="11788"/>
+          <a:stretch>
+            <a:fillRect/>
+          </a:stretch>
+        </p:blipFill>
+        <p:spPr>
+          <a:xfrm>
+            <a:off x="6104890" y="4090035"/>
+            <a:ext cx="1807845" cy="1132205"/>
+          </a:xfrm>
+          <a:prstGeom prst="rect">
+            <a:avLst/>
+          </a:prstGeom>
+        </p:spPr>
+      </p:pic>
+      <p:pic>
+        <p:nvPicPr>
+          <p:cNvPr id="7" name="图片 6" descr="Sleep stage 1 EEG Fpz-Cz"/>
+          <p:cNvPicPr>
+            <a:picLocks noChangeAspect="1"/>
+          </p:cNvPicPr>
+          <p:nvPr/>
+        </p:nvPicPr>
+        <p:blipFill>
+          <a:blip r:embed="rId4"/>
+          <a:srcRect l="14033" t="13669" r="10994" b="11132"/>
+          <a:stretch>
+            <a:fillRect/>
+          </a:stretch>
+        </p:blipFill>
+        <p:spPr>
+          <a:xfrm>
+            <a:off x="4105275" y="3961130"/>
+            <a:ext cx="861695" cy="1261110"/>
+          </a:xfrm>
+          <a:prstGeom prst="rect">
+            <a:avLst/>
+          </a:prstGeom>
+        </p:spPr>
+      </p:pic>
+      <p:pic>
+        <p:nvPicPr>
+          <p:cNvPr id="8" name="图片 7" descr="sleep-stage-figure-in-database"/>
+          <p:cNvPicPr>
+            <a:picLocks noChangeAspect="1"/>
+          </p:cNvPicPr>
+          <p:nvPr>
+            <p:custDataLst>
+              <p:tags r:id="rId5"/>
+            </p:custDataLst>
+          </p:nvPr>
+        </p:nvPicPr>
+        <p:blipFill>
+          <a:blip r:embed="rId6"/>
+          <a:srcRect r="110" b="16210"/>
+          <a:stretch>
+            <a:fillRect/>
+          </a:stretch>
+        </p:blipFill>
+        <p:spPr>
+          <a:xfrm>
+            <a:off x="6726555" y="2649220"/>
+            <a:ext cx="5418455" cy="908685"/>
+          </a:xfrm>
+          <a:prstGeom prst="rect">
+            <a:avLst/>
+          </a:prstGeom>
+        </p:spPr>
+      </p:pic>
+      <p:sp>
+        <p:nvSpPr>
+          <p:cNvPr id="9" name="右箭头 8"/>
+          <p:cNvSpPr/>
+          <p:nvPr/>
+        </p:nvSpPr>
+        <p:spPr>
+          <a:xfrm rot="7920000" flipV="1">
+            <a:off x="1873250" y="3223895"/>
+            <a:ext cx="1586230" cy="88265"/>
+          </a:xfrm>
+          <a:prstGeom prst="rightArrow">
+            <a:avLst/>
+          </a:prstGeom>
+        </p:spPr>
+        <p:style>
+          <a:lnRef idx="2">
+            <a:schemeClr val="accent1">
+              <a:lumMod val="75000"/>
+            </a:schemeClr>
+          </a:lnRef>
+          <a:fillRef idx="1">
+            <a:schemeClr val="accent1"/>
+          </a:fillRef>
+          <a:effectRef idx="0">
+            <a:srgbClr val="FFFFFF"/>
+          </a:effectRef>
+          <a:fontRef idx="minor">
+            <a:schemeClr val="lt1"/>
+          </a:fontRef>
+        </p:style>
+        <p:txBody>
+          <a:bodyPr rtlCol="0" anchor="ctr"/>
+          <a:p>
+            <a:pPr algn="ctr"/>
+            <a:endParaRPr lang="zh-CN" altLang="en-US"/>
+          </a:p>
+        </p:txBody>
+      </p:sp>
+      <p:sp>
+        <p:nvSpPr>
+          <p:cNvPr id="10" name="右箭头 9"/>
+          <p:cNvSpPr/>
+          <p:nvPr/>
+        </p:nvSpPr>
+        <p:spPr>
+          <a:xfrm rot="4440000">
+            <a:off x="3780790" y="3242945"/>
+            <a:ext cx="996950" cy="76200"/>
+          </a:xfrm>
+          <a:prstGeom prst="rightArrow">
+            <a:avLst/>
+          </a:prstGeom>
+        </p:spPr>
+        <p:style>
+          <a:lnRef idx="2">
+            <a:schemeClr val="accent1">
+              <a:lumMod val="75000"/>
+            </a:schemeClr>
+          </a:lnRef>
+          <a:fillRef idx="1">
+            <a:schemeClr val="accent1"/>
+          </a:fillRef>
+          <a:effectRef idx="0">
+            <a:srgbClr val="FFFFFF"/>
+          </a:effectRef>
+          <a:fontRef idx="minor">
+            <a:schemeClr val="lt1"/>
+          </a:fontRef>
+        </p:style>
+        <p:txBody>
+          <a:bodyPr rtlCol="0" anchor="ctr"/>
+          <a:p>
+            <a:pPr algn="ctr"/>
+            <a:endParaRPr lang="zh-CN" altLang="en-US"/>
+          </a:p>
+        </p:txBody>
+      </p:sp>
+      <p:sp>
+        <p:nvSpPr>
+          <p:cNvPr id="11" name="右箭头 10"/>
+          <p:cNvSpPr/>
+          <p:nvPr/>
+        </p:nvSpPr>
+        <p:spPr>
+          <a:xfrm rot="1620000" flipV="1">
+            <a:off x="4558665" y="3335655"/>
+            <a:ext cx="2437765" cy="76200"/>
+          </a:xfrm>
+          <a:prstGeom prst="rightArrow">
+            <a:avLst/>
+          </a:prstGeom>
+        </p:spPr>
+        <p:style>
+          <a:lnRef idx="2">
+            <a:schemeClr val="accent1">
+              <a:lumMod val="75000"/>
+            </a:schemeClr>
+          </a:lnRef>
+          <a:fillRef idx="1">
+            <a:schemeClr val="accent1"/>
+          </a:fillRef>
+          <a:effectRef idx="0">
+            <a:srgbClr val="FFFFFF"/>
+          </a:effectRef>
+          <a:fontRef idx="minor">
+            <a:schemeClr val="lt1"/>
+          </a:fontRef>
+        </p:style>
+        <p:txBody>
+          <a:bodyPr rtlCol="0" anchor="ctr"/>
+          <a:p>
+            <a:pPr algn="ctr"/>
+            <a:endParaRPr lang="zh-CN" altLang="en-US"/>
+          </a:p>
+        </p:txBody>
+      </p:sp>
+      <p:sp>
+        <p:nvSpPr>
+          <p:cNvPr id="12" name="文本框 11"/>
+          <p:cNvSpPr txBox="1"/>
+          <p:nvPr/>
+        </p:nvSpPr>
+        <p:spPr>
+          <a:xfrm>
+            <a:off x="8527415" y="4295140"/>
+            <a:ext cx="4064000" cy="706755"/>
+          </a:xfrm>
+          <a:prstGeom prst="rect">
+            <a:avLst/>
+          </a:prstGeom>
+          <a:noFill/>
+        </p:spPr>
+        <p:txBody>
+          <a:bodyPr wrap="square" rtlCol="0">
+            <a:spAutoFit/>
+          </a:bodyPr>
+          <a:p>
+            <a:r>
+              <a:rPr lang="en-US" altLang="zh-CN" sz="4000">
+                <a:solidFill>
+                  <a:schemeClr val="accent1"/>
+                </a:solidFill>
+                <a:effectLst>
+                  <a:outerShdw blurRad="38100" dist="25400" dir="5400000" algn="ctr" rotWithShape="0">
+                    <a:srgbClr val="6E747A">
+                      <a:alpha val="43000"/>
+                    </a:srgbClr>
+                  </a:outerShdw>
+                </a:effectLst>
+              </a:rPr>
+              <a:t>...</a:t>
+            </a:r>
+            <a:endParaRPr lang="en-US" altLang="zh-CN" sz="4000">
+              <a:solidFill>
+                <a:schemeClr val="accent1"/>
+              </a:solidFill>
+              <a:effectLst>
+                <a:outerShdw blurRad="38100" dist="25400" dir="5400000" algn="ctr" rotWithShape="0">
+                  <a:srgbClr val="6E747A">
+                    <a:alpha val="43000"/>
+                  </a:srgbClr>
+                </a:outerShdw>
+              </a:effectLst>
+            </a:endParaRPr>
+          </a:p>
+        </p:txBody>
+      </p:sp>
+      <p:sp>
+        <p:nvSpPr>
+          <p:cNvPr id="13" name="矩形 12"/>
+          <p:cNvSpPr/>
+          <p:nvPr/>
+        </p:nvSpPr>
+        <p:spPr>
+          <a:xfrm>
+            <a:off x="1401445" y="1421130"/>
+            <a:ext cx="2489835" cy="1299845"/>
+          </a:xfrm>
+          <a:prstGeom prst="rect">
+            <a:avLst/>
+          </a:prstGeom>
+          <a:ln w="38100">
+            <a:solidFill>
+              <a:srgbClr val="FF0000"/>
+            </a:solidFill>
+          </a:ln>
+        </p:spPr>
+        <p:style>
+          <a:lnRef idx="2">
+            <a:schemeClr val="accent1"/>
+          </a:lnRef>
+          <a:fillRef idx="0">
+            <a:srgbClr val="FFFFFF"/>
+          </a:fillRef>
+          <a:effectRef idx="0">
+            <a:srgbClr val="FFFFFF"/>
+          </a:effectRef>
+          <a:fontRef idx="minor">
+            <a:schemeClr val="tx1"/>
+          </a:fontRef>
+        </p:style>
+        <p:txBody>
+          <a:bodyPr rtlCol="0" anchor="ctr"/>
+          <a:p>
+            <a:pPr algn="ctr"/>
+            <a:endParaRPr lang="zh-CN" altLang="en-US"/>
+          </a:p>
+        </p:txBody>
+      </p:sp>
+      <p:sp>
+        <p:nvSpPr>
+          <p:cNvPr id="14" name="矩形 13"/>
+          <p:cNvSpPr/>
+          <p:nvPr>
+            <p:custDataLst>
+              <p:tags r:id="rId7"/>
+            </p:custDataLst>
+          </p:nvPr>
+        </p:nvSpPr>
+        <p:spPr>
+          <a:xfrm>
+            <a:off x="3910330" y="1421130"/>
+            <a:ext cx="360680" cy="1299845"/>
+          </a:xfrm>
+          <a:prstGeom prst="rect">
+            <a:avLst/>
+          </a:prstGeom>
+          <a:ln w="38100">
+            <a:solidFill>
+              <a:schemeClr val="accent1"/>
+            </a:solidFill>
+          </a:ln>
+        </p:spPr>
+        <p:style>
+          <a:lnRef idx="2">
+            <a:schemeClr val="accent1"/>
+          </a:lnRef>
+          <a:fillRef idx="0">
+            <a:srgbClr val="FFFFFF"/>
+          </a:fillRef>
+          <a:effectRef idx="0">
+            <a:srgbClr val="FFFFFF"/>
+          </a:effectRef>
+          <a:fontRef idx="minor">
+            <a:schemeClr val="tx1"/>
+          </a:fontRef>
+        </p:style>
+        <p:txBody>
+          <a:bodyPr rtlCol="0" anchor="ctr"/>
+          <a:p>
+            <a:pPr algn="ctr"/>
+            <a:endParaRPr lang="zh-CN" altLang="en-US"/>
+          </a:p>
+        </p:txBody>
+      </p:sp>
+      <p:sp>
+        <p:nvSpPr>
+          <p:cNvPr id="15" name="矩形 14"/>
+          <p:cNvSpPr/>
+          <p:nvPr>
+            <p:custDataLst>
+              <p:tags r:id="rId8"/>
+            </p:custDataLst>
+          </p:nvPr>
+        </p:nvSpPr>
+        <p:spPr>
+          <a:xfrm>
+            <a:off x="4300855" y="1421130"/>
+            <a:ext cx="360680" cy="1299845"/>
+          </a:xfrm>
+          <a:prstGeom prst="rect">
+            <a:avLst/>
+          </a:prstGeom>
+          <a:ln w="38100">
+            <a:solidFill>
+              <a:srgbClr val="00B050"/>
+            </a:solidFill>
+          </a:ln>
+        </p:spPr>
+        <p:style>
+          <a:lnRef idx="2">
+            <a:schemeClr val="accent1"/>
+          </a:lnRef>
+          <a:fillRef idx="0">
+            <a:srgbClr val="FFFFFF"/>
+          </a:fillRef>
+          <a:effectRef idx="0">
+            <a:srgbClr val="FFFFFF"/>
+          </a:effectRef>
+          <a:fontRef idx="minor">
+            <a:schemeClr val="tx1"/>
+          </a:fontRef>
+        </p:style>
+        <p:txBody>
+          <a:bodyPr rtlCol="0" anchor="ctr"/>
+          <a:p>
+            <a:pPr algn="ctr"/>
+            <a:endParaRPr lang="zh-CN" altLang="en-US"/>
+          </a:p>
+        </p:txBody>
+      </p:sp>
+    </p:spTree>
+    <p:custDataLst>
+      <p:tags r:id="rId9"/>
+    </p:custDataLst>
+  </p:cSld>
+  <p:clrMapOvr>
+    <a:masterClrMapping/>
+  </p:clrMapOvr>
+</p:sld>
+</file>
+
+<file path=ppt/slides/slide8.xml><?xml version="1.0" encoding="utf-8"?>
+<p:sld xmlns:a="http://schemas.openxmlformats.org/drawingml/2006/main" xmlns:r="http://schemas.openxmlformats.org/officeDocument/2006/relationships" xmlns:p="http://schemas.openxmlformats.org/presentationml/2006/main">
+  <p:cSld>
+    <p:spTree>
+      <p:nvGrpSpPr>
+        <p:cNvPr id="1" name=""/>
+        <p:cNvGrpSpPr/>
+        <p:nvPr/>
+      </p:nvGrpSpPr>
+      <p:grpSpPr/>
+      <p:sp>
+        <p:nvSpPr>
+          <p:cNvPr id="2" name="标题 1"/>
+          <p:cNvSpPr>
+            <a:spLocks noGrp="1"/>
+          </p:cNvSpPr>
+          <p:nvPr>
+            <p:ph type="title"/>
+          </p:nvPr>
+        </p:nvSpPr>
+        <p:spPr/>
+        <p:txBody>
+          <a:bodyPr/>
+          <a:p>
+            <a:r>
+              <a:rPr lang="en-US" altLang="zh-CN">
+                <a:sym typeface="+mn-ea"/>
+              </a:rPr>
+              <a:t>Analysis Method by ML - flow chart </a:t>
+            </a:r>
+            <a:endParaRPr lang="zh-CN" altLang="en-US"/>
+          </a:p>
+        </p:txBody>
+      </p:sp>
+      <p:sp>
+        <p:nvSpPr>
+          <p:cNvPr id="4" name="圆角矩形 3"/>
+          <p:cNvSpPr/>
+          <p:nvPr/>
+        </p:nvSpPr>
+        <p:spPr>
+          <a:xfrm>
+            <a:off x="1979295" y="2797175"/>
+            <a:ext cx="1889125" cy="941705"/>
+          </a:xfrm>
+          <a:prstGeom prst="roundRect">
             <a:avLst/>
           </a:prstGeom>
         </p:spPr>
@@ -5460,10 +5190,750 @@
             <a:schemeClr val="tx1"/>
           </a:fontRef>
         </p:style>
-      </p:cxnSp>
+        <p:txBody>
+          <a:bodyPr rtlCol="0" anchor="ctr"/>
+          <a:p>
+            <a:pPr algn="ctr"/>
+            <a:r>
+              <a:rPr lang="en-US" altLang="zh-CN"/>
+              <a:t>preprocessing</a:t>
+            </a:r>
+            <a:endParaRPr lang="zh-CN" altLang="en-US"/>
+          </a:p>
+        </p:txBody>
+      </p:sp>
+      <p:sp>
+        <p:nvSpPr>
+          <p:cNvPr id="5" name="圆角矩形 4"/>
+          <p:cNvSpPr/>
+          <p:nvPr>
+            <p:custDataLst>
+              <p:tags r:id="rId1"/>
+            </p:custDataLst>
+          </p:nvPr>
+        </p:nvSpPr>
+        <p:spPr>
+          <a:xfrm>
+            <a:off x="4457700" y="2752725"/>
+            <a:ext cx="1889125" cy="941705"/>
+          </a:xfrm>
+          <a:prstGeom prst="roundRect">
+            <a:avLst/>
+          </a:prstGeom>
+        </p:spPr>
+        <p:style>
+          <a:lnRef idx="2">
+            <a:schemeClr val="accent1"/>
+          </a:lnRef>
+          <a:fillRef idx="0">
+            <a:srgbClr val="FFFFFF"/>
+          </a:fillRef>
+          <a:effectRef idx="0">
+            <a:srgbClr val="FFFFFF"/>
+          </a:effectRef>
+          <a:fontRef idx="minor">
+            <a:schemeClr val="tx1"/>
+          </a:fontRef>
+        </p:style>
+        <p:txBody>
+          <a:bodyPr rtlCol="0" anchor="ctr"/>
+          <a:p>
+            <a:pPr algn="ctr"/>
+            <a:r>
+              <a:rPr lang="en-US" altLang="zh-CN"/>
+              <a:t>signal-spliting</a:t>
+            </a:r>
+            <a:endParaRPr lang="en-US" altLang="zh-CN"/>
+          </a:p>
+        </p:txBody>
+      </p:sp>
+      <p:sp>
+        <p:nvSpPr>
+          <p:cNvPr id="6" name="圆角矩形 5"/>
+          <p:cNvSpPr/>
+          <p:nvPr>
+            <p:custDataLst>
+              <p:tags r:id="rId2"/>
+            </p:custDataLst>
+          </p:nvPr>
+        </p:nvSpPr>
+        <p:spPr>
+          <a:xfrm>
+            <a:off x="7609205" y="2487295"/>
+            <a:ext cx="1889125" cy="941705"/>
+          </a:xfrm>
+          <a:prstGeom prst="roundRect">
+            <a:avLst/>
+          </a:prstGeom>
+        </p:spPr>
+        <p:style>
+          <a:lnRef idx="2">
+            <a:schemeClr val="accent1"/>
+          </a:lnRef>
+          <a:fillRef idx="0">
+            <a:srgbClr val="FFFFFF"/>
+          </a:fillRef>
+          <a:effectRef idx="0">
+            <a:srgbClr val="FFFFFF"/>
+          </a:effectRef>
+          <a:fontRef idx="minor">
+            <a:schemeClr val="tx1"/>
+          </a:fontRef>
+        </p:style>
+        <p:txBody>
+          <a:bodyPr rtlCol="0" anchor="ctr"/>
+          <a:p>
+            <a:pPr algn="ctr"/>
+            <a:r>
+              <a:rPr lang="en-US" altLang="zh-CN"/>
+              <a:t>feature extraction</a:t>
+            </a:r>
+            <a:endParaRPr lang="en-US" altLang="zh-CN"/>
+          </a:p>
+        </p:txBody>
+      </p:sp>
+      <p:sp>
+        <p:nvSpPr>
+          <p:cNvPr id="7" name="圆角矩形 6"/>
+          <p:cNvSpPr/>
+          <p:nvPr>
+            <p:custDataLst>
+              <p:tags r:id="rId3"/>
+            </p:custDataLst>
+          </p:nvPr>
+        </p:nvSpPr>
+        <p:spPr>
+          <a:xfrm>
+            <a:off x="1426210" y="5462270"/>
+            <a:ext cx="1889125" cy="941705"/>
+          </a:xfrm>
+          <a:prstGeom prst="roundRect">
+            <a:avLst/>
+          </a:prstGeom>
+        </p:spPr>
+        <p:style>
+          <a:lnRef idx="2">
+            <a:schemeClr val="accent1"/>
+          </a:lnRef>
+          <a:fillRef idx="0">
+            <a:srgbClr val="FFFFFF"/>
+          </a:fillRef>
+          <a:effectRef idx="0">
+            <a:srgbClr val="FFFFFF"/>
+          </a:effectRef>
+          <a:fontRef idx="minor">
+            <a:schemeClr val="tx1"/>
+          </a:fontRef>
+        </p:style>
+        <p:txBody>
+          <a:bodyPr rtlCol="0" anchor="ctr"/>
+          <a:p>
+            <a:pPr algn="ctr"/>
+            <a:r>
+              <a:rPr lang="en-US" altLang="zh-CN"/>
+              <a:t>Classification based on ML/DL</a:t>
+            </a:r>
+            <a:endParaRPr lang="en-US" altLang="zh-CN"/>
+          </a:p>
+        </p:txBody>
+      </p:sp>
+      <p:sp>
+        <p:nvSpPr>
+          <p:cNvPr id="8" name="圆角矩形 7"/>
+          <p:cNvSpPr/>
+          <p:nvPr>
+            <p:custDataLst>
+              <p:tags r:id="rId4"/>
+            </p:custDataLst>
+          </p:nvPr>
+        </p:nvSpPr>
+        <p:spPr>
+          <a:xfrm>
+            <a:off x="5467985" y="5354955"/>
+            <a:ext cx="1889125" cy="941705"/>
+          </a:xfrm>
+          <a:prstGeom prst="roundRect">
+            <a:avLst/>
+          </a:prstGeom>
+        </p:spPr>
+        <p:style>
+          <a:lnRef idx="2">
+            <a:schemeClr val="accent1"/>
+          </a:lnRef>
+          <a:fillRef idx="0">
+            <a:srgbClr val="FFFFFF"/>
+          </a:fillRef>
+          <a:effectRef idx="0">
+            <a:srgbClr val="FFFFFF"/>
+          </a:effectRef>
+          <a:fontRef idx="minor">
+            <a:schemeClr val="tx1"/>
+          </a:fontRef>
+        </p:style>
+        <p:txBody>
+          <a:bodyPr rtlCol="0" anchor="ctr"/>
+          <a:p>
+            <a:pPr algn="ctr"/>
+            <a:r>
+              <a:rPr lang="en-US" altLang="zh-CN"/>
+              <a:t>Model Evaluation</a:t>
+            </a:r>
+            <a:endParaRPr lang="en-US" altLang="zh-CN"/>
+          </a:p>
+        </p:txBody>
+      </p:sp>
+      <p:sp>
+        <p:nvSpPr>
+          <p:cNvPr id="9" name="文本框 8"/>
+          <p:cNvSpPr txBox="1"/>
+          <p:nvPr/>
+        </p:nvSpPr>
+        <p:spPr>
+          <a:xfrm>
+            <a:off x="7986395" y="4048125"/>
+            <a:ext cx="4064000" cy="368300"/>
+          </a:xfrm>
+          <a:prstGeom prst="rect">
+            <a:avLst/>
+          </a:prstGeom>
+          <a:noFill/>
+        </p:spPr>
+        <p:txBody>
+          <a:bodyPr wrap="square" rtlCol="0">
+            <a:spAutoFit/>
+          </a:bodyPr>
+          <a:p>
+            <a:r>
+              <a:rPr lang="zh-CN" altLang="en-US"/>
+              <a:t>每个框框画点图</a:t>
+            </a:r>
+            <a:endParaRPr lang="zh-CN" altLang="en-US"/>
+          </a:p>
+        </p:txBody>
+      </p:sp>
+      <p:pic>
+        <p:nvPicPr>
+          <p:cNvPr id="12" name="图片 11"/>
+          <p:cNvPicPr>
+            <a:picLocks noChangeAspect="1"/>
+          </p:cNvPicPr>
+          <p:nvPr>
+            <p:custDataLst>
+              <p:tags r:id="rId5"/>
+            </p:custDataLst>
+          </p:nvPr>
+        </p:nvPicPr>
+        <p:blipFill>
+          <a:blip r:embed="rId6" cstate="print">
+            <a:extLst>
+              <a:ext uri="{28A0092B-C50C-407E-A947-70E740481C1C}">
+                <a14:useLocalDpi xmlns:a14="http://schemas.microsoft.com/office/drawing/2010/main" val="0"/>
+              </a:ext>
+            </a:extLst>
+          </a:blip>
+          <a:stretch>
+            <a:fillRect/>
+          </a:stretch>
+        </p:blipFill>
+        <p:spPr>
+          <a:xfrm>
+            <a:off x="1947545" y="1313815"/>
+            <a:ext cx="1920875" cy="1407795"/>
+          </a:xfrm>
+          <a:prstGeom prst="rect">
+            <a:avLst/>
+          </a:prstGeom>
+        </p:spPr>
+      </p:pic>
+      <p:pic>
+        <p:nvPicPr>
+          <p:cNvPr id="11" name="图片 10"/>
+          <p:cNvPicPr>
+            <a:picLocks noChangeAspect="1"/>
+          </p:cNvPicPr>
+          <p:nvPr>
+            <p:custDataLst>
+              <p:tags r:id="rId7"/>
+            </p:custDataLst>
+          </p:nvPr>
+        </p:nvPicPr>
+        <p:blipFill>
+          <a:blip r:embed="rId8" cstate="print">
+            <a:extLst>
+              <a:ext uri="{28A0092B-C50C-407E-A947-70E740481C1C}">
+                <a14:useLocalDpi xmlns:a14="http://schemas.microsoft.com/office/drawing/2010/main" val="0"/>
+              </a:ext>
+            </a:extLst>
+          </a:blip>
+          <a:stretch>
+            <a:fillRect/>
+          </a:stretch>
+        </p:blipFill>
+        <p:spPr>
+          <a:xfrm>
+            <a:off x="290137" y="2797326"/>
+            <a:ext cx="1496292" cy="947586"/>
+          </a:xfrm>
+          <a:prstGeom prst="rect">
+            <a:avLst/>
+          </a:prstGeom>
+        </p:spPr>
+      </p:pic>
+      <p:pic>
+        <p:nvPicPr>
+          <p:cNvPr id="15" name="图片 14"/>
+          <p:cNvPicPr>
+            <a:picLocks noChangeAspect="1"/>
+          </p:cNvPicPr>
+          <p:nvPr>
+            <p:custDataLst>
+              <p:tags r:id="rId9"/>
+            </p:custDataLst>
+          </p:nvPr>
+        </p:nvPicPr>
+        <p:blipFill>
+          <a:blip r:embed="rId10">
+            <a:extLst>
+              <a:ext uri="{28A0092B-C50C-407E-A947-70E740481C1C}">
+                <a14:useLocalDpi xmlns:a14="http://schemas.microsoft.com/office/drawing/2010/main" val="0"/>
+              </a:ext>
+            </a:extLst>
+          </a:blip>
+          <a:stretch>
+            <a:fillRect/>
+          </a:stretch>
+        </p:blipFill>
+        <p:spPr>
+          <a:xfrm>
+            <a:off x="4617085" y="1313815"/>
+            <a:ext cx="1772285" cy="1356360"/>
+          </a:xfrm>
+          <a:prstGeom prst="rect">
+            <a:avLst/>
+          </a:prstGeom>
+        </p:spPr>
+      </p:pic>
     </p:spTree>
     <p:custDataLst>
-      <p:tags r:id="rId5"/>
+      <p:tags r:id="rId11"/>
+    </p:custDataLst>
+  </p:cSld>
+  <p:clrMapOvr>
+    <a:masterClrMapping/>
+  </p:clrMapOvr>
+</p:sld>
+</file>
+
+<file path=ppt/slides/slide9.xml><?xml version="1.0" encoding="utf-8"?>
+<p:sld xmlns:a="http://schemas.openxmlformats.org/drawingml/2006/main" xmlns:r="http://schemas.openxmlformats.org/officeDocument/2006/relationships" xmlns:p="http://schemas.openxmlformats.org/presentationml/2006/main">
+  <p:cSld>
+    <p:spTree>
+      <p:nvGrpSpPr>
+        <p:cNvPr id="1" name=""/>
+        <p:cNvGrpSpPr/>
+        <p:nvPr/>
+      </p:nvGrpSpPr>
+      <p:grpSpPr/>
+      <p:sp>
+        <p:nvSpPr>
+          <p:cNvPr id="2" name="标题 1"/>
+          <p:cNvSpPr>
+            <a:spLocks noGrp="1"/>
+          </p:cNvSpPr>
+          <p:nvPr>
+            <p:ph type="title"/>
+          </p:nvPr>
+        </p:nvSpPr>
+        <p:spPr/>
+        <p:txBody>
+          <a:bodyPr/>
+          <a:p>
+            <a:r>
+              <a:rPr lang="en-US" altLang="zh-CN">
+                <a:sym typeface="+mn-ea"/>
+              </a:rPr>
+              <a:t>Analysis Method by ML - </a:t>
+            </a:r>
+            <a:r>
+              <a:rPr lang="en-US" altLang="zh-CN">
+                <a:sym typeface="+mn-ea"/>
+              </a:rPr>
+              <a:t>signal spliting</a:t>
+            </a:r>
+            <a:endParaRPr lang="zh-CN" altLang="en-US"/>
+          </a:p>
+        </p:txBody>
+      </p:sp>
+      <p:sp>
+        <p:nvSpPr>
+          <p:cNvPr id="3" name="内容占位符 2"/>
+          <p:cNvSpPr>
+            <a:spLocks noGrp="1"/>
+          </p:cNvSpPr>
+          <p:nvPr>
+            <p:ph idx="1"/>
+          </p:nvPr>
+        </p:nvSpPr>
+        <p:spPr/>
+        <p:txBody>
+          <a:bodyPr/>
+          <a:p>
+            <a:pPr marL="0" indent="0">
+              <a:buNone/>
+            </a:pPr>
+            <a:r>
+              <a:rPr lang="en-US" altLang="zh-CN"/>
+              <a:t>We prefer to identify signals with same length</a:t>
+            </a:r>
+            <a:endParaRPr lang="en-US" altLang="zh-CN"/>
+          </a:p>
+          <a:p>
+            <a:pPr marL="0" indent="0">
+              <a:buNone/>
+            </a:pPr>
+            <a:endParaRPr lang="en-US" altLang="zh-CN"/>
+          </a:p>
+          <a:p>
+            <a:pPr marL="0" indent="0">
+              <a:buNone/>
+            </a:pPr>
+            <a:endParaRPr lang="en-US" altLang="zh-CN"/>
+          </a:p>
+          <a:p>
+            <a:pPr marL="0" indent="0">
+              <a:buNone/>
+            </a:pPr>
+            <a:r>
+              <a:rPr lang="en-US" altLang="zh-CN"/>
+              <a:t> splited the raw signal by 30s.</a:t>
+            </a:r>
+            <a:endParaRPr lang="en-US" altLang="zh-CN"/>
+          </a:p>
+        </p:txBody>
+      </p:sp>
+      <p:sp>
+        <p:nvSpPr>
+          <p:cNvPr id="4" name="下箭头 3"/>
+          <p:cNvSpPr/>
+          <p:nvPr/>
+        </p:nvSpPr>
+        <p:spPr>
+          <a:xfrm>
+            <a:off x="2606675" y="2001520"/>
+            <a:ext cx="208280" cy="928370"/>
+          </a:xfrm>
+          <a:prstGeom prst="downArrow">
+            <a:avLst/>
+          </a:prstGeom>
+        </p:spPr>
+        <p:style>
+          <a:lnRef idx="2">
+            <a:schemeClr val="accent1">
+              <a:lumMod val="75000"/>
+            </a:schemeClr>
+          </a:lnRef>
+          <a:fillRef idx="1">
+            <a:schemeClr val="accent1"/>
+          </a:fillRef>
+          <a:effectRef idx="0">
+            <a:srgbClr val="FFFFFF"/>
+          </a:effectRef>
+          <a:fontRef idx="minor">
+            <a:schemeClr val="lt1"/>
+          </a:fontRef>
+        </p:style>
+        <p:txBody>
+          <a:bodyPr rtlCol="0" anchor="ctr"/>
+          <a:p>
+            <a:pPr algn="ctr"/>
+            <a:endParaRPr lang="zh-CN" altLang="en-US"/>
+          </a:p>
+        </p:txBody>
+      </p:sp>
+      <p:pic>
+        <p:nvPicPr>
+          <p:cNvPr id="5" name="图片 4" descr="30s_W_1"/>
+          <p:cNvPicPr>
+            <a:picLocks noChangeAspect="1"/>
+          </p:cNvPicPr>
+          <p:nvPr/>
+        </p:nvPicPr>
+        <p:blipFill>
+          <a:blip r:embed="rId1"/>
+          <a:stretch>
+            <a:fillRect/>
+          </a:stretch>
+        </p:blipFill>
+        <p:spPr>
+          <a:xfrm>
+            <a:off x="5424170" y="2610485"/>
+            <a:ext cx="1920240" cy="1280160"/>
+          </a:xfrm>
+          <a:prstGeom prst="rect">
+            <a:avLst/>
+          </a:prstGeom>
+        </p:spPr>
+      </p:pic>
+      <p:pic>
+        <p:nvPicPr>
+          <p:cNvPr id="6" name="图片 5" descr="30s_W_2"/>
+          <p:cNvPicPr>
+            <a:picLocks noChangeAspect="1"/>
+          </p:cNvPicPr>
+          <p:nvPr/>
+        </p:nvPicPr>
+        <p:blipFill>
+          <a:blip r:embed="rId2"/>
+          <a:stretch>
+            <a:fillRect/>
+          </a:stretch>
+        </p:blipFill>
+        <p:spPr>
+          <a:xfrm>
+            <a:off x="5424170" y="4190365"/>
+            <a:ext cx="1920240" cy="1280160"/>
+          </a:xfrm>
+          <a:prstGeom prst="rect">
+            <a:avLst/>
+          </a:prstGeom>
+        </p:spPr>
+      </p:pic>
+      <p:sp>
+        <p:nvSpPr>
+          <p:cNvPr id="7" name="文本框 6"/>
+          <p:cNvSpPr txBox="1"/>
+          <p:nvPr/>
+        </p:nvSpPr>
+        <p:spPr>
+          <a:xfrm>
+            <a:off x="4504690" y="6177280"/>
+            <a:ext cx="4064000" cy="368300"/>
+          </a:xfrm>
+          <a:prstGeom prst="rect">
+            <a:avLst/>
+          </a:prstGeom>
+          <a:noFill/>
+        </p:spPr>
+        <p:txBody>
+          <a:bodyPr wrap="square" rtlCol="0">
+            <a:spAutoFit/>
+          </a:bodyPr>
+          <a:p>
+            <a:r>
+              <a:rPr lang="en-US" altLang="zh-CN"/>
+              <a:t>Fs=100 Hz</a:t>
+            </a:r>
+            <a:endParaRPr lang="en-US" altLang="zh-CN"/>
+          </a:p>
+        </p:txBody>
+      </p:sp>
+      <p:pic>
+        <p:nvPicPr>
+          <p:cNvPr id="10" name="图片 9" descr="Sleep stage 2 EEG Fpz-Cz"/>
+          <p:cNvPicPr>
+            <a:picLocks noChangeAspect="1"/>
+          </p:cNvPicPr>
+          <p:nvPr/>
+        </p:nvPicPr>
+        <p:blipFill>
+          <a:blip r:embed="rId3"/>
+          <a:stretch>
+            <a:fillRect/>
+          </a:stretch>
+        </p:blipFill>
+        <p:spPr>
+          <a:xfrm>
+            <a:off x="793115" y="3890645"/>
+            <a:ext cx="3711575" cy="2474595"/>
+          </a:xfrm>
+          <a:prstGeom prst="rect">
+            <a:avLst/>
+          </a:prstGeom>
+        </p:spPr>
+      </p:pic>
+      <p:sp>
+        <p:nvSpPr>
+          <p:cNvPr id="11" name="右箭头 10"/>
+          <p:cNvSpPr/>
+          <p:nvPr/>
+        </p:nvSpPr>
+        <p:spPr>
+          <a:xfrm>
+            <a:off x="4464050" y="4631690"/>
+            <a:ext cx="960120" cy="76200"/>
+          </a:xfrm>
+          <a:prstGeom prst="rightArrow">
+            <a:avLst/>
+          </a:prstGeom>
+        </p:spPr>
+        <p:style>
+          <a:lnRef idx="2">
+            <a:schemeClr val="accent1">
+              <a:lumMod val="75000"/>
+            </a:schemeClr>
+          </a:lnRef>
+          <a:fillRef idx="1">
+            <a:schemeClr val="accent1"/>
+          </a:fillRef>
+          <a:effectRef idx="0">
+            <a:srgbClr val="FFFFFF"/>
+          </a:effectRef>
+          <a:fontRef idx="minor">
+            <a:schemeClr val="lt1"/>
+          </a:fontRef>
+        </p:style>
+        <p:txBody>
+          <a:bodyPr rtlCol="0" anchor="ctr"/>
+          <a:p>
+            <a:pPr algn="ctr"/>
+            <a:endParaRPr lang="zh-CN" altLang="en-US"/>
+          </a:p>
+        </p:txBody>
+      </p:sp>
+      <p:sp>
+        <p:nvSpPr>
+          <p:cNvPr id="12" name="右箭头 11"/>
+          <p:cNvSpPr/>
+          <p:nvPr>
+            <p:custDataLst>
+              <p:tags r:id="rId4"/>
+            </p:custDataLst>
+          </p:nvPr>
+        </p:nvSpPr>
+        <p:spPr>
+          <a:xfrm rot="19500000">
+            <a:off x="4399280" y="3942715"/>
+            <a:ext cx="960120" cy="76200"/>
+          </a:xfrm>
+          <a:prstGeom prst="rightArrow">
+            <a:avLst/>
+          </a:prstGeom>
+        </p:spPr>
+        <p:style>
+          <a:lnRef idx="2">
+            <a:schemeClr val="accent1">
+              <a:lumMod val="75000"/>
+            </a:schemeClr>
+          </a:lnRef>
+          <a:fillRef idx="1">
+            <a:schemeClr val="accent1"/>
+          </a:fillRef>
+          <a:effectRef idx="0">
+            <a:srgbClr val="FFFFFF"/>
+          </a:effectRef>
+          <a:fontRef idx="minor">
+            <a:schemeClr val="lt1"/>
+          </a:fontRef>
+        </p:style>
+        <p:txBody>
+          <a:bodyPr rtlCol="0" anchor="ctr"/>
+          <a:p>
+            <a:pPr algn="ctr"/>
+            <a:endParaRPr lang="zh-CN" altLang="en-US"/>
+          </a:p>
+        </p:txBody>
+      </p:sp>
+      <p:sp>
+        <p:nvSpPr>
+          <p:cNvPr id="13" name="右箭头 12"/>
+          <p:cNvSpPr/>
+          <p:nvPr>
+            <p:custDataLst>
+              <p:tags r:id="rId5"/>
+            </p:custDataLst>
+          </p:nvPr>
+        </p:nvSpPr>
+        <p:spPr>
+          <a:xfrm rot="2040000">
+            <a:off x="4403090" y="5444490"/>
+            <a:ext cx="960120" cy="76200"/>
+          </a:xfrm>
+          <a:prstGeom prst="rightArrow">
+            <a:avLst/>
+          </a:prstGeom>
+        </p:spPr>
+        <p:style>
+          <a:lnRef idx="2">
+            <a:schemeClr val="accent1">
+              <a:lumMod val="75000"/>
+            </a:schemeClr>
+          </a:lnRef>
+          <a:fillRef idx="1">
+            <a:schemeClr val="accent1"/>
+          </a:fillRef>
+          <a:effectRef idx="0">
+            <a:srgbClr val="FFFFFF"/>
+          </a:effectRef>
+          <a:fontRef idx="minor">
+            <a:schemeClr val="lt1"/>
+          </a:fontRef>
+        </p:style>
+        <p:txBody>
+          <a:bodyPr rtlCol="0" anchor="ctr"/>
+          <a:p>
+            <a:pPr algn="ctr"/>
+            <a:endParaRPr lang="zh-CN" altLang="en-US"/>
+          </a:p>
+        </p:txBody>
+      </p:sp>
+      <p:sp>
+        <p:nvSpPr>
+          <p:cNvPr id="14" name="文本框 13"/>
+          <p:cNvSpPr txBox="1"/>
+          <p:nvPr>
+            <p:custDataLst>
+              <p:tags r:id="rId6"/>
+            </p:custDataLst>
+          </p:nvPr>
+        </p:nvSpPr>
+        <p:spPr>
+          <a:xfrm>
+            <a:off x="5424170" y="5470525"/>
+            <a:ext cx="4064000" cy="706755"/>
+          </a:xfrm>
+          <a:prstGeom prst="rect">
+            <a:avLst/>
+          </a:prstGeom>
+          <a:noFill/>
+        </p:spPr>
+        <p:txBody>
+          <a:bodyPr wrap="square" rtlCol="0">
+            <a:spAutoFit/>
+          </a:bodyPr>
+          <a:p>
+            <a:r>
+              <a:rPr lang="en-US" altLang="zh-CN" sz="4000">
+                <a:solidFill>
+                  <a:schemeClr val="accent1"/>
+                </a:solidFill>
+                <a:effectLst>
+                  <a:outerShdw blurRad="38100" dist="25400" dir="5400000" algn="ctr" rotWithShape="0">
+                    <a:srgbClr val="6E747A">
+                      <a:alpha val="43000"/>
+                    </a:srgbClr>
+                  </a:outerShdw>
+                </a:effectLst>
+              </a:rPr>
+              <a:t>...</a:t>
+            </a:r>
+            <a:endParaRPr lang="en-US" altLang="zh-CN" sz="4000">
+              <a:solidFill>
+                <a:schemeClr val="accent1"/>
+              </a:solidFill>
+              <a:effectLst>
+                <a:outerShdw blurRad="38100" dist="25400" dir="5400000" algn="ctr" rotWithShape="0">
+                  <a:srgbClr val="6E747A">
+                    <a:alpha val="43000"/>
+                  </a:srgbClr>
+                </a:outerShdw>
+              </a:effectLst>
+            </a:endParaRPr>
+          </a:p>
+        </p:txBody>
+      </p:sp>
+    </p:spTree>
+    <p:custDataLst>
+      <p:tags r:id="rId7"/>
     </p:custDataLst>
   </p:cSld>
   <p:clrMapOvr>
@@ -6335,7 +6805,9 @@
 
 <file path=ppt/tags/tag69.xml><?xml version="1.0" encoding="utf-8"?>
 <p:tagLst xmlns:p="http://schemas.openxmlformats.org/presentationml/2006/main">
-  <p:tag name="KSO_WM_BEAUTIFY_FLAG" val=""/>
+  <p:tag name="KSO_WM_BEAUTIFY_FLAG" val="#wm#"/>
+  <p:tag name="KSO_WM_TEMPLATE_CATEGORY" val="custom"/>
+  <p:tag name="KSO_WM_TEMPLATE_INDEX" val="20205081"/>
 </p:tagLst>
 </file>
 
@@ -6366,41 +6838,41 @@
 
 <file path=ppt/tags/tag72.xml><?xml version="1.0" encoding="utf-8"?>
 <p:tagLst xmlns:p="http://schemas.openxmlformats.org/presentationml/2006/main">
+  <p:tag name="KSO_WM_BEAUTIFY_FLAG" val=""/>
+</p:tagLst>
+</file>
+
+<file path=ppt/tags/tag73.xml><?xml version="1.0" encoding="utf-8"?>
+<p:tagLst xmlns:p="http://schemas.openxmlformats.org/presentationml/2006/main">
   <p:tag name="KSO_WM_BEAUTIFY_FLAG" val="#wm#"/>
   <p:tag name="KSO_WM_TEMPLATE_CATEGORY" val="custom"/>
   <p:tag name="KSO_WM_TEMPLATE_INDEX" val="20205081"/>
 </p:tagLst>
 </file>
 
-<file path=ppt/tags/tag73.xml><?xml version="1.0" encoding="utf-8"?>
+<file path=ppt/tags/tag74.xml><?xml version="1.0" encoding="utf-8"?>
 <p:tagLst xmlns:p="http://schemas.openxmlformats.org/presentationml/2006/main">
   <p:tag name="KSO_WM_BEAUTIFY_FLAG" val=""/>
 </p:tagLst>
 </file>
 
-<file path=ppt/tags/tag74.xml><?xml version="1.0" encoding="utf-8"?>
+<file path=ppt/tags/tag75.xml><?xml version="1.0" encoding="utf-8"?>
 <p:tagLst xmlns:p="http://schemas.openxmlformats.org/presentationml/2006/main">
   <p:tag name="KSO_WM_BEAUTIFY_FLAG" val=""/>
 </p:tagLst>
 </file>
 
-<file path=ppt/tags/tag75.xml><?xml version="1.0" encoding="utf-8"?>
+<file path=ppt/tags/tag76.xml><?xml version="1.0" encoding="utf-8"?>
 <p:tagLst xmlns:p="http://schemas.openxmlformats.org/presentationml/2006/main">
   <p:tag name="KSO_WM_BEAUTIFY_FLAG" val=""/>
 </p:tagLst>
 </file>
 
-<file path=ppt/tags/tag76.xml><?xml version="1.0" encoding="utf-8"?>
+<file path=ppt/tags/tag77.xml><?xml version="1.0" encoding="utf-8"?>
 <p:tagLst xmlns:p="http://schemas.openxmlformats.org/presentationml/2006/main">
   <p:tag name="KSO_WM_BEAUTIFY_FLAG" val="#wm#"/>
   <p:tag name="KSO_WM_TEMPLATE_CATEGORY" val="custom"/>
   <p:tag name="KSO_WM_TEMPLATE_INDEX" val="20205081"/>
-</p:tagLst>
-</file>
-
-<file path=ppt/tags/tag77.xml><?xml version="1.0" encoding="utf-8"?>
-<p:tagLst xmlns:p="http://schemas.openxmlformats.org/presentationml/2006/main">
-  <p:tag name="KSO_WM_BEAUTIFY_FLAG" val=""/>
 </p:tagLst>
 </file>
 
@@ -6437,45 +6909,59 @@
 
 <file path=ppt/tags/tag81.xml><?xml version="1.0" encoding="utf-8"?>
 <p:tagLst xmlns:p="http://schemas.openxmlformats.org/presentationml/2006/main">
+  <p:tag name="KSO_WM_BEAUTIFY_FLAG" val=""/>
+</p:tagLst>
+</file>
+
+<file path=ppt/tags/tag82.xml><?xml version="1.0" encoding="utf-8"?>
+<p:tagLst xmlns:p="http://schemas.openxmlformats.org/presentationml/2006/main">
+  <p:tag name="KSO_WM_BEAUTIFY_FLAG" val=""/>
+</p:tagLst>
+</file>
+
+<file path=ppt/tags/tag83.xml><?xml version="1.0" encoding="utf-8"?>
+<p:tagLst xmlns:p="http://schemas.openxmlformats.org/presentationml/2006/main">
+  <p:tag name="KSO_WM_BEAUTIFY_FLAG" val=""/>
+</p:tagLst>
+</file>
+
+<file path=ppt/tags/tag84.xml><?xml version="1.0" encoding="utf-8"?>
+<p:tagLst xmlns:p="http://schemas.openxmlformats.org/presentationml/2006/main">
+  <p:tag name="KSO_WM_BEAUTIFY_FLAG" val=""/>
+</p:tagLst>
+</file>
+
+<file path=ppt/tags/tag85.xml><?xml version="1.0" encoding="utf-8"?>
+<p:tagLst xmlns:p="http://schemas.openxmlformats.org/presentationml/2006/main">
   <p:tag name="KSO_WM_BEAUTIFY_FLAG" val="#wm#"/>
   <p:tag name="KSO_WM_TEMPLATE_CATEGORY" val="custom"/>
   <p:tag name="KSO_WM_TEMPLATE_INDEX" val="20205081"/>
 </p:tagLst>
 </file>
 
-<file path=ppt/tags/tag82.xml><?xml version="1.0" encoding="utf-8"?>
+<file path=ppt/tags/tag86.xml><?xml version="1.0" encoding="utf-8"?>
+<p:tagLst xmlns:p="http://schemas.openxmlformats.org/presentationml/2006/main">
+  <p:tag name="KSO_WM_BEAUTIFY_FLAG" val=""/>
+</p:tagLst>
+</file>
+
+<file path=ppt/tags/tag87.xml><?xml version="1.0" encoding="utf-8"?>
+<p:tagLst xmlns:p="http://schemas.openxmlformats.org/presentationml/2006/main">
+  <p:tag name="KSO_WM_BEAUTIFY_FLAG" val=""/>
+</p:tagLst>
+</file>
+
+<file path=ppt/tags/tag88.xml><?xml version="1.0" encoding="utf-8"?>
+<p:tagLst xmlns:p="http://schemas.openxmlformats.org/presentationml/2006/main">
+  <p:tag name="KSO_WM_BEAUTIFY_FLAG" val=""/>
+</p:tagLst>
+</file>
+
+<file path=ppt/tags/tag89.xml><?xml version="1.0" encoding="utf-8"?>
 <p:tagLst xmlns:p="http://schemas.openxmlformats.org/presentationml/2006/main">
   <p:tag name="KSO_WM_BEAUTIFY_FLAG" val="#wm#"/>
   <p:tag name="KSO_WM_TEMPLATE_CATEGORY" val="custom"/>
   <p:tag name="KSO_WM_TEMPLATE_INDEX" val="20205081"/>
-</p:tagLst>
-</file>
-
-<file path=ppt/tags/tag83.xml><?xml version="1.0" encoding="utf-8"?>
-<p:tagLst xmlns:p="http://schemas.openxmlformats.org/presentationml/2006/main">
-  <p:tag name="KSO_WM_BEAUTIFY_FLAG" val=""/>
-</p:tagLst>
-</file>
-
-<file path=ppt/tags/tag84.xml><?xml version="1.0" encoding="utf-8"?>
-<p:tagLst xmlns:p="http://schemas.openxmlformats.org/presentationml/2006/main">
-  <p:tag name="KSO_WM_BEAUTIFY_FLAG" val="#wm#"/>
-  <p:tag name="KSO_WM_TEMPLATE_CATEGORY" val="custom"/>
-  <p:tag name="KSO_WM_TEMPLATE_INDEX" val="20205081"/>
-</p:tagLst>
-</file>
-
-<file path=ppt/tags/tag85.xml><?xml version="1.0" encoding="utf-8"?>
-<p:tagLst xmlns:p="http://schemas.openxmlformats.org/presentationml/2006/main">
-  <p:tag name="KSO_WM_BEAUTIFY_FLAG" val="#wm#"/>
-  <p:tag name="KSO_WM_TEMPLATE_CATEGORY" val="custom"/>
-  <p:tag name="KSO_WM_TEMPLATE_INDEX" val="20205081"/>
-</p:tagLst>
-</file>
-
-<file path=ppt/tags/tag86.xml><?xml version="1.0" encoding="utf-8"?>
-<p:tagLst xmlns:p="http://schemas.openxmlformats.org/presentationml/2006/main">
-  <p:tag name="commondata" val="eyJoZGlkIjoiZjlhZjllYWIwZmY2OTBlODY4YmNmOWU0MThlMTUxODEifQ=="/>
 </p:tagLst>
 </file>
 
@@ -6489,6 +6975,40 @@
   <p:tag name="KSO_WM_UNIT_LAYERLEVEL" val="1"/>
   <p:tag name="KSO_WM_TAG_VERSION" val="1.0"/>
   <p:tag name="KSO_WM_BEAUTIFY_FLAG" val="#wm#"/>
+</p:tagLst>
+</file>
+
+<file path=ppt/tags/tag90.xml><?xml version="1.0" encoding="utf-8"?>
+<p:tagLst xmlns:p="http://schemas.openxmlformats.org/presentationml/2006/main">
+  <p:tag name="KSO_WM_BEAUTIFY_FLAG" val=""/>
+</p:tagLst>
+</file>
+
+<file path=ppt/tags/tag91.xml><?xml version="1.0" encoding="utf-8"?>
+<p:tagLst xmlns:p="http://schemas.openxmlformats.org/presentationml/2006/main">
+  <p:tag name="KSO_WM_BEAUTIFY_FLAG" val=""/>
+</p:tagLst>
+</file>
+
+<file path=ppt/tags/tag92.xml><?xml version="1.0" encoding="utf-8"?>
+<p:tagLst xmlns:p="http://schemas.openxmlformats.org/presentationml/2006/main">
+  <p:tag name="KSO_WM_BEAUTIFY_FLAG" val="#wm#"/>
+  <p:tag name="KSO_WM_TEMPLATE_CATEGORY" val="custom"/>
+  <p:tag name="KSO_WM_TEMPLATE_INDEX" val="20205081"/>
+</p:tagLst>
+</file>
+
+<file path=ppt/tags/tag93.xml><?xml version="1.0" encoding="utf-8"?>
+<p:tagLst xmlns:p="http://schemas.openxmlformats.org/presentationml/2006/main">
+  <p:tag name="KSO_WM_BEAUTIFY_FLAG" val="#wm#"/>
+  <p:tag name="KSO_WM_TEMPLATE_CATEGORY" val="custom"/>
+  <p:tag name="KSO_WM_TEMPLATE_INDEX" val="20205081"/>
+</p:tagLst>
+</file>
+
+<file path=ppt/tags/tag94.xml><?xml version="1.0" encoding="utf-8"?>
+<p:tagLst xmlns:p="http://schemas.openxmlformats.org/presentationml/2006/main">
+  <p:tag name="commondata" val="eyJoZGlkIjoiZjlhZjllYWIwZmY2OTBlODY4YmNmOWU0MThlMTUxODEifQ=="/>
 </p:tagLst>
 </file>
 

--- a/pre/slides.pptx
+++ b/pre/slides.pptx
@@ -4,6 +4,9 @@
   <p:sldMasterIdLst>
     <p:sldMasterId id="2147483648" r:id="rId1"/>
   </p:sldMasterIdLst>
+  <p:notesMasterIdLst>
+    <p:notesMasterId r:id="rId18"/>
+  </p:notesMasterIdLst>
   <p:sldIdLst>
     <p:sldId id="256" r:id="rId3"/>
     <p:sldId id="258" r:id="rId4"/>
@@ -13,14 +16,18 @@
     <p:sldId id="260" r:id="rId8"/>
     <p:sldId id="265" r:id="rId9"/>
     <p:sldId id="264" r:id="rId10"/>
-    <p:sldId id="266" r:id="rId11"/>
-    <p:sldId id="262" r:id="rId12"/>
-    <p:sldId id="263" r:id="rId13"/>
+    <p:sldId id="278" r:id="rId11"/>
+    <p:sldId id="266" r:id="rId12"/>
+    <p:sldId id="262" r:id="rId13"/>
+    <p:sldId id="279" r:id="rId14"/>
+    <p:sldId id="263" r:id="rId15"/>
+    <p:sldId id="280" r:id="rId16"/>
+    <p:sldId id="281" r:id="rId17"/>
   </p:sldIdLst>
   <p:sldSz cx="12192000" cy="6858000"/>
   <p:notesSz cx="6858000" cy="9144000"/>
   <p:custDataLst>
-    <p:tags r:id="rId17"/>
+    <p:tags r:id="rId22"/>
   </p:custDataLst>
   <p:defaultTextStyle>
     <a:defPPr>
@@ -120,7 +127,7 @@
   <p:extLst>
     <p:ext uri="{EFAFB233-063F-42B5-8137-9DF3F51BA10A}">
       <p15:sldGuideLst xmlns:p15="http://schemas.microsoft.com/office/powerpoint/2012/main">
-        <p15:guide id="1" orient="horz" pos="2156" userDrawn="1">
+        <p15:guide id="1" orient="horz" pos="2160" userDrawn="1">
           <p15:clr>
             <a:srgbClr val="A4A3A4"/>
           </p15:clr>
@@ -134,6 +141,353 @@
     </p:ext>
   </p:extLst>
 </p:presentation>
+</file>
+
+<file path=ppt/notesMasters/notesMaster1.xml><?xml version="1.0" encoding="utf-8"?>
+<p:notesMaster xmlns:a="http://schemas.openxmlformats.org/drawingml/2006/main" xmlns:r="http://schemas.openxmlformats.org/officeDocument/2006/relationships" xmlns:p="http://schemas.openxmlformats.org/presentationml/2006/main">
+  <p:cSld>
+    <p:bg>
+      <p:bgRef idx="1001">
+        <a:schemeClr val="bg1"/>
+      </p:bgRef>
+    </p:bg>
+    <p:spTree>
+      <p:nvGrpSpPr>
+        <p:cNvPr id="1" name=""/>
+        <p:cNvGrpSpPr/>
+        <p:nvPr/>
+      </p:nvGrpSpPr>
+      <p:grpSpPr>
+        <a:xfrm>
+          <a:off x="0" y="0"/>
+          <a:ext cx="0" cy="0"/>
+          <a:chOff x="0" y="0"/>
+          <a:chExt cx="0" cy="0"/>
+        </a:xfrm>
+      </p:grpSpPr>
+      <p:sp>
+        <p:nvSpPr>
+          <p:cNvPr id="2" name="页眉占位符 1"/>
+          <p:cNvSpPr>
+            <a:spLocks noGrp="1"/>
+          </p:cNvSpPr>
+          <p:nvPr>
+            <p:ph type="hdr" sz="quarter"/>
+          </p:nvPr>
+        </p:nvSpPr>
+        <p:spPr>
+          <a:xfrm>
+            <a:off x="0" y="0"/>
+            <a:ext cx="2971800" cy="458788"/>
+          </a:xfrm>
+          <a:prstGeom prst="rect">
+            <a:avLst/>
+          </a:prstGeom>
+        </p:spPr>
+        <p:txBody>
+          <a:bodyPr vert="horz" lIns="91440" tIns="45720" rIns="91440" bIns="45720" rtlCol="0"/>
+          <a:lstStyle>
+            <a:lvl1pPr algn="l">
+              <a:defRPr sz="1200"/>
+            </a:lvl1pPr>
+          </a:lstStyle>
+          <a:p>
+            <a:endParaRPr lang="zh-CN" altLang="en-US"/>
+          </a:p>
+        </p:txBody>
+      </p:sp>
+      <p:sp>
+        <p:nvSpPr>
+          <p:cNvPr id="3" name="日期占位符 2"/>
+          <p:cNvSpPr>
+            <a:spLocks noGrp="1"/>
+          </p:cNvSpPr>
+          <p:nvPr>
+            <p:ph type="dt" idx="1"/>
+          </p:nvPr>
+        </p:nvSpPr>
+        <p:spPr>
+          <a:xfrm>
+            <a:off x="3884613" y="0"/>
+            <a:ext cx="2971800" cy="458788"/>
+          </a:xfrm>
+          <a:prstGeom prst="rect">
+            <a:avLst/>
+          </a:prstGeom>
+        </p:spPr>
+        <p:txBody>
+          <a:bodyPr vert="horz" lIns="91440" tIns="45720" rIns="91440" bIns="45720" rtlCol="0"/>
+          <a:lstStyle>
+            <a:lvl1pPr algn="r">
+              <a:defRPr sz="1200"/>
+            </a:lvl1pPr>
+          </a:lstStyle>
+          <a:p>
+            <a:fld id="{D2A48B96-639E-45A3-A0BA-2464DFDB1FAA}" type="datetimeFigureOut">
+              <a:rPr lang="zh-CN" altLang="en-US" smtClean="0"/>
+            </a:fld>
+            <a:endParaRPr lang="zh-CN" altLang="en-US"/>
+          </a:p>
+        </p:txBody>
+      </p:sp>
+      <p:sp>
+        <p:nvSpPr>
+          <p:cNvPr id="4" name="幻灯片图像占位符 3"/>
+          <p:cNvSpPr>
+            <a:spLocks noGrp="1" noRot="1" noChangeAspect="1"/>
+          </p:cNvSpPr>
+          <p:nvPr>
+            <p:ph type="sldImg" idx="2"/>
+          </p:nvPr>
+        </p:nvSpPr>
+        <p:spPr>
+          <a:xfrm>
+            <a:off x="685800" y="1143000"/>
+            <a:ext cx="5486400" cy="3086100"/>
+          </a:xfrm>
+          <a:prstGeom prst="rect">
+            <a:avLst/>
+          </a:prstGeom>
+          <a:noFill/>
+          <a:ln w="12700">
+            <a:solidFill>
+              <a:prstClr val="black"/>
+            </a:solidFill>
+          </a:ln>
+        </p:spPr>
+        <p:txBody>
+          <a:bodyPr vert="horz" lIns="91440" tIns="45720" rIns="91440" bIns="45720" rtlCol="0" anchor="ctr"/>
+          <a:lstStyle/>
+          <a:p>
+            <a:endParaRPr lang="zh-CN" altLang="en-US"/>
+          </a:p>
+        </p:txBody>
+      </p:sp>
+      <p:sp>
+        <p:nvSpPr>
+          <p:cNvPr id="5" name="备注占位符 4"/>
+          <p:cNvSpPr>
+            <a:spLocks noGrp="1"/>
+          </p:cNvSpPr>
+          <p:nvPr>
+            <p:ph type="body" sz="quarter" idx="3"/>
+          </p:nvPr>
+        </p:nvSpPr>
+        <p:spPr>
+          <a:xfrm>
+            <a:off x="685800" y="4400550"/>
+            <a:ext cx="5486400" cy="3600450"/>
+          </a:xfrm>
+          <a:prstGeom prst="rect">
+            <a:avLst/>
+          </a:prstGeom>
+        </p:spPr>
+        <p:txBody>
+          <a:bodyPr vert="horz" lIns="91440" tIns="45720" rIns="91440" bIns="45720" rtlCol="0"/>
+          <a:lstStyle/>
+          <a:p>
+            <a:pPr lvl="0"/>
+            <a:r>
+              <a:rPr lang="zh-CN" altLang="en-US" smtClean="0"/>
+              <a:t>单击此处编辑母版文本样式</a:t>
+            </a:r>
+            <a:endParaRPr lang="zh-CN" altLang="en-US" smtClean="0"/>
+          </a:p>
+          <a:p>
+            <a:pPr lvl="1"/>
+            <a:r>
+              <a:rPr lang="zh-CN" altLang="en-US" smtClean="0"/>
+              <a:t>第二级</a:t>
+            </a:r>
+            <a:endParaRPr lang="zh-CN" altLang="en-US" smtClean="0"/>
+          </a:p>
+          <a:p>
+            <a:pPr lvl="2"/>
+            <a:r>
+              <a:rPr lang="zh-CN" altLang="en-US" smtClean="0"/>
+              <a:t>第三级</a:t>
+            </a:r>
+            <a:endParaRPr lang="zh-CN" altLang="en-US" smtClean="0"/>
+          </a:p>
+          <a:p>
+            <a:pPr lvl="3"/>
+            <a:r>
+              <a:rPr lang="zh-CN" altLang="en-US" smtClean="0"/>
+              <a:t>第四级</a:t>
+            </a:r>
+            <a:endParaRPr lang="zh-CN" altLang="en-US" smtClean="0"/>
+          </a:p>
+          <a:p>
+            <a:pPr lvl="4"/>
+            <a:r>
+              <a:rPr lang="zh-CN" altLang="en-US" smtClean="0"/>
+              <a:t>第五级</a:t>
+            </a:r>
+            <a:endParaRPr lang="zh-CN" altLang="en-US"/>
+          </a:p>
+        </p:txBody>
+      </p:sp>
+      <p:sp>
+        <p:nvSpPr>
+          <p:cNvPr id="6" name="页脚占位符 5"/>
+          <p:cNvSpPr>
+            <a:spLocks noGrp="1"/>
+          </p:cNvSpPr>
+          <p:nvPr>
+            <p:ph type="ftr" sz="quarter" idx="4"/>
+          </p:nvPr>
+        </p:nvSpPr>
+        <p:spPr>
+          <a:xfrm>
+            <a:off x="0" y="8685213"/>
+            <a:ext cx="2971800" cy="458787"/>
+          </a:xfrm>
+          <a:prstGeom prst="rect">
+            <a:avLst/>
+          </a:prstGeom>
+        </p:spPr>
+        <p:txBody>
+          <a:bodyPr vert="horz" lIns="91440" tIns="45720" rIns="91440" bIns="45720" rtlCol="0" anchor="b"/>
+          <a:lstStyle>
+            <a:lvl1pPr algn="l">
+              <a:defRPr sz="1200"/>
+            </a:lvl1pPr>
+          </a:lstStyle>
+          <a:p>
+            <a:endParaRPr lang="zh-CN" altLang="en-US"/>
+          </a:p>
+        </p:txBody>
+      </p:sp>
+      <p:sp>
+        <p:nvSpPr>
+          <p:cNvPr id="7" name="灯片编号占位符 6"/>
+          <p:cNvSpPr>
+            <a:spLocks noGrp="1"/>
+          </p:cNvSpPr>
+          <p:nvPr>
+            <p:ph type="sldNum" sz="quarter" idx="5"/>
+          </p:nvPr>
+        </p:nvSpPr>
+        <p:spPr>
+          <a:xfrm>
+            <a:off x="3884613" y="8685213"/>
+            <a:ext cx="2971800" cy="458787"/>
+          </a:xfrm>
+          <a:prstGeom prst="rect">
+            <a:avLst/>
+          </a:prstGeom>
+        </p:spPr>
+        <p:txBody>
+          <a:bodyPr vert="horz" lIns="91440" tIns="45720" rIns="91440" bIns="45720" rtlCol="0" anchor="b"/>
+          <a:lstStyle>
+            <a:lvl1pPr algn="r">
+              <a:defRPr sz="1200"/>
+            </a:lvl1pPr>
+          </a:lstStyle>
+          <a:p>
+            <a:fld id="{A6837353-30EB-4A48-80EB-173D804AEFBD}" type="slidenum">
+              <a:rPr lang="zh-CN" altLang="en-US" smtClean="0"/>
+            </a:fld>
+            <a:endParaRPr lang="zh-CN" altLang="en-US"/>
+          </a:p>
+        </p:txBody>
+      </p:sp>
+    </p:spTree>
+  </p:cSld>
+  <p:clrMap bg1="lt1" tx1="dk1" bg2="lt2" tx2="dk2" accent1="accent1" accent2="accent2" accent3="accent3" accent4="accent4" accent5="accent5" accent6="accent6" hlink="hlink" folHlink="folHlink"/>
+  <p:notesStyle>
+    <a:lvl1pPr marL="0" algn="l" defTabSz="914400" rtl="0" eaLnBrk="1" latinLnBrk="0" hangingPunct="1">
+      <a:defRPr sz="1200" kern="1200">
+        <a:solidFill>
+          <a:schemeClr val="tx1"/>
+        </a:solidFill>
+        <a:latin typeface="+mn-lt"/>
+        <a:ea typeface="+mn-ea"/>
+        <a:cs typeface="+mn-cs"/>
+      </a:defRPr>
+    </a:lvl1pPr>
+    <a:lvl2pPr marL="457200" algn="l" defTabSz="914400" rtl="0" eaLnBrk="1" latinLnBrk="0" hangingPunct="1">
+      <a:defRPr sz="1200" kern="1200">
+        <a:solidFill>
+          <a:schemeClr val="tx1"/>
+        </a:solidFill>
+        <a:latin typeface="+mn-lt"/>
+        <a:ea typeface="+mn-ea"/>
+        <a:cs typeface="+mn-cs"/>
+      </a:defRPr>
+    </a:lvl2pPr>
+    <a:lvl3pPr marL="914400" algn="l" defTabSz="914400" rtl="0" eaLnBrk="1" latinLnBrk="0" hangingPunct="1">
+      <a:defRPr sz="1200" kern="1200">
+        <a:solidFill>
+          <a:schemeClr val="tx1"/>
+        </a:solidFill>
+        <a:latin typeface="+mn-lt"/>
+        <a:ea typeface="+mn-ea"/>
+        <a:cs typeface="+mn-cs"/>
+      </a:defRPr>
+    </a:lvl3pPr>
+    <a:lvl4pPr marL="1371600" algn="l" defTabSz="914400" rtl="0" eaLnBrk="1" latinLnBrk="0" hangingPunct="1">
+      <a:defRPr sz="1200" kern="1200">
+        <a:solidFill>
+          <a:schemeClr val="tx1"/>
+        </a:solidFill>
+        <a:latin typeface="+mn-lt"/>
+        <a:ea typeface="+mn-ea"/>
+        <a:cs typeface="+mn-cs"/>
+      </a:defRPr>
+    </a:lvl4pPr>
+    <a:lvl5pPr marL="1828800" algn="l" defTabSz="914400" rtl="0" eaLnBrk="1" latinLnBrk="0" hangingPunct="1">
+      <a:defRPr sz="1200" kern="1200">
+        <a:solidFill>
+          <a:schemeClr val="tx1"/>
+        </a:solidFill>
+        <a:latin typeface="+mn-lt"/>
+        <a:ea typeface="+mn-ea"/>
+        <a:cs typeface="+mn-cs"/>
+      </a:defRPr>
+    </a:lvl5pPr>
+    <a:lvl6pPr marL="2286000" algn="l" defTabSz="914400" rtl="0" eaLnBrk="1" latinLnBrk="0" hangingPunct="1">
+      <a:defRPr sz="1200" kern="1200">
+        <a:solidFill>
+          <a:schemeClr val="tx1"/>
+        </a:solidFill>
+        <a:latin typeface="+mn-lt"/>
+        <a:ea typeface="+mn-ea"/>
+        <a:cs typeface="+mn-cs"/>
+      </a:defRPr>
+    </a:lvl6pPr>
+    <a:lvl7pPr marL="2743200" algn="l" defTabSz="914400" rtl="0" eaLnBrk="1" latinLnBrk="0" hangingPunct="1">
+      <a:defRPr sz="1200" kern="1200">
+        <a:solidFill>
+          <a:schemeClr val="tx1"/>
+        </a:solidFill>
+        <a:latin typeface="+mn-lt"/>
+        <a:ea typeface="+mn-ea"/>
+        <a:cs typeface="+mn-cs"/>
+      </a:defRPr>
+    </a:lvl7pPr>
+    <a:lvl8pPr marL="3200400" algn="l" defTabSz="914400" rtl="0" eaLnBrk="1" latinLnBrk="0" hangingPunct="1">
+      <a:defRPr sz="1200" kern="1200">
+        <a:solidFill>
+          <a:schemeClr val="tx1"/>
+        </a:solidFill>
+        <a:latin typeface="+mn-lt"/>
+        <a:ea typeface="+mn-ea"/>
+        <a:cs typeface="+mn-cs"/>
+      </a:defRPr>
+    </a:lvl8pPr>
+    <a:lvl9pPr marL="3657600" algn="l" defTabSz="914400" rtl="0" eaLnBrk="1" latinLnBrk="0" hangingPunct="1">
+      <a:defRPr sz="1200" kern="1200">
+        <a:solidFill>
+          <a:schemeClr val="tx1"/>
+        </a:solidFill>
+        <a:latin typeface="+mn-lt"/>
+        <a:ea typeface="+mn-ea"/>
+        <a:cs typeface="+mn-cs"/>
+      </a:defRPr>
+    </a:lvl9pPr>
+  </p:notesStyle>
+</p:notesMaster>
 </file>
 
 <file path=ppt/slideLayouts/slideLayout1.xml><?xml version="1.0" encoding="utf-8"?>
@@ -734,72 +1088,6 @@
       </p:sp>
       <p:sp>
         <p:nvSpPr>
-          <p:cNvPr id="3" name="内容占位符 2"/>
-          <p:cNvSpPr>
-            <a:spLocks noGrp="1"/>
-          </p:cNvSpPr>
-          <p:nvPr>
-            <p:ph idx="1"/>
-            <p:custDataLst>
-              <p:tags r:id="rId3"/>
-            </p:custDataLst>
-          </p:nvPr>
-        </p:nvSpPr>
-        <p:spPr>
-          <a:xfrm>
-            <a:off x="608400" y="1490400"/>
-            <a:ext cx="10969200" cy="4759200"/>
-          </a:xfrm>
-        </p:spPr>
-        <p:txBody>
-          <a:bodyPr vert="horz" lIns="90000" tIns="46800" rIns="90000" bIns="46800" rtlCol="0">
-            <a:normAutofit/>
-          </a:bodyPr>
-          <a:lstStyle/>
-          <a:p>
-            <a:pPr lvl="0"/>
-            <a:r>
-              <a:rPr lang="zh-CN" altLang="en-US" smtClean="0"/>
-              <a:t>单击此处编辑母版文本样式</a:t>
-            </a:r>
-            <a:endParaRPr lang="zh-CN" altLang="en-US" smtClean="0"/>
-          </a:p>
-          <a:p>
-            <a:pPr lvl="1"/>
-            <a:r>
-              <a:rPr lang="zh-CN" altLang="en-US" smtClean="0"/>
-              <a:t>第二级</a:t>
-            </a:r>
-            <a:endParaRPr lang="zh-CN" altLang="en-US" smtClean="0"/>
-          </a:p>
-          <a:p>
-            <a:pPr lvl="2"/>
-            <a:r>
-              <a:rPr lang="zh-CN" altLang="en-US" smtClean="0"/>
-              <a:t>第三级</a:t>
-            </a:r>
-            <a:endParaRPr lang="zh-CN" altLang="en-US" smtClean="0"/>
-          </a:p>
-          <a:p>
-            <a:pPr lvl="3"/>
-            <a:r>
-              <a:rPr lang="zh-CN" altLang="en-US" smtClean="0"/>
-              <a:t>第四级</a:t>
-            </a:r>
-            <a:endParaRPr lang="zh-CN" altLang="en-US" smtClean="0"/>
-          </a:p>
-          <a:p>
-            <a:pPr lvl="4"/>
-            <a:r>
-              <a:rPr lang="zh-CN" altLang="en-US" smtClean="0"/>
-              <a:t>第五级</a:t>
-            </a:r>
-            <a:endParaRPr lang="zh-CN" altLang="en-US"/>
-          </a:p>
-        </p:txBody>
-      </p:sp>
-      <p:sp>
-        <p:nvSpPr>
           <p:cNvPr id="4" name="日期占位符 3"/>
           <p:cNvSpPr>
             <a:spLocks noGrp="1"/>
@@ -807,7 +1095,7 @@
           <p:nvPr>
             <p:ph type="dt" sz="half" idx="10"/>
             <p:custDataLst>
-              <p:tags r:id="rId4"/>
+              <p:tags r:id="rId3"/>
             </p:custDataLst>
           </p:nvPr>
         </p:nvSpPr>
@@ -832,7 +1120,7 @@
           <p:nvPr>
             <p:ph type="ftr" sz="quarter" idx="11"/>
             <p:custDataLst>
-              <p:tags r:id="rId5"/>
+              <p:tags r:id="rId4"/>
             </p:custDataLst>
           </p:nvPr>
         </p:nvSpPr>
@@ -854,7 +1142,7 @@
           <p:nvPr>
             <p:ph type="sldNum" sz="quarter" idx="12"/>
             <p:custDataLst>
-              <p:tags r:id="rId6"/>
+              <p:tags r:id="rId5"/>
             </p:custDataLst>
           </p:nvPr>
         </p:nvSpPr>
@@ -870,6 +1158,41 @@
           </a:p>
         </p:txBody>
       </p:sp>
+      <p:cxnSp>
+        <p:nvCxnSpPr>
+          <p:cNvPr id="7" name="直接连接符 6"/>
+          <p:cNvCxnSpPr/>
+          <p:nvPr/>
+        </p:nvCxnSpPr>
+        <p:spPr>
+          <a:xfrm flipV="1">
+            <a:off x="0" y="1414780"/>
+            <a:ext cx="12191365" cy="20955"/>
+          </a:xfrm>
+          <a:prstGeom prst="line">
+            <a:avLst/>
+          </a:prstGeom>
+          <a:ln w="76200">
+            <a:solidFill>
+              <a:schemeClr val="tx1"/>
+            </a:solidFill>
+          </a:ln>
+        </p:spPr>
+        <p:style>
+          <a:lnRef idx="2">
+            <a:schemeClr val="accent1"/>
+          </a:lnRef>
+          <a:fillRef idx="0">
+            <a:srgbClr val="FFFFFF"/>
+          </a:fillRef>
+          <a:effectRef idx="0">
+            <a:srgbClr val="FFFFFF"/>
+          </a:effectRef>
+          <a:fontRef idx="minor">
+            <a:schemeClr val="tx1"/>
+          </a:fontRef>
+        </p:style>
+      </p:cxnSp>
     </p:spTree>
   </p:cSld>
   <p:clrMapOvr>
@@ -3105,31 +3428,60 @@
             </p:custDataLst>
           </p:nvPr>
         </p:nvSpPr>
-        <p:spPr/>
+        <p:spPr>
+          <a:xfrm>
+            <a:off x="700405" y="725170"/>
+            <a:ext cx="11061065" cy="2570480"/>
+          </a:xfrm>
+        </p:spPr>
         <p:txBody>
           <a:bodyPr/>
           <a:p>
             <a:r>
-              <a:rPr lang="zh-CN" altLang="zh-CN"/>
+              <a:rPr lang="zh-CN" altLang="zh-CN">
+                <a:latin typeface="Times New Roman" panose="02020603050405020304" charset="0"/>
+                <a:cs typeface="Times New Roman" panose="02020603050405020304" charset="0"/>
+              </a:rPr>
               <a:t>EEG</a:t>
             </a:r>
             <a:r>
-              <a:rPr lang="en-US" altLang="zh-CN"/>
+              <a:rPr lang="en-US" altLang="zh-CN">
+                <a:latin typeface="Times New Roman" panose="02020603050405020304" charset="0"/>
+                <a:cs typeface="Times New Roman" panose="02020603050405020304" charset="0"/>
+              </a:rPr>
               <a:t>&amp;EOG</a:t>
             </a:r>
             <a:r>
-              <a:rPr lang="zh-CN" altLang="zh-CN"/>
-              <a:t>-based Sleep Stag</a:t>
-            </a:r>
-            <a:r>
-              <a:rPr lang="en-US" altLang="zh-CN"/>
+              <a:rPr lang="zh-CN" altLang="zh-CN">
+                <a:latin typeface="Times New Roman" panose="02020603050405020304" charset="0"/>
+                <a:cs typeface="Times New Roman" panose="02020603050405020304" charset="0"/>
+              </a:rPr>
+              <a:t>-based</a:t>
+            </a:r>
+            <a:br>
+              <a:rPr lang="zh-CN" altLang="zh-CN">
+                <a:latin typeface="Times New Roman" panose="02020603050405020304" charset="0"/>
+                <a:cs typeface="Times New Roman" panose="02020603050405020304" charset="0"/>
+              </a:rPr>
+            </a:br>
+            <a:r>
+              <a:rPr lang="zh-CN" altLang="zh-CN">
+                <a:latin typeface="Times New Roman" panose="02020603050405020304" charset="0"/>
+                <a:cs typeface="Times New Roman" panose="02020603050405020304" charset="0"/>
+              </a:rPr>
+              <a:t>Sleep Stag</a:t>
+            </a:r>
+            <a:r>
+              <a:rPr lang="en-US" altLang="zh-CN">
+                <a:latin typeface="Times New Roman" panose="02020603050405020304" charset="0"/>
+                <a:cs typeface="Times New Roman" panose="02020603050405020304" charset="0"/>
+              </a:rPr>
               <a:t>ing</a:t>
             </a:r>
-            <a:r>
-              <a:rPr lang="zh-CN" altLang="zh-CN"/>
-              <a:t> by ML</a:t>
-            </a:r>
-            <a:endParaRPr lang="zh-CN" altLang="zh-CN"/>
+            <a:endParaRPr lang="en-US" altLang="zh-CN">
+              <a:latin typeface="Times New Roman" panose="02020603050405020304" charset="0"/>
+              <a:cs typeface="Times New Roman" panose="02020603050405020304" charset="0"/>
+            </a:endParaRPr>
           </a:p>
         </p:txBody>
       </p:sp>
@@ -3148,46 +3500,75 @@
         </p:nvSpPr>
         <p:spPr>
           <a:xfrm>
-            <a:off x="1198880" y="3560445"/>
-            <a:ext cx="9799320" cy="1945640"/>
+            <a:off x="1198880" y="3251200"/>
+            <a:ext cx="9799320" cy="2954655"/>
           </a:xfrm>
         </p:spPr>
         <p:txBody>
           <a:bodyPr>
-            <a:normAutofit lnSpcReduction="20000"/>
+            <a:normAutofit/>
           </a:bodyPr>
           <a:p>
             <a:r>
-              <a:rPr lang="en-US" altLang="zh-CN"/>
+              <a:rPr lang="en-US" altLang="zh-CN">
+                <a:latin typeface="Times New Roman" panose="02020603050405020304" charset="0"/>
+                <a:cs typeface="Times New Roman" panose="02020603050405020304" charset="0"/>
+              </a:rPr>
               <a:t>CS 182 Project</a:t>
             </a:r>
+            <a:endParaRPr lang="en-US" altLang="zh-CN">
+              <a:latin typeface="Times New Roman" panose="02020603050405020304" charset="0"/>
+              <a:cs typeface="Times New Roman" panose="02020603050405020304" charset="0"/>
+            </a:endParaRPr>
+          </a:p>
+          <a:p>
             <a:endParaRPr lang="en-US" altLang="zh-CN"/>
           </a:p>
           <a:p>
             <a:r>
-              <a:rPr lang="en-US" altLang="zh-CN">
+              <a:rPr lang="en-US" altLang="zh-CN" b="1">
+                <a:latin typeface="Times New Roman" panose="02020603050405020304" charset="0"/>
+                <a:cs typeface="Times New Roman" panose="02020603050405020304" charset="0"/>
                 <a:sym typeface="+mn-ea"/>
               </a:rPr>
               <a:t>Hu Gangfeng</a:t>
             </a:r>
-            <a:endParaRPr lang="en-US" altLang="zh-CN"/>
-          </a:p>
-          <a:p>
-            <a:r>
-              <a:rPr lang="en-US" altLang="zh-CN"/>
+            <a:endParaRPr lang="en-US" altLang="zh-CN" b="1">
+              <a:latin typeface="Times New Roman" panose="02020603050405020304" charset="0"/>
+              <a:cs typeface="Times New Roman" panose="02020603050405020304" charset="0"/>
+            </a:endParaRPr>
+          </a:p>
+          <a:p>
+            <a:r>
+              <a:rPr lang="en-US" altLang="zh-CN" b="1">
+                <a:latin typeface="Times New Roman" panose="02020603050405020304" charset="0"/>
+                <a:cs typeface="Times New Roman" panose="02020603050405020304" charset="0"/>
+              </a:rPr>
               <a:t>Teng Zhihao</a:t>
             </a:r>
-            <a:endParaRPr lang="en-US" altLang="zh-CN"/>
-          </a:p>
-          <a:p>
-            <a:r>
-              <a:rPr lang="en-US" altLang="zh-CN"/>
+            <a:endParaRPr lang="en-US" altLang="zh-CN" b="1">
+              <a:latin typeface="Times New Roman" panose="02020603050405020304" charset="0"/>
+              <a:cs typeface="Times New Roman" panose="02020603050405020304" charset="0"/>
+            </a:endParaRPr>
+          </a:p>
+          <a:p>
+            <a:r>
+              <a:rPr lang="en-US" altLang="zh-CN" b="1">
+                <a:latin typeface="Times New Roman" panose="02020603050405020304" charset="0"/>
+                <a:cs typeface="Times New Roman" panose="02020603050405020304" charset="0"/>
+              </a:rPr>
               <a:t>Qin Chao</a:t>
             </a:r>
-            <a:endParaRPr lang="en-US" altLang="zh-CN"/>
-          </a:p>
-          <a:p>
-            <a:endParaRPr lang="en-US" altLang="zh-CN"/>
+            <a:endParaRPr lang="en-US" altLang="zh-CN" b="1">
+              <a:latin typeface="Times New Roman" panose="02020603050405020304" charset="0"/>
+              <a:cs typeface="Times New Roman" panose="02020603050405020304" charset="0"/>
+            </a:endParaRPr>
+          </a:p>
+          <a:p>
+            <a:endParaRPr lang="en-US" altLang="zh-CN" b="1">
+              <a:latin typeface="Times New Roman" panose="02020603050405020304" charset="0"/>
+              <a:cs typeface="Times New Roman" panose="02020603050405020304" charset="0"/>
+            </a:endParaRPr>
           </a:p>
         </p:txBody>
       </p:sp>
@@ -3225,16 +3606,20 @@
         <p:spPr/>
         <p:txBody>
           <a:bodyPr>
-            <a:normAutofit/>
+            <a:noAutofit/>
           </a:bodyPr>
           <a:p>
             <a:r>
-              <a:rPr lang="en-US" altLang="zh-CN">
+              <a:rPr lang="en-US" altLang="zh-CN" sz="4800">
+                <a:latin typeface="Times New Roman" panose="02020603050405020304" charset="0"/>
+                <a:cs typeface="Times New Roman" panose="02020603050405020304" charset="0"/>
                 <a:sym typeface="+mn-ea"/>
               </a:rPr>
-              <a:t>feature extraction</a:t>
-            </a:r>
-            <a:endParaRPr lang="en-US" altLang="zh-CN">
+              <a:t>signal spliting</a:t>
+            </a:r>
+            <a:endParaRPr lang="en-US" altLang="zh-CN" sz="4800">
+              <a:latin typeface="Times New Roman" panose="02020603050405020304" charset="0"/>
+              <a:cs typeface="Times New Roman" panose="02020603050405020304" charset="0"/>
               <a:sym typeface="+mn-ea"/>
             </a:endParaRPr>
           </a:p>
@@ -3242,14 +3627,412 @@
       </p:sp>
       <p:sp>
         <p:nvSpPr>
-          <p:cNvPr id="5" name="文本框 4"/>
+          <p:cNvPr id="3" name="内容占位符 2"/>
+          <p:cNvSpPr>
+            <a:spLocks noGrp="1"/>
+          </p:cNvSpPr>
+          <p:nvPr>
+            <p:ph idx="4294967295"/>
+          </p:nvPr>
+        </p:nvSpPr>
+        <p:spPr>
+          <a:xfrm>
+            <a:off x="608400" y="1490400"/>
+            <a:ext cx="10969200" cy="4759200"/>
+          </a:xfrm>
+        </p:spPr>
+        <p:txBody>
+          <a:bodyPr/>
+          <a:p>
+            <a:pPr marL="0" indent="0">
+              <a:buNone/>
+            </a:pPr>
+            <a:r>
+              <a:rPr lang="en-US" altLang="zh-CN" sz="2800" spc="0">
+                <a:solidFill>
+                  <a:schemeClr val="tx1"/>
+                </a:solidFill>
+                <a:latin typeface="Times New Roman" panose="02020603050405020304" charset="0"/>
+                <a:cs typeface="Times New Roman" panose="02020603050405020304" charset="0"/>
+              </a:rPr>
+              <a:t>We prefer to identify signals with same length</a:t>
+            </a:r>
+            <a:endParaRPr lang="en-US" altLang="zh-CN" sz="2800" spc="0">
+              <a:solidFill>
+                <a:schemeClr val="tx1"/>
+              </a:solidFill>
+              <a:latin typeface="Times New Roman" panose="02020603050405020304" charset="0"/>
+              <a:cs typeface="Times New Roman" panose="02020603050405020304" charset="0"/>
+            </a:endParaRPr>
+          </a:p>
+          <a:p>
+            <a:pPr marL="0" indent="0">
+              <a:buNone/>
+            </a:pPr>
+            <a:endParaRPr lang="en-US" altLang="zh-CN"/>
+          </a:p>
+          <a:p>
+            <a:pPr marL="0" indent="0">
+              <a:buNone/>
+            </a:pPr>
+            <a:endParaRPr lang="en-US" altLang="zh-CN" sz="2800">
+              <a:latin typeface="Times New Roman" panose="02020603050405020304" charset="0"/>
+              <a:cs typeface="Times New Roman" panose="02020603050405020304" charset="0"/>
+            </a:endParaRPr>
+          </a:p>
+        </p:txBody>
+      </p:sp>
+      <p:sp>
+        <p:nvSpPr>
+          <p:cNvPr id="4" name="下箭头 3"/>
+          <p:cNvSpPr/>
+          <p:nvPr/>
+        </p:nvSpPr>
+        <p:spPr>
+          <a:xfrm>
+            <a:off x="3911600" y="2209800"/>
+            <a:ext cx="208280" cy="928370"/>
+          </a:xfrm>
+          <a:prstGeom prst="downArrow">
+            <a:avLst/>
+          </a:prstGeom>
+        </p:spPr>
+        <p:style>
+          <a:lnRef idx="2">
+            <a:schemeClr val="accent1">
+              <a:lumMod val="75000"/>
+            </a:schemeClr>
+          </a:lnRef>
+          <a:fillRef idx="1">
+            <a:schemeClr val="accent1"/>
+          </a:fillRef>
+          <a:effectRef idx="0">
+            <a:srgbClr val="FFFFFF"/>
+          </a:effectRef>
+          <a:fontRef idx="minor">
+            <a:schemeClr val="lt1"/>
+          </a:fontRef>
+        </p:style>
+        <p:txBody>
+          <a:bodyPr rtlCol="0" anchor="ctr"/>
+          <a:p>
+            <a:pPr algn="ctr"/>
+            <a:endParaRPr lang="zh-CN" altLang="en-US"/>
+          </a:p>
+        </p:txBody>
+      </p:sp>
+      <p:grpSp>
+        <p:nvGrpSpPr>
+          <p:cNvPr id="8" name="组合 7"/>
+          <p:cNvGrpSpPr/>
+          <p:nvPr/>
+        </p:nvGrpSpPr>
+        <p:grpSpPr>
+          <a:xfrm>
+            <a:off x="2000885" y="2258060"/>
+            <a:ext cx="9440545" cy="4186353"/>
+            <a:chOff x="1249" y="4111"/>
+            <a:chExt cx="13693" cy="6208"/>
+          </a:xfrm>
+        </p:grpSpPr>
+        <p:pic>
+          <p:nvPicPr>
+            <p:cNvPr id="5" name="图片 4" descr="30s_W_1"/>
+            <p:cNvPicPr>
+              <a:picLocks noChangeAspect="1"/>
+            </p:cNvPicPr>
+            <p:nvPr/>
+          </p:nvPicPr>
+          <p:blipFill>
+            <a:blip r:embed="rId1"/>
+            <a:stretch>
+              <a:fillRect/>
+            </a:stretch>
+          </p:blipFill>
+          <p:spPr>
+            <a:xfrm>
+              <a:off x="8541" y="4111"/>
+              <a:ext cx="3868" cy="2579"/>
+            </a:xfrm>
+            <a:prstGeom prst="rect">
+              <a:avLst/>
+            </a:prstGeom>
+          </p:spPr>
+        </p:pic>
+        <p:pic>
+          <p:nvPicPr>
+            <p:cNvPr id="6" name="图片 5" descr="30s_W_2"/>
+            <p:cNvPicPr>
+              <a:picLocks noChangeAspect="1"/>
+            </p:cNvPicPr>
+            <p:nvPr/>
+          </p:nvPicPr>
+          <p:blipFill>
+            <a:blip r:embed="rId2"/>
+            <a:stretch>
+              <a:fillRect/>
+            </a:stretch>
+          </p:blipFill>
+          <p:spPr>
+            <a:xfrm>
+              <a:off x="8543" y="6539"/>
+              <a:ext cx="3866" cy="2577"/>
+            </a:xfrm>
+            <a:prstGeom prst="rect">
+              <a:avLst/>
+            </a:prstGeom>
+          </p:spPr>
+        </p:pic>
+        <p:sp>
+          <p:nvSpPr>
+            <p:cNvPr id="7" name="文本框 6"/>
+            <p:cNvSpPr txBox="1"/>
+            <p:nvPr/>
+          </p:nvSpPr>
+          <p:spPr>
+            <a:xfrm>
+              <a:off x="7094" y="9728"/>
+              <a:ext cx="6400" cy="591"/>
+            </a:xfrm>
+            <a:prstGeom prst="rect">
+              <a:avLst/>
+            </a:prstGeom>
+            <a:noFill/>
+          </p:spPr>
+          <p:txBody>
+            <a:bodyPr wrap="square" rtlCol="0">
+              <a:spAutoFit/>
+            </a:bodyPr>
+            <a:p>
+              <a:r>
+                <a:rPr lang="en-US" altLang="zh-CN" sz="2000">
+                  <a:latin typeface="Times New Roman" panose="02020603050405020304" charset="0"/>
+                  <a:cs typeface="Times New Roman" panose="02020603050405020304" charset="0"/>
+                </a:rPr>
+                <a:t>Fs=100 Hz</a:t>
+              </a:r>
+              <a:endParaRPr lang="en-US" altLang="zh-CN" sz="2000">
+                <a:latin typeface="Times New Roman" panose="02020603050405020304" charset="0"/>
+                <a:cs typeface="Times New Roman" panose="02020603050405020304" charset="0"/>
+              </a:endParaRPr>
+            </a:p>
+          </p:txBody>
+        </p:sp>
+        <p:pic>
+          <p:nvPicPr>
+            <p:cNvPr id="10" name="图片 9" descr="Sleep stage 2 EEG Fpz-Cz"/>
+            <p:cNvPicPr>
+              <a:picLocks noChangeAspect="1"/>
+            </p:cNvPicPr>
+            <p:nvPr/>
+          </p:nvPicPr>
+          <p:blipFill>
+            <a:blip r:embed="rId3"/>
+            <a:stretch>
+              <a:fillRect/>
+            </a:stretch>
+          </p:blipFill>
+          <p:spPr>
+            <a:xfrm>
+              <a:off x="1249" y="6127"/>
+              <a:ext cx="5845" cy="3897"/>
+            </a:xfrm>
+            <a:prstGeom prst="rect">
+              <a:avLst/>
+            </a:prstGeom>
+          </p:spPr>
+        </p:pic>
+        <p:sp>
+          <p:nvSpPr>
+            <p:cNvPr id="11" name="右箭头 10"/>
+            <p:cNvSpPr/>
+            <p:nvPr/>
+          </p:nvSpPr>
+          <p:spPr>
+            <a:xfrm>
+              <a:off x="7030" y="7294"/>
+              <a:ext cx="1512" cy="120"/>
+            </a:xfrm>
+            <a:prstGeom prst="rightArrow">
+              <a:avLst/>
+            </a:prstGeom>
+          </p:spPr>
+          <p:style>
+            <a:lnRef idx="2">
+              <a:schemeClr val="accent1">
+                <a:lumMod val="75000"/>
+              </a:schemeClr>
+            </a:lnRef>
+            <a:fillRef idx="1">
+              <a:schemeClr val="accent1"/>
+            </a:fillRef>
+            <a:effectRef idx="0">
+              <a:srgbClr val="FFFFFF"/>
+            </a:effectRef>
+            <a:fontRef idx="minor">
+              <a:schemeClr val="lt1"/>
+            </a:fontRef>
+          </p:style>
+          <p:txBody>
+            <a:bodyPr rtlCol="0" anchor="ctr"/>
+            <a:p>
+              <a:pPr algn="ctr"/>
+              <a:endParaRPr lang="zh-CN" altLang="en-US"/>
+            </a:p>
+          </p:txBody>
+        </p:sp>
+        <p:sp>
+          <p:nvSpPr>
+            <p:cNvPr id="12" name="右箭头 11"/>
+            <p:cNvSpPr/>
+            <p:nvPr>
+              <p:custDataLst>
+                <p:tags r:id="rId4"/>
+              </p:custDataLst>
+            </p:nvPr>
+          </p:nvSpPr>
+          <p:spPr>
+            <a:xfrm rot="19500000">
+              <a:off x="6928" y="6209"/>
+              <a:ext cx="1512" cy="120"/>
+            </a:xfrm>
+            <a:prstGeom prst="rightArrow">
+              <a:avLst/>
+            </a:prstGeom>
+          </p:spPr>
+          <p:style>
+            <a:lnRef idx="2">
+              <a:schemeClr val="accent1">
+                <a:lumMod val="75000"/>
+              </a:schemeClr>
+            </a:lnRef>
+            <a:fillRef idx="1">
+              <a:schemeClr val="accent1"/>
+            </a:fillRef>
+            <a:effectRef idx="0">
+              <a:srgbClr val="FFFFFF"/>
+            </a:effectRef>
+            <a:fontRef idx="minor">
+              <a:schemeClr val="lt1"/>
+            </a:fontRef>
+          </p:style>
+          <p:txBody>
+            <a:bodyPr rtlCol="0" anchor="ctr"/>
+            <a:p>
+              <a:pPr algn="ctr"/>
+              <a:endParaRPr lang="zh-CN" altLang="en-US"/>
+            </a:p>
+          </p:txBody>
+        </p:sp>
+        <p:sp>
+          <p:nvSpPr>
+            <p:cNvPr id="13" name="右箭头 12"/>
+            <p:cNvSpPr/>
+            <p:nvPr>
+              <p:custDataLst>
+                <p:tags r:id="rId5"/>
+              </p:custDataLst>
+            </p:nvPr>
+          </p:nvSpPr>
+          <p:spPr>
+            <a:xfrm rot="2040000">
+              <a:off x="6934" y="8574"/>
+              <a:ext cx="1512" cy="120"/>
+            </a:xfrm>
+            <a:prstGeom prst="rightArrow">
+              <a:avLst/>
+            </a:prstGeom>
+          </p:spPr>
+          <p:style>
+            <a:lnRef idx="2">
+              <a:schemeClr val="accent1">
+                <a:lumMod val="75000"/>
+              </a:schemeClr>
+            </a:lnRef>
+            <a:fillRef idx="1">
+              <a:schemeClr val="accent1"/>
+            </a:fillRef>
+            <a:effectRef idx="0">
+              <a:srgbClr val="FFFFFF"/>
+            </a:effectRef>
+            <a:fontRef idx="minor">
+              <a:schemeClr val="lt1"/>
+            </a:fontRef>
+          </p:style>
+          <p:txBody>
+            <a:bodyPr rtlCol="0" anchor="ctr"/>
+            <a:p>
+              <a:pPr algn="ctr"/>
+              <a:endParaRPr lang="zh-CN" altLang="en-US"/>
+            </a:p>
+          </p:txBody>
+        </p:sp>
+        <p:sp>
+          <p:nvSpPr>
+            <p:cNvPr id="14" name="文本框 13"/>
+            <p:cNvSpPr txBox="1"/>
+            <p:nvPr>
+              <p:custDataLst>
+                <p:tags r:id="rId6"/>
+              </p:custDataLst>
+            </p:nvPr>
+          </p:nvSpPr>
+          <p:spPr>
+            <a:xfrm>
+              <a:off x="8542" y="8615"/>
+              <a:ext cx="6400" cy="1048"/>
+            </a:xfrm>
+            <a:prstGeom prst="rect">
+              <a:avLst/>
+            </a:prstGeom>
+            <a:noFill/>
+          </p:spPr>
+          <p:txBody>
+            <a:bodyPr wrap="square" rtlCol="0">
+              <a:spAutoFit/>
+            </a:bodyPr>
+            <a:p>
+              <a:r>
+                <a:rPr lang="en-US" altLang="zh-CN" sz="4000">
+                  <a:solidFill>
+                    <a:schemeClr val="accent1"/>
+                  </a:solidFill>
+                  <a:effectLst>
+                    <a:outerShdw blurRad="38100" dist="25400" dir="5400000" algn="ctr" rotWithShape="0">
+                      <a:srgbClr val="6E747A">
+                        <a:alpha val="43000"/>
+                      </a:srgbClr>
+                    </a:outerShdw>
+                  </a:effectLst>
+                </a:rPr>
+                <a:t>...</a:t>
+              </a:r>
+              <a:endParaRPr lang="en-US" altLang="zh-CN" sz="4000">
+                <a:solidFill>
+                  <a:schemeClr val="accent1"/>
+                </a:solidFill>
+                <a:effectLst>
+                  <a:outerShdw blurRad="38100" dist="25400" dir="5400000" algn="ctr" rotWithShape="0">
+                    <a:srgbClr val="6E747A">
+                      <a:alpha val="43000"/>
+                    </a:srgbClr>
+                  </a:outerShdw>
+                </a:effectLst>
+              </a:endParaRPr>
+            </a:p>
+          </p:txBody>
+        </p:sp>
+      </p:grpSp>
+      <p:sp>
+        <p:nvSpPr>
+          <p:cNvPr id="9" name="文本框 8"/>
           <p:cNvSpPr txBox="1"/>
           <p:nvPr/>
         </p:nvSpPr>
         <p:spPr>
           <a:xfrm>
-            <a:off x="668020" y="1559560"/>
-            <a:ext cx="4959985" cy="1476375"/>
+            <a:off x="608330" y="3138170"/>
+            <a:ext cx="6096000" cy="521970"/>
           </a:xfrm>
           <a:prstGeom prst="rect">
             <a:avLst/>
@@ -3257,15 +4040,120 @@
           <a:noFill/>
         </p:spPr>
         <p:txBody>
+          <a:bodyPr wrap="square" rtlCol="0" anchor="t">
+            <a:spAutoFit/>
+          </a:bodyPr>
+          <a:p>
+            <a:pPr marL="0" indent="0">
+              <a:buNone/>
+            </a:pPr>
+            <a:r>
+              <a:rPr lang="en-US" altLang="zh-CN">
+                <a:sym typeface="+mn-ea"/>
+              </a:rPr>
+              <a:t> </a:t>
+            </a:r>
+            <a:r>
+              <a:rPr lang="en-US" altLang="zh-CN" sz="2800">
+                <a:latin typeface="Times New Roman" panose="02020603050405020304" charset="0"/>
+                <a:cs typeface="Times New Roman" panose="02020603050405020304" charset="0"/>
+                <a:sym typeface="+mn-ea"/>
+              </a:rPr>
+              <a:t>splited the raw signal by 30s.</a:t>
+            </a:r>
+            <a:endParaRPr lang="en-US" altLang="zh-CN" sz="2800">
+              <a:latin typeface="Times New Roman" panose="02020603050405020304" charset="0"/>
+              <a:cs typeface="Times New Roman" panose="02020603050405020304" charset="0"/>
+              <a:sym typeface="+mn-ea"/>
+            </a:endParaRPr>
+          </a:p>
+        </p:txBody>
+      </p:sp>
+    </p:spTree>
+    <p:custDataLst>
+      <p:tags r:id="rId7"/>
+    </p:custDataLst>
+  </p:cSld>
+  <p:clrMapOvr>
+    <a:masterClrMapping/>
+  </p:clrMapOvr>
+</p:sld>
+</file>
+
+<file path=ppt/slides/slide11.xml><?xml version="1.0" encoding="utf-8"?>
+<p:sld xmlns:a="http://schemas.openxmlformats.org/drawingml/2006/main" xmlns:r="http://schemas.openxmlformats.org/officeDocument/2006/relationships" xmlns:p="http://schemas.openxmlformats.org/presentationml/2006/main">
+  <p:cSld>
+    <p:spTree>
+      <p:nvGrpSpPr>
+        <p:cNvPr id="1" name=""/>
+        <p:cNvGrpSpPr/>
+        <p:nvPr/>
+      </p:nvGrpSpPr>
+      <p:grpSpPr/>
+      <p:sp>
+        <p:nvSpPr>
+          <p:cNvPr id="2" name="标题 1"/>
+          <p:cNvSpPr>
+            <a:spLocks noGrp="1"/>
+          </p:cNvSpPr>
+          <p:nvPr>
+            <p:ph type="title"/>
+          </p:nvPr>
+        </p:nvSpPr>
+        <p:spPr/>
+        <p:txBody>
+          <a:bodyPr>
+            <a:normAutofit fontScale="90000"/>
+          </a:bodyPr>
+          <a:p>
+            <a:r>
+              <a:rPr lang="en-US" altLang="zh-CN" sz="5335">
+                <a:latin typeface="Times New Roman" panose="02020603050405020304" charset="0"/>
+                <a:cs typeface="Times New Roman" panose="02020603050405020304" charset="0"/>
+                <a:sym typeface="+mn-ea"/>
+              </a:rPr>
+              <a:t>Feature Extraction</a:t>
+            </a:r>
+            <a:endParaRPr lang="en-US" altLang="zh-CN" sz="5335">
+              <a:latin typeface="Times New Roman" panose="02020603050405020304" charset="0"/>
+              <a:cs typeface="Times New Roman" panose="02020603050405020304" charset="0"/>
+              <a:sym typeface="+mn-ea"/>
+            </a:endParaRPr>
+          </a:p>
+        </p:txBody>
+      </p:sp>
+      <p:sp>
+        <p:nvSpPr>
+          <p:cNvPr id="5" name="文本框 4"/>
+          <p:cNvSpPr txBox="1"/>
+          <p:nvPr/>
+        </p:nvSpPr>
+        <p:spPr>
+          <a:xfrm>
+            <a:off x="668020" y="1559560"/>
+            <a:ext cx="4959985" cy="2245360"/>
+          </a:xfrm>
+          <a:prstGeom prst="rect">
+            <a:avLst/>
+          </a:prstGeom>
+          <a:noFill/>
+        </p:spPr>
+        <p:txBody>
           <a:bodyPr wrap="square" rtlCol="0">
             <a:spAutoFit/>
           </a:bodyPr>
           <a:p>
             <a:r>
-              <a:rPr lang="en-US" altLang="zh-CN"/>
-              <a:t>131 features:</a:t>
-            </a:r>
-            <a:endParaRPr lang="en-US" altLang="zh-CN"/>
+              <a:rPr lang="en-US" altLang="zh-CN" sz="2800">
+                <a:latin typeface="Times New Roman" panose="02020603050405020304" charset="0"/>
+                <a:cs typeface="Times New Roman" panose="02020603050405020304" charset="0"/>
+              </a:rPr>
+              <a:t>Multi-domain features:</a:t>
+            </a:r>
+            <a:endParaRPr lang="en-US" altLang="zh-CN" sz="2800">
+              <a:latin typeface="Times New Roman" panose="02020603050405020304" charset="0"/>
+              <a:cs typeface="Times New Roman" panose="02020603050405020304" charset="0"/>
+            </a:endParaRPr>
           </a:p>
           <a:p>
             <a:pPr marL="285750" indent="-285750">
@@ -3273,10 +4161,16 @@
               <a:buChar char="•"/>
             </a:pPr>
             <a:r>
-              <a:rPr lang="en-US" altLang="zh-CN"/>
+              <a:rPr lang="en-US" altLang="zh-CN" sz="2800">
+                <a:latin typeface="Times New Roman" panose="02020603050405020304" charset="0"/>
+                <a:cs typeface="Times New Roman" panose="02020603050405020304" charset="0"/>
+              </a:rPr>
               <a:t>Time-domain features</a:t>
             </a:r>
-            <a:endParaRPr lang="en-US" altLang="zh-CN"/>
+            <a:endParaRPr lang="en-US" altLang="zh-CN" sz="2800">
+              <a:latin typeface="Times New Roman" panose="02020603050405020304" charset="0"/>
+              <a:cs typeface="Times New Roman" panose="02020603050405020304" charset="0"/>
+            </a:endParaRPr>
           </a:p>
           <a:p>
             <a:pPr marL="285750" indent="-285750">
@@ -3284,10 +4178,16 @@
               <a:buChar char="•"/>
             </a:pPr>
             <a:r>
-              <a:rPr lang="en-US" altLang="zh-CN"/>
+              <a:rPr lang="en-US" altLang="zh-CN" sz="2800">
+                <a:latin typeface="Times New Roman" panose="02020603050405020304" charset="0"/>
+                <a:cs typeface="Times New Roman" panose="02020603050405020304" charset="0"/>
+              </a:rPr>
               <a:t>Frequency-domain features</a:t>
             </a:r>
-            <a:endParaRPr lang="en-US" altLang="zh-CN"/>
+            <a:endParaRPr lang="en-US" altLang="zh-CN" sz="2800">
+              <a:latin typeface="Times New Roman" panose="02020603050405020304" charset="0"/>
+              <a:cs typeface="Times New Roman" panose="02020603050405020304" charset="0"/>
+            </a:endParaRPr>
           </a:p>
           <a:p>
             <a:pPr marL="285750" indent="-285750">
@@ -3295,13 +4195,22 @@
               <a:buChar char="•"/>
             </a:pPr>
             <a:r>
-              <a:rPr lang="en-US" altLang="zh-CN"/>
+              <a:rPr lang="en-US" altLang="zh-CN" sz="2800">
+                <a:latin typeface="Times New Roman" panose="02020603050405020304" charset="0"/>
+                <a:cs typeface="Times New Roman" panose="02020603050405020304" charset="0"/>
+              </a:rPr>
               <a:t>EEG Charateristic</a:t>
             </a:r>
-            <a:endParaRPr lang="en-US" altLang="zh-CN"/>
-          </a:p>
-          <a:p>
-            <a:endParaRPr lang="en-US" altLang="zh-CN"/>
+            <a:endParaRPr lang="en-US" altLang="zh-CN" sz="2800">
+              <a:latin typeface="Times New Roman" panose="02020603050405020304" charset="0"/>
+              <a:cs typeface="Times New Roman" panose="02020603050405020304" charset="0"/>
+            </a:endParaRPr>
+          </a:p>
+          <a:p>
+            <a:endParaRPr lang="en-US" altLang="zh-CN" sz="2800">
+              <a:latin typeface="Times New Roman" panose="02020603050405020304" charset="0"/>
+              <a:cs typeface="Times New Roman" panose="02020603050405020304" charset="0"/>
+            </a:endParaRPr>
           </a:p>
         </p:txBody>
       </p:sp>
@@ -3312,7 +4221,7 @@
             <a:picLocks noChangeAspect="1"/>
           </p:cNvPicPr>
           <p:nvPr>
-            <p:ph idx="1"/>
+            <p:ph idx="4294967295"/>
           </p:nvPr>
         </p:nvPicPr>
         <p:blipFill>
@@ -3324,8 +4233,8 @@
         </p:blipFill>
         <p:spPr>
           <a:xfrm>
-            <a:off x="5800090" y="859155"/>
-            <a:ext cx="5915025" cy="2480945"/>
+            <a:off x="5800725" y="1548765"/>
+            <a:ext cx="5334635" cy="2237740"/>
           </a:xfrm>
           <a:prstGeom prst="rect">
             <a:avLst/>
@@ -3342,8 +4251,8 @@
             </p:nvSpPr>
             <p:spPr>
               <a:xfrm>
-                <a:off x="5709920" y="4791710"/>
-                <a:ext cx="6096000" cy="1881505"/>
+                <a:off x="5934075" y="5081905"/>
+                <a:ext cx="6096000" cy="1666240"/>
               </a:xfrm>
               <a:prstGeom prst="rect">
                 <a:avLst/>
@@ -3356,11 +4265,17 @@
               </a:bodyPr>
               <a:p>
                 <a:r>
-                  <a:rPr lang="zh-CN" altLang="en-US"/>
+                  <a:rPr lang="zh-CN" altLang="en-US">
+                    <a:latin typeface="Times New Roman" panose="02020603050405020304" charset="0"/>
+                    <a:cs typeface="Times New Roman" panose="02020603050405020304" charset="0"/>
+                  </a:rPr>
                   <a:t>Hjorth Mobility</a:t>
                 </a:r>
                 <a:r>
-                  <a:rPr lang="en-US" altLang="zh-CN"/>
+                  <a:rPr lang="en-US" altLang="zh-CN">
+                    <a:latin typeface="Times New Roman" panose="02020603050405020304" charset="0"/>
+                    <a:cs typeface="Times New Roman" panose="02020603050405020304" charset="0"/>
+                  </a:rPr>
                   <a:t>: </a:t>
                 </a:r>
                 <a14:m>
@@ -3385,6 +4300,7 @@
                         <m:r>
                           <a:rPr lang="en-US" altLang="zh-CN" i="1">
                             <a:latin typeface="Cambria Math" panose="02040503050406030204" charset="0"/>
+                            <a:ea typeface="MS Mincho" charset="0"/>
                             <a:cs typeface="Cambria Math" panose="02040503050406030204" charset="0"/>
                           </a:rPr>
                           <m:t>'</m:t>
@@ -3399,6 +4315,7 @@
                         <m:r>
                           <a:rPr lang="en-US" altLang="zh-CN" i="1">
                             <a:latin typeface="Cambria Math" panose="02040503050406030204" charset="0"/>
+                            <a:ea typeface="MS Mincho" charset="0"/>
                             <a:cs typeface="Cambria Math" panose="02040503050406030204" charset="0"/>
                           </a:rPr>
                           <m:t> </m:t>
@@ -3413,6 +4330,7 @@
                         <m:r>
                           <a:rPr lang="en-US" altLang="zh-CN" i="1">
                             <a:latin typeface="Cambria Math" panose="02040503050406030204" charset="0"/>
+                            <a:ea typeface="MS Mincho" charset="0"/>
                             <a:cs typeface="Cambria Math" panose="02040503050406030204" charset="0"/>
                           </a:rPr>
                           <m:t> </m:t>
@@ -3436,6 +4354,7 @@
                         <m:r>
                           <a:rPr lang="en-US" altLang="zh-CN" i="1">
                             <a:latin typeface="Cambria Math" panose="02040503050406030204" charset="0"/>
+                            <a:ea typeface="MS Mincho" charset="0"/>
                             <a:cs typeface="Cambria Math" panose="02040503050406030204" charset="0"/>
                           </a:rPr>
                           <m:t> </m:t>
@@ -3450,6 +4369,7 @@
                         <m:r>
                           <a:rPr lang="en-US" altLang="zh-CN" i="1">
                             <a:latin typeface="Cambria Math" panose="02040503050406030204" charset="0"/>
+                            <a:ea typeface="MS Mincho" charset="0"/>
                             <a:cs typeface="Cambria Math" panose="02040503050406030204" charset="0"/>
                           </a:rPr>
                           <m:t>'</m:t>
@@ -3464,6 +4384,7 @@
                         <m:r>
                           <a:rPr lang="en-US" altLang="zh-CN" i="1">
                             <a:latin typeface="Cambria Math" panose="02040503050406030204" charset="0"/>
+                            <a:ea typeface="MS Mincho" charset="0"/>
                             <a:cs typeface="Cambria Math" panose="02040503050406030204" charset="0"/>
                           </a:rPr>
                           <m:t> </m:t>
@@ -3478,6 +4399,7 @@
                         <m:r>
                           <a:rPr lang="en-US" altLang="zh-CN" i="1">
                             <a:latin typeface="Cambria Math" panose="02040503050406030204" charset="0"/>
+                            <a:ea typeface="MS Mincho" charset="0"/>
                             <a:cs typeface="Cambria Math" panose="02040503050406030204" charset="0"/>
                           </a:rPr>
                           <m:t> </m:t>
@@ -3494,13 +4416,16 @@
                   </m:oMath>
                 </a14:m>
                 <a:endParaRPr lang="en-US" altLang="zh-CN" i="1">
-                  <a:latin typeface="Cambria Math" panose="02040503050406030204" charset="0"/>
-                  <a:cs typeface="Cambria Math" panose="02040503050406030204" charset="0"/>
+                  <a:latin typeface="Times New Roman" panose="02020603050405020304" charset="0"/>
+                  <a:cs typeface="Times New Roman" panose="02020603050405020304" charset="0"/>
                 </a:endParaRPr>
               </a:p>
               <a:p>
                 <a:r>
-                  <a:rPr lang="en-US" altLang="zh-CN"/>
+                  <a:rPr lang="en-US" altLang="zh-CN">
+                    <a:latin typeface="Times New Roman" panose="02020603050405020304" charset="0"/>
+                    <a:cs typeface="Times New Roman" panose="02020603050405020304" charset="0"/>
+                  </a:rPr>
                   <a:t>Hjorth Complexity: </a:t>
                 </a:r>
                 <a14:m>
@@ -3525,6 +4450,7 @@
                         <m:r>
                           <a:rPr lang="en-US" altLang="zh-CN" i="1">
                             <a:latin typeface="Cambria Math" panose="02040503050406030204" charset="0"/>
+                            <a:ea typeface="MS Mincho" charset="0"/>
                             <a:cs typeface="Cambria Math" panose="02040503050406030204" charset="0"/>
                           </a:rPr>
                           <m:t>'</m:t>
@@ -3539,6 +4465,7 @@
                         <m:r>
                           <a:rPr lang="en-US" altLang="zh-CN" i="1">
                             <a:latin typeface="Cambria Math" panose="02040503050406030204" charset="0"/>
+                            <a:ea typeface="MS Mincho" charset="0"/>
                             <a:cs typeface="Cambria Math" panose="02040503050406030204" charset="0"/>
                           </a:rPr>
                           <m:t> </m:t>
@@ -3562,6 +4489,7 @@
                         <m:r>
                           <a:rPr lang="en-US" altLang="zh-CN" i="1">
                             <a:latin typeface="Cambria Math" panose="02040503050406030204" charset="0"/>
+                            <a:ea typeface="MS Mincho" charset="0"/>
                             <a:cs typeface="Cambria Math" panose="02040503050406030204" charset="0"/>
                           </a:rPr>
                           <m:t> </m:t>
@@ -3576,6 +4504,7 @@
                         <m:r>
                           <a:rPr lang="en-US" altLang="zh-CN" i="1">
                             <a:latin typeface="Cambria Math" panose="02040503050406030204" charset="0"/>
+                            <a:ea typeface="MS Mincho" charset="0"/>
                             <a:cs typeface="Cambria Math" panose="02040503050406030204" charset="0"/>
                           </a:rPr>
                           <m:t>'</m:t>
@@ -3590,6 +4519,7 @@
                         <m:r>
                           <a:rPr lang="en-US" altLang="zh-CN" i="1">
                             <a:latin typeface="Cambria Math" panose="02040503050406030204" charset="0"/>
+                            <a:ea typeface="MS Mincho" charset="0"/>
                             <a:cs typeface="Cambria Math" panose="02040503050406030204" charset="0"/>
                           </a:rPr>
                           <m:t> </m:t>
@@ -3606,23 +4536,29 @@
                   </m:oMath>
                 </a14:m>
                 <a:endParaRPr lang="en-US" altLang="zh-CN" i="1">
-                  <a:latin typeface="Cambria Math" panose="02040503050406030204" charset="0"/>
-                  <a:cs typeface="Cambria Math" panose="02040503050406030204" charset="0"/>
+                  <a:latin typeface="Times New Roman" panose="02020603050405020304" charset="0"/>
+                  <a:cs typeface="Times New Roman" panose="02020603050405020304" charset="0"/>
                 </a:endParaRPr>
               </a:p>
               <a:p>
                 <a:r>
-                  <a:rPr lang="en-US" altLang="zh-CN"/>
+                  <a:rPr lang="en-US" altLang="zh-CN">
+                    <a:latin typeface="Times New Roman" panose="02020603050405020304" charset="0"/>
+                    <a:cs typeface="Times New Roman" panose="02020603050405020304" charset="0"/>
+                  </a:rPr>
                   <a:t>HFD: </a:t>
                 </a:r>
                 <a:r>
-                  <a:rPr lang="en-US" altLang="zh-CN" sz="1400"/>
+                  <a:rPr lang="en-US" altLang="zh-CN" sz="1400">
+                    <a:latin typeface="Times New Roman" panose="02020603050405020304" charset="0"/>
+                    <a:cs typeface="Times New Roman" panose="02020603050405020304" charset="0"/>
+                  </a:rPr>
                   <a:t>a technique for measuring the fractal dimension of a time series, quantifying its complexity and self-similarity by reconstructing it into multiple scales and analyzing the lengths of these scales.</a:t>
                 </a:r>
-                <a:endParaRPr lang="en-US" altLang="zh-CN" sz="1400"/>
-              </a:p>
-              <a:p>
-                <a:endParaRPr lang="en-US" altLang="zh-CN" sz="1400"/>
+                <a:endParaRPr lang="en-US" altLang="zh-CN" sz="1400">
+                  <a:latin typeface="Times New Roman" panose="02020603050405020304" charset="0"/>
+                  <a:cs typeface="Times New Roman" panose="02020603050405020304" charset="0"/>
+                </a:endParaRPr>
               </a:p>
             </p:txBody>
           </p:sp>
@@ -3638,8 +4574,8 @@
             </p:nvSpPr>
             <p:spPr>
               <a:xfrm>
-                <a:off x="5709920" y="4791710"/>
-                <a:ext cx="6096000" cy="1881505"/>
+                <a:off x="5934075" y="5081905"/>
+                <a:ext cx="6096000" cy="1666240"/>
               </a:xfrm>
               <a:prstGeom prst="rect">
                 <a:avLst/>
@@ -3692,7 +4628,7 @@
         </p:blipFill>
         <p:spPr>
           <a:xfrm>
-            <a:off x="962660" y="3911600"/>
+            <a:off x="829945" y="3702050"/>
             <a:ext cx="4371340" cy="2464435"/>
           </a:xfrm>
           <a:prstGeom prst="rect">
@@ -3708,8 +4644,8 @@
         </p:nvGrpSpPr>
         <p:grpSpPr>
           <a:xfrm>
-            <a:off x="5800090" y="3340100"/>
-            <a:ext cx="5914390" cy="1260475"/>
+            <a:off x="5800725" y="4029710"/>
+            <a:ext cx="5334635" cy="963930"/>
             <a:chOff x="9134" y="5260"/>
             <a:chExt cx="9314" cy="1985"/>
           </a:xfrm>
@@ -3825,7 +4761,7 @@
 </p:sld>
 </file>
 
-<file path=ppt/slides/slide11.xml><?xml version="1.0" encoding="utf-8"?>
+<file path=ppt/slides/slide12.xml><?xml version="1.0" encoding="utf-8"?>
 <p:sld xmlns:a="http://schemas.openxmlformats.org/drawingml/2006/main" xmlns:r="http://schemas.openxmlformats.org/officeDocument/2006/relationships" xmlns:p="http://schemas.openxmlformats.org/presentationml/2006/main">
   <p:cSld>
     <p:spTree>
@@ -3837,6 +4773,929 @@
       <p:grpSpPr/>
       <p:sp>
         <p:nvSpPr>
+          <p:cNvPr id="3" name="内容占位符 2"/>
+          <p:cNvSpPr>
+            <a:spLocks noGrp="1"/>
+          </p:cNvSpPr>
+          <p:nvPr>
+            <p:ph idx="4294967295"/>
+          </p:nvPr>
+        </p:nvSpPr>
+        <p:spPr>
+          <a:xfrm>
+            <a:off x="520770" y="1418645"/>
+            <a:ext cx="10969200" cy="4759200"/>
+          </a:xfrm>
+        </p:spPr>
+        <p:txBody>
+          <a:bodyPr/>
+          <a:p>
+            <a:pPr marL="0" indent="0">
+              <a:buNone/>
+            </a:pPr>
+            <a:r>
+              <a:rPr lang="en-US" altLang="zh-CN" sz="2400">
+                <a:solidFill>
+                  <a:schemeClr val="tx1"/>
+                </a:solidFill>
+                <a:latin typeface="Times New Roman" panose="02020603050405020304" charset="0"/>
+                <a:cs typeface="Times New Roman" panose="02020603050405020304" charset="0"/>
+              </a:rPr>
+              <a:t>We used </a:t>
+            </a:r>
+            <a:r>
+              <a:rPr lang="en-US" altLang="zh-CN" sz="2400" b="1">
+                <a:solidFill>
+                  <a:schemeClr val="tx1"/>
+                </a:solidFill>
+                <a:latin typeface="Times New Roman" panose="02020603050405020304" charset="0"/>
+                <a:cs typeface="Times New Roman" panose="02020603050405020304" charset="0"/>
+              </a:rPr>
+              <a:t>PCA</a:t>
+            </a:r>
+            <a:r>
+              <a:rPr lang="en-US" altLang="zh-CN" sz="2400">
+                <a:solidFill>
+                  <a:schemeClr val="tx1"/>
+                </a:solidFill>
+                <a:latin typeface="Times New Roman" panose="02020603050405020304" charset="0"/>
+                <a:cs typeface="Times New Roman" panose="02020603050405020304" charset="0"/>
+              </a:rPr>
+              <a:t> to reduce the dimension:</a:t>
+            </a:r>
+            <a:r>
+              <a:rPr lang="en-US" altLang="zh-CN">
+                <a:solidFill>
+                  <a:schemeClr val="bg1"/>
+                </a:solidFill>
+                <a:sym typeface="+mn-ea"/>
+              </a:rPr>
+              <a:t>393345</a:t>
+            </a:r>
+            <a:r>
+              <a:rPr lang="zh-CN" altLang="en-US">
+                <a:solidFill>
+                  <a:schemeClr val="bg1"/>
+                </a:solidFill>
+                <a:sym typeface="+mn-ea"/>
+              </a:rPr>
+              <a:t>×</a:t>
+            </a:r>
+            <a:r>
+              <a:rPr lang="en-US" altLang="zh-CN">
+                <a:solidFill>
+                  <a:schemeClr val="bg1"/>
+                </a:solidFill>
+                <a:sym typeface="+mn-ea"/>
+              </a:rPr>
+              <a:t>82</a:t>
+            </a:r>
+            <a:endParaRPr lang="en-US" altLang="zh-CN">
+              <a:solidFill>
+                <a:schemeClr val="bg1"/>
+              </a:solidFill>
+            </a:endParaRPr>
+          </a:p>
+          <a:p>
+            <a:pPr marL="0" indent="0">
+              <a:buNone/>
+            </a:pPr>
+            <a:endParaRPr lang="en-US" altLang="zh-CN"/>
+          </a:p>
+        </p:txBody>
+      </p:sp>
+      <p:sp>
+        <p:nvSpPr>
+          <p:cNvPr id="8" name="文本框 7"/>
+          <p:cNvSpPr txBox="1"/>
+          <p:nvPr/>
+        </p:nvSpPr>
+        <p:spPr>
+          <a:xfrm>
+            <a:off x="1523365" y="4094480"/>
+            <a:ext cx="4064000" cy="368300"/>
+          </a:xfrm>
+          <a:prstGeom prst="rect">
+            <a:avLst/>
+          </a:prstGeom>
+          <a:noFill/>
+        </p:spPr>
+        <p:txBody>
+          <a:bodyPr wrap="square" rtlCol="0">
+            <a:spAutoFit/>
+          </a:bodyPr>
+          <a:p>
+            <a:r>
+              <a:rPr lang="en-US" altLang="zh-CN">
+                <a:solidFill>
+                  <a:schemeClr val="bg1"/>
+                </a:solidFill>
+              </a:rPr>
+              <a:t>393345</a:t>
+            </a:r>
+            <a:r>
+              <a:rPr lang="zh-CN" altLang="en-US">
+                <a:solidFill>
+                  <a:schemeClr val="bg1"/>
+                </a:solidFill>
+              </a:rPr>
+              <a:t>×</a:t>
+            </a:r>
+            <a:r>
+              <a:rPr lang="en-US" altLang="zh-CN">
+                <a:solidFill>
+                  <a:schemeClr val="bg1"/>
+                </a:solidFill>
+              </a:rPr>
+              <a:t>105</a:t>
+            </a:r>
+            <a:endParaRPr lang="en-US" altLang="zh-CN">
+              <a:solidFill>
+                <a:schemeClr val="bg1"/>
+              </a:solidFill>
+            </a:endParaRPr>
+          </a:p>
+        </p:txBody>
+      </p:sp>
+      <p:sp>
+        <p:nvSpPr>
+          <p:cNvPr id="9" name="文本框 8"/>
+          <p:cNvSpPr txBox="1"/>
+          <p:nvPr>
+            <p:custDataLst>
+              <p:tags r:id="rId1"/>
+            </p:custDataLst>
+          </p:nvPr>
+        </p:nvSpPr>
+        <p:spPr>
+          <a:xfrm>
+            <a:off x="3898900" y="4232910"/>
+            <a:ext cx="4064000" cy="368300"/>
+          </a:xfrm>
+          <a:prstGeom prst="rect">
+            <a:avLst/>
+          </a:prstGeom>
+          <a:noFill/>
+        </p:spPr>
+        <p:txBody>
+          <a:bodyPr wrap="square" rtlCol="0">
+            <a:spAutoFit/>
+          </a:bodyPr>
+          <a:p>
+            <a:r>
+              <a:rPr lang="en-US" altLang="zh-CN">
+                <a:solidFill>
+                  <a:schemeClr val="bg1"/>
+                </a:solidFill>
+              </a:rPr>
+              <a:t>393345</a:t>
+            </a:r>
+            <a:r>
+              <a:rPr lang="zh-CN" altLang="en-US">
+                <a:solidFill>
+                  <a:schemeClr val="bg1"/>
+                </a:solidFill>
+              </a:rPr>
+              <a:t>×</a:t>
+            </a:r>
+            <a:r>
+              <a:rPr lang="en-US" altLang="zh-CN">
+                <a:solidFill>
+                  <a:schemeClr val="bg1"/>
+                </a:solidFill>
+              </a:rPr>
+              <a:t>82</a:t>
+            </a:r>
+            <a:endParaRPr lang="en-US" altLang="zh-CN">
+              <a:solidFill>
+                <a:schemeClr val="bg1"/>
+              </a:solidFill>
+            </a:endParaRPr>
+          </a:p>
+        </p:txBody>
+      </p:sp>
+      <p:grpSp>
+        <p:nvGrpSpPr>
+          <p:cNvPr id="21" name="组合 20"/>
+          <p:cNvGrpSpPr/>
+          <p:nvPr/>
+        </p:nvGrpSpPr>
+        <p:grpSpPr>
+          <a:xfrm>
+            <a:off x="1148080" y="2512695"/>
+            <a:ext cx="8203565" cy="4351020"/>
+            <a:chOff x="1808" y="3457"/>
+            <a:chExt cx="12919" cy="6852"/>
+          </a:xfrm>
+        </p:grpSpPr>
+        <p:sp>
+          <p:nvSpPr>
+            <p:cNvPr id="4" name="矩形 3"/>
+            <p:cNvSpPr/>
+            <p:nvPr/>
+          </p:nvSpPr>
+          <p:spPr>
+            <a:xfrm>
+              <a:off x="1808" y="3457"/>
+              <a:ext cx="3672" cy="6195"/>
+            </a:xfrm>
+            <a:prstGeom prst="rect">
+              <a:avLst/>
+            </a:prstGeom>
+          </p:spPr>
+          <p:style>
+            <a:lnRef idx="2">
+              <a:schemeClr val="accent1">
+                <a:lumMod val="75000"/>
+              </a:schemeClr>
+            </a:lnRef>
+            <a:fillRef idx="1">
+              <a:schemeClr val="accent1"/>
+            </a:fillRef>
+            <a:effectRef idx="0">
+              <a:srgbClr val="FFFFFF"/>
+            </a:effectRef>
+            <a:fontRef idx="minor">
+              <a:schemeClr val="lt1"/>
+            </a:fontRef>
+          </p:style>
+          <p:txBody>
+            <a:bodyPr rtlCol="0" anchor="ctr"/>
+            <a:p>
+              <a:pPr algn="ctr"/>
+              <a:endParaRPr lang="zh-CN" altLang="en-US"/>
+            </a:p>
+          </p:txBody>
+        </p:sp>
+        <p:sp>
+          <p:nvSpPr>
+            <p:cNvPr id="5" name="文本框 4"/>
+            <p:cNvSpPr txBox="1"/>
+            <p:nvPr/>
+          </p:nvSpPr>
+          <p:spPr>
+            <a:xfrm>
+              <a:off x="2399" y="9729"/>
+              <a:ext cx="6400" cy="580"/>
+            </a:xfrm>
+            <a:prstGeom prst="rect">
+              <a:avLst/>
+            </a:prstGeom>
+            <a:noFill/>
+          </p:spPr>
+          <p:txBody>
+            <a:bodyPr wrap="square" rtlCol="0">
+              <a:spAutoFit/>
+            </a:bodyPr>
+            <a:p>
+              <a:r>
+                <a:rPr lang="en-US" altLang="zh-CN">
+                  <a:latin typeface="Times New Roman" panose="02020603050405020304" charset="0"/>
+                  <a:cs typeface="Times New Roman" panose="02020603050405020304" charset="0"/>
+                </a:rPr>
+                <a:t>Feature Matrix</a:t>
+              </a:r>
+              <a:endParaRPr lang="en-US" altLang="zh-CN">
+                <a:latin typeface="Times New Roman" panose="02020603050405020304" charset="0"/>
+                <a:cs typeface="Times New Roman" panose="02020603050405020304" charset="0"/>
+              </a:endParaRPr>
+            </a:p>
+          </p:txBody>
+        </p:sp>
+        <p:sp>
+          <p:nvSpPr>
+            <p:cNvPr id="7" name="矩形 6"/>
+            <p:cNvSpPr/>
+            <p:nvPr>
+              <p:custDataLst>
+                <p:tags r:id="rId2"/>
+              </p:custDataLst>
+            </p:nvPr>
+          </p:nvSpPr>
+          <p:spPr>
+            <a:xfrm>
+              <a:off x="8033" y="3457"/>
+              <a:ext cx="2847" cy="6195"/>
+            </a:xfrm>
+            <a:prstGeom prst="rect">
+              <a:avLst/>
+            </a:prstGeom>
+          </p:spPr>
+          <p:style>
+            <a:lnRef idx="2">
+              <a:schemeClr val="accent1">
+                <a:lumMod val="75000"/>
+              </a:schemeClr>
+            </a:lnRef>
+            <a:fillRef idx="1">
+              <a:schemeClr val="accent1"/>
+            </a:fillRef>
+            <a:effectRef idx="0">
+              <a:srgbClr val="FFFFFF"/>
+            </a:effectRef>
+            <a:fontRef idx="minor">
+              <a:schemeClr val="lt1"/>
+            </a:fontRef>
+          </p:style>
+          <p:txBody>
+            <a:bodyPr rtlCol="0" anchor="ctr"/>
+            <a:p>
+              <a:pPr algn="ctr"/>
+              <a:endParaRPr lang="zh-CN" altLang="en-US"/>
+            </a:p>
+          </p:txBody>
+        </p:sp>
+        <p:sp>
+          <p:nvSpPr>
+            <p:cNvPr id="10" name="右箭头 9"/>
+            <p:cNvSpPr/>
+            <p:nvPr/>
+          </p:nvSpPr>
+          <p:spPr>
+            <a:xfrm>
+              <a:off x="5715" y="6437"/>
+              <a:ext cx="2031" cy="435"/>
+            </a:xfrm>
+            <a:prstGeom prst="rightArrow">
+              <a:avLst/>
+            </a:prstGeom>
+          </p:spPr>
+          <p:style>
+            <a:lnRef idx="2">
+              <a:schemeClr val="accent1">
+                <a:lumMod val="75000"/>
+              </a:schemeClr>
+            </a:lnRef>
+            <a:fillRef idx="1">
+              <a:schemeClr val="accent1"/>
+            </a:fillRef>
+            <a:effectRef idx="0">
+              <a:srgbClr val="FFFFFF"/>
+            </a:effectRef>
+            <a:fontRef idx="minor">
+              <a:schemeClr val="lt1"/>
+            </a:fontRef>
+          </p:style>
+          <p:txBody>
+            <a:bodyPr rtlCol="0" anchor="ctr"/>
+            <a:p>
+              <a:pPr algn="ctr"/>
+              <a:endParaRPr lang="zh-CN" altLang="en-US"/>
+            </a:p>
+          </p:txBody>
+        </p:sp>
+        <p:sp>
+          <p:nvSpPr>
+            <p:cNvPr id="11" name="文本框 10"/>
+            <p:cNvSpPr txBox="1"/>
+            <p:nvPr/>
+          </p:nvSpPr>
+          <p:spPr>
+            <a:xfrm>
+              <a:off x="5715" y="5914"/>
+              <a:ext cx="2271" cy="580"/>
+            </a:xfrm>
+            <a:prstGeom prst="rect">
+              <a:avLst/>
+            </a:prstGeom>
+            <a:noFill/>
+          </p:spPr>
+          <p:txBody>
+            <a:bodyPr wrap="square" rtlCol="0">
+              <a:spAutoFit/>
+            </a:bodyPr>
+            <a:p>
+              <a:r>
+                <a:rPr lang="en-US" altLang="zh-CN">
+                  <a:latin typeface="Times New Roman" panose="02020603050405020304" charset="0"/>
+                  <a:cs typeface="Times New Roman" panose="02020603050405020304" charset="0"/>
+                </a:rPr>
+                <a:t>Retaining </a:t>
+              </a:r>
+              <a:endParaRPr lang="en-US" altLang="zh-CN">
+                <a:latin typeface="Times New Roman" panose="02020603050405020304" charset="0"/>
+                <a:cs typeface="Times New Roman" panose="02020603050405020304" charset="0"/>
+              </a:endParaRPr>
+            </a:p>
+          </p:txBody>
+        </p:sp>
+        <p:sp>
+          <p:nvSpPr>
+            <p:cNvPr id="17" name="矩形 16"/>
+            <p:cNvSpPr/>
+            <p:nvPr>
+              <p:custDataLst>
+                <p:tags r:id="rId3"/>
+              </p:custDataLst>
+            </p:nvPr>
+          </p:nvSpPr>
+          <p:spPr>
+            <a:xfrm>
+              <a:off x="13200" y="3457"/>
+              <a:ext cx="1527" cy="6195"/>
+            </a:xfrm>
+            <a:prstGeom prst="rect">
+              <a:avLst/>
+            </a:prstGeom>
+          </p:spPr>
+          <p:style>
+            <a:lnRef idx="2">
+              <a:schemeClr val="accent1">
+                <a:lumMod val="75000"/>
+              </a:schemeClr>
+            </a:lnRef>
+            <a:fillRef idx="1">
+              <a:schemeClr val="accent1"/>
+            </a:fillRef>
+            <a:effectRef idx="0">
+              <a:srgbClr val="FFFFFF"/>
+            </a:effectRef>
+            <a:fontRef idx="minor">
+              <a:schemeClr val="lt1"/>
+            </a:fontRef>
+          </p:style>
+          <p:txBody>
+            <a:bodyPr rtlCol="0" anchor="ctr"/>
+            <a:p>
+              <a:pPr algn="ctr"/>
+              <a:endParaRPr lang="zh-CN" altLang="en-US"/>
+            </a:p>
+          </p:txBody>
+        </p:sp>
+      </p:grpSp>
+      <p:sp>
+        <p:nvSpPr>
+          <p:cNvPr id="18" name="文本框 17"/>
+          <p:cNvSpPr txBox="1"/>
+          <p:nvPr>
+            <p:custDataLst>
+              <p:tags r:id="rId4"/>
+            </p:custDataLst>
+          </p:nvPr>
+        </p:nvSpPr>
+        <p:spPr>
+          <a:xfrm>
+            <a:off x="8382000" y="3956050"/>
+            <a:ext cx="4064000" cy="645160"/>
+          </a:xfrm>
+          <a:prstGeom prst="rect">
+            <a:avLst/>
+          </a:prstGeom>
+          <a:noFill/>
+        </p:spPr>
+        <p:txBody>
+          <a:bodyPr wrap="square" rtlCol="0">
+            <a:spAutoFit/>
+          </a:bodyPr>
+          <a:p>
+            <a:r>
+              <a:rPr lang="en-US" altLang="zh-CN">
+                <a:solidFill>
+                  <a:schemeClr val="bg1"/>
+                </a:solidFill>
+              </a:rPr>
+              <a:t>393345</a:t>
+            </a:r>
+            <a:endParaRPr lang="en-US" altLang="zh-CN">
+              <a:solidFill>
+                <a:schemeClr val="bg1"/>
+              </a:solidFill>
+            </a:endParaRPr>
+          </a:p>
+          <a:p>
+            <a:r>
+              <a:rPr lang="en-US" altLang="zh-CN">
+                <a:solidFill>
+                  <a:schemeClr val="bg1"/>
+                </a:solidFill>
+              </a:rPr>
+              <a:t>  </a:t>
+            </a:r>
+            <a:r>
+              <a:rPr lang="zh-CN" altLang="en-US">
+                <a:solidFill>
+                  <a:schemeClr val="bg1"/>
+                </a:solidFill>
+              </a:rPr>
+              <a:t>×</a:t>
+            </a:r>
+            <a:r>
+              <a:rPr lang="en-US" altLang="zh-CN">
+                <a:solidFill>
+                  <a:schemeClr val="bg1"/>
+                </a:solidFill>
+              </a:rPr>
+              <a:t>46</a:t>
+            </a:r>
+            <a:endParaRPr lang="en-US" altLang="zh-CN">
+              <a:solidFill>
+                <a:schemeClr val="bg1"/>
+              </a:solidFill>
+            </a:endParaRPr>
+          </a:p>
+        </p:txBody>
+      </p:sp>
+      <p:sp>
+        <p:nvSpPr>
+          <p:cNvPr id="20" name="标题 19"/>
+          <p:cNvSpPr>
+            <a:spLocks noGrp="1"/>
+          </p:cNvSpPr>
+          <p:nvPr>
+            <p:ph type="title"/>
+            <p:custDataLst>
+              <p:tags r:id="rId5"/>
+            </p:custDataLst>
+          </p:nvPr>
+        </p:nvSpPr>
+        <p:spPr/>
+        <p:txBody>
+          <a:bodyPr>
+            <a:normAutofit fontScale="90000"/>
+          </a:bodyPr>
+          <a:p>
+            <a:r>
+              <a:rPr lang="en-US" altLang="zh-CN" sz="5335">
+                <a:latin typeface="Times New Roman" panose="02020603050405020304" charset="0"/>
+                <a:cs typeface="Times New Roman" panose="02020603050405020304" charset="0"/>
+                <a:sym typeface="+mn-ea"/>
+              </a:rPr>
+              <a:t>Feature Extraction</a:t>
+            </a:r>
+            <a:endParaRPr lang="en-US" altLang="zh-CN" sz="5335">
+              <a:latin typeface="Times New Roman" panose="02020603050405020304" charset="0"/>
+              <a:cs typeface="Times New Roman" panose="02020603050405020304" charset="0"/>
+              <a:sym typeface="+mn-ea"/>
+            </a:endParaRPr>
+          </a:p>
+        </p:txBody>
+      </p:sp>
+      <p:sp>
+        <p:nvSpPr>
+          <p:cNvPr id="22" name="文本框 21"/>
+          <p:cNvSpPr txBox="1"/>
+          <p:nvPr/>
+        </p:nvSpPr>
+        <p:spPr>
+          <a:xfrm>
+            <a:off x="3680460" y="4681220"/>
+            <a:ext cx="1085215" cy="645160"/>
+          </a:xfrm>
+          <a:prstGeom prst="rect">
+            <a:avLst/>
+          </a:prstGeom>
+          <a:noFill/>
+        </p:spPr>
+        <p:txBody>
+          <a:bodyPr wrap="square" rtlCol="0" anchor="t">
+            <a:spAutoFit/>
+          </a:bodyPr>
+          <a:p>
+            <a:r>
+              <a:rPr lang="en-US" altLang="zh-CN">
+                <a:latin typeface="Times New Roman" panose="02020603050405020304" charset="0"/>
+                <a:cs typeface="Times New Roman" panose="02020603050405020304" charset="0"/>
+                <a:sym typeface="+mn-ea"/>
+              </a:rPr>
+              <a:t>99.9%</a:t>
+            </a:r>
+            <a:endParaRPr lang="en-US" altLang="zh-CN">
+              <a:latin typeface="Times New Roman" panose="02020603050405020304" charset="0"/>
+              <a:cs typeface="Times New Roman" panose="02020603050405020304" charset="0"/>
+              <a:sym typeface="+mn-ea"/>
+            </a:endParaRPr>
+          </a:p>
+          <a:p>
+            <a:r>
+              <a:rPr lang="en-US" altLang="zh-CN">
+                <a:latin typeface="Times New Roman" panose="02020603050405020304" charset="0"/>
+                <a:cs typeface="Times New Roman" panose="02020603050405020304" charset="0"/>
+                <a:sym typeface="+mn-ea"/>
+              </a:rPr>
+              <a:t>Variance</a:t>
+            </a:r>
+            <a:endParaRPr lang="en-US" altLang="zh-CN">
+              <a:latin typeface="Times New Roman" panose="02020603050405020304" charset="0"/>
+              <a:cs typeface="Times New Roman" panose="02020603050405020304" charset="0"/>
+              <a:sym typeface="+mn-ea"/>
+            </a:endParaRPr>
+          </a:p>
+        </p:txBody>
+      </p:sp>
+      <p:sp>
+        <p:nvSpPr>
+          <p:cNvPr id="23" name="文本框 22"/>
+          <p:cNvSpPr txBox="1"/>
+          <p:nvPr>
+            <p:custDataLst>
+              <p:tags r:id="rId6"/>
+            </p:custDataLst>
+          </p:nvPr>
+        </p:nvSpPr>
+        <p:spPr>
+          <a:xfrm>
+            <a:off x="1436370" y="4312920"/>
+            <a:ext cx="1755140" cy="368300"/>
+          </a:xfrm>
+          <a:prstGeom prst="rect">
+            <a:avLst/>
+          </a:prstGeom>
+          <a:noFill/>
+        </p:spPr>
+        <p:txBody>
+          <a:bodyPr wrap="square" rtlCol="0">
+            <a:spAutoFit/>
+          </a:bodyPr>
+          <a:p>
+            <a:r>
+              <a:rPr lang="en-US" altLang="zh-CN">
+                <a:solidFill>
+                  <a:schemeClr val="bg1"/>
+                </a:solidFill>
+              </a:rPr>
+              <a:t>393345 </a:t>
+            </a:r>
+            <a:r>
+              <a:rPr lang="zh-CN" altLang="en-US">
+                <a:solidFill>
+                  <a:schemeClr val="bg1"/>
+                </a:solidFill>
+              </a:rPr>
+              <a:t>×</a:t>
+            </a:r>
+            <a:r>
+              <a:rPr lang="en-US" altLang="zh-CN">
+                <a:solidFill>
+                  <a:schemeClr val="bg1"/>
+                </a:solidFill>
+              </a:rPr>
+              <a:t> 105</a:t>
+            </a:r>
+            <a:endParaRPr lang="en-US" altLang="zh-CN">
+              <a:solidFill>
+                <a:schemeClr val="bg1"/>
+              </a:solidFill>
+            </a:endParaRPr>
+          </a:p>
+        </p:txBody>
+      </p:sp>
+      <p:sp>
+        <p:nvSpPr>
+          <p:cNvPr id="24" name="右箭头 23"/>
+          <p:cNvSpPr/>
+          <p:nvPr>
+            <p:custDataLst>
+              <p:tags r:id="rId7"/>
+            </p:custDataLst>
+          </p:nvPr>
+        </p:nvSpPr>
+        <p:spPr>
+          <a:xfrm>
+            <a:off x="7147560" y="4462780"/>
+            <a:ext cx="1122680" cy="276225"/>
+          </a:xfrm>
+          <a:prstGeom prst="rightArrow">
+            <a:avLst/>
+          </a:prstGeom>
+        </p:spPr>
+        <p:style>
+          <a:lnRef idx="2">
+            <a:schemeClr val="accent1">
+              <a:lumMod val="75000"/>
+            </a:schemeClr>
+          </a:lnRef>
+          <a:fillRef idx="1">
+            <a:schemeClr val="accent1"/>
+          </a:fillRef>
+          <a:effectRef idx="0">
+            <a:srgbClr val="FFFFFF"/>
+          </a:effectRef>
+          <a:fontRef idx="minor">
+            <a:schemeClr val="lt1"/>
+          </a:fontRef>
+        </p:style>
+        <p:txBody>
+          <a:bodyPr rtlCol="0" anchor="ctr"/>
+          <a:p>
+            <a:pPr algn="ctr"/>
+            <a:endParaRPr lang="zh-CN" altLang="en-US"/>
+          </a:p>
+        </p:txBody>
+      </p:sp>
+      <p:sp>
+        <p:nvSpPr>
+          <p:cNvPr id="25" name="文本框 24"/>
+          <p:cNvSpPr txBox="1"/>
+          <p:nvPr>
+            <p:custDataLst>
+              <p:tags r:id="rId8"/>
+            </p:custDataLst>
+          </p:nvPr>
+        </p:nvSpPr>
+        <p:spPr>
+          <a:xfrm>
+            <a:off x="7091045" y="4130675"/>
+            <a:ext cx="1255395" cy="368300"/>
+          </a:xfrm>
+          <a:prstGeom prst="rect">
+            <a:avLst/>
+          </a:prstGeom>
+          <a:noFill/>
+        </p:spPr>
+        <p:txBody>
+          <a:bodyPr wrap="square" rtlCol="0">
+            <a:spAutoFit/>
+          </a:bodyPr>
+          <a:p>
+            <a:r>
+              <a:rPr lang="en-US" altLang="zh-CN">
+                <a:latin typeface="Times New Roman" panose="02020603050405020304" charset="0"/>
+                <a:cs typeface="Times New Roman" panose="02020603050405020304" charset="0"/>
+              </a:rPr>
+              <a:t>Retaining </a:t>
+            </a:r>
+            <a:endParaRPr lang="en-US" altLang="zh-CN">
+              <a:latin typeface="Times New Roman" panose="02020603050405020304" charset="0"/>
+              <a:cs typeface="Times New Roman" panose="02020603050405020304" charset="0"/>
+            </a:endParaRPr>
+          </a:p>
+        </p:txBody>
+      </p:sp>
+      <p:sp>
+        <p:nvSpPr>
+          <p:cNvPr id="26" name="文本框 25"/>
+          <p:cNvSpPr txBox="1"/>
+          <p:nvPr>
+            <p:custDataLst>
+              <p:tags r:id="rId9"/>
+            </p:custDataLst>
+          </p:nvPr>
+        </p:nvSpPr>
+        <p:spPr>
+          <a:xfrm>
+            <a:off x="7146925" y="4808220"/>
+            <a:ext cx="1085215" cy="645160"/>
+          </a:xfrm>
+          <a:prstGeom prst="rect">
+            <a:avLst/>
+          </a:prstGeom>
+          <a:noFill/>
+        </p:spPr>
+        <p:txBody>
+          <a:bodyPr wrap="square" rtlCol="0" anchor="t">
+            <a:spAutoFit/>
+          </a:bodyPr>
+          <a:p>
+            <a:r>
+              <a:rPr lang="en-US" altLang="zh-CN">
+                <a:latin typeface="Times New Roman" panose="02020603050405020304" charset="0"/>
+                <a:cs typeface="Times New Roman" panose="02020603050405020304" charset="0"/>
+                <a:sym typeface="+mn-ea"/>
+              </a:rPr>
+              <a:t>95%</a:t>
+            </a:r>
+            <a:endParaRPr lang="en-US" altLang="zh-CN">
+              <a:latin typeface="Times New Roman" panose="02020603050405020304" charset="0"/>
+              <a:cs typeface="Times New Roman" panose="02020603050405020304" charset="0"/>
+              <a:sym typeface="+mn-ea"/>
+            </a:endParaRPr>
+          </a:p>
+          <a:p>
+            <a:r>
+              <a:rPr lang="en-US" altLang="zh-CN">
+                <a:latin typeface="Times New Roman" panose="02020603050405020304" charset="0"/>
+                <a:cs typeface="Times New Roman" panose="02020603050405020304" charset="0"/>
+                <a:sym typeface="+mn-ea"/>
+              </a:rPr>
+              <a:t>Variance</a:t>
+            </a:r>
+            <a:endParaRPr lang="en-US" altLang="zh-CN">
+              <a:latin typeface="Times New Roman" panose="02020603050405020304" charset="0"/>
+              <a:cs typeface="Times New Roman" panose="02020603050405020304" charset="0"/>
+              <a:sym typeface="+mn-ea"/>
+            </a:endParaRPr>
+          </a:p>
+        </p:txBody>
+      </p:sp>
+      <p:sp>
+        <p:nvSpPr>
+          <p:cNvPr id="27" name="文本框 26"/>
+          <p:cNvSpPr txBox="1"/>
+          <p:nvPr>
+            <p:custDataLst>
+              <p:tags r:id="rId10"/>
+            </p:custDataLst>
+          </p:nvPr>
+        </p:nvSpPr>
+        <p:spPr>
+          <a:xfrm>
+            <a:off x="5231765" y="4404995"/>
+            <a:ext cx="1755140" cy="368300"/>
+          </a:xfrm>
+          <a:prstGeom prst="rect">
+            <a:avLst/>
+          </a:prstGeom>
+          <a:noFill/>
+        </p:spPr>
+        <p:txBody>
+          <a:bodyPr wrap="square" rtlCol="0">
+            <a:spAutoFit/>
+          </a:bodyPr>
+          <a:p>
+            <a:r>
+              <a:rPr lang="en-US" altLang="zh-CN">
+                <a:solidFill>
+                  <a:schemeClr val="bg1"/>
+                </a:solidFill>
+              </a:rPr>
+              <a:t>393345 </a:t>
+            </a:r>
+            <a:r>
+              <a:rPr lang="zh-CN" altLang="en-US">
+                <a:solidFill>
+                  <a:schemeClr val="bg1"/>
+                </a:solidFill>
+              </a:rPr>
+              <a:t>×</a:t>
+            </a:r>
+            <a:r>
+              <a:rPr lang="en-US" altLang="zh-CN">
+                <a:solidFill>
+                  <a:schemeClr val="bg1"/>
+                </a:solidFill>
+              </a:rPr>
+              <a:t> 82</a:t>
+            </a:r>
+            <a:endParaRPr lang="en-US" altLang="zh-CN">
+              <a:solidFill>
+                <a:schemeClr val="bg1"/>
+              </a:solidFill>
+            </a:endParaRPr>
+          </a:p>
+        </p:txBody>
+      </p:sp>
+      <p:sp>
+        <p:nvSpPr>
+          <p:cNvPr id="28" name="文本框 27"/>
+          <p:cNvSpPr txBox="1"/>
+          <p:nvPr>
+            <p:custDataLst>
+              <p:tags r:id="rId11"/>
+            </p:custDataLst>
+          </p:nvPr>
+        </p:nvSpPr>
+        <p:spPr>
+          <a:xfrm>
+            <a:off x="6216015" y="6446520"/>
+            <a:ext cx="4064000" cy="368300"/>
+          </a:xfrm>
+          <a:prstGeom prst="rect">
+            <a:avLst/>
+          </a:prstGeom>
+          <a:noFill/>
+        </p:spPr>
+        <p:txBody>
+          <a:bodyPr wrap="square" rtlCol="0">
+            <a:spAutoFit/>
+          </a:bodyPr>
+          <a:p>
+            <a:r>
+              <a:rPr lang="en-US" altLang="zh-CN">
+                <a:latin typeface="Times New Roman" panose="02020603050405020304" charset="0"/>
+                <a:cs typeface="Times New Roman" panose="02020603050405020304" charset="0"/>
+              </a:rPr>
+              <a:t>Matrices after PCA</a:t>
+            </a:r>
+            <a:endParaRPr lang="en-US" altLang="zh-CN">
+              <a:latin typeface="Times New Roman" panose="02020603050405020304" charset="0"/>
+              <a:cs typeface="Times New Roman" panose="02020603050405020304" charset="0"/>
+            </a:endParaRPr>
+          </a:p>
+        </p:txBody>
+      </p:sp>
+    </p:spTree>
+    <p:custDataLst>
+      <p:tags r:id="rId12"/>
+    </p:custDataLst>
+  </p:cSld>
+  <p:clrMapOvr>
+    <a:masterClrMapping/>
+  </p:clrMapOvr>
+</p:sld>
+</file>
+
+<file path=ppt/slides/slide13.xml><?xml version="1.0" encoding="utf-8"?>
+<p:sld xmlns:a="http://schemas.openxmlformats.org/drawingml/2006/main" xmlns:r="http://schemas.openxmlformats.org/officeDocument/2006/relationships" xmlns:p="http://schemas.openxmlformats.org/presentationml/2006/main">
+  <p:cSld>
+    <p:spTree>
+      <p:nvGrpSpPr>
+        <p:cNvPr id="1" name=""/>
+        <p:cNvGrpSpPr/>
+        <p:nvPr/>
+      </p:nvGrpSpPr>
+      <p:grpSpPr/>
+      <p:sp>
+        <p:nvSpPr>
           <p:cNvPr id="2" name="标题 1"/>
           <p:cNvSpPr>
             <a:spLocks noGrp="1"/>
@@ -3847,17 +5706,1561 @@
         </p:nvSpPr>
         <p:spPr/>
         <p:txBody>
+          <a:bodyPr vert="horz" lIns="90000" tIns="46800" rIns="90000" bIns="46800" rtlCol="0" anchor="ctr" anchorCtr="0">
+            <a:normAutofit fontScale="90000"/>
+          </a:bodyPr>
+          <a:p>
+            <a:pPr lvl="0" algn="l">
+              <a:buClrTx/>
+              <a:buSzTx/>
+              <a:buFontTx/>
+            </a:pPr>
+            <a:r>
+              <a:rPr lang="en-US" altLang="zh-CN" sz="5335">
+                <a:latin typeface="Times New Roman" panose="02020603050405020304" charset="0"/>
+                <a:cs typeface="Times New Roman" panose="02020603050405020304" charset="0"/>
+                <a:sym typeface="+mn-ea"/>
+              </a:rPr>
+              <a:t>Classification Model</a:t>
+            </a:r>
+            <a:endParaRPr lang="en-US" altLang="zh-CN" sz="5335">
+              <a:latin typeface="Times New Roman" panose="02020603050405020304" charset="0"/>
+              <a:cs typeface="Times New Roman" panose="02020603050405020304" charset="0"/>
+              <a:sym typeface="+mn-ea"/>
+            </a:endParaRPr>
+          </a:p>
+        </p:txBody>
+      </p:sp>
+      <p:graphicFrame>
+        <p:nvGraphicFramePr>
+          <p:cNvPr id="10" name="表格 2"/>
+          <p:cNvGraphicFramePr>
+            <a:graphicFrameLocks noGrp="1"/>
+          </p:cNvGraphicFramePr>
+          <p:nvPr>
+            <p:custDataLst>
+              <p:tags r:id="rId1"/>
+            </p:custDataLst>
+          </p:nvPr>
+        </p:nvGraphicFramePr>
+        <p:xfrm>
+          <a:off x="2025650" y="2821305"/>
+          <a:ext cx="8128000" cy="2560320"/>
+        </p:xfrm>
+        <a:graphic>
+          <a:graphicData uri="http://schemas.openxmlformats.org/drawingml/2006/table">
+            <a:tbl>
+              <a:tblPr firstRow="1" bandRow="1">
+                <a:tableStyleId>{5C22544A-7EE6-4342-B048-85BDC9FD1C3A}</a:tableStyleId>
+              </a:tblPr>
+              <a:tblGrid>
+                <a:gridCol w="2709545"/>
+                <a:gridCol w="2708910"/>
+                <a:gridCol w="2709545"/>
+              </a:tblGrid>
+              <a:tr h="365760">
+                <a:tc>
+                  <a:txBody>
+                    <a:bodyPr/>
+                    <a:p>
+                      <a:pPr algn="ctr"/>
+                      <a:r>
+                        <a:rPr lang="en-US" altLang="zh-CN" b="0" dirty="0">
+                          <a:solidFill>
+                            <a:schemeClr val="tx1"/>
+                          </a:solidFill>
+                        </a:rPr>
+                        <a:t>Method</a:t>
+                      </a:r>
+                      <a:endParaRPr lang="en-US" altLang="zh-CN" b="0" dirty="0">
+                        <a:solidFill>
+                          <a:schemeClr val="tx1"/>
+                        </a:solidFill>
+                      </a:endParaRPr>
+                    </a:p>
+                  </a:txBody>
+                  <a:tcPr>
+                    <a:lnL w="12700" cap="flat" cmpd="sng" algn="ctr">
+                      <a:noFill/>
+                      <a:prstDash val="solid"/>
+                      <a:round/>
+                      <a:headEnd type="none" w="med" len="med"/>
+                      <a:tailEnd type="none" w="med" len="med"/>
+                    </a:lnL>
+                    <a:lnR w="12700" cap="flat" cmpd="sng" algn="ctr">
+                      <a:noFill/>
+                      <a:prstDash val="solid"/>
+                      <a:round/>
+                      <a:headEnd type="none" w="med" len="med"/>
+                      <a:tailEnd type="none" w="med" len="med"/>
+                    </a:lnR>
+                    <a:lnT w="19050" cap="flat" cmpd="sng" algn="ctr">
+                      <a:solidFill>
+                        <a:schemeClr val="tx1"/>
+                      </a:solidFill>
+                      <a:prstDash val="solid"/>
+                      <a:round/>
+                      <a:headEnd type="none" w="med" len="med"/>
+                      <a:tailEnd type="none" w="med" len="med"/>
+                    </a:lnT>
+                    <a:lnB w="19050" cap="flat" cmpd="sng" algn="ctr">
+                      <a:solidFill>
+                        <a:schemeClr val="tx1"/>
+                      </a:solidFill>
+                      <a:prstDash val="solid"/>
+                      <a:round/>
+                      <a:headEnd type="none" w="med" len="med"/>
+                      <a:tailEnd type="none" w="med" len="med"/>
+                    </a:lnB>
+                    <a:lnTlToBr w="12700" cmpd="sng">
+                      <a:noFill/>
+                      <a:prstDash val="solid"/>
+                    </a:lnTlToBr>
+                    <a:lnBlToTr w="12700" cmpd="sng">
+                      <a:noFill/>
+                      <a:prstDash val="solid"/>
+                    </a:lnBlToTr>
+                    <a:noFill/>
+                  </a:tcPr>
+                </a:tc>
+                <a:tc>
+                  <a:txBody>
+                    <a:bodyPr/>
+                    <a:p>
+                      <a:pPr algn="ctr"/>
+                      <a:r>
+                        <a:rPr lang="en-US" altLang="zh-CN" b="0" dirty="0">
+                          <a:solidFill>
+                            <a:schemeClr val="tx1"/>
+                          </a:solidFill>
+                        </a:rPr>
+                        <a:t>Accuracy in Paper</a:t>
+                      </a:r>
+                      <a:endParaRPr lang="en-US" altLang="zh-CN" b="0" dirty="0">
+                        <a:solidFill>
+                          <a:schemeClr val="tx1"/>
+                        </a:solidFill>
+                      </a:endParaRPr>
+                    </a:p>
+                  </a:txBody>
+                  <a:tcPr>
+                    <a:lnL w="12700" cap="flat" cmpd="sng" algn="ctr">
+                      <a:noFill/>
+                      <a:prstDash val="solid"/>
+                      <a:round/>
+                      <a:headEnd type="none" w="med" len="med"/>
+                      <a:tailEnd type="none" w="med" len="med"/>
+                    </a:lnL>
+                    <a:lnR w="12700" cap="flat" cmpd="sng" algn="ctr">
+                      <a:noFill/>
+                      <a:prstDash val="solid"/>
+                      <a:round/>
+                      <a:headEnd type="none" w="med" len="med"/>
+                      <a:tailEnd type="none" w="med" len="med"/>
+                    </a:lnR>
+                    <a:lnT w="19050" cap="flat" cmpd="sng" algn="ctr">
+                      <a:solidFill>
+                        <a:schemeClr val="tx1"/>
+                      </a:solidFill>
+                      <a:prstDash val="solid"/>
+                      <a:round/>
+                      <a:headEnd type="none" w="med" len="med"/>
+                      <a:tailEnd type="none" w="med" len="med"/>
+                    </a:lnT>
+                    <a:lnB w="19050" cap="flat" cmpd="sng" algn="ctr">
+                      <a:solidFill>
+                        <a:schemeClr val="tx1"/>
+                      </a:solidFill>
+                      <a:prstDash val="solid"/>
+                      <a:round/>
+                      <a:headEnd type="none" w="med" len="med"/>
+                      <a:tailEnd type="none" w="med" len="med"/>
+                    </a:lnB>
+                    <a:lnTlToBr w="12700" cmpd="sng">
+                      <a:noFill/>
+                      <a:prstDash val="solid"/>
+                    </a:lnTlToBr>
+                    <a:lnBlToTr w="12700" cmpd="sng">
+                      <a:noFill/>
+                      <a:prstDash val="solid"/>
+                    </a:lnBlToTr>
+                    <a:noFill/>
+                  </a:tcPr>
+                </a:tc>
+                <a:tc>
+                  <a:txBody>
+                    <a:bodyPr/>
+                    <a:p>
+                      <a:pPr algn="ctr"/>
+                      <a:r>
+                        <a:rPr lang="en-US" altLang="zh-CN" b="0" dirty="0">
+                          <a:solidFill>
+                            <a:schemeClr val="tx1"/>
+                          </a:solidFill>
+                        </a:rPr>
+                        <a:t>Accuracy We Get</a:t>
+                      </a:r>
+                      <a:endParaRPr lang="en-US" altLang="zh-CN" b="0" dirty="0">
+                        <a:solidFill>
+                          <a:schemeClr val="tx1"/>
+                        </a:solidFill>
+                      </a:endParaRPr>
+                    </a:p>
+                  </a:txBody>
+                  <a:tcPr>
+                    <a:lnL w="12700" cap="flat" cmpd="sng" algn="ctr">
+                      <a:noFill/>
+                      <a:prstDash val="solid"/>
+                      <a:round/>
+                      <a:headEnd type="none" w="med" len="med"/>
+                      <a:tailEnd type="none" w="med" len="med"/>
+                    </a:lnL>
+                    <a:lnR w="12700" cap="flat" cmpd="sng" algn="ctr">
+                      <a:noFill/>
+                      <a:prstDash val="solid"/>
+                      <a:round/>
+                      <a:headEnd type="none" w="med" len="med"/>
+                      <a:tailEnd type="none" w="med" len="med"/>
+                    </a:lnR>
+                    <a:lnT w="19050" cap="flat" cmpd="sng" algn="ctr">
+                      <a:solidFill>
+                        <a:schemeClr val="tx1"/>
+                      </a:solidFill>
+                      <a:prstDash val="solid"/>
+                      <a:round/>
+                      <a:headEnd type="none" w="med" len="med"/>
+                      <a:tailEnd type="none" w="med" len="med"/>
+                    </a:lnT>
+                    <a:lnB w="19050" cap="flat" cmpd="sng" algn="ctr">
+                      <a:solidFill>
+                        <a:schemeClr val="tx1"/>
+                      </a:solidFill>
+                      <a:prstDash val="solid"/>
+                      <a:round/>
+                      <a:headEnd type="none" w="med" len="med"/>
+                      <a:tailEnd type="none" w="med" len="med"/>
+                    </a:lnB>
+                    <a:lnTlToBr w="12700" cmpd="sng">
+                      <a:noFill/>
+                      <a:prstDash val="solid"/>
+                    </a:lnTlToBr>
+                    <a:lnBlToTr w="12700" cmpd="sng">
+                      <a:noFill/>
+                      <a:prstDash val="solid"/>
+                    </a:lnBlToTr>
+                    <a:noFill/>
+                  </a:tcPr>
+                </a:tc>
+              </a:tr>
+              <a:tr h="365760">
+                <a:tc>
+                  <a:txBody>
+                    <a:bodyPr/>
+                    <a:p>
+                      <a:pPr algn="ctr"/>
+                      <a:r>
+                        <a:rPr lang="en-US" altLang="zh-CN" b="0" dirty="0">
+                          <a:solidFill>
+                            <a:schemeClr val="tx1"/>
+                          </a:solidFill>
+                        </a:rPr>
+                        <a:t>SVM</a:t>
+                      </a:r>
+                      <a:endParaRPr lang="zh-CN" altLang="en-US" b="0" dirty="0">
+                        <a:solidFill>
+                          <a:schemeClr val="tx1"/>
+                        </a:solidFill>
+                      </a:endParaRPr>
+                    </a:p>
+                  </a:txBody>
+                  <a:tcPr>
+                    <a:lnL w="12700" cap="flat" cmpd="sng" algn="ctr">
+                      <a:noFill/>
+                      <a:prstDash val="solid"/>
+                      <a:round/>
+                      <a:headEnd type="none" w="med" len="med"/>
+                      <a:tailEnd type="none" w="med" len="med"/>
+                    </a:lnL>
+                    <a:lnR w="12700" cap="flat" cmpd="sng" algn="ctr">
+                      <a:noFill/>
+                      <a:prstDash val="solid"/>
+                      <a:round/>
+                      <a:headEnd type="none" w="med" len="med"/>
+                      <a:tailEnd type="none" w="med" len="med"/>
+                    </a:lnR>
+                    <a:lnT w="19050" cap="flat" cmpd="sng" algn="ctr">
+                      <a:solidFill>
+                        <a:schemeClr val="tx1"/>
+                      </a:solidFill>
+                      <a:prstDash val="solid"/>
+                      <a:round/>
+                      <a:headEnd type="none" w="med" len="med"/>
+                      <a:tailEnd type="none" w="med" len="med"/>
+                    </a:lnT>
+                    <a:lnB w="12700" cap="flat" cmpd="sng" algn="ctr">
+                      <a:noFill/>
+                      <a:prstDash val="solid"/>
+                      <a:round/>
+                      <a:headEnd type="none" w="med" len="med"/>
+                      <a:tailEnd type="none" w="med" len="med"/>
+                    </a:lnB>
+                    <a:lnTlToBr w="12700" cmpd="sng">
+                      <a:noFill/>
+                      <a:prstDash val="solid"/>
+                    </a:lnTlToBr>
+                    <a:lnBlToTr w="12700" cmpd="sng">
+                      <a:noFill/>
+                      <a:prstDash val="solid"/>
+                    </a:lnBlToTr>
+                    <a:noFill/>
+                  </a:tcPr>
+                </a:tc>
+                <a:tc>
+                  <a:txBody>
+                    <a:bodyPr/>
+                    <a:p>
+                      <a:pPr marL="0" marR="0" lvl="0" indent="0" algn="ctr" defTabSz="913765" rtl="0" eaLnBrk="1" fontAlgn="auto" latinLnBrk="0" hangingPunct="1">
+                        <a:lnSpc>
+                          <a:spcPct val="100000"/>
+                        </a:lnSpc>
+                        <a:spcBef>
+                          <a:spcPts val="0"/>
+                        </a:spcBef>
+                        <a:spcAft>
+                          <a:spcPts val="0"/>
+                        </a:spcAft>
+                        <a:buClrTx/>
+                        <a:buSzTx/>
+                        <a:buFontTx/>
+                        <a:buNone/>
+                        <a:defRPr/>
+                      </a:pPr>
+                      <a:r>
+                        <a:rPr lang="en-US" altLang="zh-CN" b="0" dirty="0">
+                          <a:solidFill>
+                            <a:schemeClr val="tx1"/>
+                          </a:solidFill>
+                        </a:rPr>
+                        <a:t>not mentioned</a:t>
+                      </a:r>
+                      <a:endParaRPr lang="en-US" altLang="zh-CN" b="0" dirty="0">
+                        <a:solidFill>
+                          <a:schemeClr val="tx1"/>
+                        </a:solidFill>
+                      </a:endParaRPr>
+                    </a:p>
+                  </a:txBody>
+                  <a:tcPr>
+                    <a:lnL w="12700" cap="flat" cmpd="sng" algn="ctr">
+                      <a:noFill/>
+                      <a:prstDash val="solid"/>
+                      <a:round/>
+                      <a:headEnd type="none" w="med" len="med"/>
+                      <a:tailEnd type="none" w="med" len="med"/>
+                    </a:lnL>
+                    <a:lnR w="12700" cap="flat" cmpd="sng" algn="ctr">
+                      <a:noFill/>
+                      <a:prstDash val="solid"/>
+                      <a:round/>
+                      <a:headEnd type="none" w="med" len="med"/>
+                      <a:tailEnd type="none" w="med" len="med"/>
+                    </a:lnR>
+                    <a:lnT w="19050" cap="flat" cmpd="sng" algn="ctr">
+                      <a:solidFill>
+                        <a:schemeClr val="tx1"/>
+                      </a:solidFill>
+                      <a:prstDash val="solid"/>
+                      <a:round/>
+                      <a:headEnd type="none" w="med" len="med"/>
+                      <a:tailEnd type="none" w="med" len="med"/>
+                    </a:lnT>
+                    <a:lnB w="12700" cap="flat" cmpd="sng" algn="ctr">
+                      <a:noFill/>
+                      <a:prstDash val="solid"/>
+                      <a:round/>
+                      <a:headEnd type="none" w="med" len="med"/>
+                      <a:tailEnd type="none" w="med" len="med"/>
+                    </a:lnB>
+                    <a:lnTlToBr w="12700" cmpd="sng">
+                      <a:noFill/>
+                      <a:prstDash val="solid"/>
+                    </a:lnTlToBr>
+                    <a:lnBlToTr w="12700" cmpd="sng">
+                      <a:noFill/>
+                      <a:prstDash val="solid"/>
+                    </a:lnBlToTr>
+                    <a:noFill/>
+                  </a:tcPr>
+                </a:tc>
+                <a:tc>
+                  <a:txBody>
+                    <a:bodyPr/>
+                    <a:p>
+                      <a:pPr algn="ctr"/>
+                      <a:r>
+                        <a:rPr lang="en-US" altLang="zh-CN" b="0" dirty="0">
+                          <a:solidFill>
+                            <a:schemeClr val="tx1"/>
+                          </a:solidFill>
+                        </a:rPr>
+                        <a:t>0.78</a:t>
+                      </a:r>
+                      <a:endParaRPr lang="en-US" altLang="zh-CN" b="0" dirty="0">
+                        <a:solidFill>
+                          <a:schemeClr val="tx1"/>
+                        </a:solidFill>
+                      </a:endParaRPr>
+                    </a:p>
+                  </a:txBody>
+                  <a:tcPr>
+                    <a:lnL w="12700" cap="flat" cmpd="sng" algn="ctr">
+                      <a:noFill/>
+                      <a:prstDash val="solid"/>
+                      <a:round/>
+                      <a:headEnd type="none" w="med" len="med"/>
+                      <a:tailEnd type="none" w="med" len="med"/>
+                    </a:lnL>
+                    <a:lnR w="12700" cap="flat" cmpd="sng" algn="ctr">
+                      <a:noFill/>
+                      <a:prstDash val="solid"/>
+                      <a:round/>
+                      <a:headEnd type="none" w="med" len="med"/>
+                      <a:tailEnd type="none" w="med" len="med"/>
+                    </a:lnR>
+                    <a:lnT w="19050" cap="flat" cmpd="sng" algn="ctr">
+                      <a:solidFill>
+                        <a:schemeClr val="tx1"/>
+                      </a:solidFill>
+                      <a:prstDash val="solid"/>
+                      <a:round/>
+                      <a:headEnd type="none" w="med" len="med"/>
+                      <a:tailEnd type="none" w="med" len="med"/>
+                    </a:lnT>
+                    <a:lnB w="12700" cap="flat" cmpd="sng" algn="ctr">
+                      <a:noFill/>
+                      <a:prstDash val="solid"/>
+                      <a:round/>
+                      <a:headEnd type="none" w="med" len="med"/>
+                      <a:tailEnd type="none" w="med" len="med"/>
+                    </a:lnB>
+                    <a:lnTlToBr w="12700" cmpd="sng">
+                      <a:noFill/>
+                      <a:prstDash val="solid"/>
+                    </a:lnTlToBr>
+                    <a:lnBlToTr w="12700" cmpd="sng">
+                      <a:noFill/>
+                      <a:prstDash val="solid"/>
+                    </a:lnBlToTr>
+                    <a:noFill/>
+                  </a:tcPr>
+                </a:tc>
+              </a:tr>
+              <a:tr h="365760">
+                <a:tc>
+                  <a:txBody>
+                    <a:bodyPr/>
+                    <a:p>
+                      <a:pPr algn="ctr"/>
+                      <a:r>
+                        <a:rPr lang="en-US" altLang="zh-CN" b="0" dirty="0">
+                          <a:solidFill>
+                            <a:schemeClr val="tx1"/>
+                          </a:solidFill>
+                        </a:rPr>
+                        <a:t>Logistic regr.</a:t>
+                      </a:r>
+                      <a:endParaRPr lang="en-US" altLang="zh-CN" b="0" dirty="0">
+                        <a:solidFill>
+                          <a:schemeClr val="tx1"/>
+                        </a:solidFill>
+                      </a:endParaRPr>
+                    </a:p>
+                  </a:txBody>
+                  <a:tcPr>
+                    <a:lnL w="12700" cap="flat" cmpd="sng" algn="ctr">
+                      <a:noFill/>
+                      <a:prstDash val="solid"/>
+                      <a:round/>
+                      <a:headEnd type="none" w="med" len="med"/>
+                      <a:tailEnd type="none" w="med" len="med"/>
+                    </a:lnL>
+                    <a:lnR w="12700" cap="flat" cmpd="sng" algn="ctr">
+                      <a:noFill/>
+                      <a:prstDash val="solid"/>
+                      <a:round/>
+                      <a:headEnd type="none" w="med" len="med"/>
+                      <a:tailEnd type="none" w="med" len="med"/>
+                    </a:lnR>
+                    <a:lnT w="19050" cap="flat" cmpd="sng" algn="ctr">
+                      <a:noFill/>
+                      <a:prstDash val="solid"/>
+                      <a:round/>
+                      <a:headEnd type="none" w="med" len="med"/>
+                      <a:tailEnd type="none" w="med" len="med"/>
+                    </a:lnT>
+                    <a:lnB w="12700" cap="flat" cmpd="sng" algn="ctr">
+                      <a:noFill/>
+                      <a:prstDash val="solid"/>
+                      <a:round/>
+                      <a:headEnd type="none" w="med" len="med"/>
+                      <a:tailEnd type="none" w="med" len="med"/>
+                    </a:lnB>
+                    <a:lnTlToBr w="12700" cmpd="sng">
+                      <a:noFill/>
+                      <a:prstDash val="solid"/>
+                    </a:lnTlToBr>
+                    <a:lnBlToTr w="12700" cmpd="sng">
+                      <a:noFill/>
+                      <a:prstDash val="solid"/>
+                    </a:lnBlToTr>
+                    <a:noFill/>
+                  </a:tcPr>
+                </a:tc>
+                <a:tc>
+                  <a:txBody>
+                    <a:bodyPr/>
+                    <a:p>
+                      <a:pPr marL="0" marR="0" lvl="0" indent="0" algn="ctr" defTabSz="913765" rtl="0" eaLnBrk="1" fontAlgn="auto" latinLnBrk="0" hangingPunct="1">
+                        <a:lnSpc>
+                          <a:spcPct val="100000"/>
+                        </a:lnSpc>
+                        <a:spcBef>
+                          <a:spcPts val="0"/>
+                        </a:spcBef>
+                        <a:spcAft>
+                          <a:spcPts val="0"/>
+                        </a:spcAft>
+                        <a:buClrTx/>
+                        <a:buSzTx/>
+                        <a:buFontTx/>
+                        <a:buNone/>
+                        <a:defRPr/>
+                      </a:pPr>
+                      <a:r>
+                        <a:rPr lang="en-US" altLang="zh-CN" b="0" dirty="0">
+                          <a:solidFill>
+                            <a:schemeClr val="tx1"/>
+                          </a:solidFill>
+                        </a:rPr>
+                        <a:t>0.863</a:t>
+                      </a:r>
+                      <a:endParaRPr lang="zh-CN" altLang="en-US" b="0" dirty="0">
+                        <a:solidFill>
+                          <a:schemeClr val="tx1"/>
+                        </a:solidFill>
+                      </a:endParaRPr>
+                    </a:p>
+                  </a:txBody>
+                  <a:tcPr>
+                    <a:lnL w="12700" cap="flat" cmpd="sng" algn="ctr">
+                      <a:noFill/>
+                      <a:prstDash val="solid"/>
+                      <a:round/>
+                      <a:headEnd type="none" w="med" len="med"/>
+                      <a:tailEnd type="none" w="med" len="med"/>
+                    </a:lnL>
+                    <a:lnR w="12700" cap="flat" cmpd="sng" algn="ctr">
+                      <a:noFill/>
+                      <a:prstDash val="solid"/>
+                      <a:round/>
+                      <a:headEnd type="none" w="med" len="med"/>
+                      <a:tailEnd type="none" w="med" len="med"/>
+                    </a:lnR>
+                    <a:lnT w="19050" cap="flat" cmpd="sng" algn="ctr">
+                      <a:noFill/>
+                      <a:prstDash val="solid"/>
+                      <a:round/>
+                      <a:headEnd type="none" w="med" len="med"/>
+                      <a:tailEnd type="none" w="med" len="med"/>
+                    </a:lnT>
+                    <a:lnB w="12700" cap="flat" cmpd="sng" algn="ctr">
+                      <a:noFill/>
+                      <a:prstDash val="solid"/>
+                      <a:round/>
+                      <a:headEnd type="none" w="med" len="med"/>
+                      <a:tailEnd type="none" w="med" len="med"/>
+                    </a:lnB>
+                    <a:lnTlToBr w="12700" cmpd="sng">
+                      <a:noFill/>
+                      <a:prstDash val="solid"/>
+                    </a:lnTlToBr>
+                    <a:lnBlToTr w="12700" cmpd="sng">
+                      <a:noFill/>
+                      <a:prstDash val="solid"/>
+                    </a:lnBlToTr>
+                    <a:noFill/>
+                  </a:tcPr>
+                </a:tc>
+                <a:tc>
+                  <a:txBody>
+                    <a:bodyPr/>
+                    <a:p>
+                      <a:pPr algn="ctr"/>
+                      <a:r>
+                        <a:rPr lang="en-US" altLang="zh-CN" b="0" dirty="0">
+                          <a:solidFill>
+                            <a:schemeClr val="tx1"/>
+                          </a:solidFill>
+                        </a:rPr>
+                        <a:t>0.878</a:t>
+                      </a:r>
+                      <a:endParaRPr lang="en-US" altLang="zh-CN" b="0" dirty="0">
+                        <a:solidFill>
+                          <a:schemeClr val="tx1"/>
+                        </a:solidFill>
+                      </a:endParaRPr>
+                    </a:p>
+                  </a:txBody>
+                  <a:tcPr>
+                    <a:lnL w="12700" cap="flat" cmpd="sng" algn="ctr">
+                      <a:noFill/>
+                      <a:prstDash val="solid"/>
+                      <a:round/>
+                      <a:headEnd type="none" w="med" len="med"/>
+                      <a:tailEnd type="none" w="med" len="med"/>
+                    </a:lnL>
+                    <a:lnR w="12700" cap="flat" cmpd="sng" algn="ctr">
+                      <a:noFill/>
+                      <a:prstDash val="solid"/>
+                      <a:round/>
+                      <a:headEnd type="none" w="med" len="med"/>
+                      <a:tailEnd type="none" w="med" len="med"/>
+                    </a:lnR>
+                    <a:lnT w="19050" cap="flat" cmpd="sng" algn="ctr">
+                      <a:noFill/>
+                      <a:prstDash val="solid"/>
+                      <a:round/>
+                      <a:headEnd type="none" w="med" len="med"/>
+                      <a:tailEnd type="none" w="med" len="med"/>
+                    </a:lnT>
+                    <a:lnB w="12700" cap="flat" cmpd="sng" algn="ctr">
+                      <a:noFill/>
+                      <a:prstDash val="solid"/>
+                      <a:round/>
+                      <a:headEnd type="none" w="med" len="med"/>
+                      <a:tailEnd type="none" w="med" len="med"/>
+                    </a:lnB>
+                    <a:lnTlToBr w="12700" cmpd="sng">
+                      <a:noFill/>
+                      <a:prstDash val="solid"/>
+                    </a:lnTlToBr>
+                    <a:lnBlToTr w="12700" cmpd="sng">
+                      <a:noFill/>
+                      <a:prstDash val="solid"/>
+                    </a:lnBlToTr>
+                    <a:noFill/>
+                  </a:tcPr>
+                </a:tc>
+              </a:tr>
+              <a:tr h="365760">
+                <a:tc>
+                  <a:txBody>
+                    <a:bodyPr/>
+                    <a:p>
+                      <a:pPr algn="ctr"/>
+                      <a:r>
+                        <a:rPr lang="en-US" altLang="zh-CN" b="0" dirty="0">
+                          <a:solidFill>
+                            <a:schemeClr val="tx1"/>
+                          </a:solidFill>
+                        </a:rPr>
+                        <a:t>Catboost</a:t>
+                      </a:r>
+                      <a:endParaRPr lang="zh-CN" altLang="en-US" b="0" dirty="0">
+                        <a:solidFill>
+                          <a:schemeClr val="tx1"/>
+                        </a:solidFill>
+                      </a:endParaRPr>
+                    </a:p>
+                  </a:txBody>
+                  <a:tcPr>
+                    <a:lnL w="12700" cap="flat" cmpd="sng" algn="ctr">
+                      <a:noFill/>
+                      <a:prstDash val="solid"/>
+                      <a:round/>
+                      <a:headEnd type="none" w="med" len="med"/>
+                      <a:tailEnd type="none" w="med" len="med"/>
+                    </a:lnL>
+                    <a:lnR w="12700" cap="flat" cmpd="sng" algn="ctr">
+                      <a:noFill/>
+                      <a:prstDash val="solid"/>
+                      <a:round/>
+                      <a:headEnd type="none" w="med" len="med"/>
+                      <a:tailEnd type="none" w="med" len="med"/>
+                    </a:lnR>
+                    <a:lnT w="12700" cap="flat" cmpd="sng" algn="ctr">
+                      <a:noFill/>
+                      <a:prstDash val="solid"/>
+                      <a:round/>
+                      <a:headEnd type="none" w="med" len="med"/>
+                      <a:tailEnd type="none" w="med" len="med"/>
+                    </a:lnT>
+                    <a:lnB w="12700" cap="flat" cmpd="sng" algn="ctr">
+                      <a:noFill/>
+                      <a:prstDash val="solid"/>
+                      <a:round/>
+                      <a:headEnd type="none" w="med" len="med"/>
+                      <a:tailEnd type="none" w="med" len="med"/>
+                    </a:lnB>
+                    <a:lnTlToBr w="12700" cmpd="sng">
+                      <a:noFill/>
+                      <a:prstDash val="solid"/>
+                    </a:lnTlToBr>
+                    <a:lnBlToTr w="12700" cmpd="sng">
+                      <a:noFill/>
+                      <a:prstDash val="solid"/>
+                    </a:lnBlToTr>
+                    <a:noFill/>
+                  </a:tcPr>
+                </a:tc>
+                <a:tc>
+                  <a:txBody>
+                    <a:bodyPr/>
+                    <a:p>
+                      <a:pPr marL="0" marR="0" lvl="0" indent="0" algn="ctr" defTabSz="913765" rtl="0" eaLnBrk="1" fontAlgn="auto" latinLnBrk="0" hangingPunct="1">
+                        <a:lnSpc>
+                          <a:spcPct val="100000"/>
+                        </a:lnSpc>
+                        <a:spcBef>
+                          <a:spcPts val="0"/>
+                        </a:spcBef>
+                        <a:spcAft>
+                          <a:spcPts val="0"/>
+                        </a:spcAft>
+                        <a:buClrTx/>
+                        <a:buSzTx/>
+                        <a:buFontTx/>
+                        <a:buNone/>
+                        <a:defRPr/>
+                      </a:pPr>
+                      <a:r>
+                        <a:rPr lang="en-US" altLang="zh-CN" b="0" dirty="0">
+                          <a:solidFill>
+                            <a:schemeClr val="tx1"/>
+                          </a:solidFill>
+                        </a:rPr>
+                        <a:t>0.864</a:t>
+                      </a:r>
+                      <a:endParaRPr lang="zh-CN" altLang="en-US" b="0" dirty="0">
+                        <a:solidFill>
+                          <a:schemeClr val="tx1"/>
+                        </a:solidFill>
+                      </a:endParaRPr>
+                    </a:p>
+                  </a:txBody>
+                  <a:tcPr>
+                    <a:lnL w="12700" cap="flat" cmpd="sng" algn="ctr">
+                      <a:noFill/>
+                      <a:prstDash val="solid"/>
+                      <a:round/>
+                      <a:headEnd type="none" w="med" len="med"/>
+                      <a:tailEnd type="none" w="med" len="med"/>
+                    </a:lnL>
+                    <a:lnR w="12700" cap="flat" cmpd="sng" algn="ctr">
+                      <a:noFill/>
+                      <a:prstDash val="solid"/>
+                      <a:round/>
+                      <a:headEnd type="none" w="med" len="med"/>
+                      <a:tailEnd type="none" w="med" len="med"/>
+                    </a:lnR>
+                    <a:lnT w="12700" cap="flat" cmpd="sng" algn="ctr">
+                      <a:noFill/>
+                      <a:prstDash val="solid"/>
+                      <a:round/>
+                      <a:headEnd type="none" w="med" len="med"/>
+                      <a:tailEnd type="none" w="med" len="med"/>
+                    </a:lnT>
+                    <a:lnB w="12700" cap="flat" cmpd="sng" algn="ctr">
+                      <a:noFill/>
+                      <a:prstDash val="solid"/>
+                      <a:round/>
+                      <a:headEnd type="none" w="med" len="med"/>
+                      <a:tailEnd type="none" w="med" len="med"/>
+                    </a:lnB>
+                    <a:lnTlToBr w="12700" cmpd="sng">
+                      <a:noFill/>
+                      <a:prstDash val="solid"/>
+                    </a:lnTlToBr>
+                    <a:lnBlToTr w="12700" cmpd="sng">
+                      <a:noFill/>
+                      <a:prstDash val="solid"/>
+                    </a:lnBlToTr>
+                    <a:noFill/>
+                  </a:tcPr>
+                </a:tc>
+                <a:tc>
+                  <a:txBody>
+                    <a:bodyPr/>
+                    <a:p>
+                      <a:pPr algn="ctr"/>
+                      <a:r>
+                        <a:rPr lang="en-US" altLang="zh-CN" b="0" dirty="0">
+                          <a:solidFill>
+                            <a:schemeClr val="tx1"/>
+                          </a:solidFill>
+                        </a:rPr>
+                        <a:t>Under Construction</a:t>
+                      </a:r>
+                      <a:endParaRPr lang="zh-CN" altLang="en-US" b="0" dirty="0">
+                        <a:solidFill>
+                          <a:schemeClr val="tx1"/>
+                        </a:solidFill>
+                      </a:endParaRPr>
+                    </a:p>
+                  </a:txBody>
+                  <a:tcPr>
+                    <a:lnL w="12700" cap="flat" cmpd="sng" algn="ctr">
+                      <a:noFill/>
+                      <a:prstDash val="solid"/>
+                      <a:round/>
+                      <a:headEnd type="none" w="med" len="med"/>
+                      <a:tailEnd type="none" w="med" len="med"/>
+                    </a:lnL>
+                    <a:lnR w="12700" cap="flat" cmpd="sng" algn="ctr">
+                      <a:noFill/>
+                      <a:prstDash val="solid"/>
+                      <a:round/>
+                      <a:headEnd type="none" w="med" len="med"/>
+                      <a:tailEnd type="none" w="med" len="med"/>
+                    </a:lnR>
+                    <a:lnT w="12700" cap="flat" cmpd="sng" algn="ctr">
+                      <a:noFill/>
+                      <a:prstDash val="solid"/>
+                      <a:round/>
+                      <a:headEnd type="none" w="med" len="med"/>
+                      <a:tailEnd type="none" w="med" len="med"/>
+                    </a:lnT>
+                    <a:lnB w="12700" cap="flat" cmpd="sng" algn="ctr">
+                      <a:noFill/>
+                      <a:prstDash val="solid"/>
+                      <a:round/>
+                      <a:headEnd type="none" w="med" len="med"/>
+                      <a:tailEnd type="none" w="med" len="med"/>
+                    </a:lnB>
+                    <a:lnTlToBr w="12700" cmpd="sng">
+                      <a:noFill/>
+                      <a:prstDash val="solid"/>
+                    </a:lnTlToBr>
+                    <a:lnBlToTr w="12700" cmpd="sng">
+                      <a:noFill/>
+                      <a:prstDash val="solid"/>
+                    </a:lnBlToTr>
+                    <a:noFill/>
+                  </a:tcPr>
+                </a:tc>
+              </a:tr>
+              <a:tr h="365760">
+                <a:tc>
+                  <a:txBody>
+                    <a:bodyPr/>
+                    <a:p>
+                      <a:pPr algn="ctr"/>
+                      <a:r>
+                        <a:rPr lang="en-US" altLang="zh-CN" b="0" dirty="0">
+                          <a:solidFill>
+                            <a:schemeClr val="tx1"/>
+                          </a:solidFill>
+                        </a:rPr>
+                        <a:t>BP Network</a:t>
+                      </a:r>
+                      <a:endParaRPr lang="zh-CN" altLang="en-US" b="0" dirty="0">
+                        <a:solidFill>
+                          <a:schemeClr val="tx1"/>
+                        </a:solidFill>
+                      </a:endParaRPr>
+                    </a:p>
+                  </a:txBody>
+                  <a:tcPr>
+                    <a:lnL w="12700" cap="flat" cmpd="sng" algn="ctr">
+                      <a:noFill/>
+                      <a:prstDash val="solid"/>
+                      <a:round/>
+                      <a:headEnd type="none" w="med" len="med"/>
+                      <a:tailEnd type="none" w="med" len="med"/>
+                    </a:lnL>
+                    <a:lnR w="12700" cap="flat" cmpd="sng" algn="ctr">
+                      <a:noFill/>
+                      <a:prstDash val="solid"/>
+                      <a:round/>
+                      <a:headEnd type="none" w="med" len="med"/>
+                      <a:tailEnd type="none" w="med" len="med"/>
+                    </a:lnR>
+                    <a:lnT w="12700" cap="flat" cmpd="sng" algn="ctr">
+                      <a:noFill/>
+                      <a:prstDash val="solid"/>
+                      <a:round/>
+                      <a:headEnd type="none" w="med" len="med"/>
+                      <a:tailEnd type="none" w="med" len="med"/>
+                    </a:lnT>
+                    <a:lnB w="12700" cap="flat" cmpd="sng" algn="ctr">
+                      <a:noFill/>
+                      <a:prstDash val="solid"/>
+                      <a:round/>
+                      <a:headEnd type="none" w="med" len="med"/>
+                      <a:tailEnd type="none" w="med" len="med"/>
+                    </a:lnB>
+                    <a:lnTlToBr w="12700" cmpd="sng">
+                      <a:noFill/>
+                      <a:prstDash val="solid"/>
+                    </a:lnTlToBr>
+                    <a:lnBlToTr w="12700" cmpd="sng">
+                      <a:noFill/>
+                      <a:prstDash val="solid"/>
+                    </a:lnBlToTr>
+                    <a:noFill/>
+                  </a:tcPr>
+                </a:tc>
+                <a:tc>
+                  <a:txBody>
+                    <a:bodyPr/>
+                    <a:p>
+                      <a:pPr marL="0" marR="0" lvl="0" indent="0" algn="ctr" defTabSz="913765" rtl="0" eaLnBrk="1" fontAlgn="auto" latinLnBrk="0" hangingPunct="1">
+                        <a:lnSpc>
+                          <a:spcPct val="100000"/>
+                        </a:lnSpc>
+                        <a:spcBef>
+                          <a:spcPts val="0"/>
+                        </a:spcBef>
+                        <a:spcAft>
+                          <a:spcPts val="0"/>
+                        </a:spcAft>
+                        <a:buClrTx/>
+                        <a:buSzTx/>
+                        <a:buFontTx/>
+                        <a:buNone/>
+                        <a:defRPr/>
+                      </a:pPr>
+                      <a:r>
+                        <a:rPr lang="en-US" altLang="zh-CN" b="0" dirty="0">
+                          <a:solidFill>
+                            <a:schemeClr val="tx1"/>
+                          </a:solidFill>
+                        </a:rPr>
+                        <a:t>not mentioned</a:t>
+                      </a:r>
+                      <a:endParaRPr lang="zh-CN" altLang="en-US" b="0" dirty="0">
+                        <a:solidFill>
+                          <a:schemeClr val="tx1"/>
+                        </a:solidFill>
+                      </a:endParaRPr>
+                    </a:p>
+                  </a:txBody>
+                  <a:tcPr>
+                    <a:lnL w="12700" cap="flat" cmpd="sng" algn="ctr">
+                      <a:noFill/>
+                      <a:prstDash val="solid"/>
+                      <a:round/>
+                      <a:headEnd type="none" w="med" len="med"/>
+                      <a:tailEnd type="none" w="med" len="med"/>
+                    </a:lnL>
+                    <a:lnR w="12700" cap="flat" cmpd="sng" algn="ctr">
+                      <a:noFill/>
+                      <a:prstDash val="solid"/>
+                      <a:round/>
+                      <a:headEnd type="none" w="med" len="med"/>
+                      <a:tailEnd type="none" w="med" len="med"/>
+                    </a:lnR>
+                    <a:lnT w="12700" cap="flat" cmpd="sng" algn="ctr">
+                      <a:noFill/>
+                      <a:prstDash val="solid"/>
+                      <a:round/>
+                      <a:headEnd type="none" w="med" len="med"/>
+                      <a:tailEnd type="none" w="med" len="med"/>
+                    </a:lnT>
+                    <a:lnB w="12700" cap="flat" cmpd="sng" algn="ctr">
+                      <a:noFill/>
+                      <a:prstDash val="solid"/>
+                      <a:round/>
+                      <a:headEnd type="none" w="med" len="med"/>
+                      <a:tailEnd type="none" w="med" len="med"/>
+                    </a:lnB>
+                    <a:lnTlToBr w="12700" cmpd="sng">
+                      <a:noFill/>
+                      <a:prstDash val="solid"/>
+                    </a:lnTlToBr>
+                    <a:lnBlToTr w="12700" cmpd="sng">
+                      <a:noFill/>
+                      <a:prstDash val="solid"/>
+                    </a:lnBlToTr>
+                    <a:noFill/>
+                  </a:tcPr>
+                </a:tc>
+                <a:tc>
+                  <a:txBody>
+                    <a:bodyPr/>
+                    <a:p>
+                      <a:pPr algn="ctr"/>
+                      <a:r>
+                        <a:rPr lang="en-US" altLang="zh-CN" b="0" dirty="0">
+                          <a:solidFill>
+                            <a:schemeClr val="tx1"/>
+                          </a:solidFill>
+                        </a:rPr>
+                        <a:t>Under Construction</a:t>
+                      </a:r>
+                      <a:endParaRPr lang="zh-CN" altLang="en-US" b="0" dirty="0">
+                        <a:solidFill>
+                          <a:schemeClr val="tx1"/>
+                        </a:solidFill>
+                      </a:endParaRPr>
+                    </a:p>
+                  </a:txBody>
+                  <a:tcPr>
+                    <a:lnL w="12700" cap="flat" cmpd="sng" algn="ctr">
+                      <a:noFill/>
+                      <a:prstDash val="solid"/>
+                      <a:round/>
+                      <a:headEnd type="none" w="med" len="med"/>
+                      <a:tailEnd type="none" w="med" len="med"/>
+                    </a:lnL>
+                    <a:lnR w="12700" cap="flat" cmpd="sng" algn="ctr">
+                      <a:noFill/>
+                      <a:prstDash val="solid"/>
+                      <a:round/>
+                      <a:headEnd type="none" w="med" len="med"/>
+                      <a:tailEnd type="none" w="med" len="med"/>
+                    </a:lnR>
+                    <a:lnT w="12700" cap="flat" cmpd="sng" algn="ctr">
+                      <a:noFill/>
+                      <a:prstDash val="solid"/>
+                      <a:round/>
+                      <a:headEnd type="none" w="med" len="med"/>
+                      <a:tailEnd type="none" w="med" len="med"/>
+                    </a:lnT>
+                    <a:lnB w="12700" cap="flat" cmpd="sng" algn="ctr">
+                      <a:noFill/>
+                      <a:prstDash val="solid"/>
+                      <a:round/>
+                      <a:headEnd type="none" w="med" len="med"/>
+                      <a:tailEnd type="none" w="med" len="med"/>
+                    </a:lnB>
+                    <a:lnTlToBr w="12700" cmpd="sng">
+                      <a:noFill/>
+                      <a:prstDash val="solid"/>
+                    </a:lnTlToBr>
+                    <a:lnBlToTr w="12700" cmpd="sng">
+                      <a:noFill/>
+                      <a:prstDash val="solid"/>
+                    </a:lnBlToTr>
+                    <a:noFill/>
+                  </a:tcPr>
+                </a:tc>
+              </a:tr>
+              <a:tr h="365760">
+                <a:tc>
+                  <a:txBody>
+                    <a:bodyPr/>
+                    <a:p>
+                      <a:pPr algn="ctr"/>
+                      <a:endParaRPr lang="zh-CN" altLang="en-US" b="0" dirty="0">
+                        <a:solidFill>
+                          <a:schemeClr val="tx1"/>
+                        </a:solidFill>
+                      </a:endParaRPr>
+                    </a:p>
+                  </a:txBody>
+                  <a:tcPr>
+                    <a:lnL w="12700" cap="flat" cmpd="sng" algn="ctr">
+                      <a:noFill/>
+                      <a:prstDash val="solid"/>
+                      <a:round/>
+                      <a:headEnd type="none" w="med" len="med"/>
+                      <a:tailEnd type="none" w="med" len="med"/>
+                    </a:lnL>
+                    <a:lnR w="12700" cap="flat" cmpd="sng" algn="ctr">
+                      <a:noFill/>
+                      <a:prstDash val="solid"/>
+                      <a:round/>
+                      <a:headEnd type="none" w="med" len="med"/>
+                      <a:tailEnd type="none" w="med" len="med"/>
+                    </a:lnR>
+                    <a:lnT w="12700" cap="flat" cmpd="sng" algn="ctr">
+                      <a:noFill/>
+                      <a:prstDash val="solid"/>
+                      <a:round/>
+                      <a:headEnd type="none" w="med" len="med"/>
+                      <a:tailEnd type="none" w="med" len="med"/>
+                    </a:lnT>
+                    <a:lnB w="12700" cap="flat" cmpd="sng" algn="ctr">
+                      <a:noFill/>
+                      <a:prstDash val="solid"/>
+                      <a:round/>
+                      <a:headEnd type="none" w="med" len="med"/>
+                      <a:tailEnd type="none" w="med" len="med"/>
+                    </a:lnB>
+                    <a:lnTlToBr w="12700" cmpd="sng">
+                      <a:noFill/>
+                      <a:prstDash val="solid"/>
+                    </a:lnTlToBr>
+                    <a:lnBlToTr w="12700" cmpd="sng">
+                      <a:noFill/>
+                      <a:prstDash val="solid"/>
+                    </a:lnBlToTr>
+                    <a:noFill/>
+                  </a:tcPr>
+                </a:tc>
+                <a:tc>
+                  <a:txBody>
+                    <a:bodyPr/>
+                    <a:p>
+                      <a:pPr marL="0" marR="0" lvl="0" indent="0" algn="ctr" defTabSz="913765" rtl="0" eaLnBrk="1" fontAlgn="auto" latinLnBrk="0" hangingPunct="1">
+                        <a:lnSpc>
+                          <a:spcPct val="100000"/>
+                        </a:lnSpc>
+                        <a:spcBef>
+                          <a:spcPts val="0"/>
+                        </a:spcBef>
+                        <a:spcAft>
+                          <a:spcPts val="0"/>
+                        </a:spcAft>
+                        <a:buClrTx/>
+                        <a:buSzTx/>
+                        <a:buFontTx/>
+                        <a:buNone/>
+                        <a:defRPr/>
+                      </a:pPr>
+                      <a:endParaRPr lang="en-US" altLang="zh-CN" b="0" dirty="0">
+                        <a:solidFill>
+                          <a:schemeClr val="tx1"/>
+                        </a:solidFill>
+                      </a:endParaRPr>
+                    </a:p>
+                  </a:txBody>
+                  <a:tcPr>
+                    <a:lnL w="12700" cap="flat" cmpd="sng" algn="ctr">
+                      <a:noFill/>
+                      <a:prstDash val="solid"/>
+                      <a:round/>
+                      <a:headEnd type="none" w="med" len="med"/>
+                      <a:tailEnd type="none" w="med" len="med"/>
+                    </a:lnL>
+                    <a:lnR w="12700" cap="flat" cmpd="sng" algn="ctr">
+                      <a:noFill/>
+                      <a:prstDash val="solid"/>
+                      <a:round/>
+                      <a:headEnd type="none" w="med" len="med"/>
+                      <a:tailEnd type="none" w="med" len="med"/>
+                    </a:lnR>
+                    <a:lnT w="12700" cap="flat" cmpd="sng" algn="ctr">
+                      <a:noFill/>
+                      <a:prstDash val="solid"/>
+                      <a:round/>
+                      <a:headEnd type="none" w="med" len="med"/>
+                      <a:tailEnd type="none" w="med" len="med"/>
+                    </a:lnT>
+                    <a:lnB w="12700" cap="flat" cmpd="sng" algn="ctr">
+                      <a:noFill/>
+                      <a:prstDash val="solid"/>
+                      <a:round/>
+                      <a:headEnd type="none" w="med" len="med"/>
+                      <a:tailEnd type="none" w="med" len="med"/>
+                    </a:lnB>
+                    <a:lnTlToBr w="12700" cmpd="sng">
+                      <a:noFill/>
+                      <a:prstDash val="solid"/>
+                    </a:lnTlToBr>
+                    <a:lnBlToTr w="12700" cmpd="sng">
+                      <a:noFill/>
+                      <a:prstDash val="solid"/>
+                    </a:lnBlToTr>
+                    <a:noFill/>
+                  </a:tcPr>
+                </a:tc>
+                <a:tc>
+                  <a:txBody>
+                    <a:bodyPr/>
+                    <a:p>
+                      <a:pPr algn="ctr"/>
+                      <a:endParaRPr lang="en-US" altLang="zh-CN" b="0" dirty="0">
+                        <a:solidFill>
+                          <a:schemeClr val="tx1"/>
+                        </a:solidFill>
+                      </a:endParaRPr>
+                    </a:p>
+                  </a:txBody>
+                  <a:tcPr>
+                    <a:lnL w="12700" cap="flat" cmpd="sng" algn="ctr">
+                      <a:noFill/>
+                      <a:prstDash val="solid"/>
+                      <a:round/>
+                      <a:headEnd type="none" w="med" len="med"/>
+                      <a:tailEnd type="none" w="med" len="med"/>
+                    </a:lnL>
+                    <a:lnR w="12700" cap="flat" cmpd="sng" algn="ctr">
+                      <a:noFill/>
+                      <a:prstDash val="solid"/>
+                      <a:round/>
+                      <a:headEnd type="none" w="med" len="med"/>
+                      <a:tailEnd type="none" w="med" len="med"/>
+                    </a:lnR>
+                    <a:lnT w="12700" cap="flat" cmpd="sng" algn="ctr">
+                      <a:noFill/>
+                      <a:prstDash val="solid"/>
+                      <a:round/>
+                      <a:headEnd type="none" w="med" len="med"/>
+                      <a:tailEnd type="none" w="med" len="med"/>
+                    </a:lnT>
+                    <a:lnB w="12700" cap="flat" cmpd="sng" algn="ctr">
+                      <a:noFill/>
+                      <a:prstDash val="solid"/>
+                      <a:round/>
+                      <a:headEnd type="none" w="med" len="med"/>
+                      <a:tailEnd type="none" w="med" len="med"/>
+                    </a:lnB>
+                    <a:lnTlToBr w="12700" cmpd="sng">
+                      <a:noFill/>
+                      <a:prstDash val="solid"/>
+                    </a:lnTlToBr>
+                    <a:lnBlToTr w="12700" cmpd="sng">
+                      <a:noFill/>
+                      <a:prstDash val="solid"/>
+                    </a:lnBlToTr>
+                    <a:noFill/>
+                  </a:tcPr>
+                </a:tc>
+              </a:tr>
+              <a:tr h="365760">
+                <a:tc>
+                  <a:txBody>
+                    <a:bodyPr/>
+                    <a:p>
+                      <a:pPr algn="ctr"/>
+                      <a:r>
+                        <a:rPr lang="en-US" altLang="zh-CN" b="0" dirty="0">
+                          <a:solidFill>
+                            <a:schemeClr val="tx1"/>
+                          </a:solidFill>
+                        </a:rPr>
+                        <a:t>CNN</a:t>
+                      </a:r>
+                      <a:endParaRPr lang="en-US" altLang="zh-CN" b="0" dirty="0">
+                        <a:solidFill>
+                          <a:schemeClr val="tx1"/>
+                        </a:solidFill>
+                      </a:endParaRPr>
+                    </a:p>
+                  </a:txBody>
+                  <a:tcPr>
+                    <a:lnL w="12700" cap="flat" cmpd="sng" algn="ctr">
+                      <a:noFill/>
+                      <a:prstDash val="solid"/>
+                      <a:round/>
+                      <a:headEnd type="none" w="med" len="med"/>
+                      <a:tailEnd type="none" w="med" len="med"/>
+                    </a:lnL>
+                    <a:lnR w="12700" cap="flat" cmpd="sng" algn="ctr">
+                      <a:noFill/>
+                      <a:prstDash val="solid"/>
+                      <a:round/>
+                      <a:headEnd type="none" w="med" len="med"/>
+                      <a:tailEnd type="none" w="med" len="med"/>
+                    </a:lnR>
+                    <a:lnT w="12700" cap="flat" cmpd="sng" algn="ctr">
+                      <a:noFill/>
+                      <a:prstDash val="solid"/>
+                      <a:round/>
+                      <a:headEnd type="none" w="med" len="med"/>
+                      <a:tailEnd type="none" w="med" len="med"/>
+                    </a:lnT>
+                    <a:lnB w="19050" cap="flat" cmpd="sng" algn="ctr">
+                      <a:solidFill>
+                        <a:schemeClr val="tx1"/>
+                      </a:solidFill>
+                      <a:prstDash val="solid"/>
+                      <a:round/>
+                      <a:headEnd type="none" w="med" len="med"/>
+                      <a:tailEnd type="none" w="med" len="med"/>
+                    </a:lnB>
+                    <a:lnTlToBr w="12700" cmpd="sng">
+                      <a:noFill/>
+                      <a:prstDash val="solid"/>
+                    </a:lnTlToBr>
+                    <a:lnBlToTr w="12700" cmpd="sng">
+                      <a:noFill/>
+                      <a:prstDash val="solid"/>
+                    </a:lnBlToTr>
+                    <a:noFill/>
+                  </a:tcPr>
+                </a:tc>
+                <a:tc>
+                  <a:txBody>
+                    <a:bodyPr/>
+                    <a:p>
+                      <a:pPr marL="0" marR="0" lvl="0" indent="0" algn="ctr" defTabSz="913765" rtl="0" eaLnBrk="1" fontAlgn="auto" latinLnBrk="0" hangingPunct="1">
+                        <a:lnSpc>
+                          <a:spcPct val="100000"/>
+                        </a:lnSpc>
+                        <a:spcBef>
+                          <a:spcPts val="0"/>
+                        </a:spcBef>
+                        <a:spcAft>
+                          <a:spcPts val="0"/>
+                        </a:spcAft>
+                        <a:buClrTx/>
+                        <a:buSzTx/>
+                        <a:buFontTx/>
+                        <a:buNone/>
+                        <a:defRPr/>
+                      </a:pPr>
+                      <a:r>
+                        <a:rPr lang="zh-CN" altLang="en-US" b="0" dirty="0">
+                          <a:solidFill>
+                            <a:schemeClr val="tx1"/>
+                          </a:solidFill>
+                        </a:rPr>
+                        <a:t>0</a:t>
+                      </a:r>
+                      <a:r>
+                        <a:rPr lang="en-US" altLang="zh-CN" b="0" dirty="0">
+                          <a:solidFill>
+                            <a:schemeClr val="tx1"/>
+                          </a:solidFill>
+                        </a:rPr>
+                        <a:t>.</a:t>
+                      </a:r>
+                      <a:r>
+                        <a:rPr lang="zh-CN" altLang="en-US" b="0" dirty="0">
+                          <a:solidFill>
+                            <a:schemeClr val="tx1"/>
+                          </a:solidFill>
+                        </a:rPr>
+                        <a:t>840</a:t>
+                      </a:r>
+                      <a:endParaRPr lang="zh-CN" altLang="en-US" b="0" dirty="0">
+                        <a:solidFill>
+                          <a:schemeClr val="tx1"/>
+                        </a:solidFill>
+                      </a:endParaRPr>
+                    </a:p>
+                  </a:txBody>
+                  <a:tcPr>
+                    <a:lnL w="12700" cap="flat" cmpd="sng" algn="ctr">
+                      <a:noFill/>
+                      <a:prstDash val="solid"/>
+                      <a:round/>
+                      <a:headEnd type="none" w="med" len="med"/>
+                      <a:tailEnd type="none" w="med" len="med"/>
+                    </a:lnL>
+                    <a:lnR w="12700" cap="flat" cmpd="sng" algn="ctr">
+                      <a:noFill/>
+                      <a:prstDash val="solid"/>
+                      <a:round/>
+                      <a:headEnd type="none" w="med" len="med"/>
+                      <a:tailEnd type="none" w="med" len="med"/>
+                    </a:lnR>
+                    <a:lnT w="12700" cap="flat" cmpd="sng" algn="ctr">
+                      <a:noFill/>
+                      <a:prstDash val="solid"/>
+                      <a:round/>
+                      <a:headEnd type="none" w="med" len="med"/>
+                      <a:tailEnd type="none" w="med" len="med"/>
+                    </a:lnT>
+                    <a:lnB w="19050" cap="flat" cmpd="sng" algn="ctr">
+                      <a:solidFill>
+                        <a:schemeClr val="tx1"/>
+                      </a:solidFill>
+                      <a:prstDash val="solid"/>
+                      <a:round/>
+                      <a:headEnd type="none" w="med" len="med"/>
+                      <a:tailEnd type="none" w="med" len="med"/>
+                    </a:lnB>
+                    <a:lnTlToBr w="12700" cmpd="sng">
+                      <a:noFill/>
+                      <a:prstDash val="solid"/>
+                    </a:lnTlToBr>
+                    <a:lnBlToTr w="12700" cmpd="sng">
+                      <a:noFill/>
+                      <a:prstDash val="solid"/>
+                    </a:lnBlToTr>
+                    <a:noFill/>
+                  </a:tcPr>
+                </a:tc>
+                <a:tc>
+                  <a:txBody>
+                    <a:bodyPr/>
+                    <a:p>
+                      <a:pPr algn="ctr"/>
+                      <a:r>
+                        <a:rPr lang="en-US" altLang="zh-CN" b="0" dirty="0">
+                          <a:solidFill>
+                            <a:schemeClr val="tx1"/>
+                          </a:solidFill>
+                        </a:rPr>
+                        <a:t>Under Construction</a:t>
+                      </a:r>
+                      <a:endParaRPr lang="en-US" altLang="zh-CN" b="0" dirty="0">
+                        <a:solidFill>
+                          <a:schemeClr val="tx1"/>
+                        </a:solidFill>
+                      </a:endParaRPr>
+                    </a:p>
+                  </a:txBody>
+                  <a:tcPr>
+                    <a:lnL w="12700" cap="flat" cmpd="sng" algn="ctr">
+                      <a:noFill/>
+                      <a:prstDash val="solid"/>
+                      <a:round/>
+                      <a:headEnd type="none" w="med" len="med"/>
+                      <a:tailEnd type="none" w="med" len="med"/>
+                    </a:lnL>
+                    <a:lnR w="12700" cap="flat" cmpd="sng" algn="ctr">
+                      <a:noFill/>
+                      <a:prstDash val="solid"/>
+                      <a:round/>
+                      <a:headEnd type="none" w="med" len="med"/>
+                      <a:tailEnd type="none" w="med" len="med"/>
+                    </a:lnR>
+                    <a:lnT w="12700" cap="flat" cmpd="sng" algn="ctr">
+                      <a:noFill/>
+                      <a:prstDash val="solid"/>
+                      <a:round/>
+                      <a:headEnd type="none" w="med" len="med"/>
+                      <a:tailEnd type="none" w="med" len="med"/>
+                    </a:lnT>
+                    <a:lnB w="19050" cap="flat" cmpd="sng" algn="ctr">
+                      <a:solidFill>
+                        <a:schemeClr val="tx1"/>
+                      </a:solidFill>
+                      <a:prstDash val="solid"/>
+                      <a:round/>
+                      <a:headEnd type="none" w="med" len="med"/>
+                      <a:tailEnd type="none" w="med" len="med"/>
+                    </a:lnB>
+                    <a:lnTlToBr w="12700" cmpd="sng">
+                      <a:noFill/>
+                      <a:prstDash val="solid"/>
+                    </a:lnTlToBr>
+                    <a:lnBlToTr w="12700" cmpd="sng">
+                      <a:noFill/>
+                      <a:prstDash val="solid"/>
+                    </a:lnBlToTr>
+                    <a:noFill/>
+                  </a:tcPr>
+                </a:tc>
+              </a:tr>
+            </a:tbl>
+          </a:graphicData>
+        </a:graphic>
+      </p:graphicFrame>
+      <p:cxnSp>
+        <p:nvCxnSpPr>
+          <p:cNvPr id="4" name="直接连接符 3"/>
+          <p:cNvCxnSpPr/>
+          <p:nvPr/>
+        </p:nvCxnSpPr>
+        <p:spPr>
+          <a:xfrm flipV="1">
+            <a:off x="2025650" y="4787900"/>
+            <a:ext cx="8158480" cy="31750"/>
+          </a:xfrm>
+          <a:prstGeom prst="line">
+            <a:avLst/>
+          </a:prstGeom>
+          <a:ln w="19050">
+            <a:solidFill>
+              <a:schemeClr val="tx1"/>
+            </a:solidFill>
+          </a:ln>
+        </p:spPr>
+        <p:style>
+          <a:lnRef idx="2">
+            <a:schemeClr val="accent1"/>
+          </a:lnRef>
+          <a:fillRef idx="0">
+            <a:srgbClr val="FFFFFF"/>
+          </a:fillRef>
+          <a:effectRef idx="0">
+            <a:srgbClr val="FFFFFF"/>
+          </a:effectRef>
+          <a:fontRef idx="minor">
+            <a:schemeClr val="tx1"/>
+          </a:fontRef>
+        </p:style>
+      </p:cxnSp>
+      <p:sp>
+        <p:nvSpPr>
+          <p:cNvPr id="5" name="文本框 4"/>
+          <p:cNvSpPr txBox="1"/>
+          <p:nvPr/>
+        </p:nvSpPr>
+        <p:spPr>
+          <a:xfrm>
+            <a:off x="731520" y="1864360"/>
+            <a:ext cx="7120890" cy="521970"/>
+          </a:xfrm>
+          <a:prstGeom prst="rect">
+            <a:avLst/>
+          </a:prstGeom>
+          <a:noFill/>
+        </p:spPr>
+        <p:txBody>
+          <a:bodyPr wrap="square" rtlCol="0">
+            <a:spAutoFit/>
+          </a:bodyPr>
+          <a:p>
+            <a:r>
+              <a:rPr lang="en-US" altLang="zh-CN" sz="2800">
+                <a:latin typeface="Times New Roman" panose="02020603050405020304" charset="0"/>
+                <a:cs typeface="Times New Roman" panose="02020603050405020304" charset="0"/>
+              </a:rPr>
+              <a:t>Based on Machine Learning and Deep Learning:</a:t>
+            </a:r>
+            <a:endParaRPr lang="en-US" altLang="zh-CN" sz="2800">
+              <a:latin typeface="Times New Roman" panose="02020603050405020304" charset="0"/>
+              <a:cs typeface="Times New Roman" panose="02020603050405020304" charset="0"/>
+            </a:endParaRPr>
+          </a:p>
+        </p:txBody>
+      </p:sp>
+    </p:spTree>
+    <p:custDataLst>
+      <p:tags r:id="rId2"/>
+    </p:custDataLst>
+  </p:cSld>
+  <p:clrMapOvr>
+    <a:masterClrMapping/>
+  </p:clrMapOvr>
+</p:sld>
+</file>
+
+<file path=ppt/slides/slide14.xml><?xml version="1.0" encoding="utf-8"?>
+<p:sld xmlns:a="http://schemas.openxmlformats.org/drawingml/2006/main" xmlns:r="http://schemas.openxmlformats.org/officeDocument/2006/relationships" xmlns:p="http://schemas.openxmlformats.org/presentationml/2006/main">
+  <p:cSld>
+    <p:spTree>
+      <p:nvGrpSpPr>
+        <p:cNvPr id="1" name=""/>
+        <p:cNvGrpSpPr/>
+        <p:nvPr/>
+      </p:nvGrpSpPr>
+      <p:grpSpPr/>
+      <p:sp>
+        <p:nvSpPr>
+          <p:cNvPr id="2" name="标题 1"/>
+          <p:cNvSpPr>
+            <a:spLocks noGrp="1"/>
+          </p:cNvSpPr>
+          <p:nvPr>
+            <p:ph type="title"/>
+          </p:nvPr>
+        </p:nvSpPr>
+        <p:spPr/>
+        <p:txBody>
           <a:bodyPr>
             <a:normAutofit fontScale="90000"/>
           </a:bodyPr>
           <a:p>
             <a:r>
-              <a:rPr lang="en-US" altLang="zh-CN">
+              <a:rPr lang="en-US" altLang="zh-CN" sz="5335">
+                <a:latin typeface="Times New Roman" panose="02020603050405020304" charset="0"/>
+                <a:cs typeface="Times New Roman" panose="02020603050405020304" charset="0"/>
                 <a:sym typeface="+mn-ea"/>
               </a:rPr>
-              <a:t>Analysis Method by ML - feature extraction</a:t>
-            </a:r>
-            <a:endParaRPr lang="zh-CN" altLang="en-US"/>
+              <a:t>Model Evaluation</a:t>
+            </a:r>
+            <a:endParaRPr lang="zh-CN" altLang="en-US" sz="5335">
+              <a:latin typeface="Times New Roman" panose="02020603050405020304" charset="0"/>
+              <a:cs typeface="Times New Roman" panose="02020603050405020304" charset="0"/>
+            </a:endParaRPr>
           </a:p>
         </p:txBody>
       </p:sp>
@@ -3868,20 +7271,642 @@
             <a:spLocks noGrp="1"/>
           </p:cNvSpPr>
           <p:nvPr>
-            <p:ph idx="1"/>
+            <p:ph idx="4294967295"/>
           </p:nvPr>
         </p:nvSpPr>
-        <p:spPr/>
+        <p:spPr>
+          <a:xfrm>
+            <a:off x="608400" y="1490400"/>
+            <a:ext cx="10969200" cy="4759200"/>
+          </a:xfrm>
+        </p:spPr>
         <p:txBody>
           <a:bodyPr/>
           <a:p>
-            <a:endParaRPr lang="zh-CN" altLang="en-US"/>
-          </a:p>
-        </p:txBody>
-      </p:sp>
+            <a:r>
+              <a:rPr lang="en-US" altLang="zh-CN" sz="3200">
+                <a:latin typeface="Times New Roman" panose="02020603050405020304" charset="0"/>
+                <a:cs typeface="Times New Roman" panose="02020603050405020304" charset="0"/>
+              </a:rPr>
+              <a:t>Strategy: Cross-Validation (10-folder validation)</a:t>
+            </a:r>
+            <a:endParaRPr lang="en-US" altLang="zh-CN" sz="3200">
+              <a:latin typeface="Times New Roman" panose="02020603050405020304" charset="0"/>
+              <a:cs typeface="Times New Roman" panose="02020603050405020304" charset="0"/>
+            </a:endParaRPr>
+          </a:p>
+          <a:p>
+            <a:r>
+              <a:rPr lang="en-US" altLang="zh-CN" sz="3200">
+                <a:latin typeface="Times New Roman" panose="02020603050405020304" charset="0"/>
+                <a:cs typeface="Times New Roman" panose="02020603050405020304" charset="0"/>
+              </a:rPr>
+              <a:t>Metric: ACC, Macro-F1, κ </a:t>
+            </a:r>
+            <a:endParaRPr lang="en-US" altLang="zh-CN" sz="3200">
+              <a:latin typeface="Times New Roman" panose="02020603050405020304" charset="0"/>
+              <a:cs typeface="Times New Roman" panose="02020603050405020304" charset="0"/>
+            </a:endParaRPr>
+          </a:p>
+        </p:txBody>
+      </p:sp>
+      <p:pic>
+        <p:nvPicPr>
+          <p:cNvPr id="100" name="图片 99"/>
+          <p:cNvPicPr/>
+          <p:nvPr/>
+        </p:nvPicPr>
+        <p:blipFill>
+          <a:blip r:embed="rId1"/>
+          <a:srcRect l="37357" t="22520"/>
+          <a:stretch>
+            <a:fillRect/>
+          </a:stretch>
+        </p:blipFill>
+        <p:spPr>
+          <a:xfrm>
+            <a:off x="942340" y="3296285"/>
+            <a:ext cx="4033520" cy="1693545"/>
+          </a:xfrm>
+          <a:prstGeom prst="rect">
+            <a:avLst/>
+          </a:prstGeom>
+          <a:noFill/>
+          <a:ln w="9525">
+            <a:noFill/>
+          </a:ln>
+        </p:spPr>
+      </p:pic>
+      <p:pic>
+        <p:nvPicPr>
+          <p:cNvPr id="101" name="图片 100"/>
+          <p:cNvPicPr/>
+          <p:nvPr/>
+        </p:nvPicPr>
+        <p:blipFill>
+          <a:blip r:embed="rId2"/>
+          <a:srcRect l="36007" t="25799" r="16468" b="37506"/>
+          <a:stretch>
+            <a:fillRect/>
+          </a:stretch>
+        </p:blipFill>
+        <p:spPr>
+          <a:xfrm>
+            <a:off x="4514215" y="3296285"/>
+            <a:ext cx="3442970" cy="1423670"/>
+          </a:xfrm>
+          <a:prstGeom prst="rect">
+            <a:avLst/>
+          </a:prstGeom>
+          <a:noFill/>
+          <a:ln w="9525">
+            <a:noFill/>
+          </a:ln>
+        </p:spPr>
+      </p:pic>
+      <p:pic>
+        <p:nvPicPr>
+          <p:cNvPr id="102" name="图片 101"/>
+          <p:cNvPicPr/>
+          <p:nvPr/>
+        </p:nvPicPr>
+        <p:blipFill>
+          <a:blip r:embed="rId2"/>
+          <a:srcRect l="30739" t="78162" r="11663"/>
+          <a:stretch>
+            <a:fillRect/>
+          </a:stretch>
+        </p:blipFill>
+        <p:spPr>
+          <a:xfrm>
+            <a:off x="1311910" y="4911725"/>
+            <a:ext cx="4162425" cy="909320"/>
+          </a:xfrm>
+          <a:prstGeom prst="rect">
+            <a:avLst/>
+          </a:prstGeom>
+          <a:noFill/>
+          <a:ln w="9525">
+            <a:noFill/>
+          </a:ln>
+        </p:spPr>
+      </p:pic>
+      <p:pic>
+        <p:nvPicPr>
+          <p:cNvPr id="103" name="图片 102"/>
+          <p:cNvPicPr/>
+          <p:nvPr/>
+        </p:nvPicPr>
+        <p:blipFill>
+          <a:blip r:embed="rId3"/>
+          <a:srcRect r="76191" b="77015"/>
+          <a:stretch>
+            <a:fillRect/>
+          </a:stretch>
+        </p:blipFill>
+        <p:spPr>
+          <a:xfrm>
+            <a:off x="1008380" y="5821045"/>
+            <a:ext cx="2626995" cy="854710"/>
+          </a:xfrm>
+          <a:prstGeom prst="rect">
+            <a:avLst/>
+          </a:prstGeom>
+          <a:noFill/>
+          <a:ln w="9525">
+            <a:noFill/>
+          </a:ln>
+        </p:spPr>
+      </p:pic>
     </p:spTree>
     <p:custDataLst>
-      <p:tags r:id="rId1"/>
+      <p:tags r:id="rId4"/>
+    </p:custDataLst>
+  </p:cSld>
+  <p:clrMapOvr>
+    <a:masterClrMapping/>
+  </p:clrMapOvr>
+</p:sld>
+</file>
+
+<file path=ppt/slides/slide15.xml><?xml version="1.0" encoding="utf-8"?>
+<p:sld xmlns:a="http://schemas.openxmlformats.org/drawingml/2006/main" xmlns:r="http://schemas.openxmlformats.org/officeDocument/2006/relationships" xmlns:p="http://schemas.openxmlformats.org/presentationml/2006/main">
+  <p:cSld>
+    <p:spTree>
+      <p:nvGrpSpPr>
+        <p:cNvPr id="1" name=""/>
+        <p:cNvGrpSpPr/>
+        <p:nvPr/>
+      </p:nvGrpSpPr>
+      <p:grpSpPr/>
+      <p:sp>
+        <p:nvSpPr>
+          <p:cNvPr id="3" name="标题 2"/>
+          <p:cNvSpPr>
+            <a:spLocks noGrp="1"/>
+          </p:cNvSpPr>
+          <p:nvPr>
+            <p:ph type="title"/>
+            <p:custDataLst>
+              <p:tags r:id="rId1"/>
+            </p:custDataLst>
+          </p:nvPr>
+        </p:nvSpPr>
+        <p:spPr/>
+        <p:txBody>
+          <a:bodyPr>
+            <a:normAutofit fontScale="90000"/>
+          </a:bodyPr>
+          <a:p>
+            <a:r>
+              <a:rPr lang="en-US" altLang="zh-CN" sz="5335">
+                <a:latin typeface="Times New Roman" panose="02020603050405020304" charset="0"/>
+                <a:cs typeface="Times New Roman" panose="02020603050405020304" charset="0"/>
+                <a:sym typeface="+mn-ea"/>
+              </a:rPr>
+              <a:t>Improvement and innovation</a:t>
+            </a:r>
+            <a:endParaRPr lang="en-US" altLang="zh-CN" sz="5335">
+              <a:latin typeface="Times New Roman" panose="02020603050405020304" charset="0"/>
+              <a:cs typeface="Times New Roman" panose="02020603050405020304" charset="0"/>
+              <a:sym typeface="+mn-ea"/>
+            </a:endParaRPr>
+          </a:p>
+        </p:txBody>
+      </p:sp>
+      <p:pic>
+        <p:nvPicPr>
+          <p:cNvPr id="4" name="图片 3" descr="sleep-stage-figure-in-database"/>
+          <p:cNvPicPr>
+            <a:picLocks noChangeAspect="1"/>
+          </p:cNvPicPr>
+          <p:nvPr/>
+        </p:nvPicPr>
+        <p:blipFill>
+          <a:blip r:embed="rId2"/>
+          <a:stretch>
+            <a:fillRect/>
+          </a:stretch>
+        </p:blipFill>
+        <p:spPr>
+          <a:xfrm>
+            <a:off x="294005" y="2319020"/>
+            <a:ext cx="11099165" cy="2219960"/>
+          </a:xfrm>
+          <a:prstGeom prst="rect">
+            <a:avLst/>
+          </a:prstGeom>
+        </p:spPr>
+      </p:pic>
+      <p:sp>
+        <p:nvSpPr>
+          <p:cNvPr id="5" name="文本框 4"/>
+          <p:cNvSpPr txBox="1"/>
+          <p:nvPr/>
+        </p:nvSpPr>
+        <p:spPr>
+          <a:xfrm>
+            <a:off x="939800" y="1776095"/>
+            <a:ext cx="5648325" cy="460375"/>
+          </a:xfrm>
+          <a:prstGeom prst="rect">
+            <a:avLst/>
+          </a:prstGeom>
+          <a:noFill/>
+        </p:spPr>
+        <p:txBody>
+          <a:bodyPr wrap="square" rtlCol="0">
+            <a:spAutoFit/>
+          </a:bodyPr>
+          <a:p>
+            <a:r>
+              <a:rPr lang="en-US" altLang="zh-CN" sz="2400">
+                <a:latin typeface="Times New Roman" panose="02020603050405020304" charset="0"/>
+                <a:cs typeface="Times New Roman" panose="02020603050405020304" charset="0"/>
+              </a:rPr>
+              <a:t>Consider the characteristic of sleep stages:</a:t>
+            </a:r>
+            <a:endParaRPr lang="en-US" altLang="zh-CN" sz="2400">
+              <a:latin typeface="Times New Roman" panose="02020603050405020304" charset="0"/>
+              <a:cs typeface="Times New Roman" panose="02020603050405020304" charset="0"/>
+            </a:endParaRPr>
+          </a:p>
+        </p:txBody>
+      </p:sp>
+      <p:sp>
+        <p:nvSpPr>
+          <p:cNvPr id="6" name="文本框 5"/>
+          <p:cNvSpPr txBox="1"/>
+          <p:nvPr>
+            <p:custDataLst>
+              <p:tags r:id="rId3"/>
+            </p:custDataLst>
+          </p:nvPr>
+        </p:nvSpPr>
+        <p:spPr>
+          <a:xfrm>
+            <a:off x="794385" y="4495800"/>
+            <a:ext cx="8947150" cy="1198880"/>
+          </a:xfrm>
+          <a:prstGeom prst="rect">
+            <a:avLst/>
+          </a:prstGeom>
+          <a:noFill/>
+        </p:spPr>
+        <p:txBody>
+          <a:bodyPr wrap="square" rtlCol="0">
+            <a:spAutoFit/>
+          </a:bodyPr>
+          <a:p>
+            <a:r>
+              <a:rPr lang="en-US" altLang="zh-CN" sz="2400">
+                <a:latin typeface="Times New Roman" panose="02020603050405020304" charset="0"/>
+                <a:cs typeface="Times New Roman" panose="02020603050405020304" charset="0"/>
+              </a:rPr>
+              <a:t>Notice that </a:t>
+            </a:r>
+            <a:r>
+              <a:rPr lang="en-US" altLang="zh-CN" sz="2400" b="1">
+                <a:highlight>
+                  <a:srgbClr val="FFFF00"/>
+                </a:highlight>
+                <a:latin typeface="Times New Roman" panose="02020603050405020304" charset="0"/>
+                <a:cs typeface="Times New Roman" panose="02020603050405020304" charset="0"/>
+              </a:rPr>
+              <a:t>“Sleep stage 3”</a:t>
+            </a:r>
+            <a:r>
+              <a:rPr lang="en-US" altLang="zh-CN" sz="2400">
+                <a:latin typeface="Times New Roman" panose="02020603050405020304" charset="0"/>
+                <a:cs typeface="Times New Roman" panose="02020603050405020304" charset="0"/>
+              </a:rPr>
+              <a:t>  appears more esaily after </a:t>
+            </a:r>
+            <a:r>
+              <a:rPr lang="en-US" altLang="zh-CN" sz="2400" b="1">
+                <a:highlight>
+                  <a:srgbClr val="00FF00"/>
+                </a:highlight>
+                <a:latin typeface="Times New Roman" panose="02020603050405020304" charset="0"/>
+                <a:cs typeface="Times New Roman" panose="02020603050405020304" charset="0"/>
+              </a:rPr>
+              <a:t>“Sleep stage 2”</a:t>
+            </a:r>
+            <a:r>
+              <a:rPr lang="en-US" altLang="zh-CN" sz="2400">
+                <a:latin typeface="Times New Roman" panose="02020603050405020304" charset="0"/>
+                <a:cs typeface="Times New Roman" panose="02020603050405020304" charset="0"/>
+              </a:rPr>
+              <a:t>, while </a:t>
+            </a:r>
+            <a:r>
+              <a:rPr lang="en-US" altLang="zh-CN" sz="2400" b="1">
+                <a:highlight>
+                  <a:srgbClr val="00FFFF"/>
+                </a:highlight>
+                <a:latin typeface="Times New Roman" panose="02020603050405020304" charset="0"/>
+                <a:cs typeface="Times New Roman" panose="02020603050405020304" charset="0"/>
+                <a:sym typeface="+mn-ea"/>
+              </a:rPr>
+              <a:t>“Sleep stage 1”</a:t>
+            </a:r>
+            <a:r>
+              <a:rPr lang="en-US" altLang="zh-CN" sz="2400">
+                <a:latin typeface="Times New Roman" panose="02020603050405020304" charset="0"/>
+                <a:cs typeface="Times New Roman" panose="02020603050405020304" charset="0"/>
+                <a:sym typeface="+mn-ea"/>
+              </a:rPr>
+              <a:t>  appears more esaily after </a:t>
+            </a:r>
+            <a:r>
+              <a:rPr lang="en-US" altLang="zh-CN" sz="2400" b="1">
+                <a:highlight>
+                  <a:srgbClr val="FF0000"/>
+                </a:highlight>
+                <a:latin typeface="Times New Roman" panose="02020603050405020304" charset="0"/>
+                <a:cs typeface="Times New Roman" panose="02020603050405020304" charset="0"/>
+                <a:sym typeface="+mn-ea"/>
+              </a:rPr>
+              <a:t>“Sleep stage W”</a:t>
+            </a:r>
+            <a:r>
+              <a:rPr lang="en-US" altLang="zh-CN" sz="2400">
+                <a:latin typeface="Times New Roman" panose="02020603050405020304" charset="0"/>
+                <a:cs typeface="Times New Roman" panose="02020603050405020304" charset="0"/>
+                <a:sym typeface="+mn-ea"/>
+              </a:rPr>
+              <a:t>...</a:t>
+            </a:r>
+            <a:endParaRPr lang="en-US" altLang="zh-CN" sz="2400">
+              <a:latin typeface="Times New Roman" panose="02020603050405020304" charset="0"/>
+              <a:cs typeface="Times New Roman" panose="02020603050405020304" charset="0"/>
+            </a:endParaRPr>
+          </a:p>
+          <a:p>
+            <a:endParaRPr lang="en-US" altLang="zh-CN" sz="2400">
+              <a:latin typeface="Times New Roman" panose="02020603050405020304" charset="0"/>
+              <a:cs typeface="Times New Roman" panose="02020603050405020304" charset="0"/>
+            </a:endParaRPr>
+          </a:p>
+        </p:txBody>
+      </p:sp>
+      <p:sp>
+        <p:nvSpPr>
+          <p:cNvPr id="8" name="椭圆形标注 7"/>
+          <p:cNvSpPr/>
+          <p:nvPr/>
+        </p:nvSpPr>
+        <p:spPr>
+          <a:xfrm>
+            <a:off x="895985" y="5367020"/>
+            <a:ext cx="5952490" cy="1270000"/>
+          </a:xfrm>
+          <a:prstGeom prst="wedgeEllipseCallout">
+            <a:avLst>
+              <a:gd name="adj1" fmla="val -37467"/>
+              <a:gd name="adj2" fmla="val 53436"/>
+            </a:avLst>
+          </a:prstGeom>
+          <a:solidFill>
+            <a:schemeClr val="bg1"/>
+          </a:solidFill>
+          <a:ln w="19050">
+            <a:solidFill>
+              <a:schemeClr val="tx1"/>
+            </a:solidFill>
+          </a:ln>
+        </p:spPr>
+        <p:style>
+          <a:lnRef idx="2">
+            <a:schemeClr val="accent1">
+              <a:lumMod val="75000"/>
+            </a:schemeClr>
+          </a:lnRef>
+          <a:fillRef idx="1">
+            <a:schemeClr val="accent1"/>
+          </a:fillRef>
+          <a:effectRef idx="0">
+            <a:srgbClr val="FFFFFF"/>
+          </a:effectRef>
+          <a:fontRef idx="minor">
+            <a:schemeClr val="lt1"/>
+          </a:fontRef>
+        </p:style>
+        <p:txBody>
+          <a:bodyPr rtlCol="0" anchor="ctr"/>
+          <a:p>
+            <a:pPr algn="ctr"/>
+            <a:endParaRPr lang="en-US" altLang="zh-CN">
+              <a:solidFill>
+                <a:schemeClr val="tx1"/>
+              </a:solidFill>
+              <a:latin typeface="Times New Roman" panose="02020603050405020304" charset="0"/>
+              <a:cs typeface="Times New Roman" panose="02020603050405020304" charset="0"/>
+            </a:endParaRPr>
+          </a:p>
+          <a:p>
+            <a:pPr algn="ctr"/>
+            <a:endParaRPr lang="en-US" altLang="zh-CN">
+              <a:solidFill>
+                <a:schemeClr val="tx1"/>
+              </a:solidFill>
+              <a:latin typeface="Times New Roman" panose="02020603050405020304" charset="0"/>
+              <a:cs typeface="Times New Roman" panose="02020603050405020304" charset="0"/>
+            </a:endParaRPr>
+          </a:p>
+        </p:txBody>
+      </p:sp>
+      <p:sp>
+        <p:nvSpPr>
+          <p:cNvPr id="9" name="文本框 8"/>
+          <p:cNvSpPr txBox="1"/>
+          <p:nvPr/>
+        </p:nvSpPr>
+        <p:spPr>
+          <a:xfrm>
+            <a:off x="1871980" y="5544185"/>
+            <a:ext cx="4537075" cy="922020"/>
+          </a:xfrm>
+          <a:prstGeom prst="rect">
+            <a:avLst/>
+          </a:prstGeom>
+          <a:noFill/>
+        </p:spPr>
+        <p:txBody>
+          <a:bodyPr wrap="square" rtlCol="0" anchor="t">
+            <a:spAutoFit/>
+          </a:bodyPr>
+          <a:p>
+            <a:r>
+              <a:rPr lang="en-US" altLang="zh-CN" b="1">
+                <a:latin typeface="Times New Roman" panose="02020603050405020304" charset="0"/>
+                <a:cs typeface="Times New Roman" panose="02020603050405020304" charset="0"/>
+                <a:sym typeface="+mn-ea"/>
+              </a:rPr>
+              <a:t>P</a:t>
+            </a:r>
+            <a:r>
+              <a:rPr lang="zh-CN" altLang="en-US" b="1">
+                <a:latin typeface="Times New Roman" panose="02020603050405020304" charset="0"/>
+                <a:cs typeface="Times New Roman" panose="02020603050405020304" charset="0"/>
+                <a:sym typeface="+mn-ea"/>
+              </a:rPr>
+              <a:t>robabilistic graphical model</a:t>
+            </a:r>
+            <a:r>
+              <a:rPr lang="en-US" altLang="zh-CN">
+                <a:latin typeface="Times New Roman" panose="02020603050405020304" charset="0"/>
+                <a:cs typeface="Times New Roman" panose="02020603050405020304" charset="0"/>
+                <a:sym typeface="+mn-ea"/>
+              </a:rPr>
+              <a:t> or </a:t>
+            </a:r>
+            <a:r>
+              <a:rPr lang="en-US" altLang="zh-CN" b="1">
+                <a:latin typeface="Times New Roman" panose="02020603050405020304" charset="0"/>
+                <a:cs typeface="Times New Roman" panose="02020603050405020304" charset="0"/>
+                <a:sym typeface="+mn-ea"/>
+              </a:rPr>
+              <a:t>Markov Model</a:t>
+            </a:r>
+            <a:r>
+              <a:rPr lang="en-US" altLang="zh-CN">
+                <a:latin typeface="Times New Roman" panose="02020603050405020304" charset="0"/>
+                <a:cs typeface="Times New Roman" panose="02020603050405020304" charset="0"/>
+                <a:sym typeface="+mn-ea"/>
+              </a:rPr>
+              <a:t> can be used to help detect sleep stages in continuous sleeping signals.</a:t>
+            </a:r>
+            <a:endParaRPr lang="en-US" altLang="zh-CN">
+              <a:latin typeface="Times New Roman" panose="02020603050405020304" charset="0"/>
+              <a:cs typeface="Times New Roman" panose="02020603050405020304" charset="0"/>
+              <a:sym typeface="+mn-ea"/>
+            </a:endParaRPr>
+          </a:p>
+        </p:txBody>
+      </p:sp>
+      <p:sp>
+        <p:nvSpPr>
+          <p:cNvPr id="10" name="椭圆形标注 9"/>
+          <p:cNvSpPr/>
+          <p:nvPr>
+            <p:custDataLst>
+              <p:tags r:id="rId4"/>
+            </p:custDataLst>
+          </p:nvPr>
+        </p:nvSpPr>
+        <p:spPr>
+          <a:xfrm>
+            <a:off x="7627620" y="5367020"/>
+            <a:ext cx="4035425" cy="1270000"/>
+          </a:xfrm>
+          <a:prstGeom prst="wedgeEllipseCallout">
+            <a:avLst>
+              <a:gd name="adj1" fmla="val 41250"/>
+              <a:gd name="adj2" fmla="val 50950"/>
+            </a:avLst>
+          </a:prstGeom>
+          <a:solidFill>
+            <a:schemeClr val="bg1"/>
+          </a:solidFill>
+          <a:ln w="19050">
+            <a:solidFill>
+              <a:schemeClr val="tx1"/>
+            </a:solidFill>
+          </a:ln>
+        </p:spPr>
+        <p:style>
+          <a:lnRef idx="2">
+            <a:schemeClr val="accent1">
+              <a:lumMod val="75000"/>
+            </a:schemeClr>
+          </a:lnRef>
+          <a:fillRef idx="1">
+            <a:schemeClr val="accent1"/>
+          </a:fillRef>
+          <a:effectRef idx="0">
+            <a:srgbClr val="FFFFFF"/>
+          </a:effectRef>
+          <a:fontRef idx="minor">
+            <a:schemeClr val="lt1"/>
+          </a:fontRef>
+        </p:style>
+        <p:txBody>
+          <a:bodyPr rtlCol="0" anchor="ctr"/>
+          <a:p>
+            <a:pPr algn="ctr"/>
+            <a:endParaRPr lang="en-US" altLang="zh-CN">
+              <a:solidFill>
+                <a:schemeClr val="tx1"/>
+              </a:solidFill>
+              <a:latin typeface="Times New Roman" panose="02020603050405020304" charset="0"/>
+              <a:cs typeface="Times New Roman" panose="02020603050405020304" charset="0"/>
+            </a:endParaRPr>
+          </a:p>
+          <a:p>
+            <a:pPr algn="ctr"/>
+            <a:endParaRPr lang="en-US" altLang="zh-CN">
+              <a:solidFill>
+                <a:schemeClr val="tx1"/>
+              </a:solidFill>
+              <a:latin typeface="Times New Roman" panose="02020603050405020304" charset="0"/>
+              <a:cs typeface="Times New Roman" panose="02020603050405020304" charset="0"/>
+            </a:endParaRPr>
+          </a:p>
+        </p:txBody>
+      </p:sp>
+      <p:sp>
+        <p:nvSpPr>
+          <p:cNvPr id="11" name="文本框 10"/>
+          <p:cNvSpPr txBox="1"/>
+          <p:nvPr>
+            <p:custDataLst>
+              <p:tags r:id="rId5"/>
+            </p:custDataLst>
+          </p:nvPr>
+        </p:nvSpPr>
+        <p:spPr>
+          <a:xfrm>
+            <a:off x="8213090" y="5612765"/>
+            <a:ext cx="3364230" cy="645160"/>
+          </a:xfrm>
+          <a:prstGeom prst="rect">
+            <a:avLst/>
+          </a:prstGeom>
+          <a:noFill/>
+        </p:spPr>
+        <p:txBody>
+          <a:bodyPr wrap="square" rtlCol="0" anchor="t">
+            <a:spAutoFit/>
+          </a:bodyPr>
+          <a:p>
+            <a:r>
+              <a:rPr lang="en-US" b="1">
+                <a:latin typeface="Times New Roman" panose="02020603050405020304" charset="0"/>
+                <a:cs typeface="Times New Roman" panose="02020603050405020304" charset="0"/>
+                <a:sym typeface="+mn-ea"/>
+              </a:rPr>
+              <a:t>RNN</a:t>
+            </a:r>
+            <a:r>
+              <a:rPr lang="en-US">
+                <a:latin typeface="Times New Roman" panose="02020603050405020304" charset="0"/>
+                <a:cs typeface="Times New Roman" panose="02020603050405020304" charset="0"/>
+                <a:sym typeface="+mn-ea"/>
+              </a:rPr>
+              <a:t> may be good to solve continuous sleeping signals.</a:t>
+            </a:r>
+            <a:endParaRPr lang="en-US">
+              <a:latin typeface="Times New Roman" panose="02020603050405020304" charset="0"/>
+              <a:cs typeface="Times New Roman" panose="02020603050405020304" charset="0"/>
+              <a:sym typeface="+mn-ea"/>
+            </a:endParaRPr>
+          </a:p>
+        </p:txBody>
+      </p:sp>
+    </p:spTree>
+    <p:custDataLst>
+      <p:tags r:id="rId6"/>
     </p:custDataLst>
   </p:cSld>
   <p:clrMapOvr>
@@ -3912,13 +7937,21 @@
         </p:nvSpPr>
         <p:spPr/>
         <p:txBody>
-          <a:bodyPr/>
-          <a:p>
-            <a:r>
-              <a:rPr lang="en-US" altLang="zh-CN"/>
+          <a:bodyPr>
+            <a:noAutofit/>
+          </a:bodyPr>
+          <a:p>
+            <a:r>
+              <a:rPr lang="en-US" altLang="zh-CN" sz="4800">
+                <a:latin typeface="Times New Roman" panose="02020603050405020304" charset="0"/>
+                <a:cs typeface="Times New Roman" panose="02020603050405020304" charset="0"/>
+              </a:rPr>
               <a:t>Content</a:t>
             </a:r>
-            <a:endParaRPr lang="en-US" altLang="zh-CN"/>
+            <a:endParaRPr lang="en-US" altLang="zh-CN" sz="4800">
+              <a:latin typeface="Times New Roman" panose="02020603050405020304" charset="0"/>
+              <a:cs typeface="Times New Roman" panose="02020603050405020304" charset="0"/>
+            </a:endParaRPr>
           </a:p>
         </p:txBody>
       </p:sp>
@@ -3929,76 +7962,199 @@
             <a:spLocks noGrp="1"/>
           </p:cNvSpPr>
           <p:nvPr>
-            <p:ph idx="1"/>
+            <p:ph idx="4294967295"/>
           </p:nvPr>
         </p:nvSpPr>
-        <p:spPr/>
-        <p:txBody>
-          <a:bodyPr/>
-          <a:p>
-            <a:r>
-              <a:rPr lang="en-US" altLang="zh-CN"/>
+        <p:spPr>
+          <a:xfrm>
+            <a:off x="570935" y="1654865"/>
+            <a:ext cx="10969200" cy="4759200"/>
+          </a:xfrm>
+        </p:spPr>
+        <p:txBody>
+          <a:bodyPr>
+            <a:normAutofit lnSpcReduction="20000"/>
+          </a:bodyPr>
+          <a:p>
+            <a:r>
+              <a:rPr lang="en-US" altLang="zh-CN" sz="2800">
+                <a:solidFill>
+                  <a:schemeClr val="tx1"/>
+                </a:solidFill>
+                <a:latin typeface="Times New Roman" panose="02020603050405020304" charset="0"/>
+                <a:cs typeface="Times New Roman" panose="02020603050405020304" charset="0"/>
+              </a:rPr>
               <a:t>R</a:t>
             </a:r>
             <a:r>
-              <a:rPr lang="zh-CN" altLang="en-US"/>
+              <a:rPr lang="zh-CN" altLang="en-US" sz="2800">
+                <a:solidFill>
+                  <a:schemeClr val="tx1"/>
+                </a:solidFill>
+                <a:latin typeface="Times New Roman" panose="02020603050405020304" charset="0"/>
+                <a:cs typeface="Times New Roman" panose="02020603050405020304" charset="0"/>
+              </a:rPr>
               <a:t>esearch </a:t>
             </a:r>
             <a:r>
-              <a:rPr lang="en-US" altLang="zh-CN"/>
+              <a:rPr lang="en-US" altLang="zh-CN" sz="2800">
+                <a:solidFill>
+                  <a:schemeClr val="tx1"/>
+                </a:solidFill>
+                <a:latin typeface="Times New Roman" panose="02020603050405020304" charset="0"/>
+                <a:cs typeface="Times New Roman" panose="02020603050405020304" charset="0"/>
+              </a:rPr>
               <a:t>B</a:t>
             </a:r>
             <a:r>
-              <a:rPr lang="zh-CN" altLang="en-US"/>
+              <a:rPr lang="zh-CN" altLang="en-US" sz="2800">
+                <a:solidFill>
+                  <a:schemeClr val="tx1"/>
+                </a:solidFill>
+                <a:latin typeface="Times New Roman" panose="02020603050405020304" charset="0"/>
+                <a:cs typeface="Times New Roman" panose="02020603050405020304" charset="0"/>
+              </a:rPr>
               <a:t>ackground</a:t>
             </a:r>
-            <a:endParaRPr lang="zh-CN" altLang="en-US"/>
-          </a:p>
-          <a:p>
-            <a:r>
-              <a:rPr lang="en-US" altLang="zh-CN"/>
+            <a:endParaRPr lang="zh-CN" altLang="en-US" sz="2800">
+              <a:solidFill>
+                <a:schemeClr val="tx1"/>
+              </a:solidFill>
+              <a:latin typeface="Times New Roman" panose="02020603050405020304" charset="0"/>
+              <a:cs typeface="Times New Roman" panose="02020603050405020304" charset="0"/>
+            </a:endParaRPr>
+          </a:p>
+          <a:p>
+            <a:r>
+              <a:rPr lang="en-US" altLang="zh-CN" sz="2800">
+                <a:solidFill>
+                  <a:schemeClr val="tx1"/>
+                </a:solidFill>
+                <a:latin typeface="Times New Roman" panose="02020603050405020304" charset="0"/>
+                <a:cs typeface="Times New Roman" panose="02020603050405020304" charset="0"/>
+              </a:rPr>
               <a:t>S</a:t>
             </a:r>
             <a:r>
-              <a:rPr lang="zh-CN" altLang="en-US"/>
+              <a:rPr lang="zh-CN" altLang="en-US" sz="2800">
+                <a:solidFill>
+                  <a:schemeClr val="tx1"/>
+                </a:solidFill>
+                <a:latin typeface="Times New Roman" panose="02020603050405020304" charset="0"/>
+                <a:cs typeface="Times New Roman" panose="02020603050405020304" charset="0"/>
+              </a:rPr>
               <a:t>tatus</a:t>
             </a:r>
             <a:r>
-              <a:rPr lang="en-US" altLang="zh-CN"/>
+              <a:rPr lang="en-US" altLang="zh-CN" sz="2800">
+                <a:solidFill>
+                  <a:schemeClr val="tx1"/>
+                </a:solidFill>
+                <a:latin typeface="Times New Roman" panose="02020603050405020304" charset="0"/>
+                <a:cs typeface="Times New Roman" panose="02020603050405020304" charset="0"/>
+              </a:rPr>
               <a:t>-of-art about Sleep-staging</a:t>
             </a:r>
-            <a:endParaRPr lang="zh-CN" altLang="en-US"/>
-          </a:p>
-          <a:p>
-            <a:r>
-              <a:rPr lang="en-US" altLang="zh-CN"/>
-              <a:t>Classification Method by Machine Learning</a:t>
-            </a:r>
-            <a:endParaRPr lang="en-US" altLang="zh-CN"/>
-          </a:p>
-          <a:p>
-            <a:r>
-              <a:rPr lang="en-US" altLang="zh-CN"/>
+            <a:endParaRPr lang="en-US" altLang="zh-CN" sz="2800">
+              <a:solidFill>
+                <a:schemeClr val="tx1"/>
+              </a:solidFill>
+              <a:latin typeface="Times New Roman" panose="02020603050405020304" charset="0"/>
+              <a:cs typeface="Times New Roman" panose="02020603050405020304" charset="0"/>
+            </a:endParaRPr>
+          </a:p>
+          <a:p>
+            <a:r>
+              <a:rPr lang="en-US" altLang="zh-CN" sz="2800">
+                <a:solidFill>
+                  <a:schemeClr val="tx1"/>
+                </a:solidFill>
+                <a:latin typeface="Times New Roman" panose="02020603050405020304" charset="0"/>
+                <a:cs typeface="Times New Roman" panose="02020603050405020304" charset="0"/>
+              </a:rPr>
+              <a:t>Database</a:t>
+            </a:r>
+            <a:endParaRPr lang="zh-CN" altLang="en-US" sz="2800">
+              <a:solidFill>
+                <a:schemeClr val="tx1"/>
+              </a:solidFill>
+              <a:latin typeface="Times New Roman" panose="02020603050405020304" charset="0"/>
+              <a:cs typeface="Times New Roman" panose="02020603050405020304" charset="0"/>
+            </a:endParaRPr>
+          </a:p>
+          <a:p>
+            <a:r>
+              <a:rPr lang="en-US" altLang="zh-CN" sz="2800">
+                <a:solidFill>
+                  <a:schemeClr val="tx1"/>
+                </a:solidFill>
+                <a:latin typeface="Times New Roman" panose="02020603050405020304" charset="0"/>
+                <a:cs typeface="Times New Roman" panose="02020603050405020304" charset="0"/>
+              </a:rPr>
+              <a:t>Classification Models</a:t>
+            </a:r>
+            <a:endParaRPr lang="en-US" altLang="zh-CN" sz="2800">
+              <a:solidFill>
+                <a:schemeClr val="tx1"/>
+              </a:solidFill>
+              <a:latin typeface="Times New Roman" panose="02020603050405020304" charset="0"/>
+              <a:cs typeface="Times New Roman" panose="02020603050405020304" charset="0"/>
+            </a:endParaRPr>
+          </a:p>
+          <a:p>
+            <a:r>
+              <a:rPr lang="en-US" altLang="zh-CN" sz="2800">
+                <a:solidFill>
+                  <a:schemeClr val="tx1"/>
+                </a:solidFill>
+                <a:latin typeface="Times New Roman" panose="02020603050405020304" charset="0"/>
+                <a:cs typeface="Times New Roman" panose="02020603050405020304" charset="0"/>
+              </a:rPr>
               <a:t>Research Pipeline</a:t>
             </a:r>
-            <a:endParaRPr lang="en-US" altLang="zh-CN"/>
-          </a:p>
-          <a:p>
-            <a:r>
-              <a:rPr lang="en-US" altLang="zh-CN"/>
+            <a:endParaRPr lang="en-US" altLang="zh-CN" sz="2800">
+              <a:solidFill>
+                <a:schemeClr val="tx1"/>
+              </a:solidFill>
+              <a:latin typeface="Times New Roman" panose="02020603050405020304" charset="0"/>
+              <a:cs typeface="Times New Roman" panose="02020603050405020304" charset="0"/>
+            </a:endParaRPr>
+          </a:p>
+          <a:p>
+            <a:r>
+              <a:rPr lang="en-US" altLang="zh-CN" sz="2800">
+                <a:solidFill>
+                  <a:schemeClr val="tx1"/>
+                </a:solidFill>
+                <a:latin typeface="Times New Roman" panose="02020603050405020304" charset="0"/>
+                <a:cs typeface="Times New Roman" panose="02020603050405020304" charset="0"/>
+              </a:rPr>
               <a:t>Evaluation</a:t>
             </a:r>
-            <a:endParaRPr lang="en-US" altLang="zh-CN"/>
-          </a:p>
-          <a:p>
-            <a:r>
-              <a:rPr lang="en-US" altLang="zh-CN"/>
-              <a:t>Current Progress</a:t>
-            </a:r>
-            <a:endParaRPr lang="en-US" altLang="zh-CN"/>
-          </a:p>
-          <a:p>
-            <a:endParaRPr lang="en-US" altLang="zh-CN"/>
+            <a:endParaRPr lang="en-US" altLang="zh-CN" sz="2800">
+              <a:solidFill>
+                <a:schemeClr val="tx1"/>
+              </a:solidFill>
+              <a:latin typeface="Times New Roman" panose="02020603050405020304" charset="0"/>
+              <a:cs typeface="Times New Roman" panose="02020603050405020304" charset="0"/>
+            </a:endParaRPr>
+          </a:p>
+          <a:p>
+            <a:r>
+              <a:rPr lang="en-US" altLang="zh-CN" sz="2800">
+                <a:latin typeface="Times New Roman" panose="02020603050405020304" charset="0"/>
+                <a:cs typeface="Times New Roman" panose="02020603050405020304" charset="0"/>
+                <a:sym typeface="+mn-ea"/>
+              </a:rPr>
+              <a:t>Improvement and innovation</a:t>
+            </a:r>
+            <a:endParaRPr lang="en-US" altLang="zh-CN" sz="2800">
+              <a:solidFill>
+                <a:schemeClr val="tx1"/>
+              </a:solidFill>
+              <a:latin typeface="Times New Roman" panose="02020603050405020304" charset="0"/>
+              <a:cs typeface="Times New Roman" panose="02020603050405020304" charset="0"/>
+            </a:endParaRPr>
           </a:p>
         </p:txBody>
       </p:sp>
@@ -4035,33 +8191,47 @@
         </p:nvSpPr>
         <p:spPr/>
         <p:txBody>
-          <a:bodyPr/>
-          <a:p>
-            <a:r>
-              <a:rPr lang="en-US" altLang="zh-CN">
+          <a:bodyPr>
+            <a:noAutofit/>
+          </a:bodyPr>
+          <a:p>
+            <a:r>
+              <a:rPr lang="en-US" altLang="zh-CN" sz="4800">
+                <a:latin typeface="Times New Roman" panose="02020603050405020304" charset="0"/>
+                <a:cs typeface="Times New Roman" panose="02020603050405020304" charset="0"/>
                 <a:sym typeface="+mn-ea"/>
               </a:rPr>
               <a:t>R</a:t>
             </a:r>
             <a:r>
-              <a:rPr lang="zh-CN" altLang="en-US">
+              <a:rPr lang="zh-CN" altLang="en-US" sz="4800">
+                <a:latin typeface="Times New Roman" panose="02020603050405020304" charset="0"/>
+                <a:cs typeface="Times New Roman" panose="02020603050405020304" charset="0"/>
                 <a:sym typeface="+mn-ea"/>
               </a:rPr>
               <a:t>esearch </a:t>
             </a:r>
             <a:r>
-              <a:rPr lang="en-US" altLang="zh-CN">
+              <a:rPr lang="en-US" altLang="zh-CN" sz="4800">
+                <a:latin typeface="Times New Roman" panose="02020603050405020304" charset="0"/>
+                <a:cs typeface="Times New Roman" panose="02020603050405020304" charset="0"/>
                 <a:sym typeface="+mn-ea"/>
               </a:rPr>
               <a:t>B</a:t>
             </a:r>
             <a:r>
-              <a:rPr lang="zh-CN" altLang="en-US">
+              <a:rPr lang="zh-CN" altLang="en-US" sz="4800">
+                <a:latin typeface="Times New Roman" panose="02020603050405020304" charset="0"/>
+                <a:cs typeface="Times New Roman" panose="02020603050405020304" charset="0"/>
                 <a:sym typeface="+mn-ea"/>
               </a:rPr>
               <a:t>ackground</a:t>
             </a:r>
-            <a:endParaRPr lang="zh-CN" altLang="en-US"/>
+            <a:endParaRPr lang="zh-CN" altLang="en-US" sz="4800">
+              <a:latin typeface="Times New Roman" panose="02020603050405020304" charset="0"/>
+              <a:cs typeface="Times New Roman" panose="02020603050405020304" charset="0"/>
+              <a:sym typeface="+mn-ea"/>
+            </a:endParaRPr>
           </a:p>
         </p:txBody>
       </p:sp>
@@ -4072,28 +8242,57 @@
             <a:spLocks noGrp="1"/>
           </p:cNvSpPr>
           <p:nvPr>
-            <p:ph idx="1"/>
+            <p:ph idx="4294967295"/>
           </p:nvPr>
         </p:nvSpPr>
-        <p:spPr/>
-        <p:txBody>
-          <a:bodyPr/>
-          <a:p>
-            <a:r>
-              <a:rPr lang="zh-CN" altLang="en-US"/>
-              <a:t>Sleep stage analysis is crucial for understanding sleep patterns and overall health. </a:t>
-            </a:r>
-            <a:endParaRPr lang="zh-CN" altLang="en-US"/>
-          </a:p>
-          <a:p>
-            <a:r>
-              <a:rPr lang="en-US" altLang="zh-CN"/>
+        <p:spPr>
+          <a:xfrm>
+            <a:off x="658495" y="1616710"/>
+            <a:ext cx="6574155" cy="2183130"/>
+          </a:xfrm>
+        </p:spPr>
+        <p:txBody>
+          <a:bodyPr>
+            <a:noAutofit/>
+          </a:bodyPr>
+          <a:p>
+            <a:r>
+              <a:rPr lang="en-US" altLang="zh-CN" sz="2000">
+                <a:latin typeface="Times New Roman" panose="02020603050405020304" charset="0"/>
+                <a:cs typeface="Times New Roman" panose="02020603050405020304" charset="0"/>
+              </a:rPr>
+              <a:t>C</a:t>
+            </a:r>
+            <a:r>
+              <a:rPr lang="zh-CN" altLang="en-US" sz="2000">
+                <a:latin typeface="Times New Roman" panose="02020603050405020304" charset="0"/>
+                <a:cs typeface="Times New Roman" panose="02020603050405020304" charset="0"/>
+              </a:rPr>
+              <a:t>rucial for understanding sleep patterns and overall health. </a:t>
+            </a:r>
+            <a:endParaRPr lang="zh-CN" altLang="en-US" sz="2000">
+              <a:latin typeface="Times New Roman" panose="02020603050405020304" charset="0"/>
+              <a:cs typeface="Times New Roman" panose="02020603050405020304" charset="0"/>
+            </a:endParaRPr>
+          </a:p>
+          <a:p>
+            <a:r>
+              <a:rPr lang="en-US" altLang="zh-CN" sz="2000">
+                <a:latin typeface="Times New Roman" panose="02020603050405020304" charset="0"/>
+                <a:cs typeface="Times New Roman" panose="02020603050405020304" charset="0"/>
+              </a:rPr>
               <a:t>Sleep Stages: non-rapid eye movement (NREM) sleep, divided into four stages (N1, N2, N3, N4), and rapid eye movement (REM) sleep</a:t>
             </a:r>
-            <a:endParaRPr lang="en-US" altLang="zh-CN"/>
-          </a:p>
-          <a:p>
-            <a:endParaRPr lang="en-US" altLang="zh-CN"/>
+            <a:endParaRPr lang="en-US" altLang="zh-CN" sz="2000">
+              <a:latin typeface="Times New Roman" panose="02020603050405020304" charset="0"/>
+              <a:cs typeface="Times New Roman" panose="02020603050405020304" charset="0"/>
+            </a:endParaRPr>
+          </a:p>
+          <a:p>
+            <a:endParaRPr lang="en-US" altLang="zh-CN" sz="2000">
+              <a:latin typeface="Times New Roman" panose="02020603050405020304" charset="0"/>
+              <a:cs typeface="Times New Roman" panose="02020603050405020304" charset="0"/>
+            </a:endParaRPr>
           </a:p>
         </p:txBody>
       </p:sp>
@@ -4113,8 +8312,46 @@
         </p:blipFill>
         <p:spPr>
           <a:xfrm>
-            <a:off x="7291705" y="3296920"/>
-            <a:ext cx="2440940" cy="2343785"/>
+            <a:off x="7028815" y="1836420"/>
+            <a:ext cx="4548505" cy="4366895"/>
+          </a:xfrm>
+          <a:prstGeom prst="rect">
+            <a:avLst/>
+          </a:prstGeom>
+        </p:spPr>
+      </p:pic>
+      <p:pic>
+        <p:nvPicPr>
+          <p:cNvPr id="6" name="图片 5" descr="sleep circle"/>
+          <p:cNvPicPr>
+            <a:picLocks noChangeAspect="1"/>
+          </p:cNvPicPr>
+          <p:nvPr/>
+        </p:nvPicPr>
+        <p:blipFill>
+          <a:blip r:embed="rId2">
+            <a:clrChange>
+              <a:clrFrom>
+                <a:srgbClr val="F3F5F2">
+                  <a:alpha val="100000"/>
+                </a:srgbClr>
+              </a:clrFrom>
+              <a:clrTo>
+                <a:srgbClr val="F3F5F2">
+                  <a:alpha val="100000"/>
+                  <a:alpha val="0"/>
+                </a:srgbClr>
+              </a:clrTo>
+            </a:clrChange>
+          </a:blip>
+          <a:stretch>
+            <a:fillRect/>
+          </a:stretch>
+        </p:blipFill>
+        <p:spPr>
+          <a:xfrm>
+            <a:off x="969645" y="3006090"/>
+            <a:ext cx="5320030" cy="4255770"/>
           </a:xfrm>
           <a:prstGeom prst="rect">
             <a:avLst/>
@@ -4123,7 +8360,7 @@
       </p:pic>
     </p:spTree>
     <p:custDataLst>
-      <p:tags r:id="rId2"/>
+      <p:tags r:id="rId3"/>
     </p:custDataLst>
   </p:cSld>
   <p:clrMapOvr>
@@ -4142,80 +8379,9 @@
         <p:nvPr/>
       </p:nvGrpSpPr>
       <p:grpSpPr/>
-      <p:sp>
-        <p:nvSpPr>
-          <p:cNvPr id="2" name="标题 1"/>
-          <p:cNvSpPr>
-            <a:spLocks noGrp="1"/>
-          </p:cNvSpPr>
-          <p:nvPr>
-            <p:ph type="title"/>
-          </p:nvPr>
-        </p:nvSpPr>
-        <p:spPr/>
-        <p:txBody>
-          <a:bodyPr/>
-          <a:p>
-            <a:r>
-              <a:rPr lang="en-US" altLang="zh-CN">
-                <a:sym typeface="+mn-ea"/>
-              </a:rPr>
-              <a:t>R</a:t>
-            </a:r>
-            <a:r>
-              <a:rPr lang="zh-CN" altLang="en-US">
-                <a:sym typeface="+mn-ea"/>
-              </a:rPr>
-              <a:t>esearch </a:t>
-            </a:r>
-            <a:r>
-              <a:rPr lang="en-US" altLang="zh-CN">
-                <a:sym typeface="+mn-ea"/>
-              </a:rPr>
-              <a:t>B</a:t>
-            </a:r>
-            <a:r>
-              <a:rPr lang="zh-CN" altLang="en-US">
-                <a:sym typeface="+mn-ea"/>
-              </a:rPr>
-              <a:t>ackground</a:t>
-            </a:r>
-            <a:endParaRPr lang="zh-CN" altLang="en-US"/>
-          </a:p>
-        </p:txBody>
-      </p:sp>
-      <p:sp>
-        <p:nvSpPr>
-          <p:cNvPr id="3" name="内容占位符 2"/>
-          <p:cNvSpPr>
-            <a:spLocks noGrp="1"/>
-          </p:cNvSpPr>
-          <p:nvPr>
-            <p:ph idx="1"/>
-          </p:nvPr>
-        </p:nvSpPr>
-        <p:spPr/>
-        <p:txBody>
-          <a:bodyPr/>
-          <a:p>
-            <a:r>
-              <a:rPr lang="en-US" altLang="zh-CN"/>
-              <a:t>Electroencephalogram (EEG) is a medical test used to measure and record the electrical activity in the brain.</a:t>
-            </a:r>
-            <a:endParaRPr lang="en-US" altLang="zh-CN"/>
-          </a:p>
-          <a:p>
-            <a:r>
-              <a:rPr lang="en-US" altLang="zh-CN"/>
-              <a:t>Sleep stage can be classified by EEG signals.</a:t>
-            </a:r>
-            <a:endParaRPr lang="en-US" altLang="zh-CN"/>
-          </a:p>
-        </p:txBody>
-      </p:sp>
       <p:pic>
         <p:nvPicPr>
-          <p:cNvPr id="6" name="图片 5" descr="EEG horizontal"/>
+          <p:cNvPr id="10" name="图片 9" descr="EOG"/>
           <p:cNvPicPr>
             <a:picLocks noChangeAspect="1"/>
           </p:cNvPicPr>
@@ -4229,8 +8395,143 @@
         </p:blipFill>
         <p:spPr>
           <a:xfrm>
-            <a:off x="360045" y="5189220"/>
-            <a:ext cx="4509135" cy="788670"/>
+            <a:off x="459740" y="4535170"/>
+            <a:ext cx="2783205" cy="1565275"/>
+          </a:xfrm>
+          <a:prstGeom prst="rect">
+            <a:avLst/>
+          </a:prstGeom>
+        </p:spPr>
+      </p:pic>
+      <p:sp>
+        <p:nvSpPr>
+          <p:cNvPr id="3" name="内容占位符 2"/>
+          <p:cNvSpPr>
+            <a:spLocks noGrp="1"/>
+          </p:cNvSpPr>
+          <p:nvPr>
+            <p:ph idx="4294967295"/>
+          </p:nvPr>
+        </p:nvSpPr>
+        <p:spPr>
+          <a:xfrm>
+            <a:off x="360045" y="1490345"/>
+            <a:ext cx="11671935" cy="5367655"/>
+          </a:xfrm>
+        </p:spPr>
+        <p:txBody>
+          <a:bodyPr>
+            <a:normAutofit fontScale="90000" lnSpcReduction="10000"/>
+          </a:bodyPr>
+          <a:p>
+            <a:r>
+              <a:rPr lang="en-US" altLang="zh-CN" sz="2400">
+                <a:latin typeface="Times New Roman" panose="02020603050405020304" charset="0"/>
+                <a:cs typeface="Times New Roman" panose="02020603050405020304" charset="0"/>
+                <a:sym typeface="+mn-ea"/>
+              </a:rPr>
+              <a:t>EEG</a:t>
+            </a:r>
+            <a:r>
+              <a:rPr lang="en-US" altLang="zh-CN" sz="2400">
+                <a:latin typeface="Times New Roman" panose="02020603050405020304" charset="0"/>
+                <a:cs typeface="Times New Roman" panose="02020603050405020304" charset="0"/>
+              </a:rPr>
+              <a:t> (</a:t>
+            </a:r>
+            <a:r>
+              <a:rPr lang="en-US" altLang="zh-CN" sz="2400">
+                <a:latin typeface="Times New Roman" panose="02020603050405020304" charset="0"/>
+                <a:cs typeface="Times New Roman" panose="02020603050405020304" charset="0"/>
+                <a:sym typeface="+mn-ea"/>
+              </a:rPr>
+              <a:t>Electroencephalogram</a:t>
+            </a:r>
+            <a:r>
+              <a:rPr lang="en-US" altLang="zh-CN" sz="2400">
+                <a:latin typeface="Times New Roman" panose="02020603050405020304" charset="0"/>
+                <a:cs typeface="Times New Roman" panose="02020603050405020304" charset="0"/>
+              </a:rPr>
+              <a:t>): measuring brain activities</a:t>
+            </a:r>
+            <a:endParaRPr lang="en-US" altLang="zh-CN" sz="2400">
+              <a:latin typeface="Times New Roman" panose="02020603050405020304" charset="0"/>
+              <a:cs typeface="Times New Roman" panose="02020603050405020304" charset="0"/>
+            </a:endParaRPr>
+          </a:p>
+          <a:p>
+            <a:endParaRPr lang="en-US" altLang="zh-CN" sz="2400"/>
+          </a:p>
+          <a:p>
+            <a:endParaRPr lang="en-US" altLang="zh-CN" sz="2400"/>
+          </a:p>
+          <a:p>
+            <a:endParaRPr lang="en-US" altLang="zh-CN" sz="2400"/>
+          </a:p>
+          <a:p>
+            <a:pPr marL="0" indent="0">
+              <a:buNone/>
+            </a:pPr>
+            <a:endParaRPr lang="en-US" altLang="zh-CN" sz="2400"/>
+          </a:p>
+          <a:p>
+            <a:r>
+              <a:rPr lang="en-US" altLang="zh-CN" sz="2400">
+                <a:latin typeface="Times New Roman" panose="02020603050405020304" charset="0"/>
+                <a:cs typeface="Times New Roman" panose="02020603050405020304" charset="0"/>
+              </a:rPr>
+              <a:t>EOG (Electrooculography): measuring eye movements</a:t>
+            </a:r>
+            <a:endParaRPr lang="en-US" altLang="zh-CN" sz="2400">
+              <a:latin typeface="Times New Roman" panose="02020603050405020304" charset="0"/>
+              <a:cs typeface="Times New Roman" panose="02020603050405020304" charset="0"/>
+            </a:endParaRPr>
+          </a:p>
+          <a:p>
+            <a:endParaRPr lang="en-US" altLang="zh-CN" sz="2400"/>
+          </a:p>
+          <a:p>
+            <a:endParaRPr lang="en-US" altLang="zh-CN" sz="2400"/>
+          </a:p>
+          <a:p>
+            <a:pPr marL="0" indent="0">
+              <a:buNone/>
+            </a:pPr>
+            <a:endParaRPr lang="en-US" altLang="zh-CN" sz="2400"/>
+          </a:p>
+          <a:p>
+            <a:r>
+              <a:rPr lang="en-US" altLang="zh-CN" sz="2400">
+                <a:latin typeface="Times New Roman" panose="02020603050405020304" charset="0"/>
+                <a:cs typeface="Times New Roman" panose="02020603050405020304" charset="0"/>
+              </a:rPr>
+              <a:t>Sleep stage can be classified by EEG + EOG signals.</a:t>
+            </a:r>
+            <a:endParaRPr lang="en-US" altLang="zh-CN" sz="2400">
+              <a:latin typeface="Times New Roman" panose="02020603050405020304" charset="0"/>
+              <a:cs typeface="Times New Roman" panose="02020603050405020304" charset="0"/>
+            </a:endParaRPr>
+          </a:p>
+        </p:txBody>
+      </p:sp>
+      <p:pic>
+        <p:nvPicPr>
+          <p:cNvPr id="6" name="图片 5" descr="EEG horizontal"/>
+          <p:cNvPicPr>
+            <a:picLocks noChangeAspect="1"/>
+          </p:cNvPicPr>
+          <p:nvPr/>
+        </p:nvPicPr>
+        <p:blipFill>
+          <a:blip r:embed="rId2"/>
+          <a:stretch>
+            <a:fillRect/>
+          </a:stretch>
+        </p:blipFill>
+        <p:spPr>
+          <a:xfrm>
+            <a:off x="4914265" y="4881880"/>
+            <a:ext cx="4980940" cy="871220"/>
           </a:xfrm>
           <a:prstGeom prst="rect">
             <a:avLst/>
@@ -4246,15 +8547,15 @@
           <p:nvPr/>
         </p:nvPicPr>
         <p:blipFill>
-          <a:blip r:embed="rId2"/>
+          <a:blip r:embed="rId3"/>
           <a:stretch>
             <a:fillRect/>
           </a:stretch>
         </p:blipFill>
         <p:spPr>
           <a:xfrm>
-            <a:off x="5144770" y="5657850"/>
-            <a:ext cx="5276215" cy="1028065"/>
+            <a:off x="4773295" y="3081020"/>
+            <a:ext cx="4490720" cy="875030"/>
           </a:xfrm>
           <a:prstGeom prst="rect">
             <a:avLst/>
@@ -4270,14 +8571,14 @@
           <p:nvPr/>
         </p:nvPicPr>
         <p:blipFill>
-          <a:blip r:embed="rId3"/>
+          <a:blip r:embed="rId4"/>
           <a:stretch>
             <a:fillRect/>
           </a:stretch>
         </p:blipFill>
         <p:spPr>
           <a:xfrm>
-            <a:off x="1455420" y="4186555"/>
+            <a:off x="4766310" y="2091055"/>
             <a:ext cx="4377055" cy="913130"/>
           </a:xfrm>
           <a:prstGeom prst="rect">
@@ -4294,24 +8595,353 @@
           <p:nvPr/>
         </p:nvPicPr>
         <p:blipFill>
-          <a:blip r:embed="rId4"/>
+          <a:blip r:embed="rId5"/>
           <a:stretch>
             <a:fillRect/>
           </a:stretch>
         </p:blipFill>
         <p:spPr>
           <a:xfrm>
-            <a:off x="7659370" y="2604135"/>
-            <a:ext cx="3693795" cy="2072640"/>
+            <a:off x="459740" y="2091055"/>
+            <a:ext cx="3109595" cy="1744980"/>
           </a:xfrm>
           <a:prstGeom prst="rect">
             <a:avLst/>
           </a:prstGeom>
         </p:spPr>
       </p:pic>
+      <p:sp>
+        <p:nvSpPr>
+          <p:cNvPr id="11" name="文本框 10"/>
+          <p:cNvSpPr txBox="1"/>
+          <p:nvPr/>
+        </p:nvSpPr>
+        <p:spPr>
+          <a:xfrm>
+            <a:off x="9032240" y="2303780"/>
+            <a:ext cx="6096000" cy="368300"/>
+          </a:xfrm>
+          <a:prstGeom prst="rect">
+            <a:avLst/>
+          </a:prstGeom>
+          <a:noFill/>
+        </p:spPr>
+        <p:txBody>
+          <a:bodyPr wrap="square" rtlCol="0" anchor="t">
+            <a:spAutoFit/>
+          </a:bodyPr>
+          <a:p>
+            <a:r>
+              <a:rPr lang="zh-CN" altLang="en-US">
+                <a:latin typeface="Times New Roman" panose="02020603050405020304" charset="0"/>
+                <a:cs typeface="Times New Roman" panose="02020603050405020304" charset="0"/>
+              </a:rPr>
+              <a:t>Frontopolar</a:t>
+            </a:r>
+            <a:r>
+              <a:rPr lang="en-US" altLang="zh-CN">
+                <a:latin typeface="Times New Roman" panose="02020603050405020304" charset="0"/>
+                <a:cs typeface="Times New Roman" panose="02020603050405020304" charset="0"/>
+              </a:rPr>
+              <a:t> + Central zero</a:t>
+            </a:r>
+            <a:endParaRPr lang="en-US" altLang="zh-CN">
+              <a:latin typeface="Times New Roman" panose="02020603050405020304" charset="0"/>
+              <a:cs typeface="Times New Roman" panose="02020603050405020304" charset="0"/>
+            </a:endParaRPr>
+          </a:p>
+        </p:txBody>
+      </p:sp>
+      <p:sp>
+        <p:nvSpPr>
+          <p:cNvPr id="12" name="右箭头 11"/>
+          <p:cNvSpPr/>
+          <p:nvPr/>
+        </p:nvSpPr>
+        <p:spPr>
+          <a:xfrm>
+            <a:off x="3717925" y="2771775"/>
+            <a:ext cx="1003300" cy="309245"/>
+          </a:xfrm>
+          <a:prstGeom prst="rightArrow">
+            <a:avLst/>
+          </a:prstGeom>
+        </p:spPr>
+        <p:style>
+          <a:lnRef idx="2">
+            <a:schemeClr val="accent1">
+              <a:lumMod val="75000"/>
+            </a:schemeClr>
+          </a:lnRef>
+          <a:fillRef idx="1">
+            <a:schemeClr val="accent1"/>
+          </a:fillRef>
+          <a:effectRef idx="0">
+            <a:srgbClr val="FFFFFF"/>
+          </a:effectRef>
+          <a:fontRef idx="minor">
+            <a:schemeClr val="lt1"/>
+          </a:fontRef>
+        </p:style>
+        <p:txBody>
+          <a:bodyPr rtlCol="0" anchor="ctr"/>
+          <a:p>
+            <a:pPr algn="ctr"/>
+            <a:endParaRPr lang="zh-CN" altLang="en-US">
+              <a:solidFill>
+                <a:srgbClr val="00B0F0"/>
+              </a:solidFill>
+            </a:endParaRPr>
+          </a:p>
+        </p:txBody>
+      </p:sp>
+      <p:sp>
+        <p:nvSpPr>
+          <p:cNvPr id="13" name="文本框 12"/>
+          <p:cNvSpPr txBox="1"/>
+          <p:nvPr/>
+        </p:nvSpPr>
+        <p:spPr>
+          <a:xfrm>
+            <a:off x="9143365" y="3244850"/>
+            <a:ext cx="6096000" cy="368300"/>
+          </a:xfrm>
+          <a:prstGeom prst="rect">
+            <a:avLst/>
+          </a:prstGeom>
+          <a:noFill/>
+        </p:spPr>
+        <p:txBody>
+          <a:bodyPr wrap="square" rtlCol="0" anchor="t">
+            <a:spAutoFit/>
+          </a:bodyPr>
+          <a:p>
+            <a:r>
+              <a:rPr lang="zh-CN" altLang="en-US">
+                <a:latin typeface="Times New Roman" panose="02020603050405020304" charset="0"/>
+                <a:cs typeface="Times New Roman" panose="02020603050405020304" charset="0"/>
+              </a:rPr>
+              <a:t>Parietal</a:t>
+            </a:r>
+            <a:r>
+              <a:rPr lang="en-US" altLang="zh-CN">
+                <a:latin typeface="Times New Roman" panose="02020603050405020304" charset="0"/>
+                <a:cs typeface="Times New Roman" panose="02020603050405020304" charset="0"/>
+              </a:rPr>
+              <a:t> + Occipital</a:t>
+            </a:r>
+            <a:endParaRPr lang="en-US" altLang="zh-CN">
+              <a:latin typeface="Times New Roman" panose="02020603050405020304" charset="0"/>
+              <a:cs typeface="Times New Roman" panose="02020603050405020304" charset="0"/>
+            </a:endParaRPr>
+          </a:p>
+        </p:txBody>
+      </p:sp>
+      <p:sp>
+        <p:nvSpPr>
+          <p:cNvPr id="14" name="右箭头 13"/>
+          <p:cNvSpPr/>
+          <p:nvPr>
+            <p:custDataLst>
+              <p:tags r:id="rId6"/>
+            </p:custDataLst>
+          </p:nvPr>
+        </p:nvSpPr>
+        <p:spPr>
+          <a:xfrm>
+            <a:off x="3717925" y="5163185"/>
+            <a:ext cx="1003300" cy="309245"/>
+          </a:xfrm>
+          <a:prstGeom prst="rightArrow">
+            <a:avLst/>
+          </a:prstGeom>
+        </p:spPr>
+        <p:style>
+          <a:lnRef idx="2">
+            <a:schemeClr val="accent1">
+              <a:lumMod val="75000"/>
+            </a:schemeClr>
+          </a:lnRef>
+          <a:fillRef idx="1">
+            <a:schemeClr val="accent1"/>
+          </a:fillRef>
+          <a:effectRef idx="0">
+            <a:srgbClr val="FFFFFF"/>
+          </a:effectRef>
+          <a:fontRef idx="minor">
+            <a:schemeClr val="lt1"/>
+          </a:fontRef>
+        </p:style>
+        <p:txBody>
+          <a:bodyPr rtlCol="0" anchor="ctr"/>
+          <a:p>
+            <a:pPr algn="ctr"/>
+            <a:endParaRPr lang="zh-CN" altLang="en-US">
+              <a:solidFill>
+                <a:srgbClr val="00B0F0"/>
+              </a:solidFill>
+            </a:endParaRPr>
+          </a:p>
+        </p:txBody>
+      </p:sp>
+      <p:sp>
+        <p:nvSpPr>
+          <p:cNvPr id="19" name="标题 18"/>
+          <p:cNvSpPr>
+            <a:spLocks noGrp="1"/>
+          </p:cNvSpPr>
+          <p:nvPr>
+            <p:ph type="title"/>
+            <p:custDataLst>
+              <p:tags r:id="rId7"/>
+            </p:custDataLst>
+          </p:nvPr>
+        </p:nvSpPr>
+        <p:spPr/>
+        <p:txBody>
+          <a:bodyPr>
+            <a:noAutofit/>
+          </a:bodyPr>
+          <a:p>
+            <a:r>
+              <a:rPr lang="en-US" altLang="zh-CN" sz="4800">
+                <a:latin typeface="Times New Roman" panose="02020603050405020304" charset="0"/>
+                <a:cs typeface="Times New Roman" panose="02020603050405020304" charset="0"/>
+                <a:sym typeface="+mn-ea"/>
+              </a:rPr>
+              <a:t>R</a:t>
+            </a:r>
+            <a:r>
+              <a:rPr lang="zh-CN" altLang="en-US" sz="4800">
+                <a:latin typeface="Times New Roman" panose="02020603050405020304" charset="0"/>
+                <a:cs typeface="Times New Roman" panose="02020603050405020304" charset="0"/>
+                <a:sym typeface="+mn-ea"/>
+              </a:rPr>
+              <a:t>esearch </a:t>
+            </a:r>
+            <a:r>
+              <a:rPr lang="en-US" altLang="zh-CN" sz="4800">
+                <a:latin typeface="Times New Roman" panose="02020603050405020304" charset="0"/>
+                <a:cs typeface="Times New Roman" panose="02020603050405020304" charset="0"/>
+                <a:sym typeface="+mn-ea"/>
+              </a:rPr>
+              <a:t>B</a:t>
+            </a:r>
+            <a:r>
+              <a:rPr lang="zh-CN" altLang="en-US" sz="4800">
+                <a:latin typeface="Times New Roman" panose="02020603050405020304" charset="0"/>
+                <a:cs typeface="Times New Roman" panose="02020603050405020304" charset="0"/>
+                <a:sym typeface="+mn-ea"/>
+              </a:rPr>
+              <a:t>ackground</a:t>
+            </a:r>
+            <a:endParaRPr lang="zh-CN" altLang="en-US" sz="4800">
+              <a:latin typeface="Times New Roman" panose="02020603050405020304" charset="0"/>
+              <a:cs typeface="Times New Roman" panose="02020603050405020304" charset="0"/>
+              <a:sym typeface="+mn-ea"/>
+            </a:endParaRPr>
+          </a:p>
+        </p:txBody>
+      </p:sp>
+      <p:sp>
+        <p:nvSpPr>
+          <p:cNvPr id="20" name="文本框 19"/>
+          <p:cNvSpPr txBox="1"/>
+          <p:nvPr/>
+        </p:nvSpPr>
+        <p:spPr>
+          <a:xfrm>
+            <a:off x="360045" y="3836035"/>
+            <a:ext cx="4064000" cy="368300"/>
+          </a:xfrm>
+          <a:prstGeom prst="rect">
+            <a:avLst/>
+          </a:prstGeom>
+          <a:noFill/>
+        </p:spPr>
+        <p:txBody>
+          <a:bodyPr wrap="square" rtlCol="0">
+            <a:spAutoFit/>
+          </a:bodyPr>
+          <a:p>
+            <a:r>
+              <a:rPr lang="en-US" altLang="zh-CN" sz="1200">
+                <a:solidFill>
+                  <a:schemeClr val="accent1">
+                    <a:lumMod val="75000"/>
+                  </a:schemeClr>
+                </a:solidFill>
+                <a:cs typeface="+mn-lt"/>
+              </a:rPr>
+              <a:t>Fig. 1 A subject undergoing EEG monitoring</a:t>
+            </a:r>
+            <a:r>
+              <a:rPr lang="en-US" altLang="zh-CN">
+                <a:latin typeface="Times New Roman" panose="02020603050405020304" charset="0"/>
+                <a:cs typeface="Times New Roman" panose="02020603050405020304" charset="0"/>
+              </a:rPr>
+              <a:t> </a:t>
+            </a:r>
+            <a:endParaRPr lang="en-US" altLang="zh-CN">
+              <a:latin typeface="Times New Roman" panose="02020603050405020304" charset="0"/>
+              <a:cs typeface="Times New Roman" panose="02020603050405020304" charset="0"/>
+            </a:endParaRPr>
+          </a:p>
+        </p:txBody>
+      </p:sp>
+      <p:sp>
+        <p:nvSpPr>
+          <p:cNvPr id="21" name="文本框 20"/>
+          <p:cNvSpPr txBox="1"/>
+          <p:nvPr>
+            <p:custDataLst>
+              <p:tags r:id="rId8"/>
+            </p:custDataLst>
+          </p:nvPr>
+        </p:nvSpPr>
+        <p:spPr>
+          <a:xfrm>
+            <a:off x="401955" y="6049010"/>
+            <a:ext cx="4064000" cy="368300"/>
+          </a:xfrm>
+          <a:prstGeom prst="rect">
+            <a:avLst/>
+          </a:prstGeom>
+          <a:noFill/>
+        </p:spPr>
+        <p:txBody>
+          <a:bodyPr wrap="square" rtlCol="0">
+            <a:spAutoFit/>
+          </a:bodyPr>
+          <a:p>
+            <a:r>
+              <a:rPr lang="en-US" altLang="zh-CN" sz="1200">
+                <a:solidFill>
+                  <a:schemeClr val="accent1">
+                    <a:lumMod val="75000"/>
+                  </a:schemeClr>
+                </a:solidFill>
+                <a:cs typeface="+mn-lt"/>
+              </a:rPr>
+              <a:t>Fig. 2  Explanation to EOG</a:t>
+            </a:r>
+            <a:r>
+              <a:rPr lang="en-US" altLang="zh-CN">
+                <a:latin typeface="Times New Roman" panose="02020603050405020304" charset="0"/>
+                <a:cs typeface="Times New Roman" panose="02020603050405020304" charset="0"/>
+              </a:rPr>
+              <a:t> </a:t>
+            </a:r>
+            <a:endParaRPr lang="en-US" altLang="zh-CN">
+              <a:latin typeface="Times New Roman" panose="02020603050405020304" charset="0"/>
+              <a:cs typeface="Times New Roman" panose="02020603050405020304" charset="0"/>
+            </a:endParaRPr>
+          </a:p>
+        </p:txBody>
+      </p:sp>
     </p:spTree>
     <p:custDataLst>
-      <p:tags r:id="rId5"/>
+      <p:tags r:id="rId9"/>
     </p:custDataLst>
   </p:cSld>
   <p:clrMapOvr>
@@ -4343,99 +8973,329 @@
         <p:spPr/>
         <p:txBody>
           <a:bodyPr>
-            <a:normAutofit fontScale="90000"/>
+            <a:noAutofit/>
           </a:bodyPr>
           <a:p>
             <a:r>
-              <a:rPr lang="en-US" altLang="zh-CN">
+              <a:rPr lang="en-US" altLang="zh-CN" sz="4800">
+                <a:latin typeface="Times New Roman" panose="02020603050405020304" charset="0"/>
+                <a:cs typeface="Times New Roman" panose="02020603050405020304" charset="0"/>
                 <a:sym typeface="+mn-ea"/>
               </a:rPr>
-              <a:t>R</a:t>
-            </a:r>
-            <a:r>
-              <a:rPr lang="zh-CN" altLang="en-US">
+              <a:t>S</a:t>
+            </a:r>
+            <a:r>
+              <a:rPr lang="zh-CN" altLang="en-US" sz="4800">
+                <a:latin typeface="Times New Roman" panose="02020603050405020304" charset="0"/>
+                <a:cs typeface="Times New Roman" panose="02020603050405020304" charset="0"/>
                 <a:sym typeface="+mn-ea"/>
               </a:rPr>
-              <a:t>esearch </a:t>
-            </a:r>
-            <a:r>
-              <a:rPr lang="en-US" altLang="zh-CN">
+              <a:t>tatus</a:t>
+            </a:r>
+            <a:r>
+              <a:rPr lang="en-US" altLang="zh-CN" sz="4800">
+                <a:latin typeface="Times New Roman" panose="02020603050405020304" charset="0"/>
+                <a:cs typeface="Times New Roman" panose="02020603050405020304" charset="0"/>
                 <a:sym typeface="+mn-ea"/>
               </a:rPr>
-              <a:t>S</a:t>
-            </a:r>
-            <a:r>
-              <a:rPr lang="zh-CN" altLang="en-US">
+              <a:t>-of-art about Sleep-staging</a:t>
+            </a:r>
+            <a:endParaRPr lang="en-US" altLang="zh-CN" sz="4800">
+              <a:latin typeface="Times New Roman" panose="02020603050405020304" charset="0"/>
+              <a:cs typeface="Times New Roman" panose="02020603050405020304" charset="0"/>
+              <a:sym typeface="+mn-ea"/>
+            </a:endParaRPr>
+          </a:p>
+        </p:txBody>
+      </p:sp>
+      <p:sp>
+        <p:nvSpPr>
+          <p:cNvPr id="4" name="圆角矩形 3"/>
+          <p:cNvSpPr/>
+          <p:nvPr/>
+        </p:nvSpPr>
+        <p:spPr>
+          <a:xfrm>
+            <a:off x="2479675" y="1832610"/>
+            <a:ext cx="6971665" cy="1458595"/>
+          </a:xfrm>
+          <a:prstGeom prst="roundRect">
+            <a:avLst/>
+          </a:prstGeom>
+          <a:ln w="28575"/>
+        </p:spPr>
+        <p:style>
+          <a:lnRef idx="2">
+            <a:schemeClr val="accent1"/>
+          </a:lnRef>
+          <a:fillRef idx="0">
+            <a:srgbClr val="FFFFFF"/>
+          </a:fillRef>
+          <a:effectRef idx="0">
+            <a:srgbClr val="FFFFFF"/>
+          </a:effectRef>
+          <a:fontRef idx="minor">
+            <a:schemeClr val="tx1"/>
+          </a:fontRef>
+        </p:style>
+        <p:txBody>
+          <a:bodyPr rtlCol="0" anchor="ctr"/>
+          <a:p>
+            <a:pPr algn="ctr"/>
+            <a:r>
+              <a:rPr lang="en-US" altLang="zh-CN" sz="2800">
+                <a:latin typeface="Times New Roman" panose="02020603050405020304" charset="0"/>
+                <a:cs typeface="Times New Roman" panose="02020603050405020304" charset="0"/>
                 <a:sym typeface="+mn-ea"/>
               </a:rPr>
-              <a:t>tatus</a:t>
-            </a:r>
-            <a:r>
-              <a:rPr lang="en-US" altLang="zh-CN">
+              <a:t>Mainly focused on developing increasingly complex deep learning architectures</a:t>
+            </a:r>
+            <a:r>
+              <a:rPr lang="en-US" altLang="zh-CN" sz="2800" baseline="30000">
+                <a:latin typeface="Times New Roman" panose="02020603050405020304" charset="0"/>
+                <a:cs typeface="Times New Roman" panose="02020603050405020304" charset="0"/>
                 <a:sym typeface="+mn-ea"/>
               </a:rPr>
-              <a:t> about Sleep-stage Analysis</a:t>
-            </a:r>
-            <a:endParaRPr lang="zh-CN" altLang="en-US"/>
-          </a:p>
-        </p:txBody>
-      </p:sp>
-      <p:sp>
-        <p:nvSpPr>
-          <p:cNvPr id="3" name="内容占位符 2"/>
-          <p:cNvSpPr>
-            <a:spLocks noGrp="1"/>
-          </p:cNvSpPr>
+              <a:t>[1]</a:t>
+            </a:r>
+            <a:endParaRPr lang="en-US" altLang="zh-CN" sz="2800" baseline="30000">
+              <a:latin typeface="Times New Roman" panose="02020603050405020304" charset="0"/>
+              <a:cs typeface="Times New Roman" panose="02020603050405020304" charset="0"/>
+              <a:sym typeface="+mn-ea"/>
+            </a:endParaRPr>
+          </a:p>
+        </p:txBody>
+      </p:sp>
+      <p:sp>
+        <p:nvSpPr>
+          <p:cNvPr id="5" name="圆角矩形 4"/>
+          <p:cNvSpPr/>
           <p:nvPr>
-            <p:ph idx="1"/>
+            <p:custDataLst>
+              <p:tags r:id="rId1"/>
+            </p:custDataLst>
           </p:nvPr>
         </p:nvSpPr>
-        <p:spPr/>
-        <p:txBody>
-          <a:bodyPr/>
-          <a:p>
-            <a:pPr marL="0" indent="0">
-              <a:buNone/>
-            </a:pPr>
-            <a:r>
-              <a:rPr lang="en-US" altLang="zh-CN"/>
-              <a:t>Current research status:</a:t>
-            </a:r>
-            <a:endParaRPr lang="en-US" altLang="zh-CN"/>
-          </a:p>
-          <a:p>
-            <a:r>
-              <a:rPr lang="en-US" altLang="zh-CN"/>
-              <a:t>mainly focused on developing increasingly complex deep learning architectures</a:t>
-            </a:r>
-            <a:endParaRPr lang="en-US" altLang="zh-CN"/>
-          </a:p>
-          <a:p>
-            <a:r>
-              <a:rPr lang="en-US" altLang="zh-CN"/>
-              <a:t>automatic sleep staging solutions are not widely adopted in a clinical context yet</a:t>
-            </a:r>
-            <a:endParaRPr lang="en-US" altLang="zh-CN"/>
-          </a:p>
-          <a:p>
-            <a:r>
-              <a:rPr lang="en-US" altLang="zh-CN"/>
-              <a:t>most deep learning solutions for sleep scoring are limited in their real-world applicability as they are hard to train, deploy, and reproduce.</a:t>
-            </a:r>
-            <a:endParaRPr lang="en-US" altLang="zh-CN"/>
-          </a:p>
-          <a:p>
-            <a:r>
-              <a:rPr lang="en-US" altLang="zh-CN"/>
+        <p:spPr>
+          <a:xfrm>
+            <a:off x="4548505" y="3933825"/>
+            <a:ext cx="3214370" cy="1960880"/>
+          </a:xfrm>
+          <a:prstGeom prst="roundRect">
+            <a:avLst/>
+          </a:prstGeom>
+          <a:ln w="28575"/>
+        </p:spPr>
+        <p:style>
+          <a:lnRef idx="2">
+            <a:schemeClr val="accent1"/>
+          </a:lnRef>
+          <a:fillRef idx="0">
+            <a:srgbClr val="FFFFFF"/>
+          </a:fillRef>
+          <a:effectRef idx="0">
+            <a:srgbClr val="FFFFFF"/>
+          </a:effectRef>
+          <a:fontRef idx="minor">
+            <a:schemeClr val="tx1"/>
+          </a:fontRef>
+        </p:style>
+        <p:txBody>
+          <a:bodyPr rtlCol="0" anchor="ctr"/>
+          <a:p>
+            <a:pPr algn="ctr"/>
+            <a:r>
+              <a:rPr lang="en-US" altLang="zh-CN" sz="2800">
+                <a:latin typeface="Times New Roman" panose="02020603050405020304" charset="0"/>
+                <a:cs typeface="Times New Roman" panose="02020603050405020304" charset="0"/>
+                <a:sym typeface="+mn-ea"/>
+              </a:rPr>
+              <a:t>not widely adopted in a clinical context</a:t>
+            </a:r>
+            <a:endParaRPr lang="en-US" altLang="zh-CN" sz="2800">
+              <a:latin typeface="Times New Roman" panose="02020603050405020304" charset="0"/>
+              <a:cs typeface="Times New Roman" panose="02020603050405020304" charset="0"/>
+              <a:sym typeface="+mn-ea"/>
+            </a:endParaRPr>
+          </a:p>
+        </p:txBody>
+      </p:sp>
+      <p:sp>
+        <p:nvSpPr>
+          <p:cNvPr id="6" name="圆角矩形 5"/>
+          <p:cNvSpPr/>
+          <p:nvPr>
+            <p:custDataLst>
+              <p:tags r:id="rId2"/>
+            </p:custDataLst>
+          </p:nvPr>
+        </p:nvSpPr>
+        <p:spPr>
+          <a:xfrm>
+            <a:off x="608330" y="3934460"/>
+            <a:ext cx="3260090" cy="1960245"/>
+          </a:xfrm>
+          <a:prstGeom prst="roundRect">
+            <a:avLst/>
+          </a:prstGeom>
+          <a:ln w="28575"/>
+        </p:spPr>
+        <p:style>
+          <a:lnRef idx="2">
+            <a:schemeClr val="accent1"/>
+          </a:lnRef>
+          <a:fillRef idx="0">
+            <a:srgbClr val="FFFFFF"/>
+          </a:fillRef>
+          <a:effectRef idx="0">
+            <a:srgbClr val="FFFFFF"/>
+          </a:effectRef>
+          <a:fontRef idx="minor">
+            <a:schemeClr val="tx1"/>
+          </a:fontRef>
+        </p:style>
+        <p:txBody>
+          <a:bodyPr rtlCol="0" anchor="ctr"/>
+          <a:p>
+            <a:pPr algn="ctr"/>
+            <a:r>
+              <a:rPr lang="en-US" altLang="zh-CN" sz="2800">
+                <a:latin typeface="Times New Roman" panose="02020603050405020304" charset="0"/>
+                <a:cs typeface="Times New Roman" panose="02020603050405020304" charset="0"/>
+                <a:sym typeface="+mn-ea"/>
+              </a:rPr>
+              <a:t>limited in their real-world applicability</a:t>
+            </a:r>
+            <a:endParaRPr lang="en-US" altLang="zh-CN" sz="2800">
+              <a:latin typeface="Times New Roman" panose="02020603050405020304" charset="0"/>
+              <a:cs typeface="Times New Roman" panose="02020603050405020304" charset="0"/>
+              <a:sym typeface="+mn-ea"/>
+            </a:endParaRPr>
+          </a:p>
+        </p:txBody>
+      </p:sp>
+      <p:sp>
+        <p:nvSpPr>
+          <p:cNvPr id="7" name="圆角矩形 6"/>
+          <p:cNvSpPr/>
+          <p:nvPr>
+            <p:custDataLst>
+              <p:tags r:id="rId3"/>
+            </p:custDataLst>
+          </p:nvPr>
+        </p:nvSpPr>
+        <p:spPr>
+          <a:xfrm>
+            <a:off x="8442960" y="3935095"/>
+            <a:ext cx="3244215" cy="1959610"/>
+          </a:xfrm>
+          <a:prstGeom prst="roundRect">
+            <a:avLst/>
+          </a:prstGeom>
+          <a:ln w="28575"/>
+        </p:spPr>
+        <p:style>
+          <a:lnRef idx="2">
+            <a:schemeClr val="accent1"/>
+          </a:lnRef>
+          <a:fillRef idx="0">
+            <a:srgbClr val="FFFFFF"/>
+          </a:fillRef>
+          <a:effectRef idx="0">
+            <a:srgbClr val="FFFFFF"/>
+          </a:effectRef>
+          <a:fontRef idx="minor">
+            <a:schemeClr val="tx1"/>
+          </a:fontRef>
+        </p:style>
+        <p:txBody>
+          <a:bodyPr rtlCol="0" anchor="ctr"/>
+          <a:p>
+            <a:pPr algn="ctr"/>
+            <a:r>
+              <a:rPr lang="en-US" altLang="zh-CN" sz="2800">
+                <a:latin typeface="Times New Roman" panose="02020603050405020304" charset="0"/>
+                <a:cs typeface="Times New Roman" panose="02020603050405020304" charset="0"/>
+                <a:sym typeface="+mn-ea"/>
+              </a:rPr>
               <a:t>lack interpretability and transparency</a:t>
             </a:r>
-            <a:endParaRPr lang="en-US" altLang="zh-CN"/>
+            <a:endParaRPr lang="en-US" altLang="zh-CN" sz="2800">
+              <a:latin typeface="Times New Roman" panose="02020603050405020304" charset="0"/>
+              <a:cs typeface="Times New Roman" panose="02020603050405020304" charset="0"/>
+              <a:sym typeface="+mn-ea"/>
+            </a:endParaRPr>
+          </a:p>
+        </p:txBody>
+      </p:sp>
+      <p:sp>
+        <p:nvSpPr>
+          <p:cNvPr id="12" name="文本框 11"/>
+          <p:cNvSpPr txBox="1"/>
+          <p:nvPr>
+            <p:custDataLst>
+              <p:tags r:id="rId4"/>
+            </p:custDataLst>
+          </p:nvPr>
+        </p:nvSpPr>
+        <p:spPr>
+          <a:xfrm>
+            <a:off x="558165" y="6235700"/>
+            <a:ext cx="11596370" cy="460375"/>
+          </a:xfrm>
+          <a:prstGeom prst="rect">
+            <a:avLst/>
+          </a:prstGeom>
+          <a:noFill/>
+        </p:spPr>
+        <p:txBody>
+          <a:bodyPr wrap="square" rtlCol="0">
+            <a:spAutoFit/>
+          </a:bodyPr>
+          <a:p>
+            <a:r>
+              <a:rPr lang="en-US" altLang="zh-CN" sz="1200"/>
+              <a:t>[1] </a:t>
+            </a:r>
+            <a:r>
+              <a:rPr lang="zh-CN" altLang="en-US" sz="1200"/>
+              <a:t>Jeroen Van Der Donckt, Jonas Van Der Donckt, Emiel Deprost, Nicolas Vandenbussche,</a:t>
+            </a:r>
+            <a:r>
+              <a:rPr lang="en-US" altLang="zh-CN" sz="1200"/>
+              <a:t> </a:t>
+            </a:r>
+            <a:r>
+              <a:rPr lang="zh-CN" altLang="en-US" sz="1200"/>
+              <a:t>Michael Rademaker, Gilles Vandewiele, Sofie Van Hoecke: </a:t>
+            </a:r>
+            <a:r>
+              <a:rPr sz="1200"/>
+              <a:t>Do not sleep on traditional machine learning</a:t>
+            </a:r>
+            <a:r>
+              <a:rPr lang="en-US" sz="1200"/>
+              <a:t>: </a:t>
+            </a:r>
+            <a:r>
+              <a:rPr sz="1200"/>
+              <a:t>Simple and interpretable techniques are competitive to deep learning for</a:t>
+            </a:r>
+            <a:r>
+              <a:rPr lang="en-US" sz="1200"/>
+              <a:t> </a:t>
+            </a:r>
+            <a:r>
+              <a:rPr sz="1200"/>
+              <a:t>sleep scoring</a:t>
+            </a:r>
+            <a:endParaRPr sz="1200"/>
           </a:p>
         </p:txBody>
       </p:sp>
     </p:spTree>
     <p:custDataLst>
-      <p:tags r:id="rId1"/>
+      <p:tags r:id="rId5"/>
     </p:custDataLst>
   </p:cSld>
   <p:clrMapOvr>
@@ -4466,15 +9326,23 @@
         </p:nvSpPr>
         <p:spPr/>
         <p:txBody>
-          <a:bodyPr/>
-          <a:p>
-            <a:r>
-              <a:rPr lang="en-US" altLang="zh-CN">
+          <a:bodyPr>
+            <a:noAutofit/>
+          </a:bodyPr>
+          <a:p>
+            <a:r>
+              <a:rPr lang="en-US" altLang="zh-CN" sz="4800">
+                <a:latin typeface="Times New Roman" panose="02020603050405020304" charset="0"/>
+                <a:cs typeface="Times New Roman" panose="02020603050405020304" charset="0"/>
                 <a:sym typeface="+mn-ea"/>
               </a:rPr>
               <a:t>Database</a:t>
             </a:r>
-            <a:endParaRPr lang="zh-CN" altLang="en-US"/>
+            <a:endParaRPr lang="en-US" altLang="zh-CN" sz="4800">
+              <a:latin typeface="Times New Roman" panose="02020603050405020304" charset="0"/>
+              <a:cs typeface="Times New Roman" panose="02020603050405020304" charset="0"/>
+              <a:sym typeface="+mn-ea"/>
+            </a:endParaRPr>
           </a:p>
         </p:txBody>
       </p:sp>
@@ -4485,10 +9353,15 @@
             <a:spLocks noGrp="1"/>
           </p:cNvSpPr>
           <p:nvPr>
-            <p:ph idx="1"/>
+            <p:ph idx="4294967295"/>
           </p:nvPr>
         </p:nvSpPr>
-        <p:spPr/>
+        <p:spPr>
+          <a:xfrm>
+            <a:off x="608400" y="1490400"/>
+            <a:ext cx="10969200" cy="4759200"/>
+          </a:xfrm>
+        </p:spPr>
         <p:txBody>
           <a:bodyPr/>
           <a:p>
@@ -4496,40 +9369,85 @@
               <a:buNone/>
             </a:pPr>
             <a:r>
-              <a:rPr lang="en-US" altLang="zh-CN"/>
-              <a:t>Public Data Set: https://www.physionet.org/content/sleep-edfx/1.0.0/</a:t>
-            </a:r>
-            <a:endParaRPr lang="en-US" altLang="zh-CN"/>
-          </a:p>
-          <a:p>
-            <a:pPr marL="0" indent="0">
-              <a:buNone/>
-            </a:pPr>
-            <a:endParaRPr lang="en-US" altLang="zh-CN"/>
-          </a:p>
-          <a:p>
-            <a:r>
-              <a:rPr lang="en-US" altLang="zh-CN"/>
+              <a:rPr lang="en-US" altLang="zh-CN" sz="2800" b="1">
+                <a:latin typeface="Times New Roman" panose="02020603050405020304" charset="0"/>
+                <a:cs typeface="Times New Roman" panose="02020603050405020304" charset="0"/>
+              </a:rPr>
+              <a:t>Public Data Set</a:t>
+            </a:r>
+            <a:r>
+              <a:rPr lang="en-US" altLang="zh-CN" sz="2800" b="1" baseline="30000">
+                <a:latin typeface="Times New Roman" panose="02020603050405020304" charset="0"/>
+                <a:cs typeface="Times New Roman" panose="02020603050405020304" charset="0"/>
+              </a:rPr>
+              <a:t>[2]</a:t>
+            </a:r>
+            <a:r>
+              <a:rPr lang="en-US" altLang="zh-CN" sz="2800" b="1">
+                <a:latin typeface="Times New Roman" panose="02020603050405020304" charset="0"/>
+                <a:cs typeface="Times New Roman" panose="02020603050405020304" charset="0"/>
+              </a:rPr>
+              <a:t>:</a:t>
+            </a:r>
+            <a:r>
+              <a:rPr lang="en-US" altLang="zh-CN" sz="2000">
+                <a:latin typeface="Times New Roman" panose="02020603050405020304" charset="0"/>
+                <a:cs typeface="Times New Roman" panose="02020603050405020304" charset="0"/>
+              </a:rPr>
+              <a:t> </a:t>
+            </a:r>
+            <a:r>
+              <a:rPr lang="en-US" altLang="zh-CN" sz="2800">
+                <a:latin typeface="Times New Roman" panose="02020603050405020304" charset="0"/>
+                <a:cs typeface="Times New Roman" panose="02020603050405020304" charset="0"/>
+              </a:rPr>
+              <a:t>152 patients, continuous sleep signals</a:t>
+            </a:r>
+            <a:endParaRPr lang="en-US" altLang="zh-CN" sz="2000">
+              <a:latin typeface="Times New Roman" panose="02020603050405020304" charset="0"/>
+              <a:cs typeface="Times New Roman" panose="02020603050405020304" charset="0"/>
+            </a:endParaRPr>
+          </a:p>
+          <a:p>
+            <a:r>
+              <a:rPr lang="en-US" altLang="zh-CN" sz="2800">
+                <a:latin typeface="Times New Roman" panose="02020603050405020304" charset="0"/>
+                <a:cs typeface="Times New Roman" panose="02020603050405020304" charset="0"/>
+              </a:rPr>
               <a:t>provide EEG, </a:t>
             </a:r>
             <a:r>
-              <a:rPr lang="en-US" altLang="zh-CN">
+              <a:rPr lang="en-US" altLang="zh-CN" sz="2800">
+                <a:latin typeface="Times New Roman" panose="02020603050405020304" charset="0"/>
+                <a:cs typeface="Times New Roman" panose="02020603050405020304" charset="0"/>
                 <a:sym typeface="+mn-ea"/>
               </a:rPr>
               <a:t>EOG</a:t>
             </a:r>
             <a:r>
-              <a:rPr lang="en-US" altLang="zh-CN"/>
+              <a:rPr lang="en-US" altLang="zh-CN" sz="2800">
+                <a:latin typeface="Times New Roman" panose="02020603050405020304" charset="0"/>
+                <a:cs typeface="Times New Roman" panose="02020603050405020304" charset="0"/>
+              </a:rPr>
               <a:t> and EMG signals during patients’ sleeping</a:t>
             </a:r>
-            <a:endParaRPr lang="en-US" altLang="zh-CN"/>
-          </a:p>
-          <a:p>
-            <a:r>
-              <a:rPr lang="en-US" altLang="zh-CN"/>
+            <a:endParaRPr lang="en-US" altLang="zh-CN" sz="2800">
+              <a:latin typeface="Times New Roman" panose="02020603050405020304" charset="0"/>
+              <a:cs typeface="Times New Roman" panose="02020603050405020304" charset="0"/>
+            </a:endParaRPr>
+          </a:p>
+          <a:p>
+            <a:r>
+              <a:rPr lang="en-US" altLang="zh-CN" sz="2800">
+                <a:latin typeface="Times New Roman" panose="02020603050405020304" charset="0"/>
+                <a:cs typeface="Times New Roman" panose="02020603050405020304" charset="0"/>
+              </a:rPr>
               <a:t>provide sleep stages at each time</a:t>
             </a:r>
-            <a:endParaRPr lang="en-US" altLang="zh-CN"/>
+            <a:endParaRPr lang="en-US" altLang="zh-CN" sz="2800">
+              <a:latin typeface="Times New Roman" panose="02020603050405020304" charset="0"/>
+              <a:cs typeface="Times New Roman" panose="02020603050405020304" charset="0"/>
+            </a:endParaRPr>
           </a:p>
         </p:txBody>
       </p:sp>
@@ -4571,14 +9489,15 @@
         </p:nvPicPr>
         <p:blipFill>
           <a:blip r:embed="rId3"/>
+          <a:srcRect t="5020"/>
           <a:stretch>
             <a:fillRect/>
           </a:stretch>
         </p:blipFill>
         <p:spPr>
           <a:xfrm>
-            <a:off x="966470" y="3831590"/>
-            <a:ext cx="4509135" cy="788670"/>
+            <a:off x="871855" y="3800475"/>
+            <a:ext cx="5423535" cy="901065"/>
           </a:xfrm>
           <a:prstGeom prst="rect">
             <a:avLst/>
@@ -4605,7 +9524,7 @@
         </p:blipFill>
         <p:spPr>
           <a:xfrm>
-            <a:off x="6409690" y="3971290"/>
+            <a:off x="6517005" y="3752850"/>
             <a:ext cx="5276215" cy="1028065"/>
           </a:xfrm>
           <a:prstGeom prst="rect">
@@ -4613,37 +9532,146 @@
           </a:prstGeom>
         </p:spPr>
       </p:pic>
-      <p:pic>
-        <p:nvPicPr>
-          <p:cNvPr id="8" name="图片 7" descr="EEG-Fpz-Cz"/>
-          <p:cNvPicPr>
-            <a:picLocks noChangeAspect="1"/>
-          </p:cNvPicPr>
+      <p:sp>
+        <p:nvSpPr>
+          <p:cNvPr id="20" name="文本框 19"/>
+          <p:cNvSpPr txBox="1"/>
           <p:nvPr>
             <p:custDataLst>
               <p:tags r:id="rId6"/>
             </p:custDataLst>
           </p:nvPr>
-        </p:nvPicPr>
-        <p:blipFill>
-          <a:blip r:embed="rId7"/>
-          <a:stretch>
-            <a:fillRect/>
-          </a:stretch>
-        </p:blipFill>
+        </p:nvSpPr>
         <p:spPr>
           <a:xfrm>
-            <a:off x="6771005" y="3058160"/>
-            <a:ext cx="4377055" cy="913130"/>
+            <a:off x="2349500" y="3473450"/>
+            <a:ext cx="4064000" cy="368300"/>
           </a:xfrm>
           <a:prstGeom prst="rect">
             <a:avLst/>
           </a:prstGeom>
+          <a:noFill/>
         </p:spPr>
-      </p:pic>
+        <p:txBody>
+          <a:bodyPr wrap="square" rtlCol="0">
+            <a:spAutoFit/>
+          </a:bodyPr>
+          <a:p>
+            <a:r>
+              <a:rPr lang="en-US" altLang="zh-CN" sz="1200">
+                <a:solidFill>
+                  <a:schemeClr val="accent1">
+                    <a:lumMod val="75000"/>
+                  </a:schemeClr>
+                </a:solidFill>
+                <a:cs typeface="+mn-lt"/>
+              </a:rPr>
+              <a:t>Fig. 1 EOG signal in dataset</a:t>
+            </a:r>
+            <a:r>
+              <a:rPr lang="en-US" altLang="zh-CN">
+                <a:latin typeface="Times New Roman" panose="02020603050405020304" charset="0"/>
+                <a:cs typeface="Times New Roman" panose="02020603050405020304" charset="0"/>
+              </a:rPr>
+              <a:t> </a:t>
+            </a:r>
+            <a:endParaRPr lang="en-US" altLang="zh-CN">
+              <a:latin typeface="Times New Roman" panose="02020603050405020304" charset="0"/>
+              <a:cs typeface="Times New Roman" panose="02020603050405020304" charset="0"/>
+            </a:endParaRPr>
+          </a:p>
+        </p:txBody>
+      </p:sp>
+      <p:sp>
+        <p:nvSpPr>
+          <p:cNvPr id="5" name="文本框 4"/>
+          <p:cNvSpPr txBox="1"/>
+          <p:nvPr>
+            <p:custDataLst>
+              <p:tags r:id="rId7"/>
+            </p:custDataLst>
+          </p:nvPr>
+        </p:nvSpPr>
+        <p:spPr>
+          <a:xfrm>
+            <a:off x="7395845" y="3473450"/>
+            <a:ext cx="4064000" cy="368300"/>
+          </a:xfrm>
+          <a:prstGeom prst="rect">
+            <a:avLst/>
+          </a:prstGeom>
+          <a:noFill/>
+        </p:spPr>
+        <p:txBody>
+          <a:bodyPr wrap="square" rtlCol="0">
+            <a:spAutoFit/>
+          </a:bodyPr>
+          <a:p>
+            <a:r>
+              <a:rPr lang="en-US" altLang="zh-CN" sz="1200">
+                <a:solidFill>
+                  <a:schemeClr val="accent1">
+                    <a:lumMod val="75000"/>
+                  </a:schemeClr>
+                </a:solidFill>
+                <a:cs typeface="+mn-lt"/>
+              </a:rPr>
+              <a:t>Fig. 2 EEG signal in dataset</a:t>
+            </a:r>
+            <a:r>
+              <a:rPr lang="en-US" altLang="zh-CN">
+                <a:latin typeface="Times New Roman" panose="02020603050405020304" charset="0"/>
+                <a:cs typeface="Times New Roman" panose="02020603050405020304" charset="0"/>
+              </a:rPr>
+              <a:t> </a:t>
+            </a:r>
+            <a:endParaRPr lang="en-US" altLang="zh-CN">
+              <a:latin typeface="Times New Roman" panose="02020603050405020304" charset="0"/>
+              <a:cs typeface="Times New Roman" panose="02020603050405020304" charset="0"/>
+            </a:endParaRPr>
+          </a:p>
+        </p:txBody>
+      </p:sp>
+      <p:sp>
+        <p:nvSpPr>
+          <p:cNvPr id="12" name="文本框 11"/>
+          <p:cNvSpPr txBox="1"/>
+          <p:nvPr>
+            <p:custDataLst>
+              <p:tags r:id="rId8"/>
+            </p:custDataLst>
+          </p:nvPr>
+        </p:nvSpPr>
+        <p:spPr>
+          <a:xfrm>
+            <a:off x="558165" y="6426200"/>
+            <a:ext cx="11596370" cy="275590"/>
+          </a:xfrm>
+          <a:prstGeom prst="rect">
+            <a:avLst/>
+          </a:prstGeom>
+          <a:noFill/>
+        </p:spPr>
+        <p:txBody>
+          <a:bodyPr wrap="square" rtlCol="0">
+            <a:spAutoFit/>
+          </a:bodyPr>
+          <a:p>
+            <a:r>
+              <a:rPr lang="en-US" altLang="zh-CN" sz="1200"/>
+              <a:t>[2] </a:t>
+            </a:r>
+            <a:r>
+              <a:rPr sz="1200"/>
+              <a:t>https://www.physionet.org/content/sleep-edfx/1.0.0/</a:t>
+            </a:r>
+            <a:endParaRPr sz="1200"/>
+          </a:p>
+        </p:txBody>
+      </p:sp>
     </p:spTree>
     <p:custDataLst>
-      <p:tags r:id="rId8"/>
+      <p:tags r:id="rId9"/>
     </p:custDataLst>
   </p:cSld>
   <p:clrMapOvr>
@@ -4662,6 +9690,572 @@
         <p:nvPr/>
       </p:nvGrpSpPr>
       <p:grpSpPr/>
+      <p:grpSp>
+        <p:nvGrpSpPr>
+          <p:cNvPr id="21" name="组合 20"/>
+          <p:cNvGrpSpPr/>
+          <p:nvPr/>
+        </p:nvGrpSpPr>
+        <p:grpSpPr>
+          <a:xfrm>
+            <a:off x="848995" y="2519045"/>
+            <a:ext cx="11279505" cy="3260090"/>
+            <a:chOff x="1337" y="3913"/>
+            <a:chExt cx="17763" cy="5134"/>
+          </a:xfrm>
+        </p:grpSpPr>
+        <p:sp>
+          <p:nvSpPr>
+            <p:cNvPr id="12" name="文本框 11"/>
+            <p:cNvSpPr txBox="1"/>
+            <p:nvPr/>
+          </p:nvSpPr>
+          <p:spPr>
+            <a:xfrm>
+              <a:off x="12700" y="7471"/>
+              <a:ext cx="6400" cy="1113"/>
+            </a:xfrm>
+            <a:prstGeom prst="rect">
+              <a:avLst/>
+            </a:prstGeom>
+            <a:noFill/>
+          </p:spPr>
+          <p:txBody>
+            <a:bodyPr wrap="square" rtlCol="0">
+              <a:spAutoFit/>
+            </a:bodyPr>
+            <a:p>
+              <a:r>
+                <a:rPr lang="en-US" altLang="zh-CN" sz="4000">
+                  <a:solidFill>
+                    <a:schemeClr val="accent1"/>
+                  </a:solidFill>
+                  <a:effectLst>
+                    <a:outerShdw blurRad="38100" dist="25400" dir="5400000" algn="ctr" rotWithShape="0">
+                      <a:srgbClr val="6E747A">
+                        <a:alpha val="43000"/>
+                      </a:srgbClr>
+                    </a:outerShdw>
+                  </a:effectLst>
+                </a:rPr>
+                <a:t>...</a:t>
+              </a:r>
+              <a:endParaRPr lang="en-US" altLang="zh-CN" sz="4000">
+                <a:solidFill>
+                  <a:schemeClr val="accent1"/>
+                </a:solidFill>
+                <a:effectLst>
+                  <a:outerShdw blurRad="38100" dist="25400" dir="5400000" algn="ctr" rotWithShape="0">
+                    <a:srgbClr val="6E747A">
+                      <a:alpha val="43000"/>
+                    </a:srgbClr>
+                  </a:outerShdw>
+                </a:effectLst>
+              </a:endParaRPr>
+            </a:p>
+          </p:txBody>
+        </p:sp>
+        <p:grpSp>
+          <p:nvGrpSpPr>
+            <p:cNvPr id="16" name="组合 15"/>
+            <p:cNvGrpSpPr/>
+            <p:nvPr/>
+          </p:nvGrpSpPr>
+          <p:grpSpPr>
+            <a:xfrm>
+              <a:off x="1337" y="3913"/>
+              <a:ext cx="16515" cy="5135"/>
+              <a:chOff x="1201" y="2238"/>
+              <a:chExt cx="17923" cy="6066"/>
+            </a:xfrm>
+          </p:grpSpPr>
+          <p:pic>
+            <p:nvPicPr>
+              <p:cNvPr id="4" name="图片 3" descr="EEG-Fpz-Cz"/>
+              <p:cNvPicPr>
+                <a:picLocks noChangeAspect="1"/>
+              </p:cNvPicPr>
+              <p:nvPr/>
+            </p:nvPicPr>
+            <p:blipFill>
+              <a:blip r:embed="rId1"/>
+              <a:stretch>
+                <a:fillRect/>
+              </a:stretch>
+            </p:blipFill>
+            <p:spPr>
+              <a:xfrm>
+                <a:off x="1201" y="2238"/>
+                <a:ext cx="10750" cy="2242"/>
+              </a:xfrm>
+              <a:prstGeom prst="rect">
+                <a:avLst/>
+              </a:prstGeom>
+            </p:spPr>
+          </p:pic>
+          <p:grpSp>
+            <p:nvGrpSpPr>
+              <p:cNvPr id="3" name="组合 2"/>
+              <p:cNvGrpSpPr/>
+              <p:nvPr/>
+            </p:nvGrpSpPr>
+            <p:grpSpPr>
+              <a:xfrm>
+                <a:off x="1934" y="2238"/>
+                <a:ext cx="17191" cy="6067"/>
+                <a:chOff x="1934" y="2238"/>
+                <a:chExt cx="17191" cy="6067"/>
+              </a:xfrm>
+            </p:grpSpPr>
+            <p:pic>
+              <p:nvPicPr>
+                <p:cNvPr id="5" name="图片 4" descr="Sleep stage W EEG Fpz-Cz"/>
+                <p:cNvPicPr>
+                  <a:picLocks noChangeAspect="1"/>
+                </p:cNvPicPr>
+                <p:nvPr/>
+              </p:nvPicPr>
+              <p:blipFill>
+                <a:blip r:embed="rId2"/>
+                <a:srcRect l="13517" t="14345" r="11580" b="12993"/>
+                <a:stretch>
+                  <a:fillRect/>
+                </a:stretch>
+              </p:blipFill>
+              <p:spPr>
+                <a:xfrm>
+                  <a:off x="1934" y="6371"/>
+                  <a:ext cx="4062" cy="1935"/>
+                </a:xfrm>
+                <a:prstGeom prst="rect">
+                  <a:avLst/>
+                </a:prstGeom>
+              </p:spPr>
+            </p:pic>
+            <p:pic>
+              <p:nvPicPr>
+                <p:cNvPr id="6" name="图片 5" descr="Sleep stage 2 EEG Fpz-Cz"/>
+                <p:cNvPicPr>
+                  <a:picLocks noChangeAspect="1"/>
+                </p:cNvPicPr>
+                <p:nvPr/>
+              </p:nvPicPr>
+              <p:blipFill>
+                <a:blip r:embed="rId3"/>
+                <a:srcRect l="13128" t="16720" r="10749" b="11788"/>
+                <a:stretch>
+                  <a:fillRect/>
+                </a:stretch>
+              </p:blipFill>
+              <p:spPr>
+                <a:xfrm>
+                  <a:off x="9614" y="6441"/>
+                  <a:ext cx="2847" cy="1783"/>
+                </a:xfrm>
+                <a:prstGeom prst="rect">
+                  <a:avLst/>
+                </a:prstGeom>
+              </p:spPr>
+            </p:pic>
+            <p:pic>
+              <p:nvPicPr>
+                <p:cNvPr id="7" name="图片 6" descr="Sleep stage 1 EEG Fpz-Cz"/>
+                <p:cNvPicPr>
+                  <a:picLocks noChangeAspect="1"/>
+                </p:cNvPicPr>
+                <p:nvPr/>
+              </p:nvPicPr>
+              <p:blipFill>
+                <a:blip r:embed="rId4"/>
+                <a:srcRect l="14033" t="13669" r="10994" b="11132"/>
+                <a:stretch>
+                  <a:fillRect/>
+                </a:stretch>
+              </p:blipFill>
+              <p:spPr>
+                <a:xfrm>
+                  <a:off x="6465" y="6238"/>
+                  <a:ext cx="1357" cy="1986"/>
+                </a:xfrm>
+                <a:prstGeom prst="rect">
+                  <a:avLst/>
+                </a:prstGeom>
+              </p:spPr>
+            </p:pic>
+            <p:pic>
+              <p:nvPicPr>
+                <p:cNvPr id="8" name="图片 7" descr="sleep-stage-figure-in-database"/>
+                <p:cNvPicPr>
+                  <a:picLocks noChangeAspect="1"/>
+                </p:cNvPicPr>
+                <p:nvPr>
+                  <p:custDataLst>
+                    <p:tags r:id="rId5"/>
+                  </p:custDataLst>
+                </p:nvPr>
+              </p:nvPicPr>
+              <p:blipFill>
+                <a:blip r:embed="rId6"/>
+                <a:srcRect r="110" b="16210"/>
+                <a:stretch>
+                  <a:fillRect/>
+                </a:stretch>
+              </p:blipFill>
+              <p:spPr>
+                <a:xfrm>
+                  <a:off x="10593" y="4172"/>
+                  <a:ext cx="8533" cy="1431"/>
+                </a:xfrm>
+                <a:prstGeom prst="rect">
+                  <a:avLst/>
+                </a:prstGeom>
+              </p:spPr>
+            </p:pic>
+            <p:sp>
+              <p:nvSpPr>
+                <p:cNvPr id="9" name="右箭头 8"/>
+                <p:cNvSpPr/>
+                <p:nvPr/>
+              </p:nvSpPr>
+              <p:spPr>
+                <a:xfrm rot="7920000" flipV="1">
+                  <a:off x="2950" y="5077"/>
+                  <a:ext cx="2498" cy="139"/>
+                </a:xfrm>
+                <a:prstGeom prst="rightArrow">
+                  <a:avLst/>
+                </a:prstGeom>
+              </p:spPr>
+              <p:style>
+                <a:lnRef idx="2">
+                  <a:schemeClr val="accent1">
+                    <a:lumMod val="75000"/>
+                  </a:schemeClr>
+                </a:lnRef>
+                <a:fillRef idx="1">
+                  <a:schemeClr val="accent1"/>
+                </a:fillRef>
+                <a:effectRef idx="0">
+                  <a:srgbClr val="FFFFFF"/>
+                </a:effectRef>
+                <a:fontRef idx="minor">
+                  <a:schemeClr val="lt1"/>
+                </a:fontRef>
+              </p:style>
+              <p:txBody>
+                <a:bodyPr rtlCol="0" anchor="ctr"/>
+                <a:p>
+                  <a:pPr algn="ctr"/>
+                  <a:endParaRPr lang="zh-CN" altLang="en-US"/>
+                </a:p>
+              </p:txBody>
+            </p:sp>
+            <p:sp>
+              <p:nvSpPr>
+                <p:cNvPr id="10" name="右箭头 9"/>
+                <p:cNvSpPr/>
+                <p:nvPr/>
+              </p:nvSpPr>
+              <p:spPr>
+                <a:xfrm rot="4440000">
+                  <a:off x="5954" y="5107"/>
+                  <a:ext cx="1570" cy="120"/>
+                </a:xfrm>
+                <a:prstGeom prst="rightArrow">
+                  <a:avLst/>
+                </a:prstGeom>
+              </p:spPr>
+              <p:style>
+                <a:lnRef idx="2">
+                  <a:schemeClr val="accent1">
+                    <a:lumMod val="75000"/>
+                  </a:schemeClr>
+                </a:lnRef>
+                <a:fillRef idx="1">
+                  <a:schemeClr val="accent1"/>
+                </a:fillRef>
+                <a:effectRef idx="0">
+                  <a:srgbClr val="FFFFFF"/>
+                </a:effectRef>
+                <a:fontRef idx="minor">
+                  <a:schemeClr val="lt1"/>
+                </a:fontRef>
+              </p:style>
+              <p:txBody>
+                <a:bodyPr rtlCol="0" anchor="ctr"/>
+                <a:p>
+                  <a:pPr algn="ctr"/>
+                  <a:endParaRPr lang="zh-CN" altLang="en-US"/>
+                </a:p>
+              </p:txBody>
+            </p:sp>
+            <p:sp>
+              <p:nvSpPr>
+                <p:cNvPr id="11" name="右箭头 10"/>
+                <p:cNvSpPr/>
+                <p:nvPr/>
+              </p:nvSpPr>
+              <p:spPr>
+                <a:xfrm rot="1620000" flipV="1">
+                  <a:off x="7179" y="5253"/>
+                  <a:ext cx="3839" cy="120"/>
+                </a:xfrm>
+                <a:prstGeom prst="rightArrow">
+                  <a:avLst/>
+                </a:prstGeom>
+              </p:spPr>
+              <p:style>
+                <a:lnRef idx="2">
+                  <a:schemeClr val="accent1">
+                    <a:lumMod val="75000"/>
+                  </a:schemeClr>
+                </a:lnRef>
+                <a:fillRef idx="1">
+                  <a:schemeClr val="accent1"/>
+                </a:fillRef>
+                <a:effectRef idx="0">
+                  <a:srgbClr val="FFFFFF"/>
+                </a:effectRef>
+                <a:fontRef idx="minor">
+                  <a:schemeClr val="lt1"/>
+                </a:fontRef>
+              </p:style>
+              <p:txBody>
+                <a:bodyPr rtlCol="0" anchor="ctr"/>
+                <a:p>
+                  <a:pPr algn="ctr"/>
+                  <a:endParaRPr lang="zh-CN" altLang="en-US"/>
+                </a:p>
+              </p:txBody>
+            </p:sp>
+            <p:sp>
+              <p:nvSpPr>
+                <p:cNvPr id="13" name="矩形 12"/>
+                <p:cNvSpPr/>
+                <p:nvPr/>
+              </p:nvSpPr>
+              <p:spPr>
+                <a:xfrm>
+                  <a:off x="2207" y="2238"/>
+                  <a:ext cx="3921" cy="2047"/>
+                </a:xfrm>
+                <a:prstGeom prst="rect">
+                  <a:avLst/>
+                </a:prstGeom>
+                <a:ln w="38100">
+                  <a:solidFill>
+                    <a:srgbClr val="FF0000"/>
+                  </a:solidFill>
+                </a:ln>
+              </p:spPr>
+              <p:style>
+                <a:lnRef idx="2">
+                  <a:schemeClr val="accent1"/>
+                </a:lnRef>
+                <a:fillRef idx="0">
+                  <a:srgbClr val="FFFFFF"/>
+                </a:fillRef>
+                <a:effectRef idx="0">
+                  <a:srgbClr val="FFFFFF"/>
+                </a:effectRef>
+                <a:fontRef idx="minor">
+                  <a:schemeClr val="tx1"/>
+                </a:fontRef>
+              </p:style>
+              <p:txBody>
+                <a:bodyPr rtlCol="0" anchor="ctr"/>
+                <a:p>
+                  <a:pPr algn="ctr"/>
+                  <a:endParaRPr lang="zh-CN" altLang="en-US"/>
+                </a:p>
+              </p:txBody>
+            </p:sp>
+            <p:sp>
+              <p:nvSpPr>
+                <p:cNvPr id="14" name="矩形 13"/>
+                <p:cNvSpPr/>
+                <p:nvPr>
+                  <p:custDataLst>
+                    <p:tags r:id="rId7"/>
+                  </p:custDataLst>
+                </p:nvPr>
+              </p:nvSpPr>
+              <p:spPr>
+                <a:xfrm>
+                  <a:off x="6158" y="2238"/>
+                  <a:ext cx="568" cy="2047"/>
+                </a:xfrm>
+                <a:prstGeom prst="rect">
+                  <a:avLst/>
+                </a:prstGeom>
+                <a:ln w="38100">
+                  <a:solidFill>
+                    <a:schemeClr val="accent1"/>
+                  </a:solidFill>
+                </a:ln>
+              </p:spPr>
+              <p:style>
+                <a:lnRef idx="2">
+                  <a:schemeClr val="accent1"/>
+                </a:lnRef>
+                <a:fillRef idx="0">
+                  <a:srgbClr val="FFFFFF"/>
+                </a:fillRef>
+                <a:effectRef idx="0">
+                  <a:srgbClr val="FFFFFF"/>
+                </a:effectRef>
+                <a:fontRef idx="minor">
+                  <a:schemeClr val="tx1"/>
+                </a:fontRef>
+              </p:style>
+              <p:txBody>
+                <a:bodyPr rtlCol="0" anchor="ctr"/>
+                <a:p>
+                  <a:pPr algn="ctr"/>
+                  <a:endParaRPr lang="zh-CN" altLang="en-US"/>
+                </a:p>
+              </p:txBody>
+            </p:sp>
+            <p:sp>
+              <p:nvSpPr>
+                <p:cNvPr id="15" name="矩形 14"/>
+                <p:cNvSpPr/>
+                <p:nvPr>
+                  <p:custDataLst>
+                    <p:tags r:id="rId8"/>
+                  </p:custDataLst>
+                </p:nvPr>
+              </p:nvSpPr>
+              <p:spPr>
+                <a:xfrm>
+                  <a:off x="6773" y="2238"/>
+                  <a:ext cx="568" cy="2047"/>
+                </a:xfrm>
+                <a:prstGeom prst="rect">
+                  <a:avLst/>
+                </a:prstGeom>
+                <a:ln w="38100">
+                  <a:solidFill>
+                    <a:srgbClr val="00B050"/>
+                  </a:solidFill>
+                </a:ln>
+              </p:spPr>
+              <p:style>
+                <a:lnRef idx="2">
+                  <a:schemeClr val="accent1"/>
+                </a:lnRef>
+                <a:fillRef idx="0">
+                  <a:srgbClr val="FFFFFF"/>
+                </a:fillRef>
+                <a:effectRef idx="0">
+                  <a:srgbClr val="FFFFFF"/>
+                </a:effectRef>
+                <a:fontRef idx="minor">
+                  <a:schemeClr val="tx1"/>
+                </a:fontRef>
+              </p:style>
+              <p:txBody>
+                <a:bodyPr rtlCol="0" anchor="ctr"/>
+                <a:p>
+                  <a:pPr algn="ctr"/>
+                  <a:endParaRPr lang="zh-CN" altLang="en-US"/>
+                </a:p>
+              </p:txBody>
+            </p:sp>
+          </p:grpSp>
+        </p:grpSp>
+      </p:grpSp>
+      <p:sp>
+        <p:nvSpPr>
+          <p:cNvPr id="19" name="标题 18"/>
+          <p:cNvSpPr>
+            <a:spLocks noGrp="1"/>
+          </p:cNvSpPr>
+          <p:nvPr>
+            <p:ph type="title"/>
+            <p:custDataLst>
+              <p:tags r:id="rId9"/>
+            </p:custDataLst>
+          </p:nvPr>
+        </p:nvSpPr>
+        <p:spPr/>
+        <p:txBody>
+          <a:bodyPr>
+            <a:noAutofit/>
+          </a:bodyPr>
+          <a:p>
+            <a:r>
+              <a:rPr lang="en-US" altLang="zh-CN" sz="4800">
+                <a:latin typeface="Times New Roman" panose="02020603050405020304" charset="0"/>
+                <a:cs typeface="Times New Roman" panose="02020603050405020304" charset="0"/>
+                <a:sym typeface="+mn-ea"/>
+              </a:rPr>
+              <a:t>Database</a:t>
+            </a:r>
+            <a:endParaRPr lang="en-US" altLang="zh-CN" sz="4800">
+              <a:latin typeface="Times New Roman" panose="02020603050405020304" charset="0"/>
+              <a:cs typeface="Times New Roman" panose="02020603050405020304" charset="0"/>
+              <a:sym typeface="+mn-ea"/>
+            </a:endParaRPr>
+          </a:p>
+        </p:txBody>
+      </p:sp>
+      <p:sp>
+        <p:nvSpPr>
+          <p:cNvPr id="20" name="文本框 19"/>
+          <p:cNvSpPr txBox="1"/>
+          <p:nvPr/>
+        </p:nvSpPr>
+        <p:spPr>
+          <a:xfrm>
+            <a:off x="927100" y="1788795"/>
+            <a:ext cx="7305040" cy="583565"/>
+          </a:xfrm>
+          <a:prstGeom prst="rect">
+            <a:avLst/>
+          </a:prstGeom>
+          <a:noFill/>
+        </p:spPr>
+        <p:txBody>
+          <a:bodyPr wrap="square" rtlCol="0">
+            <a:spAutoFit/>
+          </a:bodyPr>
+          <a:p>
+            <a:r>
+              <a:rPr lang="en-US" altLang="zh-CN" sz="3200">
+                <a:latin typeface="Times New Roman" panose="02020603050405020304" charset="0"/>
+                <a:cs typeface="Times New Roman" panose="02020603050405020304" charset="0"/>
+              </a:rPr>
+              <a:t>Firstly, we splited signals by sleep stages</a:t>
+            </a:r>
+            <a:endParaRPr lang="en-US" altLang="zh-CN" sz="3200">
+              <a:latin typeface="Times New Roman" panose="02020603050405020304" charset="0"/>
+              <a:cs typeface="Times New Roman" panose="02020603050405020304" charset="0"/>
+            </a:endParaRPr>
+          </a:p>
+        </p:txBody>
+      </p:sp>
+    </p:spTree>
+    <p:custDataLst>
+      <p:tags r:id="rId10"/>
+    </p:custDataLst>
+  </p:cSld>
+  <p:clrMapOvr>
+    <a:masterClrMapping/>
+  </p:clrMapOvr>
+</p:sld>
+</file>
+
+<file path=ppt/slides/slide8.xml><?xml version="1.0" encoding="utf-8"?>
+<p:sld xmlns:a="http://schemas.openxmlformats.org/drawingml/2006/main" xmlns:r="http://schemas.openxmlformats.org/officeDocument/2006/relationships" xmlns:p="http://schemas.openxmlformats.org/presentationml/2006/main">
+  <p:cSld>
+    <p:spTree>
+      <p:nvGrpSpPr>
+        <p:cNvPr id="1" name=""/>
+        <p:cNvGrpSpPr/>
+        <p:nvPr/>
+      </p:nvGrpSpPr>
+      <p:grpSpPr/>
       <p:sp>
         <p:nvSpPr>
           <p:cNvPr id="2" name="标题 1"/>
@@ -4674,36 +10268,102 @@
         </p:nvSpPr>
         <p:spPr/>
         <p:txBody>
-          <a:bodyPr/>
-          <a:p>
-            <a:r>
-              <a:rPr lang="en-US" altLang="zh-CN">
+          <a:bodyPr>
+            <a:noAutofit/>
+          </a:bodyPr>
+          <a:p>
+            <a:r>
+              <a:rPr lang="en-US" altLang="zh-CN" sz="4800">
+                <a:latin typeface="Times New Roman" panose="02020603050405020304" charset="0"/>
+                <a:cs typeface="Times New Roman" panose="02020603050405020304" charset="0"/>
                 <a:sym typeface="+mn-ea"/>
               </a:rPr>
-              <a:t>Database</a:t>
-            </a:r>
-            <a:endParaRPr lang="zh-CN" altLang="en-US"/>
+              <a:t>Research Pipeline </a:t>
+            </a:r>
+            <a:endParaRPr lang="en-US" altLang="zh-CN" sz="4800">
+              <a:latin typeface="Times New Roman" panose="02020603050405020304" charset="0"/>
+              <a:cs typeface="Times New Roman" panose="02020603050405020304" charset="0"/>
+              <a:sym typeface="+mn-ea"/>
+            </a:endParaRPr>
+          </a:p>
+        </p:txBody>
+      </p:sp>
+      <p:sp>
+        <p:nvSpPr>
+          <p:cNvPr id="4" name="圆角矩形 3"/>
+          <p:cNvSpPr/>
+          <p:nvPr/>
+        </p:nvSpPr>
+        <p:spPr>
+          <a:xfrm>
+            <a:off x="2963545" y="2739390"/>
+            <a:ext cx="2374900" cy="1156970"/>
+          </a:xfrm>
+          <a:prstGeom prst="roundRect">
+            <a:avLst/>
+          </a:prstGeom>
+          <a:ln w="28575"/>
+        </p:spPr>
+        <p:style>
+          <a:lnRef idx="2">
+            <a:schemeClr val="accent1"/>
+          </a:lnRef>
+          <a:fillRef idx="0">
+            <a:srgbClr val="FFFFFF"/>
+          </a:fillRef>
+          <a:effectRef idx="0">
+            <a:srgbClr val="FFFFFF"/>
+          </a:effectRef>
+          <a:fontRef idx="minor">
+            <a:schemeClr val="tx1"/>
+          </a:fontRef>
+        </p:style>
+        <p:txBody>
+          <a:bodyPr rtlCol="0" anchor="ctr"/>
+          <a:p>
+            <a:pPr algn="ctr"/>
+            <a:r>
+              <a:rPr lang="en-US" altLang="zh-CN" sz="2800">
+                <a:latin typeface="Times New Roman" panose="02020603050405020304" charset="0"/>
+                <a:cs typeface="Times New Roman" panose="02020603050405020304" charset="0"/>
+              </a:rPr>
+              <a:t>Preprocessing</a:t>
+            </a:r>
+            <a:endParaRPr lang="en-US" altLang="zh-CN" sz="2800">
+              <a:latin typeface="Times New Roman" panose="02020603050405020304" charset="0"/>
+              <a:cs typeface="Times New Roman" panose="02020603050405020304" charset="0"/>
+            </a:endParaRPr>
           </a:p>
         </p:txBody>
       </p:sp>
       <p:pic>
         <p:nvPicPr>
-          <p:cNvPr id="4" name="图片 3" descr="EEG-Fpz-Cz"/>
+          <p:cNvPr id="12" name="图片 11"/>
           <p:cNvPicPr>
             <a:picLocks noChangeAspect="1"/>
           </p:cNvPicPr>
-          <p:nvPr/>
+          <p:nvPr>
+            <p:custDataLst>
+              <p:tags r:id="rId1"/>
+            </p:custDataLst>
+          </p:nvPr>
         </p:nvPicPr>
         <p:blipFill>
-          <a:blip r:embed="rId1"/>
+          <a:blip r:embed="rId2" cstate="print">
+            <a:extLst>
+              <a:ext uri="{28A0092B-C50C-407E-A947-70E740481C1C}">
+                <a14:useLocalDpi xmlns:a14="http://schemas.microsoft.com/office/drawing/2010/main" val="0"/>
+              </a:ext>
+            </a:extLst>
+          </a:blip>
           <a:stretch>
             <a:fillRect/>
           </a:stretch>
         </p:blipFill>
         <p:spPr>
           <a:xfrm>
-            <a:off x="762635" y="1421130"/>
-            <a:ext cx="6826250" cy="1423670"/>
+            <a:off x="3355975" y="1551305"/>
+            <a:ext cx="1510665" cy="1107440"/>
           </a:xfrm>
           <a:prstGeom prst="rect">
             <a:avLst/>
@@ -4712,118 +10372,83 @@
       </p:pic>
       <p:pic>
         <p:nvPicPr>
-          <p:cNvPr id="5" name="图片 4" descr="Sleep stage W EEG Fpz-Cz"/>
+          <p:cNvPr id="15" name="图片 14"/>
           <p:cNvPicPr>
             <a:picLocks noChangeAspect="1"/>
           </p:cNvPicPr>
-          <p:nvPr/>
+          <p:nvPr>
+            <p:custDataLst>
+              <p:tags r:id="rId3"/>
+            </p:custDataLst>
+          </p:nvPr>
         </p:nvPicPr>
         <p:blipFill>
-          <a:blip r:embed="rId2"/>
-          <a:srcRect l="13517" t="14345" r="11580" b="12993"/>
+          <a:blip r:embed="rId4">
+            <a:extLst>
+              <a:ext uri="{28A0092B-C50C-407E-A947-70E740481C1C}">
+                <a14:useLocalDpi xmlns:a14="http://schemas.microsoft.com/office/drawing/2010/main" val="0"/>
+              </a:ext>
+            </a:extLst>
+          </a:blip>
           <a:stretch>
             <a:fillRect/>
           </a:stretch>
         </p:blipFill>
         <p:spPr>
           <a:xfrm>
-            <a:off x="1228090" y="4045585"/>
-            <a:ext cx="2579370" cy="1228725"/>
+            <a:off x="6668770" y="1538605"/>
+            <a:ext cx="1450340" cy="1109980"/>
           </a:xfrm>
           <a:prstGeom prst="rect">
             <a:avLst/>
           </a:prstGeom>
         </p:spPr>
       </p:pic>
-      <p:pic>
-        <p:nvPicPr>
-          <p:cNvPr id="6" name="图片 5" descr="Sleep stage 2 EEG Fpz-Cz"/>
-          <p:cNvPicPr>
-            <a:picLocks noChangeAspect="1"/>
-          </p:cNvPicPr>
+      <p:sp>
+        <p:nvSpPr>
+          <p:cNvPr id="10" name="文本框 9"/>
+          <p:cNvSpPr txBox="1"/>
           <p:nvPr/>
-        </p:nvPicPr>
-        <p:blipFill>
-          <a:blip r:embed="rId3"/>
-          <a:srcRect l="13128" t="16720" r="10749" b="11788"/>
-          <a:stretch>
-            <a:fillRect/>
-          </a:stretch>
-        </p:blipFill>
+        </p:nvSpPr>
         <p:spPr>
           <a:xfrm>
-            <a:off x="6104890" y="4090035"/>
-            <a:ext cx="1807845" cy="1132205"/>
+            <a:off x="604520" y="2945130"/>
+            <a:ext cx="1778000" cy="645160"/>
           </a:xfrm>
           <a:prstGeom prst="rect">
             <a:avLst/>
           </a:prstGeom>
+          <a:noFill/>
         </p:spPr>
-      </p:pic>
-      <p:pic>
-        <p:nvPicPr>
-          <p:cNvPr id="7" name="图片 6" descr="Sleep stage 1 EEG Fpz-Cz"/>
-          <p:cNvPicPr>
-            <a:picLocks noChangeAspect="1"/>
-          </p:cNvPicPr>
+        <p:txBody>
+          <a:bodyPr wrap="square" rtlCol="0">
+            <a:spAutoFit/>
+          </a:bodyPr>
+          <a:p>
+            <a:r>
+              <a:rPr lang="en-US" altLang="zh-CN" sz="3600">
+                <a:latin typeface="Times New Roman" panose="02020603050405020304" charset="0"/>
+                <a:cs typeface="Times New Roman" panose="02020603050405020304" charset="0"/>
+              </a:rPr>
+              <a:t>Dataset</a:t>
+            </a:r>
+            <a:endParaRPr lang="en-US" altLang="zh-CN" sz="3600">
+              <a:latin typeface="Times New Roman" panose="02020603050405020304" charset="0"/>
+              <a:cs typeface="Times New Roman" panose="02020603050405020304" charset="0"/>
+            </a:endParaRPr>
+          </a:p>
+        </p:txBody>
+      </p:sp>
+      <p:sp>
+        <p:nvSpPr>
+          <p:cNvPr id="13" name="右箭头 12"/>
+          <p:cNvSpPr/>
           <p:nvPr/>
-        </p:nvPicPr>
-        <p:blipFill>
-          <a:blip r:embed="rId4"/>
-          <a:srcRect l="14033" t="13669" r="10994" b="11132"/>
-          <a:stretch>
-            <a:fillRect/>
-          </a:stretch>
-        </p:blipFill>
+        </p:nvSpPr>
         <p:spPr>
           <a:xfrm>
-            <a:off x="4105275" y="3961130"/>
-            <a:ext cx="861695" cy="1261110"/>
-          </a:xfrm>
-          <a:prstGeom prst="rect">
-            <a:avLst/>
-          </a:prstGeom>
-        </p:spPr>
-      </p:pic>
-      <p:pic>
-        <p:nvPicPr>
-          <p:cNvPr id="8" name="图片 7" descr="sleep-stage-figure-in-database"/>
-          <p:cNvPicPr>
-            <a:picLocks noChangeAspect="1"/>
-          </p:cNvPicPr>
-          <p:nvPr>
-            <p:custDataLst>
-              <p:tags r:id="rId5"/>
-            </p:custDataLst>
-          </p:nvPr>
-        </p:nvPicPr>
-        <p:blipFill>
-          <a:blip r:embed="rId6"/>
-          <a:srcRect r="110" b="16210"/>
-          <a:stretch>
-            <a:fillRect/>
-          </a:stretch>
-        </p:blipFill>
-        <p:spPr>
-          <a:xfrm>
-            <a:off x="6726555" y="2649220"/>
-            <a:ext cx="5418455" cy="908685"/>
-          </a:xfrm>
-          <a:prstGeom prst="rect">
-            <a:avLst/>
-          </a:prstGeom>
-        </p:spPr>
-      </p:pic>
-      <p:sp>
-        <p:nvSpPr>
-          <p:cNvPr id="9" name="右箭头 8"/>
-          <p:cNvSpPr/>
-          <p:nvPr/>
-        </p:nvSpPr>
-        <p:spPr>
-          <a:xfrm rot="7920000" flipV="1">
-            <a:off x="1873250" y="3223895"/>
-            <a:ext cx="1586230" cy="88265"/>
+            <a:off x="2291080" y="3232785"/>
+            <a:ext cx="643890" cy="170180"/>
           </a:xfrm>
           <a:prstGeom prst="rightArrow">
             <a:avLst/>
@@ -4855,14 +10480,18 @@
       </p:sp>
       <p:sp>
         <p:nvSpPr>
-          <p:cNvPr id="10" name="右箭头 9"/>
+          <p:cNvPr id="14" name="右箭头 13"/>
           <p:cNvSpPr/>
-          <p:nvPr/>
+          <p:nvPr>
+            <p:custDataLst>
+              <p:tags r:id="rId5"/>
+            </p:custDataLst>
+          </p:nvPr>
         </p:nvSpPr>
         <p:spPr>
-          <a:xfrm rot="4440000">
-            <a:off x="3780790" y="3242945"/>
-            <a:ext cx="996950" cy="76200"/>
+          <a:xfrm>
+            <a:off x="5467985" y="3232785"/>
+            <a:ext cx="643890" cy="170180"/>
           </a:xfrm>
           <a:prstGeom prst="rightArrow">
             <a:avLst/>
@@ -4894,14 +10523,278 @@
       </p:sp>
       <p:sp>
         <p:nvSpPr>
-          <p:cNvPr id="11" name="右箭头 10"/>
+          <p:cNvPr id="16" name="圆角矩形 15"/>
+          <p:cNvSpPr/>
+          <p:nvPr>
+            <p:custDataLst>
+              <p:tags r:id="rId6"/>
+            </p:custDataLst>
+          </p:nvPr>
+        </p:nvSpPr>
+        <p:spPr>
+          <a:xfrm>
+            <a:off x="6241415" y="2739390"/>
+            <a:ext cx="2487930" cy="1156970"/>
+          </a:xfrm>
+          <a:prstGeom prst="roundRect">
+            <a:avLst/>
+          </a:prstGeom>
+          <a:ln w="28575"/>
+        </p:spPr>
+        <p:style>
+          <a:lnRef idx="2">
+            <a:schemeClr val="accent1"/>
+          </a:lnRef>
+          <a:fillRef idx="0">
+            <a:srgbClr val="FFFFFF"/>
+          </a:fillRef>
+          <a:effectRef idx="0">
+            <a:srgbClr val="FFFFFF"/>
+          </a:effectRef>
+          <a:fontRef idx="minor">
+            <a:schemeClr val="tx1"/>
+          </a:fontRef>
+        </p:style>
+        <p:txBody>
+          <a:bodyPr rtlCol="0" anchor="ctr"/>
+          <a:p>
+            <a:pPr algn="ctr"/>
+            <a:r>
+              <a:rPr lang="en-US" altLang="zh-CN" sz="2800">
+                <a:latin typeface="Times New Roman" panose="02020603050405020304" charset="0"/>
+                <a:cs typeface="Times New Roman" panose="02020603050405020304" charset="0"/>
+              </a:rPr>
+              <a:t>Signal-spliting</a:t>
+            </a:r>
+            <a:endParaRPr lang="en-US" altLang="zh-CN" sz="2800">
+              <a:latin typeface="Times New Roman" panose="02020603050405020304" charset="0"/>
+              <a:cs typeface="Times New Roman" panose="02020603050405020304" charset="0"/>
+            </a:endParaRPr>
+          </a:p>
+        </p:txBody>
+      </p:sp>
+      <p:sp>
+        <p:nvSpPr>
+          <p:cNvPr id="17" name="圆角矩形 16"/>
+          <p:cNvSpPr/>
+          <p:nvPr>
+            <p:custDataLst>
+              <p:tags r:id="rId7"/>
+            </p:custDataLst>
+          </p:nvPr>
+        </p:nvSpPr>
+        <p:spPr>
+          <a:xfrm>
+            <a:off x="9364980" y="3757930"/>
+            <a:ext cx="2374900" cy="1156970"/>
+          </a:xfrm>
+          <a:prstGeom prst="roundRect">
+            <a:avLst/>
+          </a:prstGeom>
+          <a:ln w="28575"/>
+        </p:spPr>
+        <p:style>
+          <a:lnRef idx="2">
+            <a:schemeClr val="accent1"/>
+          </a:lnRef>
+          <a:fillRef idx="0">
+            <a:srgbClr val="FFFFFF"/>
+          </a:fillRef>
+          <a:effectRef idx="0">
+            <a:srgbClr val="FFFFFF"/>
+          </a:effectRef>
+          <a:fontRef idx="minor">
+            <a:schemeClr val="tx1"/>
+          </a:fontRef>
+        </p:style>
+        <p:txBody>
+          <a:bodyPr rtlCol="0" anchor="ctr"/>
+          <a:p>
+            <a:pPr algn="ctr"/>
+            <a:r>
+              <a:rPr lang="en-US" altLang="zh-CN" sz="2800">
+                <a:latin typeface="Times New Roman" panose="02020603050405020304" charset="0"/>
+                <a:cs typeface="Times New Roman" panose="02020603050405020304" charset="0"/>
+              </a:rPr>
+              <a:t>Feature</a:t>
+            </a:r>
+            <a:endParaRPr lang="en-US" altLang="zh-CN" sz="2800">
+              <a:latin typeface="Times New Roman" panose="02020603050405020304" charset="0"/>
+              <a:cs typeface="Times New Roman" panose="02020603050405020304" charset="0"/>
+            </a:endParaRPr>
+          </a:p>
+          <a:p>
+            <a:pPr algn="ctr"/>
+            <a:r>
+              <a:rPr lang="en-US" altLang="zh-CN" sz="2800">
+                <a:latin typeface="Times New Roman" panose="02020603050405020304" charset="0"/>
+                <a:cs typeface="Times New Roman" panose="02020603050405020304" charset="0"/>
+              </a:rPr>
+              <a:t>Extraction</a:t>
+            </a:r>
+            <a:endParaRPr lang="en-US" altLang="zh-CN" sz="2800">
+              <a:latin typeface="Times New Roman" panose="02020603050405020304" charset="0"/>
+              <a:cs typeface="Times New Roman" panose="02020603050405020304" charset="0"/>
+            </a:endParaRPr>
+          </a:p>
+        </p:txBody>
+      </p:sp>
+      <p:sp>
+        <p:nvSpPr>
+          <p:cNvPr id="20" name="圆角右箭头 19"/>
           <p:cNvSpPr/>
           <p:nvPr/>
         </p:nvSpPr>
         <p:spPr>
-          <a:xfrm rot="1620000" flipV="1">
-            <a:off x="4558665" y="3335655"/>
-            <a:ext cx="2437765" cy="76200"/>
+          <a:xfrm rot="5400000">
+            <a:off x="9298305" y="2948305"/>
+            <a:ext cx="398780" cy="884555"/>
+          </a:xfrm>
+          <a:prstGeom prst="bentArrow">
+            <a:avLst/>
+          </a:prstGeom>
+        </p:spPr>
+        <p:style>
+          <a:lnRef idx="2">
+            <a:schemeClr val="accent1">
+              <a:lumMod val="75000"/>
+            </a:schemeClr>
+          </a:lnRef>
+          <a:fillRef idx="1">
+            <a:schemeClr val="accent1"/>
+          </a:fillRef>
+          <a:effectRef idx="0">
+            <a:srgbClr val="FFFFFF"/>
+          </a:effectRef>
+          <a:fontRef idx="minor">
+            <a:schemeClr val="lt1"/>
+          </a:fontRef>
+        </p:style>
+        <p:txBody>
+          <a:bodyPr rtlCol="0" anchor="ctr"/>
+          <a:p>
+            <a:pPr algn="ctr"/>
+            <a:endParaRPr lang="zh-CN" altLang="en-US">
+              <a:solidFill>
+                <a:schemeClr val="tx1"/>
+              </a:solidFill>
+            </a:endParaRPr>
+          </a:p>
+        </p:txBody>
+      </p:sp>
+      <p:sp>
+        <p:nvSpPr>
+          <p:cNvPr id="21" name="圆角右箭头 20"/>
+          <p:cNvSpPr/>
+          <p:nvPr>
+            <p:custDataLst>
+              <p:tags r:id="rId8"/>
+            </p:custDataLst>
+          </p:nvPr>
+        </p:nvSpPr>
+        <p:spPr>
+          <a:xfrm rot="10800000">
+            <a:off x="9055735" y="5197475"/>
+            <a:ext cx="884555" cy="480695"/>
+          </a:xfrm>
+          <a:prstGeom prst="bentArrow">
+            <a:avLst/>
+          </a:prstGeom>
+        </p:spPr>
+        <p:style>
+          <a:lnRef idx="2">
+            <a:schemeClr val="accent1">
+              <a:lumMod val="75000"/>
+            </a:schemeClr>
+          </a:lnRef>
+          <a:fillRef idx="1">
+            <a:schemeClr val="accent1"/>
+          </a:fillRef>
+          <a:effectRef idx="0">
+            <a:srgbClr val="FFFFFF"/>
+          </a:effectRef>
+          <a:fontRef idx="minor">
+            <a:schemeClr val="lt1"/>
+          </a:fontRef>
+        </p:style>
+        <p:txBody>
+          <a:bodyPr rtlCol="0" anchor="ctr"/>
+          <a:p>
+            <a:pPr algn="ctr"/>
+            <a:endParaRPr lang="zh-CN" altLang="en-US">
+              <a:solidFill>
+                <a:schemeClr val="tx1"/>
+              </a:solidFill>
+            </a:endParaRPr>
+          </a:p>
+        </p:txBody>
+      </p:sp>
+      <p:sp>
+        <p:nvSpPr>
+          <p:cNvPr id="22" name="圆角矩形 21"/>
+          <p:cNvSpPr/>
+          <p:nvPr>
+            <p:custDataLst>
+              <p:tags r:id="rId9"/>
+            </p:custDataLst>
+          </p:nvPr>
+        </p:nvSpPr>
+        <p:spPr>
+          <a:xfrm>
+            <a:off x="5756275" y="4914900"/>
+            <a:ext cx="2973070" cy="1156970"/>
+          </a:xfrm>
+          <a:prstGeom prst="roundRect">
+            <a:avLst/>
+          </a:prstGeom>
+          <a:ln w="28575"/>
+        </p:spPr>
+        <p:style>
+          <a:lnRef idx="2">
+            <a:schemeClr val="accent1"/>
+          </a:lnRef>
+          <a:fillRef idx="0">
+            <a:srgbClr val="FFFFFF"/>
+          </a:fillRef>
+          <a:effectRef idx="0">
+            <a:srgbClr val="FFFFFF"/>
+          </a:effectRef>
+          <a:fontRef idx="minor">
+            <a:schemeClr val="tx1"/>
+          </a:fontRef>
+        </p:style>
+        <p:txBody>
+          <a:bodyPr rtlCol="0" anchor="ctr"/>
+          <a:p>
+            <a:pPr algn="ctr"/>
+            <a:r>
+              <a:rPr lang="en-US" altLang="zh-CN" sz="2800">
+                <a:latin typeface="Times New Roman" panose="02020603050405020304" charset="0"/>
+                <a:cs typeface="Times New Roman" panose="02020603050405020304" charset="0"/>
+              </a:rPr>
+              <a:t>Classification based on ML/DL</a:t>
+            </a:r>
+            <a:endParaRPr lang="en-US" altLang="zh-CN" sz="2800">
+              <a:latin typeface="Times New Roman" panose="02020603050405020304" charset="0"/>
+              <a:cs typeface="Times New Roman" panose="02020603050405020304" charset="0"/>
+            </a:endParaRPr>
+          </a:p>
+        </p:txBody>
+      </p:sp>
+      <p:sp>
+        <p:nvSpPr>
+          <p:cNvPr id="23" name="右箭头 22"/>
+          <p:cNvSpPr/>
+          <p:nvPr>
+            <p:custDataLst>
+              <p:tags r:id="rId10"/>
+            </p:custDataLst>
+          </p:nvPr>
+        </p:nvSpPr>
+        <p:spPr>
+          <a:xfrm rot="10800000">
+            <a:off x="4982845" y="5462270"/>
+            <a:ext cx="643890" cy="170180"/>
           </a:xfrm>
           <a:prstGeom prst="rightArrow">
             <a:avLst/>
@@ -4933,74 +10826,23 @@
       </p:sp>
       <p:sp>
         <p:nvSpPr>
-          <p:cNvPr id="12" name="文本框 11"/>
-          <p:cNvSpPr txBox="1"/>
-          <p:nvPr/>
+          <p:cNvPr id="24" name="圆角矩形 23"/>
+          <p:cNvSpPr/>
+          <p:nvPr>
+            <p:custDataLst>
+              <p:tags r:id="rId11"/>
+            </p:custDataLst>
+          </p:nvPr>
         </p:nvSpPr>
         <p:spPr>
           <a:xfrm>
-            <a:off x="8527415" y="4295140"/>
-            <a:ext cx="4064000" cy="706755"/>
+            <a:off x="1911350" y="4968875"/>
+            <a:ext cx="2973070" cy="1156970"/>
           </a:xfrm>
-          <a:prstGeom prst="rect">
+          <a:prstGeom prst="roundRect">
             <a:avLst/>
           </a:prstGeom>
-          <a:noFill/>
-        </p:spPr>
-        <p:txBody>
-          <a:bodyPr wrap="square" rtlCol="0">
-            <a:spAutoFit/>
-          </a:bodyPr>
-          <a:p>
-            <a:r>
-              <a:rPr lang="en-US" altLang="zh-CN" sz="4000">
-                <a:solidFill>
-                  <a:schemeClr val="accent1"/>
-                </a:solidFill>
-                <a:effectLst>
-                  <a:outerShdw blurRad="38100" dist="25400" dir="5400000" algn="ctr" rotWithShape="0">
-                    <a:srgbClr val="6E747A">
-                      <a:alpha val="43000"/>
-                    </a:srgbClr>
-                  </a:outerShdw>
-                </a:effectLst>
-              </a:rPr>
-              <a:t>...</a:t>
-            </a:r>
-            <a:endParaRPr lang="en-US" altLang="zh-CN" sz="4000">
-              <a:solidFill>
-                <a:schemeClr val="accent1"/>
-              </a:solidFill>
-              <a:effectLst>
-                <a:outerShdw blurRad="38100" dist="25400" dir="5400000" algn="ctr" rotWithShape="0">
-                  <a:srgbClr val="6E747A">
-                    <a:alpha val="43000"/>
-                  </a:srgbClr>
-                </a:outerShdw>
-              </a:effectLst>
-            </a:endParaRPr>
-          </a:p>
-        </p:txBody>
-      </p:sp>
-      <p:sp>
-        <p:nvSpPr>
-          <p:cNvPr id="13" name="矩形 12"/>
-          <p:cNvSpPr/>
-          <p:nvPr/>
-        </p:nvSpPr>
-        <p:spPr>
-          <a:xfrm>
-            <a:off x="1401445" y="1421130"/>
-            <a:ext cx="2489835" cy="1299845"/>
-          </a:xfrm>
-          <a:prstGeom prst="rect">
-            <a:avLst/>
-          </a:prstGeom>
-          <a:ln w="38100">
-            <a:solidFill>
-              <a:srgbClr val="FF0000"/>
-            </a:solidFill>
-          </a:ln>
+          <a:ln w="28575"/>
         </p:spPr>
         <p:style>
           <a:lnRef idx="2">
@@ -5020,502 +10862,23 @@
           <a:bodyPr rtlCol="0" anchor="ctr"/>
           <a:p>
             <a:pPr algn="ctr"/>
-            <a:endParaRPr lang="zh-CN" altLang="en-US"/>
-          </a:p>
-        </p:txBody>
-      </p:sp>
-      <p:sp>
-        <p:nvSpPr>
-          <p:cNvPr id="14" name="矩形 13"/>
-          <p:cNvSpPr/>
-          <p:nvPr>
-            <p:custDataLst>
-              <p:tags r:id="rId7"/>
-            </p:custDataLst>
-          </p:nvPr>
-        </p:nvSpPr>
-        <p:spPr>
-          <a:xfrm>
-            <a:off x="3910330" y="1421130"/>
-            <a:ext cx="360680" cy="1299845"/>
-          </a:xfrm>
-          <a:prstGeom prst="rect">
-            <a:avLst/>
-          </a:prstGeom>
-          <a:ln w="38100">
-            <a:solidFill>
-              <a:schemeClr val="accent1"/>
-            </a:solidFill>
-          </a:ln>
-        </p:spPr>
-        <p:style>
-          <a:lnRef idx="2">
-            <a:schemeClr val="accent1"/>
-          </a:lnRef>
-          <a:fillRef idx="0">
-            <a:srgbClr val="FFFFFF"/>
-          </a:fillRef>
-          <a:effectRef idx="0">
-            <a:srgbClr val="FFFFFF"/>
-          </a:effectRef>
-          <a:fontRef idx="minor">
-            <a:schemeClr val="tx1"/>
-          </a:fontRef>
-        </p:style>
-        <p:txBody>
-          <a:bodyPr rtlCol="0" anchor="ctr"/>
-          <a:p>
-            <a:pPr algn="ctr"/>
-            <a:endParaRPr lang="zh-CN" altLang="en-US"/>
-          </a:p>
-        </p:txBody>
-      </p:sp>
-      <p:sp>
-        <p:nvSpPr>
-          <p:cNvPr id="15" name="矩形 14"/>
-          <p:cNvSpPr/>
-          <p:nvPr>
-            <p:custDataLst>
-              <p:tags r:id="rId8"/>
-            </p:custDataLst>
-          </p:nvPr>
-        </p:nvSpPr>
-        <p:spPr>
-          <a:xfrm>
-            <a:off x="4300855" y="1421130"/>
-            <a:ext cx="360680" cy="1299845"/>
-          </a:xfrm>
-          <a:prstGeom prst="rect">
-            <a:avLst/>
-          </a:prstGeom>
-          <a:ln w="38100">
-            <a:solidFill>
-              <a:srgbClr val="00B050"/>
-            </a:solidFill>
-          </a:ln>
-        </p:spPr>
-        <p:style>
-          <a:lnRef idx="2">
-            <a:schemeClr val="accent1"/>
-          </a:lnRef>
-          <a:fillRef idx="0">
-            <a:srgbClr val="FFFFFF"/>
-          </a:fillRef>
-          <a:effectRef idx="0">
-            <a:srgbClr val="FFFFFF"/>
-          </a:effectRef>
-          <a:fontRef idx="minor">
-            <a:schemeClr val="tx1"/>
-          </a:fontRef>
-        </p:style>
-        <p:txBody>
-          <a:bodyPr rtlCol="0" anchor="ctr"/>
-          <a:p>
-            <a:pPr algn="ctr"/>
-            <a:endParaRPr lang="zh-CN" altLang="en-US"/>
+            <a:r>
+              <a:rPr lang="en-US" altLang="zh-CN" sz="2800">
+                <a:latin typeface="Times New Roman" panose="02020603050405020304" charset="0"/>
+                <a:cs typeface="Times New Roman" panose="02020603050405020304" charset="0"/>
+              </a:rPr>
+              <a:t>Model Evaluation</a:t>
+            </a:r>
+            <a:endParaRPr lang="en-US" altLang="zh-CN" sz="2800">
+              <a:latin typeface="Times New Roman" panose="02020603050405020304" charset="0"/>
+              <a:cs typeface="Times New Roman" panose="02020603050405020304" charset="0"/>
+            </a:endParaRPr>
           </a:p>
         </p:txBody>
       </p:sp>
     </p:spTree>
     <p:custDataLst>
-      <p:tags r:id="rId9"/>
-    </p:custDataLst>
-  </p:cSld>
-  <p:clrMapOvr>
-    <a:masterClrMapping/>
-  </p:clrMapOvr>
-</p:sld>
-</file>
-
-<file path=ppt/slides/slide8.xml><?xml version="1.0" encoding="utf-8"?>
-<p:sld xmlns:a="http://schemas.openxmlformats.org/drawingml/2006/main" xmlns:r="http://schemas.openxmlformats.org/officeDocument/2006/relationships" xmlns:p="http://schemas.openxmlformats.org/presentationml/2006/main">
-  <p:cSld>
-    <p:spTree>
-      <p:nvGrpSpPr>
-        <p:cNvPr id="1" name=""/>
-        <p:cNvGrpSpPr/>
-        <p:nvPr/>
-      </p:nvGrpSpPr>
-      <p:grpSpPr/>
-      <p:sp>
-        <p:nvSpPr>
-          <p:cNvPr id="2" name="标题 1"/>
-          <p:cNvSpPr>
-            <a:spLocks noGrp="1"/>
-          </p:cNvSpPr>
-          <p:nvPr>
-            <p:ph type="title"/>
-          </p:nvPr>
-        </p:nvSpPr>
-        <p:spPr/>
-        <p:txBody>
-          <a:bodyPr/>
-          <a:p>
-            <a:r>
-              <a:rPr lang="en-US" altLang="zh-CN">
-                <a:sym typeface="+mn-ea"/>
-              </a:rPr>
-              <a:t>Analysis Method by ML - flow chart </a:t>
-            </a:r>
-            <a:endParaRPr lang="zh-CN" altLang="en-US"/>
-          </a:p>
-        </p:txBody>
-      </p:sp>
-      <p:sp>
-        <p:nvSpPr>
-          <p:cNvPr id="4" name="圆角矩形 3"/>
-          <p:cNvSpPr/>
-          <p:nvPr/>
-        </p:nvSpPr>
-        <p:spPr>
-          <a:xfrm>
-            <a:off x="1979295" y="2797175"/>
-            <a:ext cx="1889125" cy="941705"/>
-          </a:xfrm>
-          <a:prstGeom prst="roundRect">
-            <a:avLst/>
-          </a:prstGeom>
-        </p:spPr>
-        <p:style>
-          <a:lnRef idx="2">
-            <a:schemeClr val="accent1"/>
-          </a:lnRef>
-          <a:fillRef idx="0">
-            <a:srgbClr val="FFFFFF"/>
-          </a:fillRef>
-          <a:effectRef idx="0">
-            <a:srgbClr val="FFFFFF"/>
-          </a:effectRef>
-          <a:fontRef idx="minor">
-            <a:schemeClr val="tx1"/>
-          </a:fontRef>
-        </p:style>
-        <p:txBody>
-          <a:bodyPr rtlCol="0" anchor="ctr"/>
-          <a:p>
-            <a:pPr algn="ctr"/>
-            <a:r>
-              <a:rPr lang="en-US" altLang="zh-CN"/>
-              <a:t>preprocessing</a:t>
-            </a:r>
-            <a:endParaRPr lang="zh-CN" altLang="en-US"/>
-          </a:p>
-        </p:txBody>
-      </p:sp>
-      <p:sp>
-        <p:nvSpPr>
-          <p:cNvPr id="5" name="圆角矩形 4"/>
-          <p:cNvSpPr/>
-          <p:nvPr>
-            <p:custDataLst>
-              <p:tags r:id="rId1"/>
-            </p:custDataLst>
-          </p:nvPr>
-        </p:nvSpPr>
-        <p:spPr>
-          <a:xfrm>
-            <a:off x="4457700" y="2752725"/>
-            <a:ext cx="1889125" cy="941705"/>
-          </a:xfrm>
-          <a:prstGeom prst="roundRect">
-            <a:avLst/>
-          </a:prstGeom>
-        </p:spPr>
-        <p:style>
-          <a:lnRef idx="2">
-            <a:schemeClr val="accent1"/>
-          </a:lnRef>
-          <a:fillRef idx="0">
-            <a:srgbClr val="FFFFFF"/>
-          </a:fillRef>
-          <a:effectRef idx="0">
-            <a:srgbClr val="FFFFFF"/>
-          </a:effectRef>
-          <a:fontRef idx="minor">
-            <a:schemeClr val="tx1"/>
-          </a:fontRef>
-        </p:style>
-        <p:txBody>
-          <a:bodyPr rtlCol="0" anchor="ctr"/>
-          <a:p>
-            <a:pPr algn="ctr"/>
-            <a:r>
-              <a:rPr lang="en-US" altLang="zh-CN"/>
-              <a:t>signal-spliting</a:t>
-            </a:r>
-            <a:endParaRPr lang="en-US" altLang="zh-CN"/>
-          </a:p>
-        </p:txBody>
-      </p:sp>
-      <p:sp>
-        <p:nvSpPr>
-          <p:cNvPr id="6" name="圆角矩形 5"/>
-          <p:cNvSpPr/>
-          <p:nvPr>
-            <p:custDataLst>
-              <p:tags r:id="rId2"/>
-            </p:custDataLst>
-          </p:nvPr>
-        </p:nvSpPr>
-        <p:spPr>
-          <a:xfrm>
-            <a:off x="7609205" y="2487295"/>
-            <a:ext cx="1889125" cy="941705"/>
-          </a:xfrm>
-          <a:prstGeom prst="roundRect">
-            <a:avLst/>
-          </a:prstGeom>
-        </p:spPr>
-        <p:style>
-          <a:lnRef idx="2">
-            <a:schemeClr val="accent1"/>
-          </a:lnRef>
-          <a:fillRef idx="0">
-            <a:srgbClr val="FFFFFF"/>
-          </a:fillRef>
-          <a:effectRef idx="0">
-            <a:srgbClr val="FFFFFF"/>
-          </a:effectRef>
-          <a:fontRef idx="minor">
-            <a:schemeClr val="tx1"/>
-          </a:fontRef>
-        </p:style>
-        <p:txBody>
-          <a:bodyPr rtlCol="0" anchor="ctr"/>
-          <a:p>
-            <a:pPr algn="ctr"/>
-            <a:r>
-              <a:rPr lang="en-US" altLang="zh-CN"/>
-              <a:t>feature extraction</a:t>
-            </a:r>
-            <a:endParaRPr lang="en-US" altLang="zh-CN"/>
-          </a:p>
-        </p:txBody>
-      </p:sp>
-      <p:sp>
-        <p:nvSpPr>
-          <p:cNvPr id="7" name="圆角矩形 6"/>
-          <p:cNvSpPr/>
-          <p:nvPr>
-            <p:custDataLst>
-              <p:tags r:id="rId3"/>
-            </p:custDataLst>
-          </p:nvPr>
-        </p:nvSpPr>
-        <p:spPr>
-          <a:xfrm>
-            <a:off x="1426210" y="5462270"/>
-            <a:ext cx="1889125" cy="941705"/>
-          </a:xfrm>
-          <a:prstGeom prst="roundRect">
-            <a:avLst/>
-          </a:prstGeom>
-        </p:spPr>
-        <p:style>
-          <a:lnRef idx="2">
-            <a:schemeClr val="accent1"/>
-          </a:lnRef>
-          <a:fillRef idx="0">
-            <a:srgbClr val="FFFFFF"/>
-          </a:fillRef>
-          <a:effectRef idx="0">
-            <a:srgbClr val="FFFFFF"/>
-          </a:effectRef>
-          <a:fontRef idx="minor">
-            <a:schemeClr val="tx1"/>
-          </a:fontRef>
-        </p:style>
-        <p:txBody>
-          <a:bodyPr rtlCol="0" anchor="ctr"/>
-          <a:p>
-            <a:pPr algn="ctr"/>
-            <a:r>
-              <a:rPr lang="en-US" altLang="zh-CN"/>
-              <a:t>Classification based on ML/DL</a:t>
-            </a:r>
-            <a:endParaRPr lang="en-US" altLang="zh-CN"/>
-          </a:p>
-        </p:txBody>
-      </p:sp>
-      <p:sp>
-        <p:nvSpPr>
-          <p:cNvPr id="8" name="圆角矩形 7"/>
-          <p:cNvSpPr/>
-          <p:nvPr>
-            <p:custDataLst>
-              <p:tags r:id="rId4"/>
-            </p:custDataLst>
-          </p:nvPr>
-        </p:nvSpPr>
-        <p:spPr>
-          <a:xfrm>
-            <a:off x="5467985" y="5354955"/>
-            <a:ext cx="1889125" cy="941705"/>
-          </a:xfrm>
-          <a:prstGeom prst="roundRect">
-            <a:avLst/>
-          </a:prstGeom>
-        </p:spPr>
-        <p:style>
-          <a:lnRef idx="2">
-            <a:schemeClr val="accent1"/>
-          </a:lnRef>
-          <a:fillRef idx="0">
-            <a:srgbClr val="FFFFFF"/>
-          </a:fillRef>
-          <a:effectRef idx="0">
-            <a:srgbClr val="FFFFFF"/>
-          </a:effectRef>
-          <a:fontRef idx="minor">
-            <a:schemeClr val="tx1"/>
-          </a:fontRef>
-        </p:style>
-        <p:txBody>
-          <a:bodyPr rtlCol="0" anchor="ctr"/>
-          <a:p>
-            <a:pPr algn="ctr"/>
-            <a:r>
-              <a:rPr lang="en-US" altLang="zh-CN"/>
-              <a:t>Model Evaluation</a:t>
-            </a:r>
-            <a:endParaRPr lang="en-US" altLang="zh-CN"/>
-          </a:p>
-        </p:txBody>
-      </p:sp>
-      <p:sp>
-        <p:nvSpPr>
-          <p:cNvPr id="9" name="文本框 8"/>
-          <p:cNvSpPr txBox="1"/>
-          <p:nvPr/>
-        </p:nvSpPr>
-        <p:spPr>
-          <a:xfrm>
-            <a:off x="7986395" y="4048125"/>
-            <a:ext cx="4064000" cy="368300"/>
-          </a:xfrm>
-          <a:prstGeom prst="rect">
-            <a:avLst/>
-          </a:prstGeom>
-          <a:noFill/>
-        </p:spPr>
-        <p:txBody>
-          <a:bodyPr wrap="square" rtlCol="0">
-            <a:spAutoFit/>
-          </a:bodyPr>
-          <a:p>
-            <a:r>
-              <a:rPr lang="zh-CN" altLang="en-US"/>
-              <a:t>每个框框画点图</a:t>
-            </a:r>
-            <a:endParaRPr lang="zh-CN" altLang="en-US"/>
-          </a:p>
-        </p:txBody>
-      </p:sp>
-      <p:pic>
-        <p:nvPicPr>
-          <p:cNvPr id="12" name="图片 11"/>
-          <p:cNvPicPr>
-            <a:picLocks noChangeAspect="1"/>
-          </p:cNvPicPr>
-          <p:nvPr>
-            <p:custDataLst>
-              <p:tags r:id="rId5"/>
-            </p:custDataLst>
-          </p:nvPr>
-        </p:nvPicPr>
-        <p:blipFill>
-          <a:blip r:embed="rId6" cstate="print">
-            <a:extLst>
-              <a:ext uri="{28A0092B-C50C-407E-A947-70E740481C1C}">
-                <a14:useLocalDpi xmlns:a14="http://schemas.microsoft.com/office/drawing/2010/main" val="0"/>
-              </a:ext>
-            </a:extLst>
-          </a:blip>
-          <a:stretch>
-            <a:fillRect/>
-          </a:stretch>
-        </p:blipFill>
-        <p:spPr>
-          <a:xfrm>
-            <a:off x="1947545" y="1313815"/>
-            <a:ext cx="1920875" cy="1407795"/>
-          </a:xfrm>
-          <a:prstGeom prst="rect">
-            <a:avLst/>
-          </a:prstGeom>
-        </p:spPr>
-      </p:pic>
-      <p:pic>
-        <p:nvPicPr>
-          <p:cNvPr id="11" name="图片 10"/>
-          <p:cNvPicPr>
-            <a:picLocks noChangeAspect="1"/>
-          </p:cNvPicPr>
-          <p:nvPr>
-            <p:custDataLst>
-              <p:tags r:id="rId7"/>
-            </p:custDataLst>
-          </p:nvPr>
-        </p:nvPicPr>
-        <p:blipFill>
-          <a:blip r:embed="rId8" cstate="print">
-            <a:extLst>
-              <a:ext uri="{28A0092B-C50C-407E-A947-70E740481C1C}">
-                <a14:useLocalDpi xmlns:a14="http://schemas.microsoft.com/office/drawing/2010/main" val="0"/>
-              </a:ext>
-            </a:extLst>
-          </a:blip>
-          <a:stretch>
-            <a:fillRect/>
-          </a:stretch>
-        </p:blipFill>
-        <p:spPr>
-          <a:xfrm>
-            <a:off x="290137" y="2797326"/>
-            <a:ext cx="1496292" cy="947586"/>
-          </a:xfrm>
-          <a:prstGeom prst="rect">
-            <a:avLst/>
-          </a:prstGeom>
-        </p:spPr>
-      </p:pic>
-      <p:pic>
-        <p:nvPicPr>
-          <p:cNvPr id="15" name="图片 14"/>
-          <p:cNvPicPr>
-            <a:picLocks noChangeAspect="1"/>
-          </p:cNvPicPr>
-          <p:nvPr>
-            <p:custDataLst>
-              <p:tags r:id="rId9"/>
-            </p:custDataLst>
-          </p:nvPr>
-        </p:nvPicPr>
-        <p:blipFill>
-          <a:blip r:embed="rId10">
-            <a:extLst>
-              <a:ext uri="{28A0092B-C50C-407E-A947-70E740481C1C}">
-                <a14:useLocalDpi xmlns:a14="http://schemas.microsoft.com/office/drawing/2010/main" val="0"/>
-              </a:ext>
-            </a:extLst>
-          </a:blip>
-          <a:stretch>
-            <a:fillRect/>
-          </a:stretch>
-        </p:blipFill>
-        <p:spPr>
-          <a:xfrm>
-            <a:off x="4617085" y="1313815"/>
-            <a:ext cx="1772285" cy="1356360"/>
-          </a:xfrm>
-          <a:prstGeom prst="rect">
-            <a:avLst/>
-          </a:prstGeom>
-        </p:spPr>
-      </p:pic>
-    </p:spTree>
-    <p:custDataLst>
-      <p:tags r:id="rId11"/>
+      <p:tags r:id="rId12"/>
     </p:custDataLst>
   </p:cSld>
   <p:clrMapOvr>
@@ -5534,125 +10897,9 @@
         <p:nvPr/>
       </p:nvGrpSpPr>
       <p:grpSpPr/>
-      <p:sp>
-        <p:nvSpPr>
-          <p:cNvPr id="2" name="标题 1"/>
-          <p:cNvSpPr>
-            <a:spLocks noGrp="1"/>
-          </p:cNvSpPr>
-          <p:nvPr>
-            <p:ph type="title"/>
-          </p:nvPr>
-        </p:nvSpPr>
-        <p:spPr/>
-        <p:txBody>
-          <a:bodyPr/>
-          <a:p>
-            <a:r>
-              <a:rPr lang="en-US" altLang="zh-CN">
-                <a:sym typeface="+mn-ea"/>
-              </a:rPr>
-              <a:t>Analysis Method by ML - </a:t>
-            </a:r>
-            <a:r>
-              <a:rPr lang="en-US" altLang="zh-CN">
-                <a:sym typeface="+mn-ea"/>
-              </a:rPr>
-              <a:t>signal spliting</a:t>
-            </a:r>
-            <a:endParaRPr lang="zh-CN" altLang="en-US"/>
-          </a:p>
-        </p:txBody>
-      </p:sp>
-      <p:sp>
-        <p:nvSpPr>
-          <p:cNvPr id="3" name="内容占位符 2"/>
-          <p:cNvSpPr>
-            <a:spLocks noGrp="1"/>
-          </p:cNvSpPr>
-          <p:nvPr>
-            <p:ph idx="1"/>
-          </p:nvPr>
-        </p:nvSpPr>
-        <p:spPr/>
-        <p:txBody>
-          <a:bodyPr/>
-          <a:p>
-            <a:pPr marL="0" indent="0">
-              <a:buNone/>
-            </a:pPr>
-            <a:r>
-              <a:rPr lang="en-US" altLang="zh-CN"/>
-              <a:t>We prefer to identify signals with same length</a:t>
-            </a:r>
-            <a:endParaRPr lang="en-US" altLang="zh-CN"/>
-          </a:p>
-          <a:p>
-            <a:pPr marL="0" indent="0">
-              <a:buNone/>
-            </a:pPr>
-            <a:endParaRPr lang="en-US" altLang="zh-CN"/>
-          </a:p>
-          <a:p>
-            <a:pPr marL="0" indent="0">
-              <a:buNone/>
-            </a:pPr>
-            <a:endParaRPr lang="en-US" altLang="zh-CN"/>
-          </a:p>
-          <a:p>
-            <a:pPr marL="0" indent="0">
-              <a:buNone/>
-            </a:pPr>
-            <a:r>
-              <a:rPr lang="en-US" altLang="zh-CN"/>
-              <a:t> splited the raw signal by 30s.</a:t>
-            </a:r>
-            <a:endParaRPr lang="en-US" altLang="zh-CN"/>
-          </a:p>
-        </p:txBody>
-      </p:sp>
-      <p:sp>
-        <p:nvSpPr>
-          <p:cNvPr id="4" name="下箭头 3"/>
-          <p:cNvSpPr/>
-          <p:nvPr/>
-        </p:nvSpPr>
-        <p:spPr>
-          <a:xfrm>
-            <a:off x="2606675" y="2001520"/>
-            <a:ext cx="208280" cy="928370"/>
-          </a:xfrm>
-          <a:prstGeom prst="downArrow">
-            <a:avLst/>
-          </a:prstGeom>
-        </p:spPr>
-        <p:style>
-          <a:lnRef idx="2">
-            <a:schemeClr val="accent1">
-              <a:lumMod val="75000"/>
-            </a:schemeClr>
-          </a:lnRef>
-          <a:fillRef idx="1">
-            <a:schemeClr val="accent1"/>
-          </a:fillRef>
-          <a:effectRef idx="0">
-            <a:srgbClr val="FFFFFF"/>
-          </a:effectRef>
-          <a:fontRef idx="minor">
-            <a:schemeClr val="lt1"/>
-          </a:fontRef>
-        </p:style>
-        <p:txBody>
-          <a:bodyPr rtlCol="0" anchor="ctr"/>
-          <a:p>
-            <a:pPr algn="ctr"/>
-            <a:endParaRPr lang="zh-CN" altLang="en-US"/>
-          </a:p>
-        </p:txBody>
-      </p:sp>
       <p:pic>
         <p:nvPicPr>
-          <p:cNvPr id="5" name="图片 4" descr="30s_W_1"/>
+          <p:cNvPr id="9" name="图片 8" descr="noisesignal-1"/>
           <p:cNvPicPr>
             <a:picLocks noChangeAspect="1"/>
           </p:cNvPicPr>
@@ -5666,32 +10913,72 @@
         </p:blipFill>
         <p:spPr>
           <a:xfrm>
-            <a:off x="5424170" y="2610485"/>
-            <a:ext cx="1920240" cy="1280160"/>
+            <a:off x="7615555" y="2708275"/>
+            <a:ext cx="3803015" cy="2028825"/>
           </a:xfrm>
           <a:prstGeom prst="rect">
             <a:avLst/>
           </a:prstGeom>
         </p:spPr>
       </p:pic>
+      <p:sp>
+        <p:nvSpPr>
+          <p:cNvPr id="2" name="标题 1"/>
+          <p:cNvSpPr>
+            <a:spLocks noGrp="1"/>
+          </p:cNvSpPr>
+          <p:nvPr>
+            <p:ph type="title"/>
+          </p:nvPr>
+        </p:nvSpPr>
+        <p:spPr/>
+        <p:txBody>
+          <a:bodyPr>
+            <a:noAutofit/>
+          </a:bodyPr>
+          <a:p>
+            <a:r>
+              <a:rPr lang="en-US" altLang="zh-CN" sz="4800">
+                <a:latin typeface="Times New Roman" panose="02020603050405020304" charset="0"/>
+                <a:cs typeface="Times New Roman" panose="02020603050405020304" charset="0"/>
+              </a:rPr>
+              <a:t>Preprocessing</a:t>
+            </a:r>
+            <a:endParaRPr lang="en-US" altLang="zh-CN" sz="4800">
+              <a:latin typeface="Times New Roman" panose="02020603050405020304" charset="0"/>
+              <a:cs typeface="Times New Roman" panose="02020603050405020304" charset="0"/>
+            </a:endParaRPr>
+          </a:p>
+        </p:txBody>
+      </p:sp>
       <p:pic>
         <p:nvPicPr>
-          <p:cNvPr id="6" name="图片 5" descr="30s_W_2"/>
+          <p:cNvPr id="11" name="图片 10"/>
           <p:cNvPicPr>
             <a:picLocks noChangeAspect="1"/>
           </p:cNvPicPr>
-          <p:nvPr/>
+          <p:nvPr>
+            <p:custDataLst>
+              <p:tags r:id="rId2"/>
+            </p:custDataLst>
+          </p:nvPr>
         </p:nvPicPr>
         <p:blipFill>
-          <a:blip r:embed="rId2"/>
+          <a:blip r:embed="rId3" cstate="print">
+            <a:extLst>
+              <a:ext uri="{28A0092B-C50C-407E-A947-70E740481C1C}">
+                <a14:useLocalDpi xmlns:a14="http://schemas.microsoft.com/office/drawing/2010/main" val="0"/>
+              </a:ext>
+            </a:extLst>
+          </a:blip>
           <a:stretch>
             <a:fillRect/>
           </a:stretch>
         </p:blipFill>
         <p:spPr>
           <a:xfrm>
-            <a:off x="5424170" y="4190365"/>
-            <a:ext cx="1920240" cy="1280160"/>
+            <a:off x="651510" y="2747010"/>
+            <a:ext cx="2452370" cy="1553210"/>
           </a:xfrm>
           <a:prstGeom prst="rect">
             <a:avLst/>
@@ -5700,67 +10987,14 @@
       </p:pic>
       <p:sp>
         <p:nvSpPr>
-          <p:cNvPr id="7" name="文本框 6"/>
-          <p:cNvSpPr txBox="1"/>
+          <p:cNvPr id="4" name="右箭头 3"/>
+          <p:cNvSpPr/>
           <p:nvPr/>
         </p:nvSpPr>
         <p:spPr>
           <a:xfrm>
-            <a:off x="4504690" y="6177280"/>
-            <a:ext cx="4064000" cy="368300"/>
-          </a:xfrm>
-          <a:prstGeom prst="rect">
-            <a:avLst/>
-          </a:prstGeom>
-          <a:noFill/>
-        </p:spPr>
-        <p:txBody>
-          <a:bodyPr wrap="square" rtlCol="0">
-            <a:spAutoFit/>
-          </a:bodyPr>
-          <a:p>
-            <a:r>
-              <a:rPr lang="en-US" altLang="zh-CN"/>
-              <a:t>Fs=100 Hz</a:t>
-            </a:r>
-            <a:endParaRPr lang="en-US" altLang="zh-CN"/>
-          </a:p>
-        </p:txBody>
-      </p:sp>
-      <p:pic>
-        <p:nvPicPr>
-          <p:cNvPr id="10" name="图片 9" descr="Sleep stage 2 EEG Fpz-Cz"/>
-          <p:cNvPicPr>
-            <a:picLocks noChangeAspect="1"/>
-          </p:cNvPicPr>
-          <p:nvPr/>
-        </p:nvPicPr>
-        <p:blipFill>
-          <a:blip r:embed="rId3"/>
-          <a:stretch>
-            <a:fillRect/>
-          </a:stretch>
-        </p:blipFill>
-        <p:spPr>
-          <a:xfrm>
-            <a:off x="793115" y="3890645"/>
-            <a:ext cx="3711575" cy="2474595"/>
-          </a:xfrm>
-          <a:prstGeom prst="rect">
-            <a:avLst/>
-          </a:prstGeom>
-        </p:spPr>
-      </p:pic>
-      <p:sp>
-        <p:nvSpPr>
-          <p:cNvPr id="11" name="右箭头 10"/>
-          <p:cNvSpPr/>
-          <p:nvPr/>
-        </p:nvSpPr>
-        <p:spPr>
-          <a:xfrm>
-            <a:off x="4464050" y="4631690"/>
-            <a:ext cx="960120" cy="76200"/>
+            <a:off x="3451860" y="3521075"/>
+            <a:ext cx="3941445" cy="205740"/>
           </a:xfrm>
           <a:prstGeom prst="rightArrow">
             <a:avLst/>
@@ -5792,104 +11026,14 @@
       </p:sp>
       <p:sp>
         <p:nvSpPr>
-          <p:cNvPr id="12" name="右箭头 11"/>
-          <p:cNvSpPr/>
-          <p:nvPr>
-            <p:custDataLst>
-              <p:tags r:id="rId4"/>
-            </p:custDataLst>
-          </p:nvPr>
-        </p:nvSpPr>
-        <p:spPr>
-          <a:xfrm rot="19500000">
-            <a:off x="4399280" y="3942715"/>
-            <a:ext cx="960120" cy="76200"/>
-          </a:xfrm>
-          <a:prstGeom prst="rightArrow">
-            <a:avLst/>
-          </a:prstGeom>
-        </p:spPr>
-        <p:style>
-          <a:lnRef idx="2">
-            <a:schemeClr val="accent1">
-              <a:lumMod val="75000"/>
-            </a:schemeClr>
-          </a:lnRef>
-          <a:fillRef idx="1">
-            <a:schemeClr val="accent1"/>
-          </a:fillRef>
-          <a:effectRef idx="0">
-            <a:srgbClr val="FFFFFF"/>
-          </a:effectRef>
-          <a:fontRef idx="minor">
-            <a:schemeClr val="lt1"/>
-          </a:fontRef>
-        </p:style>
-        <p:txBody>
-          <a:bodyPr rtlCol="0" anchor="ctr"/>
-          <a:p>
-            <a:pPr algn="ctr"/>
-            <a:endParaRPr lang="zh-CN" altLang="en-US"/>
-          </a:p>
-        </p:txBody>
-      </p:sp>
-      <p:sp>
-        <p:nvSpPr>
-          <p:cNvPr id="13" name="右箭头 12"/>
-          <p:cNvSpPr/>
-          <p:nvPr>
-            <p:custDataLst>
-              <p:tags r:id="rId5"/>
-            </p:custDataLst>
-          </p:nvPr>
-        </p:nvSpPr>
-        <p:spPr>
-          <a:xfrm rot="2040000">
-            <a:off x="4403090" y="5444490"/>
-            <a:ext cx="960120" cy="76200"/>
-          </a:xfrm>
-          <a:prstGeom prst="rightArrow">
-            <a:avLst/>
-          </a:prstGeom>
-        </p:spPr>
-        <p:style>
-          <a:lnRef idx="2">
-            <a:schemeClr val="accent1">
-              <a:lumMod val="75000"/>
-            </a:schemeClr>
-          </a:lnRef>
-          <a:fillRef idx="1">
-            <a:schemeClr val="accent1"/>
-          </a:fillRef>
-          <a:effectRef idx="0">
-            <a:srgbClr val="FFFFFF"/>
-          </a:effectRef>
-          <a:fontRef idx="minor">
-            <a:schemeClr val="lt1"/>
-          </a:fontRef>
-        </p:style>
-        <p:txBody>
-          <a:bodyPr rtlCol="0" anchor="ctr"/>
-          <a:p>
-            <a:pPr algn="ctr"/>
-            <a:endParaRPr lang="zh-CN" altLang="en-US"/>
-          </a:p>
-        </p:txBody>
-      </p:sp>
-      <p:sp>
-        <p:nvSpPr>
-          <p:cNvPr id="14" name="文本框 13"/>
+          <p:cNvPr id="5" name="文本框 4"/>
           <p:cNvSpPr txBox="1"/>
-          <p:nvPr>
-            <p:custDataLst>
-              <p:tags r:id="rId6"/>
-            </p:custDataLst>
-          </p:nvPr>
+          <p:nvPr/>
         </p:nvSpPr>
         <p:spPr>
           <a:xfrm>
-            <a:off x="5424170" y="5470525"/>
-            <a:ext cx="4064000" cy="706755"/>
+            <a:off x="3728085" y="3726815"/>
+            <a:ext cx="4064000" cy="460375"/>
           </a:xfrm>
           <a:prstGeom prst="rect">
             <a:avLst/>
@@ -5902,7 +11046,7 @@
           </a:bodyPr>
           <a:p>
             <a:r>
-              <a:rPr lang="en-US" altLang="zh-CN" sz="4000">
+              <a:rPr lang="zh-CN" altLang="en-US" sz="2400">
                 <a:solidFill>
                   <a:schemeClr val="accent1"/>
                 </a:solidFill>
@@ -5913,10 +11057,12 @@
                     </a:srgbClr>
                   </a:outerShdw>
                 </a:effectLst>
-              </a:rPr>
-              <a:t>...</a:t>
-            </a:r>
-            <a:endParaRPr lang="en-US" altLang="zh-CN" sz="4000">
+                <a:latin typeface="Times New Roman" panose="02020603050405020304" charset="0"/>
+                <a:cs typeface="Times New Roman" panose="02020603050405020304" charset="0"/>
+              </a:rPr>
+              <a:t>removing artifacts or noise</a:t>
+            </a:r>
+            <a:endParaRPr lang="zh-CN" altLang="en-US" sz="2400">
               <a:solidFill>
                 <a:schemeClr val="accent1"/>
               </a:solidFill>
@@ -5927,13 +11073,238 @@
                   </a:srgbClr>
                 </a:outerShdw>
               </a:effectLst>
+              <a:latin typeface="Times New Roman" panose="02020603050405020304" charset="0"/>
+              <a:cs typeface="Times New Roman" panose="02020603050405020304" charset="0"/>
             </a:endParaRPr>
+          </a:p>
+        </p:txBody>
+      </p:sp>
+      <p:pic>
+        <p:nvPicPr>
+          <p:cNvPr id="6" name="图片 5"/>
+          <p:cNvPicPr>
+            <a:picLocks noChangeAspect="1"/>
+          </p:cNvPicPr>
+          <p:nvPr>
+            <p:custDataLst>
+              <p:tags r:id="rId4"/>
+            </p:custDataLst>
+          </p:nvPr>
+        </p:nvPicPr>
+        <p:blipFill>
+          <a:blip r:embed="rId5" cstate="print">
+            <a:extLst>
+              <a:ext uri="{28A0092B-C50C-407E-A947-70E740481C1C}">
+                <a14:useLocalDpi xmlns:a14="http://schemas.microsoft.com/office/drawing/2010/main" val="0"/>
+              </a:ext>
+            </a:extLst>
+          </a:blip>
+          <a:stretch>
+            <a:fillRect/>
+          </a:stretch>
+        </p:blipFill>
+        <p:spPr>
+          <a:xfrm>
+            <a:off x="4399280" y="2021205"/>
+            <a:ext cx="1920875" cy="1407795"/>
+          </a:xfrm>
+          <a:prstGeom prst="rect">
+            <a:avLst/>
+          </a:prstGeom>
+        </p:spPr>
+      </p:pic>
+      <p:sp>
+        <p:nvSpPr>
+          <p:cNvPr id="7" name="文本框 6"/>
+          <p:cNvSpPr txBox="1"/>
+          <p:nvPr/>
+        </p:nvSpPr>
+        <p:spPr>
+          <a:xfrm>
+            <a:off x="4570095" y="1554480"/>
+            <a:ext cx="4064000" cy="521970"/>
+          </a:xfrm>
+          <a:prstGeom prst="rect">
+            <a:avLst/>
+          </a:prstGeom>
+          <a:noFill/>
+        </p:spPr>
+        <p:txBody>
+          <a:bodyPr wrap="square" rtlCol="0">
+            <a:spAutoFit/>
+          </a:bodyPr>
+          <a:p>
+            <a:r>
+              <a:rPr lang="en-US" altLang="zh-CN" sz="2800">
+                <a:latin typeface="Times New Roman" panose="02020603050405020304" charset="0"/>
+                <a:cs typeface="Times New Roman" panose="02020603050405020304" charset="0"/>
+              </a:rPr>
+              <a:t>0.4~30 Hz</a:t>
+            </a:r>
+            <a:endParaRPr lang="en-US" altLang="zh-CN" sz="2800">
+              <a:latin typeface="Times New Roman" panose="02020603050405020304" charset="0"/>
+              <a:cs typeface="Times New Roman" panose="02020603050405020304" charset="0"/>
+            </a:endParaRPr>
+          </a:p>
+        </p:txBody>
+      </p:sp>
+      <p:sp>
+        <p:nvSpPr>
+          <p:cNvPr id="8" name="文本框 7"/>
+          <p:cNvSpPr txBox="1"/>
+          <p:nvPr/>
+        </p:nvSpPr>
+        <p:spPr>
+          <a:xfrm>
+            <a:off x="7900035" y="4226560"/>
+            <a:ext cx="4064000" cy="460375"/>
+          </a:xfrm>
+          <a:prstGeom prst="rect">
+            <a:avLst/>
+          </a:prstGeom>
+          <a:noFill/>
+        </p:spPr>
+        <p:txBody>
+          <a:bodyPr wrap="square" rtlCol="0">
+            <a:spAutoFit/>
+          </a:bodyPr>
+          <a:p>
+            <a:r>
+              <a:rPr lang="en-US" altLang="zh-CN" sz="2400">
+                <a:solidFill>
+                  <a:schemeClr val="accent1"/>
+                </a:solidFill>
+                <a:effectLst>
+                  <a:outerShdw blurRad="38100" dist="25400" dir="5400000" algn="ctr" rotWithShape="0">
+                    <a:srgbClr val="6E747A">
+                      <a:alpha val="43000"/>
+                    </a:srgbClr>
+                  </a:outerShdw>
+                </a:effectLst>
+                <a:latin typeface="Times New Roman" panose="02020603050405020304" charset="0"/>
+                <a:cs typeface="Times New Roman" panose="02020603050405020304" charset="0"/>
+              </a:rPr>
+              <a:t>Signal without Noise</a:t>
+            </a:r>
+            <a:endParaRPr lang="en-US" altLang="zh-CN" sz="2400">
+              <a:solidFill>
+                <a:schemeClr val="accent1"/>
+              </a:solidFill>
+              <a:effectLst>
+                <a:outerShdw blurRad="38100" dist="25400" dir="5400000" algn="ctr" rotWithShape="0">
+                  <a:srgbClr val="6E747A">
+                    <a:alpha val="43000"/>
+                  </a:srgbClr>
+                </a:outerShdw>
+              </a:effectLst>
+              <a:latin typeface="Times New Roman" panose="02020603050405020304" charset="0"/>
+              <a:cs typeface="Times New Roman" panose="02020603050405020304" charset="0"/>
+            </a:endParaRPr>
+          </a:p>
+        </p:txBody>
+      </p:sp>
+      <p:sp>
+        <p:nvSpPr>
+          <p:cNvPr id="10" name="文本框 9"/>
+          <p:cNvSpPr txBox="1"/>
+          <p:nvPr/>
+        </p:nvSpPr>
+        <p:spPr>
+          <a:xfrm>
+            <a:off x="558165" y="4585335"/>
+            <a:ext cx="8122920" cy="953135"/>
+          </a:xfrm>
+          <a:prstGeom prst="rect">
+            <a:avLst/>
+          </a:prstGeom>
+          <a:noFill/>
+        </p:spPr>
+        <p:txBody>
+          <a:bodyPr wrap="square" rtlCol="0" anchor="t">
+            <a:spAutoFit/>
+          </a:bodyPr>
+          <a:p>
+            <a:r>
+              <a:rPr sz="2800">
+                <a:latin typeface="Times New Roman" panose="02020603050405020304" charset="0"/>
+                <a:cs typeface="Times New Roman" panose="02020603050405020304" charset="0"/>
+              </a:rPr>
+              <a:t>This band-pass range is clinically supported to capture the meaningful frequencies of sleep-wave patterns.</a:t>
+            </a:r>
+            <a:r>
+              <a:rPr lang="en-US" sz="2800" baseline="30000">
+                <a:latin typeface="Times New Roman" panose="02020603050405020304" charset="0"/>
+                <a:cs typeface="Times New Roman" panose="02020603050405020304" charset="0"/>
+              </a:rPr>
+              <a:t>[3]</a:t>
+            </a:r>
+            <a:endParaRPr lang="en-US" sz="2800" baseline="30000">
+              <a:latin typeface="Times New Roman" panose="02020603050405020304" charset="0"/>
+              <a:cs typeface="Times New Roman" panose="02020603050405020304" charset="0"/>
+            </a:endParaRPr>
+          </a:p>
+        </p:txBody>
+      </p:sp>
+      <p:sp>
+        <p:nvSpPr>
+          <p:cNvPr id="12" name="文本框 11"/>
+          <p:cNvSpPr txBox="1"/>
+          <p:nvPr/>
+        </p:nvSpPr>
+        <p:spPr>
+          <a:xfrm>
+            <a:off x="558165" y="6235700"/>
+            <a:ext cx="11596370" cy="460375"/>
+          </a:xfrm>
+          <a:prstGeom prst="rect">
+            <a:avLst/>
+          </a:prstGeom>
+          <a:noFill/>
+        </p:spPr>
+        <p:txBody>
+          <a:bodyPr wrap="square" rtlCol="0">
+            <a:spAutoFit/>
+          </a:bodyPr>
+          <a:p>
+            <a:r>
+              <a:rPr lang="en-US" altLang="zh-CN" sz="1200"/>
+              <a:t>[3] </a:t>
+            </a:r>
+            <a:r>
+              <a:rPr lang="zh-CN" altLang="en-US" sz="1200"/>
+              <a:t>Malhotra, A., Younes, M., Kuna, S.T., Benca, R., Kushida, C.A., Walsh, J.Hanlon, A., Staley, B., Pack, A.I., Pien, G.W.: Performance of an</a:t>
+            </a:r>
+            <a:r>
+              <a:rPr lang="en-US" altLang="zh-CN" sz="1200"/>
+              <a:t> </a:t>
+            </a:r>
+            <a:r>
+              <a:rPr lang="zh-CN" altLang="en-US" sz="1200"/>
+              <a:t>automated</a:t>
+            </a:r>
+            <a:r>
+              <a:rPr lang="en-US" altLang="zh-CN" sz="1200"/>
+              <a:t> </a:t>
+            </a:r>
+            <a:r>
+              <a:rPr lang="zh-CN" altLang="en-US" sz="1200"/>
+              <a:t>polysomnography scoring system versus computer-assisted manual scoring. Sleep</a:t>
+            </a:r>
+            <a:r>
+              <a:rPr lang="en-US" altLang="zh-CN" sz="1200"/>
+              <a:t> </a:t>
+            </a:r>
+            <a:r>
+              <a:rPr lang="zh-CN" altLang="en-US" sz="1200"/>
+              <a:t>36(4), 573–582 (2013)</a:t>
+            </a:r>
+            <a:endParaRPr lang="zh-CN" altLang="en-US" sz="1200"/>
           </a:p>
         </p:txBody>
       </p:sp>
     </p:spTree>
     <p:custDataLst>
-      <p:tags r:id="rId7"/>
+      <p:tags r:id="rId6"/>
     </p:custDataLst>
   </p:cSld>
   <p:clrMapOvr>
@@ -5961,10 +11332,74 @@
   <p:tag name="KSO_WM_UNIT_COMPATIBLE" val="0"/>
   <p:tag name="KSO_WM_UNIT_DIAGRAM_ISNUMVISUAL" val="0"/>
   <p:tag name="KSO_WM_UNIT_DIAGRAM_ISREFERUNIT" val="0"/>
-  <p:tag name="KSO_WM_UNIT_ID" val="_2**"/>
+  <p:tag name="KSO_WM_UNIT_ID" val="_3**"/>
   <p:tag name="KSO_WM_UNIT_LAYERLEVEL" val="1"/>
   <p:tag name="KSO_WM_TAG_VERSION" val="1.0"/>
   <p:tag name="KSO_WM_BEAUTIFY_FLAG" val="#wm#"/>
+</p:tagLst>
+</file>
+
+<file path=ppt/tags/tag100.xml><?xml version="1.0" encoding="utf-8"?>
+<p:tagLst xmlns:p="http://schemas.openxmlformats.org/presentationml/2006/main">
+  <p:tag name="KSO_WM_BEAUTIFY_FLAG" val=""/>
+</p:tagLst>
+</file>
+
+<file path=ppt/tags/tag101.xml><?xml version="1.0" encoding="utf-8"?>
+<p:tagLst xmlns:p="http://schemas.openxmlformats.org/presentationml/2006/main">
+  <p:tag name="KSO_WM_BEAUTIFY_FLAG" val=""/>
+</p:tagLst>
+</file>
+
+<file path=ppt/tags/tag102.xml><?xml version="1.0" encoding="utf-8"?>
+<p:tagLst xmlns:p="http://schemas.openxmlformats.org/presentationml/2006/main">
+  <p:tag name="KSO_WM_BEAUTIFY_FLAG" val=""/>
+</p:tagLst>
+</file>
+
+<file path=ppt/tags/tag103.xml><?xml version="1.0" encoding="utf-8"?>
+<p:tagLst xmlns:p="http://schemas.openxmlformats.org/presentationml/2006/main">
+  <p:tag name="KSO_WM_BEAUTIFY_FLAG" val="#wm#"/>
+  <p:tag name="KSO_WM_TEMPLATE_CATEGORY" val="custom"/>
+  <p:tag name="KSO_WM_TEMPLATE_INDEX" val="20205081"/>
+</p:tagLst>
+</file>
+
+<file path=ppt/tags/tag104.xml><?xml version="1.0" encoding="utf-8"?>
+<p:tagLst xmlns:p="http://schemas.openxmlformats.org/presentationml/2006/main">
+  <p:tag name="KSO_WM_BEAUTIFY_FLAG" val=""/>
+</p:tagLst>
+</file>
+
+<file path=ppt/tags/tag105.xml><?xml version="1.0" encoding="utf-8"?>
+<p:tagLst xmlns:p="http://schemas.openxmlformats.org/presentationml/2006/main">
+  <p:tag name="KSO_WM_BEAUTIFY_FLAG" val=""/>
+</p:tagLst>
+</file>
+
+<file path=ppt/tags/tag106.xml><?xml version="1.0" encoding="utf-8"?>
+<p:tagLst xmlns:p="http://schemas.openxmlformats.org/presentationml/2006/main">
+  <p:tag name="KSO_WM_BEAUTIFY_FLAG" val="#wm#"/>
+  <p:tag name="KSO_WM_TEMPLATE_CATEGORY" val="custom"/>
+  <p:tag name="KSO_WM_TEMPLATE_INDEX" val="20205081"/>
+</p:tagLst>
+</file>
+
+<file path=ppt/tags/tag107.xml><?xml version="1.0" encoding="utf-8"?>
+<p:tagLst xmlns:p="http://schemas.openxmlformats.org/presentationml/2006/main">
+  <p:tag name="KSO_WM_BEAUTIFY_FLAG" val=""/>
+</p:tagLst>
+</file>
+
+<file path=ppt/tags/tag108.xml><?xml version="1.0" encoding="utf-8"?>
+<p:tagLst xmlns:p="http://schemas.openxmlformats.org/presentationml/2006/main">
+  <p:tag name="KSO_WM_BEAUTIFY_FLAG" val=""/>
+</p:tagLst>
+</file>
+
+<file path=ppt/tags/tag109.xml><?xml version="1.0" encoding="utf-8"?>
+<p:tagLst xmlns:p="http://schemas.openxmlformats.org/presentationml/2006/main">
+  <p:tag name="KSO_WM_BEAUTIFY_FLAG" val=""/>
 </p:tagLst>
 </file>
 
@@ -5981,6 +11416,70 @@
 </p:tagLst>
 </file>
 
+<file path=ppt/tags/tag110.xml><?xml version="1.0" encoding="utf-8"?>
+<p:tagLst xmlns:p="http://schemas.openxmlformats.org/presentationml/2006/main">
+  <p:tag name="KSO_WM_BEAUTIFY_FLAG" val=""/>
+</p:tagLst>
+</file>
+
+<file path=ppt/tags/tag111.xml><?xml version="1.0" encoding="utf-8"?>
+<p:tagLst xmlns:p="http://schemas.openxmlformats.org/presentationml/2006/main">
+  <p:tag name="KSO_WM_BEAUTIFY_FLAG" val=""/>
+</p:tagLst>
+</file>
+
+<file path=ppt/tags/tag112.xml><?xml version="1.0" encoding="utf-8"?>
+<p:tagLst xmlns:p="http://schemas.openxmlformats.org/presentationml/2006/main">
+  <p:tag name="KSO_WM_BEAUTIFY_FLAG" val=""/>
+</p:tagLst>
+</file>
+
+<file path=ppt/tags/tag113.xml><?xml version="1.0" encoding="utf-8"?>
+<p:tagLst xmlns:p="http://schemas.openxmlformats.org/presentationml/2006/main">
+  <p:tag name="KSO_WM_BEAUTIFY_FLAG" val=""/>
+</p:tagLst>
+</file>
+
+<file path=ppt/tags/tag114.xml><?xml version="1.0" encoding="utf-8"?>
+<p:tagLst xmlns:p="http://schemas.openxmlformats.org/presentationml/2006/main">
+  <p:tag name="KSO_WM_BEAUTIFY_FLAG" val=""/>
+</p:tagLst>
+</file>
+
+<file path=ppt/tags/tag115.xml><?xml version="1.0" encoding="utf-8"?>
+<p:tagLst xmlns:p="http://schemas.openxmlformats.org/presentationml/2006/main">
+  <p:tag name="KSO_WM_BEAUTIFY_FLAG" val=""/>
+</p:tagLst>
+</file>
+
+<file path=ppt/tags/tag116.xml><?xml version="1.0" encoding="utf-8"?>
+<p:tagLst xmlns:p="http://schemas.openxmlformats.org/presentationml/2006/main">
+  <p:tag name="KSO_WM_BEAUTIFY_FLAG" val=""/>
+</p:tagLst>
+</file>
+
+<file path=ppt/tags/tag117.xml><?xml version="1.0" encoding="utf-8"?>
+<p:tagLst xmlns:p="http://schemas.openxmlformats.org/presentationml/2006/main">
+  <p:tag name="KSO_WM_BEAUTIFY_FLAG" val=""/>
+</p:tagLst>
+</file>
+
+<file path=ppt/tags/tag118.xml><?xml version="1.0" encoding="utf-8"?>
+<p:tagLst xmlns:p="http://schemas.openxmlformats.org/presentationml/2006/main">
+  <p:tag name="KSO_WM_BEAUTIFY_FLAG" val="#wm#"/>
+  <p:tag name="KSO_WM_TEMPLATE_CATEGORY" val="custom"/>
+  <p:tag name="KSO_WM_TEMPLATE_INDEX" val="20205081"/>
+</p:tagLst>
+</file>
+
+<file path=ppt/tags/tag119.xml><?xml version="1.0" encoding="utf-8"?>
+<p:tagLst xmlns:p="http://schemas.openxmlformats.org/presentationml/2006/main">
+  <p:tag name="KSO_WM_BEAUTIFY_FLAG" val=""/>
+  <p:tag name="TABLE_ENDDRAG_ORIGIN_RECT" val="640*161"/>
+  <p:tag name="TABLE_ENDDRAG_RECT" val="159*175*640*161"/>
+</p:tagLst>
+</file>
+
 <file path=ppt/tags/tag12.xml><?xml version="1.0" encoding="utf-8"?>
 <p:tagLst xmlns:p="http://schemas.openxmlformats.org/presentationml/2006/main">
   <p:tag name="KSO_WM_UNIT_HIGHLIGHT" val="0"/>
@@ -5994,6 +11493,60 @@
 </p:tagLst>
 </file>
 
+<file path=ppt/tags/tag120.xml><?xml version="1.0" encoding="utf-8"?>
+<p:tagLst xmlns:p="http://schemas.openxmlformats.org/presentationml/2006/main">
+  <p:tag name="KSO_WM_BEAUTIFY_FLAG" val="#wm#"/>
+  <p:tag name="KSO_WM_TEMPLATE_CATEGORY" val="custom"/>
+  <p:tag name="KSO_WM_TEMPLATE_INDEX" val="20205081"/>
+</p:tagLst>
+</file>
+
+<file path=ppt/tags/tag121.xml><?xml version="1.0" encoding="utf-8"?>
+<p:tagLst xmlns:p="http://schemas.openxmlformats.org/presentationml/2006/main">
+  <p:tag name="KSO_WM_BEAUTIFY_FLAG" val="#wm#"/>
+  <p:tag name="KSO_WM_TEMPLATE_CATEGORY" val="custom"/>
+  <p:tag name="KSO_WM_TEMPLATE_INDEX" val="20205081"/>
+</p:tagLst>
+</file>
+
+<file path=ppt/tags/tag122.xml><?xml version="1.0" encoding="utf-8"?>
+<p:tagLst xmlns:p="http://schemas.openxmlformats.org/presentationml/2006/main">
+  <p:tag name="KSO_WM_BEAUTIFY_FLAG" val=""/>
+</p:tagLst>
+</file>
+
+<file path=ppt/tags/tag123.xml><?xml version="1.0" encoding="utf-8"?>
+<p:tagLst xmlns:p="http://schemas.openxmlformats.org/presentationml/2006/main">
+  <p:tag name="KSO_WM_BEAUTIFY_FLAG" val=""/>
+</p:tagLst>
+</file>
+
+<file path=ppt/tags/tag124.xml><?xml version="1.0" encoding="utf-8"?>
+<p:tagLst xmlns:p="http://schemas.openxmlformats.org/presentationml/2006/main">
+  <p:tag name="KSO_WM_BEAUTIFY_FLAG" val=""/>
+</p:tagLst>
+</file>
+
+<file path=ppt/tags/tag125.xml><?xml version="1.0" encoding="utf-8"?>
+<p:tagLst xmlns:p="http://schemas.openxmlformats.org/presentationml/2006/main">
+  <p:tag name="KSO_WM_BEAUTIFY_FLAG" val=""/>
+</p:tagLst>
+</file>
+
+<file path=ppt/tags/tag126.xml><?xml version="1.0" encoding="utf-8"?>
+<p:tagLst xmlns:p="http://schemas.openxmlformats.org/presentationml/2006/main">
+  <p:tag name="KSO_WM_BEAUTIFY_FLAG" val="#wm#"/>
+  <p:tag name="KSO_WM_TEMPLATE_CATEGORY" val="custom"/>
+  <p:tag name="KSO_WM_TEMPLATE_INDEX" val="20205081"/>
+</p:tagLst>
+</file>
+
+<file path=ppt/tags/tag127.xml><?xml version="1.0" encoding="utf-8"?>
+<p:tagLst xmlns:p="http://schemas.openxmlformats.org/presentationml/2006/main">
+  <p:tag name="commondata" val="eyJoZGlkIjoiZjlhZjllYWIwZmY2OTBlODY4YmNmOWU0MThlMTUxODEifQ=="/>
+</p:tagLst>
+</file>
+
 <file path=ppt/tags/tag13.xml><?xml version="1.0" encoding="utf-8"?>
 <p:tagLst xmlns:p="http://schemas.openxmlformats.org/presentationml/2006/main">
   <p:tag name="KSO_WM_UNIT_HIGHLIGHT" val="0"/>
@@ -6026,7 +11579,7 @@
   <p:tag name="KSO_WM_UNIT_COMPATIBLE" val="0"/>
   <p:tag name="KSO_WM_UNIT_DIAGRAM_ISNUMVISUAL" val="0"/>
   <p:tag name="KSO_WM_UNIT_DIAGRAM_ISREFERUNIT" val="0"/>
-  <p:tag name="KSO_WM_UNIT_ID" val="_3**"/>
+  <p:tag name="KSO_WM_UNIT_ID" val="_4**"/>
   <p:tag name="KSO_WM_UNIT_LAYERLEVEL" val="1"/>
   <p:tag name="KSO_WM_TAG_VERSION" val="1.0"/>
   <p:tag name="KSO_WM_BEAUTIFY_FLAG" val="#wm#"/>
@@ -6117,7 +11670,7 @@
   <p:tag name="KSO_WM_UNIT_COMPATIBLE" val="0"/>
   <p:tag name="KSO_WM_UNIT_DIAGRAM_ISNUMVISUAL" val="0"/>
   <p:tag name="KSO_WM_UNIT_DIAGRAM_ISREFERUNIT" val="0"/>
-  <p:tag name="KSO_WM_UNIT_ID" val="_4**"/>
+  <p:tag name="KSO_WM_UNIT_ID" val="_5**"/>
   <p:tag name="KSO_WM_UNIT_LAYERLEVEL" val="1"/>
   <p:tag name="KSO_WM_TAG_VERSION" val="1.0"/>
   <p:tag name="KSO_WM_BEAUTIFY_FLAG" val="#wm#"/>
@@ -6221,7 +11774,7 @@
   <p:tag name="KSO_WM_UNIT_COMPATIBLE" val="0"/>
   <p:tag name="KSO_WM_UNIT_DIAGRAM_ISNUMVISUAL" val="0"/>
   <p:tag name="KSO_WM_UNIT_DIAGRAM_ISREFERUNIT" val="0"/>
-  <p:tag name="KSO_WM_UNIT_ID" val="_5**"/>
+  <p:tag name="KSO_WM_UNIT_ID" val="_6**"/>
   <p:tag name="KSO_WM_UNIT_LAYERLEVEL" val="1"/>
   <p:tag name="KSO_WM_TAG_VERSION" val="1.0"/>
   <p:tag name="KSO_WM_BEAUTIFY_FLAG" val="#wm#"/>
@@ -6286,7 +11839,7 @@
   <p:tag name="KSO_WM_UNIT_COMPATIBLE" val="0"/>
   <p:tag name="KSO_WM_UNIT_DIAGRAM_ISNUMVISUAL" val="0"/>
   <p:tag name="KSO_WM_UNIT_DIAGRAM_ISREFERUNIT" val="0"/>
-  <p:tag name="KSO_WM_UNIT_ID" val="_6**"/>
+  <p:tag name="KSO_WM_UNIT_ID" val="_7**"/>
   <p:tag name="KSO_WM_UNIT_LAYERLEVEL" val="1"/>
   <p:tag name="KSO_WM_TAG_VERSION" val="1.0"/>
   <p:tag name="KSO_WM_BEAUTIFY_FLAG" val="#wm#"/>
@@ -6325,7 +11878,7 @@
   <p:tag name="KSO_WM_UNIT_COMPATIBLE" val="0"/>
   <p:tag name="KSO_WM_UNIT_DIAGRAM_ISNUMVISUAL" val="0"/>
   <p:tag name="KSO_WM_UNIT_DIAGRAM_ISREFERUNIT" val="0"/>
-  <p:tag name="KSO_WM_UNIT_ID" val="_7**"/>
+  <p:tag name="KSO_WM_UNIT_ID" val="_8**"/>
   <p:tag name="KSO_WM_UNIT_LAYERLEVEL" val="1"/>
   <p:tag name="KSO_WM_TAG_VERSION" val="1.0"/>
   <p:tag name="KSO_WM_BEAUTIFY_FLAG" val="#wm#"/>
@@ -6416,7 +11969,7 @@
   <p:tag name="KSO_WM_UNIT_COMPATIBLE" val="0"/>
   <p:tag name="KSO_WM_UNIT_DIAGRAM_ISNUMVISUAL" val="0"/>
   <p:tag name="KSO_WM_UNIT_DIAGRAM_ISREFERUNIT" val="0"/>
-  <p:tag name="KSO_WM_UNIT_ID" val="_8**"/>
+  <p:tag name="KSO_WM_UNIT_ID" val="_9**"/>
   <p:tag name="KSO_WM_UNIT_LAYERLEVEL" val="1"/>
   <p:tag name="KSO_WM_TAG_VERSION" val="1.0"/>
   <p:tag name="KSO_WM_BEAUTIFY_FLAG" val="#wm#"/>
@@ -6481,7 +12034,7 @@
   <p:tag name="KSO_WM_UNIT_COMPATIBLE" val="0"/>
   <p:tag name="KSO_WM_UNIT_DIAGRAM_ISNUMVISUAL" val="0"/>
   <p:tag name="KSO_WM_UNIT_DIAGRAM_ISREFERUNIT" val="0"/>
-  <p:tag name="KSO_WM_UNIT_ID" val="_9**"/>
+  <p:tag name="KSO_WM_UNIT_ID" val="_10**"/>
   <p:tag name="KSO_WM_UNIT_LAYERLEVEL" val="1"/>
   <p:tag name="KSO_WM_TAG_VERSION" val="1.0"/>
   <p:tag name="KSO_WM_BEAUTIFY_FLAG" val="#wm#"/>
@@ -6546,7 +12099,7 @@
   <p:tag name="KSO_WM_UNIT_COMPATIBLE" val="0"/>
   <p:tag name="KSO_WM_UNIT_DIAGRAM_ISNUMVISUAL" val="0"/>
   <p:tag name="KSO_WM_UNIT_DIAGRAM_ISREFERUNIT" val="0"/>
-  <p:tag name="KSO_WM_UNIT_ID" val="_10**"/>
+  <p:tag name="KSO_WM_UNIT_ID" val="_11**"/>
   <p:tag name="KSO_WM_UNIT_LAYERLEVEL" val="1"/>
   <p:tag name="KSO_WM_TAG_VERSION" val="1.0"/>
   <p:tag name="KSO_WM_BEAUTIFY_FLAG" val="#wm#"/>
@@ -6611,10 +12164,12 @@
   <p:tag name="KSO_WM_UNIT_COMPATIBLE" val="0"/>
   <p:tag name="KSO_WM_UNIT_DIAGRAM_ISNUMVISUAL" val="0"/>
   <p:tag name="KSO_WM_UNIT_DIAGRAM_ISREFERUNIT" val="0"/>
-  <p:tag name="KSO_WM_UNIT_ID" val="_11**"/>
+  <p:tag name="KSO_WM_UNIT_ID" val="_0**"/>
   <p:tag name="KSO_WM_UNIT_LAYERLEVEL" val="1"/>
   <p:tag name="KSO_WM_TAG_VERSION" val="1.0"/>
   <p:tag name="KSO_WM_BEAUTIFY_FLAG" val="#wm#"/>
+  <p:tag name="KSO_WM_TEMPLATE_CATEGORY" val="custom"/>
+  <p:tag name="KSO_WM_TEMPLATE_INDEX" val="20205081"/>
 </p:tagLst>
 </file>
 
@@ -6643,8 +12198,6 @@
   <p:tag name="KSO_WM_UNIT_LAYERLEVEL" val="1"/>
   <p:tag name="KSO_WM_TAG_VERSION" val="1.0"/>
   <p:tag name="KSO_WM_BEAUTIFY_FLAG" val="#wm#"/>
-  <p:tag name="KSO_WM_TEMPLATE_CATEGORY" val="custom"/>
-  <p:tag name="KSO_WM_TEMPLATE_INDEX" val="20205081"/>
 </p:tagLst>
 </file>
 
@@ -6689,19 +12242,6 @@
 
 <file path=ppt/tags/tag61.xml><?xml version="1.0" encoding="utf-8"?>
 <p:tagLst xmlns:p="http://schemas.openxmlformats.org/presentationml/2006/main">
-  <p:tag name="KSO_WM_UNIT_HIGHLIGHT" val="0"/>
-  <p:tag name="KSO_WM_UNIT_COMPATIBLE" val="0"/>
-  <p:tag name="KSO_WM_UNIT_DIAGRAM_ISNUMVISUAL" val="0"/>
-  <p:tag name="KSO_WM_UNIT_DIAGRAM_ISREFERUNIT" val="0"/>
-  <p:tag name="KSO_WM_UNIT_ID" val="_0**"/>
-  <p:tag name="KSO_WM_UNIT_LAYERLEVEL" val="1"/>
-  <p:tag name="KSO_WM_TAG_VERSION" val="1.0"/>
-  <p:tag name="KSO_WM_BEAUTIFY_FLAG" val="#wm#"/>
-</p:tagLst>
-</file>
-
-<file path=ppt/tags/tag62.xml><?xml version="1.0" encoding="utf-8"?>
-<p:tagLst xmlns:p="http://schemas.openxmlformats.org/presentationml/2006/main">
   <p:tag name="KSO_WM_TEMPLATE_THUMBS_INDEX" val="1、4、7、12、13、14、15、16、17、18、20、24、25、28、33、36、40、43、44"/>
   <p:tag name="KSO_WM_TEMPLATE_SUBCATEGORY" val="19"/>
   <p:tag name="KSO_WM_TAG_VERSION" val="1.0"/>
@@ -6714,7 +12254,7 @@
 </p:tagLst>
 </file>
 
-<file path=ppt/tags/tag63.xml><?xml version="1.0" encoding="utf-8"?>
+<file path=ppt/tags/tag62.xml><?xml version="1.0" encoding="utf-8"?>
 <p:tagLst xmlns:p="http://schemas.openxmlformats.org/presentationml/2006/main">
   <p:tag name="KSO_WM_UNIT_ISCONTENTSTITLE" val="0"/>
   <p:tag name="KSO_WM_UNIT_ISNUMDGMTITLE" val="0"/>
@@ -6736,7 +12276,7 @@
 </p:tagLst>
 </file>
 
-<file path=ppt/tags/tag64.xml><?xml version="1.0" encoding="utf-8"?>
+<file path=ppt/tags/tag63.xml><?xml version="1.0" encoding="utf-8"?>
 <p:tagLst xmlns:p="http://schemas.openxmlformats.org/presentationml/2006/main">
   <p:tag name="KSO_WM_UNIT_ISCONTENTSTITLE" val="0"/>
   <p:tag name="KSO_WM_UNIT_ISNUMDGMTITLE" val="0"/>
@@ -6758,7 +12298,7 @@
 </p:tagLst>
 </file>
 
-<file path=ppt/tags/tag65.xml><?xml version="1.0" encoding="utf-8"?>
+<file path=ppt/tags/tag64.xml><?xml version="1.0" encoding="utf-8"?>
 <p:tagLst xmlns:p="http://schemas.openxmlformats.org/presentationml/2006/main">
   <p:tag name="KSO_WM_SLIDE_ID" val="custom20205081_1"/>
   <p:tag name="KSO_WM_TEMPLATE_SUBCATEGORY" val="19"/>
@@ -6779,6 +12319,14 @@
 </p:tagLst>
 </file>
 
+<file path=ppt/tags/tag65.xml><?xml version="1.0" encoding="utf-8"?>
+<p:tagLst xmlns:p="http://schemas.openxmlformats.org/presentationml/2006/main">
+  <p:tag name="KSO_WM_BEAUTIFY_FLAG" val="#wm#"/>
+  <p:tag name="KSO_WM_TEMPLATE_CATEGORY" val="custom"/>
+  <p:tag name="KSO_WM_TEMPLATE_INDEX" val="20205081"/>
+</p:tagLst>
+</file>
+
 <file path=ppt/tags/tag66.xml><?xml version="1.0" encoding="utf-8"?>
 <p:tagLst xmlns:p="http://schemas.openxmlformats.org/presentationml/2006/main">
   <p:tag name="KSO_WM_BEAUTIFY_FLAG" val="#wm#"/>
@@ -6789,25 +12337,19 @@
 
 <file path=ppt/tags/tag67.xml><?xml version="1.0" encoding="utf-8"?>
 <p:tagLst xmlns:p="http://schemas.openxmlformats.org/presentationml/2006/main">
-  <p:tag name="KSO_WM_BEAUTIFY_FLAG" val="#wm#"/>
-  <p:tag name="KSO_WM_TEMPLATE_CATEGORY" val="custom"/>
-  <p:tag name="KSO_WM_TEMPLATE_INDEX" val="20205081"/>
+  <p:tag name="KSO_WM_BEAUTIFY_FLAG" val=""/>
 </p:tagLst>
 </file>
 
 <file path=ppt/tags/tag68.xml><?xml version="1.0" encoding="utf-8"?>
 <p:tagLst xmlns:p="http://schemas.openxmlformats.org/presentationml/2006/main">
-  <p:tag name="KSO_WM_BEAUTIFY_FLAG" val="#wm#"/>
-  <p:tag name="KSO_WM_TEMPLATE_CATEGORY" val="custom"/>
-  <p:tag name="KSO_WM_TEMPLATE_INDEX" val="20205081"/>
+  <p:tag name="KSO_WM_BEAUTIFY_FLAG" val=""/>
 </p:tagLst>
 </file>
 
 <file path=ppt/tags/tag69.xml><?xml version="1.0" encoding="utf-8"?>
 <p:tagLst xmlns:p="http://schemas.openxmlformats.org/presentationml/2006/main">
-  <p:tag name="KSO_WM_BEAUTIFY_FLAG" val="#wm#"/>
-  <p:tag name="KSO_WM_TEMPLATE_CATEGORY" val="custom"/>
-  <p:tag name="KSO_WM_TEMPLATE_INDEX" val="20205081"/>
+  <p:tag name="KSO_WM_BEAUTIFY_FLAG" val=""/>
 </p:tagLst>
 </file>
 
@@ -6826,7 +12368,9 @@
 
 <file path=ppt/tags/tag70.xml><?xml version="1.0" encoding="utf-8"?>
 <p:tagLst xmlns:p="http://schemas.openxmlformats.org/presentationml/2006/main">
-  <p:tag name="KSO_WM_BEAUTIFY_FLAG" val=""/>
+  <p:tag name="KSO_WM_BEAUTIFY_FLAG" val="#wm#"/>
+  <p:tag name="KSO_WM_TEMPLATE_CATEGORY" val="custom"/>
+  <p:tag name="KSO_WM_TEMPLATE_INDEX" val="20205081"/>
 </p:tagLst>
 </file>
 
@@ -6843,6 +12387,18 @@
 </file>
 
 <file path=ppt/tags/tag73.xml><?xml version="1.0" encoding="utf-8"?>
+<p:tagLst xmlns:p="http://schemas.openxmlformats.org/presentationml/2006/main">
+  <p:tag name="KSO_WM_BEAUTIFY_FLAG" val=""/>
+</p:tagLst>
+</file>
+
+<file path=ppt/tags/tag74.xml><?xml version="1.0" encoding="utf-8"?>
+<p:tagLst xmlns:p="http://schemas.openxmlformats.org/presentationml/2006/main">
+  <p:tag name="KSO_WM_BEAUTIFY_FLAG" val=""/>
+</p:tagLst>
+</file>
+
+<file path=ppt/tags/tag75.xml><?xml version="1.0" encoding="utf-8"?>
 <p:tagLst xmlns:p="http://schemas.openxmlformats.org/presentationml/2006/main">
   <p:tag name="KSO_WM_BEAUTIFY_FLAG" val="#wm#"/>
   <p:tag name="KSO_WM_TEMPLATE_CATEGORY" val="custom"/>
@@ -6850,18 +12406,6 @@
 </p:tagLst>
 </file>
 
-<file path=ppt/tags/tag74.xml><?xml version="1.0" encoding="utf-8"?>
-<p:tagLst xmlns:p="http://schemas.openxmlformats.org/presentationml/2006/main">
-  <p:tag name="KSO_WM_BEAUTIFY_FLAG" val=""/>
-</p:tagLst>
-</file>
-
-<file path=ppt/tags/tag75.xml><?xml version="1.0" encoding="utf-8"?>
-<p:tagLst xmlns:p="http://schemas.openxmlformats.org/presentationml/2006/main">
-  <p:tag name="KSO_WM_BEAUTIFY_FLAG" val=""/>
-</p:tagLst>
-</file>
-
 <file path=ppt/tags/tag76.xml><?xml version="1.0" encoding="utf-8"?>
 <p:tagLst xmlns:p="http://schemas.openxmlformats.org/presentationml/2006/main">
   <p:tag name="KSO_WM_BEAUTIFY_FLAG" val=""/>
@@ -6870,9 +12414,7 @@
 
 <file path=ppt/tags/tag77.xml><?xml version="1.0" encoding="utf-8"?>
 <p:tagLst xmlns:p="http://schemas.openxmlformats.org/presentationml/2006/main">
-  <p:tag name="KSO_WM_BEAUTIFY_FLAG" val="#wm#"/>
-  <p:tag name="KSO_WM_TEMPLATE_CATEGORY" val="custom"/>
-  <p:tag name="KSO_WM_TEMPLATE_INDEX" val="20205081"/>
+  <p:tag name="KSO_WM_BEAUTIFY_FLAG" val=""/>
 </p:tagLst>
 </file>
 
@@ -6909,7 +12451,9 @@
 
 <file path=ppt/tags/tag81.xml><?xml version="1.0" encoding="utf-8"?>
 <p:tagLst xmlns:p="http://schemas.openxmlformats.org/presentationml/2006/main">
-  <p:tag name="KSO_WM_BEAUTIFY_FLAG" val=""/>
+  <p:tag name="KSO_WM_BEAUTIFY_FLAG" val="#wm#"/>
+  <p:tag name="KSO_WM_TEMPLATE_CATEGORY" val="custom"/>
+  <p:tag name="KSO_WM_TEMPLATE_INDEX" val="20205081"/>
 </p:tagLst>
 </file>
 
@@ -6932,6 +12476,12 @@
 </file>
 
 <file path=ppt/tags/tag85.xml><?xml version="1.0" encoding="utf-8"?>
+<p:tagLst xmlns:p="http://schemas.openxmlformats.org/presentationml/2006/main">
+  <p:tag name="KSO_WM_BEAUTIFY_FLAG" val=""/>
+</p:tagLst>
+</file>
+
+<file path=ppt/tags/tag86.xml><?xml version="1.0" encoding="utf-8"?>
 <p:tagLst xmlns:p="http://schemas.openxmlformats.org/presentationml/2006/main">
   <p:tag name="KSO_WM_BEAUTIFY_FLAG" val="#wm#"/>
   <p:tag name="KSO_WM_TEMPLATE_CATEGORY" val="custom"/>
@@ -6939,12 +12489,6 @@
 </p:tagLst>
 </file>
 
-<file path=ppt/tags/tag86.xml><?xml version="1.0" encoding="utf-8"?>
-<p:tagLst xmlns:p="http://schemas.openxmlformats.org/presentationml/2006/main">
-  <p:tag name="KSO_WM_BEAUTIFY_FLAG" val=""/>
-</p:tagLst>
-</file>
-
 <file path=ppt/tags/tag87.xml><?xml version="1.0" encoding="utf-8"?>
 <p:tagLst xmlns:p="http://schemas.openxmlformats.org/presentationml/2006/main">
   <p:tag name="KSO_WM_BEAUTIFY_FLAG" val=""/>
@@ -6959,9 +12503,7 @@
 
 <file path=ppt/tags/tag89.xml><?xml version="1.0" encoding="utf-8"?>
 <p:tagLst xmlns:p="http://schemas.openxmlformats.org/presentationml/2006/main">
-  <p:tag name="KSO_WM_BEAUTIFY_FLAG" val="#wm#"/>
-  <p:tag name="KSO_WM_TEMPLATE_CATEGORY" val="custom"/>
-  <p:tag name="KSO_WM_TEMPLATE_INDEX" val="20205081"/>
+  <p:tag name="KSO_WM_BEAUTIFY_FLAG" val=""/>
 </p:tagLst>
 </file>
 
@@ -6992,13 +12534,29 @@
 
 <file path=ppt/tags/tag92.xml><?xml version="1.0" encoding="utf-8"?>
 <p:tagLst xmlns:p="http://schemas.openxmlformats.org/presentationml/2006/main">
-  <p:tag name="KSO_WM_BEAUTIFY_FLAG" val="#wm#"/>
-  <p:tag name="KSO_WM_TEMPLATE_CATEGORY" val="custom"/>
-  <p:tag name="KSO_WM_TEMPLATE_INDEX" val="20205081"/>
+  <p:tag name="KSO_WM_BEAUTIFY_FLAG" val=""/>
 </p:tagLst>
 </file>
 
 <file path=ppt/tags/tag93.xml><?xml version="1.0" encoding="utf-8"?>
+<p:tagLst xmlns:p="http://schemas.openxmlformats.org/presentationml/2006/main">
+  <p:tag name="KSO_WM_BEAUTIFY_FLAG" val=""/>
+</p:tagLst>
+</file>
+
+<file path=ppt/tags/tag94.xml><?xml version="1.0" encoding="utf-8"?>
+<p:tagLst xmlns:p="http://schemas.openxmlformats.org/presentationml/2006/main">
+  <p:tag name="KSO_WM_BEAUTIFY_FLAG" val=""/>
+</p:tagLst>
+</file>
+
+<file path=ppt/tags/tag95.xml><?xml version="1.0" encoding="utf-8"?>
+<p:tagLst xmlns:p="http://schemas.openxmlformats.org/presentationml/2006/main">
+  <p:tag name="KSO_WM_BEAUTIFY_FLAG" val=""/>
+</p:tagLst>
+</file>
+
+<file path=ppt/tags/tag96.xml><?xml version="1.0" encoding="utf-8"?>
 <p:tagLst xmlns:p="http://schemas.openxmlformats.org/presentationml/2006/main">
   <p:tag name="KSO_WM_BEAUTIFY_FLAG" val="#wm#"/>
   <p:tag name="KSO_WM_TEMPLATE_CATEGORY" val="custom"/>
@@ -7006,9 +12564,23 @@
 </p:tagLst>
 </file>
 
-<file path=ppt/tags/tag94.xml><?xml version="1.0" encoding="utf-8"?>
+<file path=ppt/tags/tag97.xml><?xml version="1.0" encoding="utf-8"?>
 <p:tagLst xmlns:p="http://schemas.openxmlformats.org/presentationml/2006/main">
-  <p:tag name="commondata" val="eyJoZGlkIjoiZjlhZjllYWIwZmY2OTBlODY4YmNmOWU0MThlMTUxODEifQ=="/>
+  <p:tag name="KSO_WM_BEAUTIFY_FLAG" val=""/>
+</p:tagLst>
+</file>
+
+<file path=ppt/tags/tag98.xml><?xml version="1.0" encoding="utf-8"?>
+<p:tagLst xmlns:p="http://schemas.openxmlformats.org/presentationml/2006/main">
+  <p:tag name="KSO_WM_BEAUTIFY_FLAG" val=""/>
+</p:tagLst>
+</file>
+
+<file path=ppt/tags/tag99.xml><?xml version="1.0" encoding="utf-8"?>
+<p:tagLst xmlns:p="http://schemas.openxmlformats.org/presentationml/2006/main">
+  <p:tag name="KSO_WM_BEAUTIFY_FLAG" val="#wm#"/>
+  <p:tag name="KSO_WM_TEMPLATE_CATEGORY" val="custom"/>
+  <p:tag name="KSO_WM_TEMPLATE_INDEX" val="20205081"/>
 </p:tagLst>
 </file>
 
@@ -7201,4 +12773,263 @@
     </a:ext>
   </a:extLst>
 </a:theme>
+</file>
+
+<file path=ppt/theme/theme2.xml><?xml version="1.0" encoding="utf-8"?>
+<a:theme xmlns:a="http://schemas.openxmlformats.org/drawingml/2006/main" name="Office 主题">
+  <a:themeElements>
+    <a:clrScheme name="Office">
+      <a:dk1>
+        <a:sysClr val="windowText" lastClr="000000"/>
+      </a:dk1>
+      <a:lt1>
+        <a:sysClr val="window" lastClr="FFFFFF"/>
+      </a:lt1>
+      <a:dk2>
+        <a:srgbClr val="44546A"/>
+      </a:dk2>
+      <a:lt2>
+        <a:srgbClr val="E7E6E6"/>
+      </a:lt2>
+      <a:accent1>
+        <a:srgbClr val="5B9BD5"/>
+      </a:accent1>
+      <a:accent2>
+        <a:srgbClr val="ED7D31"/>
+      </a:accent2>
+      <a:accent3>
+        <a:srgbClr val="A5A5A5"/>
+      </a:accent3>
+      <a:accent4>
+        <a:srgbClr val="FFC000"/>
+      </a:accent4>
+      <a:accent5>
+        <a:srgbClr val="4472C4"/>
+      </a:accent5>
+      <a:accent6>
+        <a:srgbClr val="70AD47"/>
+      </a:accent6>
+      <a:hlink>
+        <a:srgbClr val="0563C1"/>
+      </a:hlink>
+      <a:folHlink>
+        <a:srgbClr val="954F72"/>
+      </a:folHlink>
+    </a:clrScheme>
+    <a:fontScheme name="Office">
+      <a:majorFont>
+        <a:latin typeface="Calibri Light"/>
+        <a:ea typeface=""/>
+        <a:cs typeface=""/>
+        <a:font script="Jpan" typeface="ＭＳ Ｐゴシック"/>
+        <a:font script="Hang" typeface="맑은 고딕"/>
+        <a:font script="Hans" typeface="宋体"/>
+        <a:font script="Hant" typeface="新細明體"/>
+        <a:font script="Arab" typeface="Times New Roman"/>
+        <a:font script="Hebr" typeface="Times New Roman"/>
+        <a:font script="Thai" typeface="Angsana New"/>
+        <a:font script="Ethi" typeface="Nyala"/>
+        <a:font script="Beng" typeface="Vrinda"/>
+        <a:font script="Gujr" typeface="Shruti"/>
+        <a:font script="Khmr" typeface="MoolBoran"/>
+        <a:font script="Knda" typeface="Tunga"/>
+        <a:font script="Guru" typeface="Raavi"/>
+        <a:font script="Cans" typeface="Euphemia"/>
+        <a:font script="Cher" typeface="Plantagenet Cherokee"/>
+        <a:font script="Yiii" typeface="Microsoft Yi Baiti"/>
+        <a:font script="Tibt" typeface="Microsoft Himalaya"/>
+        <a:font script="Thaa" typeface="MV Boli"/>
+        <a:font script="Deva" typeface="Mangal"/>
+        <a:font script="Telu" typeface="Gautami"/>
+        <a:font script="Taml" typeface="Latha"/>
+        <a:font script="Syrc" typeface="Estrangelo Edessa"/>
+        <a:font script="Orya" typeface="Kalinga"/>
+        <a:font script="Mlym" typeface="Kartika"/>
+        <a:font script="Laoo" typeface="DokChampa"/>
+        <a:font script="Sinh" typeface="Iskoola Pota"/>
+        <a:font script="Mong" typeface="Mongolian Baiti"/>
+        <a:font script="Viet" typeface="Times New Roman"/>
+        <a:font script="Uigh" typeface="Microsoft Uighur"/>
+        <a:font script="Geor" typeface="Sylfaen"/>
+      </a:majorFont>
+      <a:minorFont>
+        <a:latin typeface="Calibri"/>
+        <a:ea typeface=""/>
+        <a:cs typeface=""/>
+        <a:font script="Jpan" typeface="ＭＳ Ｐゴシック"/>
+        <a:font script="Hang" typeface="맑은 고딕"/>
+        <a:font script="Hans" typeface="宋体"/>
+        <a:font script="Hant" typeface="新細明體"/>
+        <a:font script="Arab" typeface="Arial"/>
+        <a:font script="Hebr" typeface="Arial"/>
+        <a:font script="Thai" typeface="Cordia New"/>
+        <a:font script="Ethi" typeface="Nyala"/>
+        <a:font script="Beng" typeface="Vrinda"/>
+        <a:font script="Gujr" typeface="Shruti"/>
+        <a:font script="Khmr" typeface="DaunPenh"/>
+        <a:font script="Knda" typeface="Tunga"/>
+        <a:font script="Guru" typeface="Raavi"/>
+        <a:font script="Cans" typeface="Euphemia"/>
+        <a:font script="Cher" typeface="Plantagenet Cherokee"/>
+        <a:font script="Yiii" typeface="Microsoft Yi Baiti"/>
+        <a:font script="Tibt" typeface="Microsoft Himalaya"/>
+        <a:font script="Thaa" typeface="MV Boli"/>
+        <a:font script="Deva" typeface="Mangal"/>
+        <a:font script="Telu" typeface="Gautami"/>
+        <a:font script="Taml" typeface="Latha"/>
+        <a:font script="Syrc" typeface="Estrangelo Edessa"/>
+        <a:font script="Orya" typeface="Kalinga"/>
+        <a:font script="Mlym" typeface="Kartika"/>
+        <a:font script="Laoo" typeface="DokChampa"/>
+        <a:font script="Sinh" typeface="Iskoola Pota"/>
+        <a:font script="Mong" typeface="Mongolian Baiti"/>
+        <a:font script="Viet" typeface="Arial"/>
+        <a:font script="Uigh" typeface="Microsoft Uighur"/>
+        <a:font script="Geor" typeface="Sylfaen"/>
+      </a:minorFont>
+    </a:fontScheme>
+    <a:fmtScheme name="Office">
+      <a:fillStyleLst>
+        <a:solidFill>
+          <a:schemeClr val="phClr"/>
+        </a:solidFill>
+        <a:gradFill rotWithShape="1">
+          <a:gsLst>
+            <a:gs pos="0">
+              <a:schemeClr val="phClr">
+                <a:lumMod val="110000"/>
+                <a:satMod val="105000"/>
+                <a:tint val="67000"/>
+              </a:schemeClr>
+            </a:gs>
+            <a:gs pos="50000">
+              <a:schemeClr val="phClr">
+                <a:lumMod val="105000"/>
+                <a:satMod val="103000"/>
+                <a:tint val="73000"/>
+              </a:schemeClr>
+            </a:gs>
+            <a:gs pos="100000">
+              <a:schemeClr val="phClr">
+                <a:lumMod val="105000"/>
+                <a:satMod val="109000"/>
+                <a:tint val="81000"/>
+              </a:schemeClr>
+            </a:gs>
+          </a:gsLst>
+          <a:lin ang="5400000" scaled="0"/>
+        </a:gradFill>
+        <a:gradFill rotWithShape="1">
+          <a:gsLst>
+            <a:gs pos="0">
+              <a:schemeClr val="phClr">
+                <a:satMod val="103000"/>
+                <a:lumMod val="102000"/>
+                <a:tint val="94000"/>
+              </a:schemeClr>
+            </a:gs>
+            <a:gs pos="50000">
+              <a:schemeClr val="phClr">
+                <a:satMod val="110000"/>
+                <a:lumMod val="100000"/>
+                <a:shade val="100000"/>
+              </a:schemeClr>
+            </a:gs>
+            <a:gs pos="100000">
+              <a:schemeClr val="phClr">
+                <a:lumMod val="99000"/>
+                <a:satMod val="120000"/>
+                <a:shade val="78000"/>
+              </a:schemeClr>
+            </a:gs>
+          </a:gsLst>
+          <a:lin ang="5400000" scaled="0"/>
+        </a:gradFill>
+      </a:fillStyleLst>
+      <a:lnStyleLst>
+        <a:ln w="6350" cap="flat" cmpd="sng" algn="ctr">
+          <a:solidFill>
+            <a:schemeClr val="phClr"/>
+          </a:solidFill>
+          <a:prstDash val="solid"/>
+          <a:miter lim="800000"/>
+        </a:ln>
+        <a:ln w="12700" cap="flat" cmpd="sng" algn="ctr">
+          <a:solidFill>
+            <a:schemeClr val="phClr"/>
+          </a:solidFill>
+          <a:prstDash val="solid"/>
+          <a:miter lim="800000"/>
+        </a:ln>
+        <a:ln w="19050" cap="flat" cmpd="sng" algn="ctr">
+          <a:solidFill>
+            <a:schemeClr val="phClr"/>
+          </a:solidFill>
+          <a:prstDash val="solid"/>
+          <a:miter lim="800000"/>
+        </a:ln>
+      </a:lnStyleLst>
+      <a:effectStyleLst>
+        <a:effectStyle>
+          <a:effectLst/>
+        </a:effectStyle>
+        <a:effectStyle>
+          <a:effectLst/>
+        </a:effectStyle>
+        <a:effectStyle>
+          <a:effectLst>
+            <a:outerShdw blurRad="57150" dist="19050" dir="5400000" algn="ctr" rotWithShape="0">
+              <a:srgbClr val="000000">
+                <a:alpha val="63000"/>
+              </a:srgbClr>
+            </a:outerShdw>
+          </a:effectLst>
+        </a:effectStyle>
+      </a:effectStyleLst>
+      <a:bgFillStyleLst>
+        <a:solidFill>
+          <a:schemeClr val="phClr"/>
+        </a:solidFill>
+        <a:solidFill>
+          <a:schemeClr val="phClr">
+            <a:tint val="95000"/>
+            <a:satMod val="170000"/>
+          </a:schemeClr>
+        </a:solidFill>
+        <a:gradFill rotWithShape="1">
+          <a:gsLst>
+            <a:gs pos="0">
+              <a:schemeClr val="phClr">
+                <a:tint val="93000"/>
+                <a:satMod val="150000"/>
+                <a:shade val="98000"/>
+                <a:lumMod val="102000"/>
+              </a:schemeClr>
+            </a:gs>
+            <a:gs pos="50000">
+              <a:schemeClr val="phClr">
+                <a:tint val="98000"/>
+                <a:satMod val="130000"/>
+                <a:shade val="90000"/>
+                <a:lumMod val="103000"/>
+              </a:schemeClr>
+            </a:gs>
+            <a:gs pos="100000">
+              <a:schemeClr val="phClr">
+                <a:shade val="63000"/>
+                <a:satMod val="120000"/>
+              </a:schemeClr>
+            </a:gs>
+          </a:gsLst>
+          <a:lin ang="5400000" scaled="0"/>
+        </a:gradFill>
+      </a:bgFillStyleLst>
+    </a:fmtScheme>
+  </a:themeElements>
+  <a:extLst>
+    <a:ext uri="{05A4C25C-085E-4340-85A3-A5531E510DB2}">
+      <thm15:themeFamily xmlns:thm15="http://schemas.microsoft.com/office/thememl/2012/main" name="Office Theme" id="{62F939B6-93AF-4DB8-9C6B-D6C7DFDC589F}" vid="{4A3C46E8-61CC-4603-A589-7422A47A8E4A}"/>
+    </a:ext>
+  </a:extLst>
+</a:theme>
 </file>